--- a/Part_02/Section03.pptx
+++ b/Part_02/Section03.pptx
@@ -4,6 +4,13 @@
   <p:sldMasterIdLst>
     <p:sldMasterId id="2147483648" r:id="rId1"/>
   </p:sldMasterIdLst>
+  <p:sldIdLst>
+    <p:sldId id="256" r:id="rId2"/>
+    <p:sldId id="257" r:id="rId3"/>
+    <p:sldId id="258" r:id="rId4"/>
+    <p:sldId id="259" r:id="rId5"/>
+    <p:sldId id="260" r:id="rId6"/>
+  </p:sldIdLst>
   <p:sldSz cx="12192000" cy="6858000"/>
   <p:notesSz cx="6858000" cy="9144000"/>
   <p:defaultTextStyle>
@@ -101,6 +108,11 @@
       </a:defRPr>
     </a:lvl9pPr>
   </p:defaultTextStyle>
+  <p:extLst>
+    <p:ext uri="{EFAFB233-063F-42B5-8137-9DF3F51BA10A}">
+      <p15:sldGuideLst xmlns:p15="http://schemas.microsoft.com/office/powerpoint/2012/main"/>
+    </p:ext>
+  </p:extLst>
 </p:presentation>
 </file>
 
@@ -235,7 +247,7 @@
           <a:p>
             <a:fld id="{816A8EE7-6A8D-452B-B8C3-E64C291F1CAD}" type="datetimeFigureOut">
               <a:rPr lang="en-US" smtClean="0"/>
-              <a:t>10/19/2018</a:t>
+              <a:t>11/3/2018</a:t>
             </a:fld>
             <a:endParaRPr lang="en-US"/>
           </a:p>
@@ -405,7 +417,7 @@
           <a:p>
             <a:fld id="{816A8EE7-6A8D-452B-B8C3-E64C291F1CAD}" type="datetimeFigureOut">
               <a:rPr lang="en-US" smtClean="0"/>
-              <a:t>10/19/2018</a:t>
+              <a:t>11/3/2018</a:t>
             </a:fld>
             <a:endParaRPr lang="en-US"/>
           </a:p>
@@ -585,7 +597,7 @@
           <a:p>
             <a:fld id="{816A8EE7-6A8D-452B-B8C3-E64C291F1CAD}" type="datetimeFigureOut">
               <a:rPr lang="en-US" smtClean="0"/>
-              <a:t>10/19/2018</a:t>
+              <a:t>11/3/2018</a:t>
             </a:fld>
             <a:endParaRPr lang="en-US"/>
           </a:p>
@@ -755,7 +767,7 @@
           <a:p>
             <a:fld id="{816A8EE7-6A8D-452B-B8C3-E64C291F1CAD}" type="datetimeFigureOut">
               <a:rPr lang="en-US" smtClean="0"/>
-              <a:t>10/19/2018</a:t>
+              <a:t>11/3/2018</a:t>
             </a:fld>
             <a:endParaRPr lang="en-US"/>
           </a:p>
@@ -1001,7 +1013,7 @@
           <a:p>
             <a:fld id="{816A8EE7-6A8D-452B-B8C3-E64C291F1CAD}" type="datetimeFigureOut">
               <a:rPr lang="en-US" smtClean="0"/>
-              <a:t>10/19/2018</a:t>
+              <a:t>11/3/2018</a:t>
             </a:fld>
             <a:endParaRPr lang="en-US"/>
           </a:p>
@@ -1233,7 +1245,7 @@
           <a:p>
             <a:fld id="{816A8EE7-6A8D-452B-B8C3-E64C291F1CAD}" type="datetimeFigureOut">
               <a:rPr lang="en-US" smtClean="0"/>
-              <a:t>10/19/2018</a:t>
+              <a:t>11/3/2018</a:t>
             </a:fld>
             <a:endParaRPr lang="en-US"/>
           </a:p>
@@ -1600,7 +1612,7 @@
           <a:p>
             <a:fld id="{816A8EE7-6A8D-452B-B8C3-E64C291F1CAD}" type="datetimeFigureOut">
               <a:rPr lang="en-US" smtClean="0"/>
-              <a:t>10/19/2018</a:t>
+              <a:t>11/3/2018</a:t>
             </a:fld>
             <a:endParaRPr lang="en-US"/>
           </a:p>
@@ -1718,7 +1730,7 @@
           <a:p>
             <a:fld id="{816A8EE7-6A8D-452B-B8C3-E64C291F1CAD}" type="datetimeFigureOut">
               <a:rPr lang="en-US" smtClean="0"/>
-              <a:t>10/19/2018</a:t>
+              <a:t>11/3/2018</a:t>
             </a:fld>
             <a:endParaRPr lang="en-US"/>
           </a:p>
@@ -1813,7 +1825,7 @@
           <a:p>
             <a:fld id="{816A8EE7-6A8D-452B-B8C3-E64C291F1CAD}" type="datetimeFigureOut">
               <a:rPr lang="en-US" smtClean="0"/>
-              <a:t>10/19/2018</a:t>
+              <a:t>11/3/2018</a:t>
             </a:fld>
             <a:endParaRPr lang="en-US"/>
           </a:p>
@@ -2090,7 +2102,7 @@
           <a:p>
             <a:fld id="{816A8EE7-6A8D-452B-B8C3-E64C291F1CAD}" type="datetimeFigureOut">
               <a:rPr lang="en-US" smtClean="0"/>
-              <a:t>10/19/2018</a:t>
+              <a:t>11/3/2018</a:t>
             </a:fld>
             <a:endParaRPr lang="en-US"/>
           </a:p>
@@ -2343,7 +2355,7 @@
           <a:p>
             <a:fld id="{816A8EE7-6A8D-452B-B8C3-E64C291F1CAD}" type="datetimeFigureOut">
               <a:rPr lang="en-US" smtClean="0"/>
-              <a:t>10/19/2018</a:t>
+              <a:t>11/3/2018</a:t>
             </a:fld>
             <a:endParaRPr lang="en-US"/>
           </a:p>
@@ -2556,7 +2568,7 @@
           <a:p>
             <a:fld id="{816A8EE7-6A8D-452B-B8C3-E64C291F1CAD}" type="datetimeFigureOut">
               <a:rPr lang="en-US" smtClean="0"/>
-              <a:t>10/19/2018</a:t>
+              <a:t>11/3/2018</a:t>
             </a:fld>
             <a:endParaRPr lang="en-US"/>
           </a:p>
@@ -2944,6 +2956,446 @@
 </p:sldMaster>
 </file>
 
+<file path=ppt/slides/slide1.xml><?xml version="1.0" encoding="utf-8"?>
+<p:sld xmlns:a="http://schemas.openxmlformats.org/drawingml/2006/main" xmlns:r="http://schemas.openxmlformats.org/officeDocument/2006/relationships" xmlns:p="http://schemas.openxmlformats.org/presentationml/2006/main">
+  <p:cSld>
+    <p:spTree>
+      <p:nvGrpSpPr>
+        <p:cNvPr id="1" name=""/>
+        <p:cNvGrpSpPr/>
+        <p:nvPr/>
+      </p:nvGrpSpPr>
+      <p:grpSpPr>
+        <a:xfrm>
+          <a:off x="0" y="0"/>
+          <a:ext cx="0" cy="0"/>
+          <a:chOff x="0" y="0"/>
+          <a:chExt cx="0" cy="0"/>
+        </a:xfrm>
+      </p:grpSpPr>
+      <p:sp>
+        <p:nvSpPr>
+          <p:cNvPr id="2" name="Title 1"/>
+          <p:cNvSpPr>
+            <a:spLocks noGrp="1"/>
+          </p:cNvSpPr>
+          <p:nvPr>
+            <p:ph type="ctrTitle"/>
+          </p:nvPr>
+        </p:nvSpPr>
+        <p:spPr/>
+        <p:txBody>
+          <a:bodyPr/>
+          <a:lstStyle/>
+          <a:p>
+            <a:r>
+              <a:rPr lang="en-US" dirty="0" smtClean="0"/>
+              <a:t>HECC 2018</a:t>
+            </a:r>
+            <a:endParaRPr lang="en-US" dirty="0"/>
+          </a:p>
+        </p:txBody>
+      </p:sp>
+      <p:sp>
+        <p:nvSpPr>
+          <p:cNvPr id="3" name="Subtitle 2"/>
+          <p:cNvSpPr>
+            <a:spLocks noGrp="1"/>
+          </p:cNvSpPr>
+          <p:nvPr>
+            <p:ph type="subTitle" idx="1"/>
+          </p:nvPr>
+        </p:nvSpPr>
+        <p:spPr/>
+        <p:txBody>
+          <a:bodyPr/>
+          <a:lstStyle/>
+          <a:p>
+            <a:r>
+              <a:rPr lang="en-US" dirty="0" smtClean="0"/>
+              <a:t>2054 </a:t>
+            </a:r>
+            <a:r>
+              <a:rPr lang="en-US" dirty="0"/>
+              <a:t>- Deploying Windows 10 With MDT (Part </a:t>
+            </a:r>
+            <a:r>
+              <a:rPr lang="en-US" dirty="0" smtClean="0"/>
+              <a:t>2)</a:t>
+            </a:r>
+            <a:endParaRPr lang="en-US" dirty="0"/>
+          </a:p>
+        </p:txBody>
+      </p:sp>
+    </p:spTree>
+    <p:extLst>
+      <p:ext uri="{BB962C8B-B14F-4D97-AF65-F5344CB8AC3E}">
+        <p14:creationId xmlns:p14="http://schemas.microsoft.com/office/powerpoint/2010/main" val="2208404744"/>
+      </p:ext>
+    </p:extLst>
+  </p:cSld>
+  <p:clrMapOvr>
+    <a:masterClrMapping/>
+  </p:clrMapOvr>
+</p:sld>
+</file>
+
+<file path=ppt/slides/slide2.xml><?xml version="1.0" encoding="utf-8"?>
+<p:sld xmlns:a="http://schemas.openxmlformats.org/drawingml/2006/main" xmlns:r="http://schemas.openxmlformats.org/officeDocument/2006/relationships" xmlns:p="http://schemas.openxmlformats.org/presentationml/2006/main">
+  <p:cSld>
+    <p:spTree>
+      <p:nvGrpSpPr>
+        <p:cNvPr id="1" name=""/>
+        <p:cNvGrpSpPr/>
+        <p:nvPr/>
+      </p:nvGrpSpPr>
+      <p:grpSpPr>
+        <a:xfrm>
+          <a:off x="0" y="0"/>
+          <a:ext cx="0" cy="0"/>
+          <a:chOff x="0" y="0"/>
+          <a:chExt cx="0" cy="0"/>
+        </a:xfrm>
+      </p:grpSpPr>
+      <p:sp>
+        <p:nvSpPr>
+          <p:cNvPr id="2" name="Title 1"/>
+          <p:cNvSpPr>
+            <a:spLocks noGrp="1"/>
+          </p:cNvSpPr>
+          <p:nvPr>
+            <p:ph type="title"/>
+          </p:nvPr>
+        </p:nvSpPr>
+        <p:spPr>
+          <a:xfrm>
+            <a:off x="838200" y="365125"/>
+            <a:ext cx="10515600" cy="999651"/>
+          </a:xfrm>
+        </p:spPr>
+        <p:txBody>
+          <a:bodyPr/>
+          <a:lstStyle/>
+          <a:p>
+            <a:r>
+              <a:rPr lang="en-US" dirty="0" smtClean="0"/>
+              <a:t>Agenda</a:t>
+            </a:r>
+            <a:endParaRPr lang="en-US" dirty="0"/>
+          </a:p>
+        </p:txBody>
+      </p:sp>
+      <p:sp>
+        <p:nvSpPr>
+          <p:cNvPr id="3" name="Content Placeholder 2"/>
+          <p:cNvSpPr>
+            <a:spLocks noGrp="1"/>
+          </p:cNvSpPr>
+          <p:nvPr>
+            <p:ph idx="1"/>
+          </p:nvPr>
+        </p:nvSpPr>
+        <p:spPr>
+          <a:xfrm>
+            <a:off x="838200" y="1380698"/>
+            <a:ext cx="10342830" cy="4921369"/>
+          </a:xfrm>
+        </p:spPr>
+        <p:txBody>
+          <a:bodyPr>
+            <a:normAutofit/>
+          </a:bodyPr>
+          <a:lstStyle/>
+          <a:p>
+            <a:r>
+              <a:rPr lang="en-US" dirty="0"/>
+              <a:t>Build, Capture, Automation</a:t>
+            </a:r>
+            <a:endParaRPr lang="en-US" dirty="0" smtClean="0"/>
+          </a:p>
+          <a:p>
+            <a:pPr lvl="1"/>
+            <a:r>
+              <a:rPr lang="en-US" dirty="0"/>
+              <a:t>Build and </a:t>
+            </a:r>
+            <a:r>
+              <a:rPr lang="en-US" dirty="0" smtClean="0"/>
+              <a:t>Capture</a:t>
+            </a:r>
+          </a:p>
+          <a:p>
+            <a:pPr lvl="1"/>
+            <a:r>
+              <a:rPr lang="en-US" dirty="0"/>
+              <a:t>Image Factory </a:t>
+            </a:r>
+            <a:endParaRPr lang="en-US" dirty="0" smtClean="0"/>
+          </a:p>
+          <a:p>
+            <a:pPr lvl="2"/>
+            <a:r>
+              <a:rPr lang="en-US" dirty="0" smtClean="0"/>
+              <a:t>Factory </a:t>
+            </a:r>
+            <a:r>
+              <a:rPr lang="en-US" dirty="0"/>
+              <a:t>Setup</a:t>
+            </a:r>
+          </a:p>
+          <a:p>
+            <a:pPr lvl="2"/>
+            <a:r>
+              <a:rPr lang="en-US" dirty="0" smtClean="0"/>
+              <a:t>Process</a:t>
+            </a:r>
+          </a:p>
+          <a:p>
+            <a:pPr lvl="1"/>
+            <a:r>
+              <a:rPr lang="en-US" dirty="0" smtClean="0"/>
+              <a:t>Demo</a:t>
+            </a:r>
+          </a:p>
+          <a:p>
+            <a:pPr lvl="1"/>
+            <a:r>
+              <a:rPr lang="en-US" dirty="0" smtClean="0"/>
+              <a:t>Questions</a:t>
+            </a:r>
+            <a:endParaRPr lang="en-US" dirty="0" smtClean="0"/>
+          </a:p>
+        </p:txBody>
+      </p:sp>
+    </p:spTree>
+    <p:extLst>
+      <p:ext uri="{BB962C8B-B14F-4D97-AF65-F5344CB8AC3E}">
+        <p14:creationId xmlns:p14="http://schemas.microsoft.com/office/powerpoint/2010/main" val="2955468189"/>
+      </p:ext>
+    </p:extLst>
+  </p:cSld>
+  <p:clrMapOvr>
+    <a:masterClrMapping/>
+  </p:clrMapOvr>
+  <p:timing>
+    <p:tnLst>
+      <p:par>
+        <p:cTn id="1" dur="indefinite" restart="never" nodeType="tmRoot"/>
+      </p:par>
+    </p:tnLst>
+  </p:timing>
+</p:sld>
+</file>
+
+<file path=ppt/slides/slide3.xml><?xml version="1.0" encoding="utf-8"?>
+<p:sld xmlns:a="http://schemas.openxmlformats.org/drawingml/2006/main" xmlns:r="http://schemas.openxmlformats.org/officeDocument/2006/relationships" xmlns:p="http://schemas.openxmlformats.org/presentationml/2006/main">
+  <p:cSld>
+    <p:spTree>
+      <p:nvGrpSpPr>
+        <p:cNvPr id="1" name=""/>
+        <p:cNvGrpSpPr/>
+        <p:nvPr/>
+      </p:nvGrpSpPr>
+      <p:grpSpPr>
+        <a:xfrm>
+          <a:off x="0" y="0"/>
+          <a:ext cx="0" cy="0"/>
+          <a:chOff x="0" y="0"/>
+          <a:chExt cx="0" cy="0"/>
+        </a:xfrm>
+      </p:grpSpPr>
+      <p:sp>
+        <p:nvSpPr>
+          <p:cNvPr id="2" name="Title 1"/>
+          <p:cNvSpPr>
+            <a:spLocks noGrp="1"/>
+          </p:cNvSpPr>
+          <p:nvPr>
+            <p:ph type="title"/>
+          </p:nvPr>
+        </p:nvSpPr>
+        <p:spPr>
+          <a:xfrm>
+            <a:off x="838200" y="365125"/>
+            <a:ext cx="10515600" cy="5461934"/>
+          </a:xfrm>
+        </p:spPr>
+        <p:txBody>
+          <a:bodyPr>
+            <a:normAutofit/>
+          </a:bodyPr>
+          <a:lstStyle/>
+          <a:p>
+            <a:pPr algn="ctr"/>
+            <a:r>
+              <a:rPr lang="en-US" sz="16600" dirty="0" smtClean="0"/>
+              <a:t>Demo</a:t>
+            </a:r>
+            <a:endParaRPr lang="en-US" sz="16600" dirty="0"/>
+          </a:p>
+        </p:txBody>
+      </p:sp>
+    </p:spTree>
+    <p:extLst>
+      <p:ext uri="{BB962C8B-B14F-4D97-AF65-F5344CB8AC3E}">
+        <p14:creationId xmlns:p14="http://schemas.microsoft.com/office/powerpoint/2010/main" val="496466115"/>
+      </p:ext>
+    </p:extLst>
+  </p:cSld>
+  <p:clrMapOvr>
+    <a:masterClrMapping/>
+  </p:clrMapOvr>
+  <p:timing>
+    <p:tnLst>
+      <p:par>
+        <p:cTn id="1" dur="indefinite" restart="never" nodeType="tmRoot"/>
+      </p:par>
+    </p:tnLst>
+  </p:timing>
+</p:sld>
+</file>
+
+<file path=ppt/slides/slide4.xml><?xml version="1.0" encoding="utf-8"?>
+<p:sld xmlns:a="http://schemas.openxmlformats.org/drawingml/2006/main" xmlns:r="http://schemas.openxmlformats.org/officeDocument/2006/relationships" xmlns:p="http://schemas.openxmlformats.org/presentationml/2006/main">
+  <p:cSld>
+    <p:spTree>
+      <p:nvGrpSpPr>
+        <p:cNvPr id="1" name=""/>
+        <p:cNvGrpSpPr/>
+        <p:nvPr/>
+      </p:nvGrpSpPr>
+      <p:grpSpPr>
+        <a:xfrm>
+          <a:off x="0" y="0"/>
+          <a:ext cx="0" cy="0"/>
+          <a:chOff x="0" y="0"/>
+          <a:chExt cx="0" cy="0"/>
+        </a:xfrm>
+      </p:grpSpPr>
+      <p:sp>
+        <p:nvSpPr>
+          <p:cNvPr id="2" name="Title 1"/>
+          <p:cNvSpPr>
+            <a:spLocks noGrp="1"/>
+          </p:cNvSpPr>
+          <p:nvPr>
+            <p:ph type="title"/>
+          </p:nvPr>
+        </p:nvSpPr>
+        <p:spPr>
+          <a:xfrm>
+            <a:off x="838200" y="365125"/>
+            <a:ext cx="10515600" cy="5641228"/>
+          </a:xfrm>
+        </p:spPr>
+        <p:txBody>
+          <a:bodyPr>
+            <a:normAutofit/>
+          </a:bodyPr>
+          <a:lstStyle/>
+          <a:p>
+            <a:pPr algn="ctr"/>
+            <a:r>
+              <a:rPr lang="en-US" sz="13800" dirty="0" smtClean="0"/>
+              <a:t>Questions</a:t>
+            </a:r>
+            <a:endParaRPr lang="en-US" sz="13800" dirty="0"/>
+          </a:p>
+        </p:txBody>
+      </p:sp>
+    </p:spTree>
+    <p:extLst>
+      <p:ext uri="{BB962C8B-B14F-4D97-AF65-F5344CB8AC3E}">
+        <p14:creationId xmlns:p14="http://schemas.microsoft.com/office/powerpoint/2010/main" val="2703250437"/>
+      </p:ext>
+    </p:extLst>
+  </p:cSld>
+  <p:clrMapOvr>
+    <a:masterClrMapping/>
+  </p:clrMapOvr>
+  <p:timing>
+    <p:tnLst>
+      <p:par>
+        <p:cTn id="1" dur="indefinite" restart="never" nodeType="tmRoot"/>
+      </p:par>
+    </p:tnLst>
+  </p:timing>
+</p:sld>
+</file>
+
+<file path=ppt/slides/slide5.xml><?xml version="1.0" encoding="utf-8"?>
+<p:sld xmlns:a="http://schemas.openxmlformats.org/drawingml/2006/main" xmlns:r="http://schemas.openxmlformats.org/officeDocument/2006/relationships" xmlns:p="http://schemas.openxmlformats.org/presentationml/2006/main">
+  <p:cSld>
+    <p:spTree>
+      <p:nvGrpSpPr>
+        <p:cNvPr id="1" name=""/>
+        <p:cNvGrpSpPr/>
+        <p:nvPr/>
+      </p:nvGrpSpPr>
+      <p:grpSpPr>
+        <a:xfrm>
+          <a:off x="0" y="0"/>
+          <a:ext cx="0" cy="0"/>
+          <a:chOff x="0" y="0"/>
+          <a:chExt cx="0" cy="0"/>
+        </a:xfrm>
+      </p:grpSpPr>
+      <p:sp>
+        <p:nvSpPr>
+          <p:cNvPr id="2" name="Title 1"/>
+          <p:cNvSpPr>
+            <a:spLocks noGrp="1"/>
+          </p:cNvSpPr>
+          <p:nvPr>
+            <p:ph type="title"/>
+          </p:nvPr>
+        </p:nvSpPr>
+        <p:spPr>
+          <a:xfrm>
+            <a:off x="838200" y="365125"/>
+            <a:ext cx="10515600" cy="5730875"/>
+          </a:xfrm>
+        </p:spPr>
+        <p:txBody>
+          <a:bodyPr/>
+          <a:lstStyle/>
+          <a:p>
+            <a:pPr algn="ctr"/>
+            <a:r>
+              <a:rPr lang="en-US" sz="13800" dirty="0" smtClean="0"/>
+              <a:t>Break</a:t>
+            </a:r>
+            <a:br>
+              <a:rPr lang="en-US" sz="13800" dirty="0" smtClean="0"/>
+            </a:br>
+            <a:r>
+              <a:rPr lang="en-US" sz="3200" dirty="0" smtClean="0"/>
+              <a:t>10 Minutes</a:t>
+            </a:r>
+            <a:endParaRPr lang="en-US" dirty="0"/>
+          </a:p>
+        </p:txBody>
+      </p:sp>
+    </p:spTree>
+    <p:extLst>
+      <p:ext uri="{BB962C8B-B14F-4D97-AF65-F5344CB8AC3E}">
+        <p14:creationId xmlns:p14="http://schemas.microsoft.com/office/powerpoint/2010/main" val="2825949201"/>
+      </p:ext>
+    </p:extLst>
+  </p:cSld>
+  <p:clrMapOvr>
+    <a:masterClrMapping/>
+  </p:clrMapOvr>
+  <p:timing>
+    <p:tnLst>
+      <p:par>
+        <p:cTn id="1" dur="indefinite" restart="never" nodeType="tmRoot"/>
+      </p:par>
+    </p:tnLst>
+  </p:timing>
+</p:sld>
+</file>
+
 <file path=ppt/theme/theme1.xml><?xml version="1.0" encoding="utf-8"?>
 <a:theme xmlns:a="http://schemas.openxmlformats.org/drawingml/2006/main" name="Office Theme">
   <a:themeElements>

--- a/Part_02/Section03.pptx
+++ b/Part_02/Section03.pptx
@@ -3021,9 +3021,23 @@
             </a:r>
             <a:r>
               <a:rPr lang="en-US" dirty="0" smtClean="0"/>
-              <a:t>2)</a:t>
-            </a:r>
-            <a:endParaRPr lang="en-US" dirty="0"/>
+              <a:t>2</a:t>
+            </a:r>
+            <a:r>
+              <a:rPr lang="en-US" dirty="0" smtClean="0"/>
+              <a:t>)</a:t>
+            </a:r>
+          </a:p>
+          <a:p>
+            <a:r>
+              <a:rPr lang="en-US" sz="2000" dirty="0"/>
+              <a:t>Section </a:t>
+            </a:r>
+            <a:r>
+              <a:rPr lang="en-US" sz="2000" dirty="0" smtClean="0"/>
+              <a:t>3</a:t>
+            </a:r>
+            <a:endParaRPr lang="en-US" sz="2000" dirty="0"/>
           </a:p>
         </p:txBody>
       </p:sp>
@@ -3097,8 +3111,8 @@
         </p:nvSpPr>
         <p:spPr>
           <a:xfrm>
-            <a:off x="838200" y="1380698"/>
-            <a:ext cx="10342830" cy="4921369"/>
+            <a:off x="789709" y="1364776"/>
+            <a:ext cx="5176981" cy="4921369"/>
           </a:xfrm>
         </p:spPr>
         <p:txBody>
@@ -3108,8 +3122,16 @@
           <a:lstStyle/>
           <a:p>
             <a:r>
+              <a:rPr lang="en-US" dirty="0" smtClean="0"/>
+              <a:t>Bringing it all home</a:t>
+            </a:r>
+            <a:endParaRPr lang="en-US" dirty="0" smtClean="0"/>
+          </a:p>
+          <a:p>
+            <a:pPr lvl="1"/>
+            <a:r>
               <a:rPr lang="en-US" dirty="0"/>
-              <a:t>Build, Capture, Automation</a:t>
+              <a:t>Old Computer Name </a:t>
             </a:r>
             <a:endParaRPr lang="en-US" dirty="0" smtClean="0"/>
           </a:p>
@@ -3117,38 +3139,271 @@
             <a:pPr lvl="1"/>
             <a:r>
               <a:rPr lang="en-US" dirty="0"/>
-              <a:t>Build and </a:t>
+              <a:t>Final Task Sequence Adjustment </a:t>
+            </a:r>
+            <a:endParaRPr lang="en-US" dirty="0" smtClean="0"/>
+          </a:p>
+          <a:p>
+            <a:pPr lvl="1"/>
+            <a:r>
+              <a:rPr lang="en-US" dirty="0"/>
+              <a:t>Local Admin changes </a:t>
+            </a:r>
+            <a:endParaRPr lang="en-US" dirty="0" smtClean="0"/>
+          </a:p>
+          <a:p>
+            <a:pPr lvl="1"/>
+            <a:r>
+              <a:rPr lang="en-US" dirty="0"/>
+              <a:t>Local accounts </a:t>
+            </a:r>
+            <a:endParaRPr lang="en-US" dirty="0" smtClean="0"/>
+          </a:p>
+          <a:p>
+            <a:pPr lvl="1"/>
+            <a:r>
+              <a:rPr lang="en-US" dirty="0"/>
+              <a:t>Activate Office </a:t>
+            </a:r>
+            <a:endParaRPr lang="en-US" dirty="0" smtClean="0"/>
+          </a:p>
+          <a:p>
+            <a:pPr lvl="1"/>
+            <a:r>
+              <a:rPr lang="en-US" dirty="0"/>
+              <a:t>OEM </a:t>
             </a:r>
             <a:r>
               <a:rPr lang="en-US" dirty="0" smtClean="0"/>
-              <a:t>Capture</a:t>
+              <a:t>Customization</a:t>
             </a:r>
           </a:p>
           <a:p>
             <a:pPr lvl="1"/>
             <a:r>
               <a:rPr lang="en-US" dirty="0"/>
-              <a:t>Image Factory </a:t>
+              <a:t>Install </a:t>
+            </a:r>
+            <a:r>
+              <a:rPr lang="en-US" dirty="0" smtClean="0"/>
+              <a:t>Apps</a:t>
+            </a:r>
+          </a:p>
+          <a:p>
+            <a:pPr lvl="1"/>
+            <a:r>
+              <a:rPr lang="en-US" dirty="0"/>
+              <a:t>Generate Windows Experience </a:t>
             </a:r>
             <a:endParaRPr lang="en-US" dirty="0" smtClean="0"/>
           </a:p>
-          <a:p>
-            <a:pPr lvl="2"/>
+        </p:txBody>
+      </p:sp>
+      <p:sp>
+        <p:nvSpPr>
+          <p:cNvPr id="4" name="Content Placeholder 2"/>
+          <p:cNvSpPr txBox="1">
+            <a:spLocks/>
+          </p:cNvSpPr>
+          <p:nvPr/>
+        </p:nvSpPr>
+        <p:spPr>
+          <a:xfrm>
+            <a:off x="6169891" y="1364776"/>
+            <a:ext cx="5176981" cy="4921369"/>
+          </a:xfrm>
+          <a:prstGeom prst="rect">
+            <a:avLst/>
+          </a:prstGeom>
+        </p:spPr>
+        <p:txBody>
+          <a:bodyPr vert="horz" lIns="91440" tIns="45720" rIns="91440" bIns="45720" rtlCol="0">
+            <a:normAutofit/>
+          </a:bodyPr>
+          <a:lstStyle>
+            <a:lvl1pPr marL="228600" indent="-228600" algn="l" defTabSz="914400" rtl="0" eaLnBrk="1" latinLnBrk="0" hangingPunct="1">
+              <a:lnSpc>
+                <a:spcPct val="90000"/>
+              </a:lnSpc>
+              <a:spcBef>
+                <a:spcPts val="1000"/>
+              </a:spcBef>
+              <a:buFont typeface="Arial" panose="020B0604020202020204" pitchFamily="34" charset="0"/>
+              <a:buChar char="•"/>
+              <a:defRPr sz="2800" kern="1200">
+                <a:solidFill>
+                  <a:schemeClr val="tx1"/>
+                </a:solidFill>
+                <a:latin typeface="+mn-lt"/>
+                <a:ea typeface="+mn-ea"/>
+                <a:cs typeface="+mn-cs"/>
+              </a:defRPr>
+            </a:lvl1pPr>
+            <a:lvl2pPr marL="685800" indent="-228600" algn="l" defTabSz="914400" rtl="0" eaLnBrk="1" latinLnBrk="0" hangingPunct="1">
+              <a:lnSpc>
+                <a:spcPct val="90000"/>
+              </a:lnSpc>
+              <a:spcBef>
+                <a:spcPts val="500"/>
+              </a:spcBef>
+              <a:buFont typeface="Arial" panose="020B0604020202020204" pitchFamily="34" charset="0"/>
+              <a:buChar char="•"/>
+              <a:defRPr sz="2400" kern="1200">
+                <a:solidFill>
+                  <a:schemeClr val="tx1"/>
+                </a:solidFill>
+                <a:latin typeface="+mn-lt"/>
+                <a:ea typeface="+mn-ea"/>
+                <a:cs typeface="+mn-cs"/>
+              </a:defRPr>
+            </a:lvl2pPr>
+            <a:lvl3pPr marL="1143000" indent="-228600" algn="l" defTabSz="914400" rtl="0" eaLnBrk="1" latinLnBrk="0" hangingPunct="1">
+              <a:lnSpc>
+                <a:spcPct val="90000"/>
+              </a:lnSpc>
+              <a:spcBef>
+                <a:spcPts val="500"/>
+              </a:spcBef>
+              <a:buFont typeface="Arial" panose="020B0604020202020204" pitchFamily="34" charset="0"/>
+              <a:buChar char="•"/>
+              <a:defRPr sz="2000" kern="1200">
+                <a:solidFill>
+                  <a:schemeClr val="tx1"/>
+                </a:solidFill>
+                <a:latin typeface="+mn-lt"/>
+                <a:ea typeface="+mn-ea"/>
+                <a:cs typeface="+mn-cs"/>
+              </a:defRPr>
+            </a:lvl3pPr>
+            <a:lvl4pPr marL="1600200" indent="-228600" algn="l" defTabSz="914400" rtl="0" eaLnBrk="1" latinLnBrk="0" hangingPunct="1">
+              <a:lnSpc>
+                <a:spcPct val="90000"/>
+              </a:lnSpc>
+              <a:spcBef>
+                <a:spcPts val="500"/>
+              </a:spcBef>
+              <a:buFont typeface="Arial" panose="020B0604020202020204" pitchFamily="34" charset="0"/>
+              <a:buChar char="•"/>
+              <a:defRPr sz="1800" kern="1200">
+                <a:solidFill>
+                  <a:schemeClr val="tx1"/>
+                </a:solidFill>
+                <a:latin typeface="+mn-lt"/>
+                <a:ea typeface="+mn-ea"/>
+                <a:cs typeface="+mn-cs"/>
+              </a:defRPr>
+            </a:lvl4pPr>
+            <a:lvl5pPr marL="2057400" indent="-228600" algn="l" defTabSz="914400" rtl="0" eaLnBrk="1" latinLnBrk="0" hangingPunct="1">
+              <a:lnSpc>
+                <a:spcPct val="90000"/>
+              </a:lnSpc>
+              <a:spcBef>
+                <a:spcPts val="500"/>
+              </a:spcBef>
+              <a:buFont typeface="Arial" panose="020B0604020202020204" pitchFamily="34" charset="0"/>
+              <a:buChar char="•"/>
+              <a:defRPr sz="1800" kern="1200">
+                <a:solidFill>
+                  <a:schemeClr val="tx1"/>
+                </a:solidFill>
+                <a:latin typeface="+mn-lt"/>
+                <a:ea typeface="+mn-ea"/>
+                <a:cs typeface="+mn-cs"/>
+              </a:defRPr>
+            </a:lvl5pPr>
+            <a:lvl6pPr marL="2514600" indent="-228600" algn="l" defTabSz="914400" rtl="0" eaLnBrk="1" latinLnBrk="0" hangingPunct="1">
+              <a:lnSpc>
+                <a:spcPct val="90000"/>
+              </a:lnSpc>
+              <a:spcBef>
+                <a:spcPts val="500"/>
+              </a:spcBef>
+              <a:buFont typeface="Arial" panose="020B0604020202020204" pitchFamily="34" charset="0"/>
+              <a:buChar char="•"/>
+              <a:defRPr sz="1800" kern="1200">
+                <a:solidFill>
+                  <a:schemeClr val="tx1"/>
+                </a:solidFill>
+                <a:latin typeface="+mn-lt"/>
+                <a:ea typeface="+mn-ea"/>
+                <a:cs typeface="+mn-cs"/>
+              </a:defRPr>
+            </a:lvl6pPr>
+            <a:lvl7pPr marL="2971800" indent="-228600" algn="l" defTabSz="914400" rtl="0" eaLnBrk="1" latinLnBrk="0" hangingPunct="1">
+              <a:lnSpc>
+                <a:spcPct val="90000"/>
+              </a:lnSpc>
+              <a:spcBef>
+                <a:spcPts val="500"/>
+              </a:spcBef>
+              <a:buFont typeface="Arial" panose="020B0604020202020204" pitchFamily="34" charset="0"/>
+              <a:buChar char="•"/>
+              <a:defRPr sz="1800" kern="1200">
+                <a:solidFill>
+                  <a:schemeClr val="tx1"/>
+                </a:solidFill>
+                <a:latin typeface="+mn-lt"/>
+                <a:ea typeface="+mn-ea"/>
+                <a:cs typeface="+mn-cs"/>
+              </a:defRPr>
+            </a:lvl7pPr>
+            <a:lvl8pPr marL="3429000" indent="-228600" algn="l" defTabSz="914400" rtl="0" eaLnBrk="1" latinLnBrk="0" hangingPunct="1">
+              <a:lnSpc>
+                <a:spcPct val="90000"/>
+              </a:lnSpc>
+              <a:spcBef>
+                <a:spcPts val="500"/>
+              </a:spcBef>
+              <a:buFont typeface="Arial" panose="020B0604020202020204" pitchFamily="34" charset="0"/>
+              <a:buChar char="•"/>
+              <a:defRPr sz="1800" kern="1200">
+                <a:solidFill>
+                  <a:schemeClr val="tx1"/>
+                </a:solidFill>
+                <a:latin typeface="+mn-lt"/>
+                <a:ea typeface="+mn-ea"/>
+                <a:cs typeface="+mn-cs"/>
+              </a:defRPr>
+            </a:lvl8pPr>
+            <a:lvl9pPr marL="3886200" indent="-228600" algn="l" defTabSz="914400" rtl="0" eaLnBrk="1" latinLnBrk="0" hangingPunct="1">
+              <a:lnSpc>
+                <a:spcPct val="90000"/>
+              </a:lnSpc>
+              <a:spcBef>
+                <a:spcPts val="500"/>
+              </a:spcBef>
+              <a:buFont typeface="Arial" panose="020B0604020202020204" pitchFamily="34" charset="0"/>
+              <a:buChar char="•"/>
+              <a:defRPr sz="1800" kern="1200">
+                <a:solidFill>
+                  <a:schemeClr val="tx1"/>
+                </a:solidFill>
+                <a:latin typeface="+mn-lt"/>
+                <a:ea typeface="+mn-ea"/>
+                <a:cs typeface="+mn-cs"/>
+              </a:defRPr>
+            </a:lvl9pPr>
+          </a:lstStyle>
+          <a:p>
             <a:r>
               <a:rPr lang="en-US" dirty="0" smtClean="0"/>
-              <a:t>Factory </a:t>
-            </a:r>
-            <a:r>
-              <a:rPr lang="en-US" dirty="0"/>
-              <a:t>Setup</a:t>
-            </a:r>
-          </a:p>
-          <a:p>
-            <a:pPr lvl="2"/>
+              <a:t>Bringing it all home…</a:t>
+            </a:r>
+          </a:p>
+          <a:p>
+            <a:pPr lvl="1"/>
             <a:r>
               <a:rPr lang="en-US" dirty="0" smtClean="0"/>
-              <a:t>Process</a:t>
-            </a:r>
+              <a:t>Logging</a:t>
+            </a:r>
+          </a:p>
+          <a:p>
+            <a:pPr lvl="1"/>
+            <a:r>
+              <a:rPr lang="en-US" dirty="0" smtClean="0"/>
+              <a:t>Website status page</a:t>
+            </a:r>
+            <a:endParaRPr lang="en-US" dirty="0"/>
           </a:p>
           <a:p>
             <a:pPr lvl="1"/>

--- a/Part_02/Section03.pptx
+++ b/Part_02/Section03.pptx
@@ -7,9 +7,12 @@
   <p:sldIdLst>
     <p:sldId id="256" r:id="rId2"/>
     <p:sldId id="257" r:id="rId3"/>
-    <p:sldId id="258" r:id="rId4"/>
-    <p:sldId id="259" r:id="rId5"/>
-    <p:sldId id="260" r:id="rId6"/>
+    <p:sldId id="262" r:id="rId4"/>
+    <p:sldId id="263" r:id="rId5"/>
+    <p:sldId id="261" r:id="rId6"/>
+    <p:sldId id="258" r:id="rId7"/>
+    <p:sldId id="259" r:id="rId8"/>
+    <p:sldId id="260" r:id="rId9"/>
   </p:sldIdLst>
   <p:sldSz cx="12192000" cy="6858000"/>
   <p:notesSz cx="6858000" cy="9144000"/>
@@ -3021,11 +3024,7 @@
             </a:r>
             <a:r>
               <a:rPr lang="en-US" dirty="0" smtClean="0"/>
-              <a:t>2</a:t>
-            </a:r>
-            <a:r>
-              <a:rPr lang="en-US" dirty="0" smtClean="0"/>
-              <a:t>)</a:t>
+              <a:t>2)</a:t>
             </a:r>
           </a:p>
           <a:p>
@@ -3125,7 +3124,6 @@
               <a:rPr lang="en-US" dirty="0" smtClean="0"/>
               <a:t>Bringing it all home</a:t>
             </a:r>
-            <a:endParaRPr lang="en-US" dirty="0" smtClean="0"/>
           </a:p>
           <a:p>
             <a:pPr lvl="1"/>
@@ -3144,7 +3142,7 @@
             <a:endParaRPr lang="en-US" dirty="0" smtClean="0"/>
           </a:p>
           <a:p>
-            <a:pPr lvl="1"/>
+            <a:pPr lvl="2"/>
             <a:r>
               <a:rPr lang="en-US" dirty="0"/>
               <a:t>Local Admin changes </a:t>
@@ -3152,7 +3150,7 @@
             <a:endParaRPr lang="en-US" dirty="0" smtClean="0"/>
           </a:p>
           <a:p>
-            <a:pPr lvl="1"/>
+            <a:pPr lvl="2"/>
             <a:r>
               <a:rPr lang="en-US" dirty="0"/>
               <a:t>Local accounts </a:t>
@@ -3160,7 +3158,7 @@
             <a:endParaRPr lang="en-US" dirty="0" smtClean="0"/>
           </a:p>
           <a:p>
-            <a:pPr lvl="1"/>
+            <a:pPr lvl="2"/>
             <a:r>
               <a:rPr lang="en-US" dirty="0"/>
               <a:t>Activate Office </a:t>
@@ -3168,7 +3166,7 @@
             <a:endParaRPr lang="en-US" dirty="0" smtClean="0"/>
           </a:p>
           <a:p>
-            <a:pPr lvl="1"/>
+            <a:pPr lvl="2"/>
             <a:r>
               <a:rPr lang="en-US" dirty="0"/>
               <a:t>OEM </a:t>
@@ -3179,7 +3177,7 @@
             </a:r>
           </a:p>
           <a:p>
-            <a:pPr lvl="1"/>
+            <a:pPr lvl="2"/>
             <a:r>
               <a:rPr lang="en-US" dirty="0"/>
               <a:t>Install </a:t>
@@ -3190,7 +3188,7 @@
             </a:r>
           </a:p>
           <a:p>
-            <a:pPr lvl="1"/>
+            <a:pPr lvl="2"/>
             <a:r>
               <a:rPr lang="en-US" dirty="0"/>
               <a:t>Generate Windows Experience </a:t>
@@ -3418,7 +3416,6 @@
               <a:rPr lang="en-US" dirty="0" smtClean="0"/>
               <a:t>Questions</a:t>
             </a:r>
-            <a:endParaRPr lang="en-US" dirty="0" smtClean="0"/>
           </a:p>
         </p:txBody>
       </p:sp>
@@ -3469,6 +3466,437 @@
             <p:ph type="title"/>
           </p:nvPr>
         </p:nvSpPr>
+        <p:spPr/>
+        <p:txBody>
+          <a:bodyPr/>
+          <a:lstStyle/>
+          <a:p>
+            <a:r>
+              <a:rPr lang="en-US" dirty="0" smtClean="0"/>
+              <a:t>Old PC Name</a:t>
+            </a:r>
+            <a:endParaRPr lang="en-US" dirty="0"/>
+          </a:p>
+        </p:txBody>
+      </p:sp>
+      <p:sp>
+        <p:nvSpPr>
+          <p:cNvPr id="3" name="Content Placeholder 2"/>
+          <p:cNvSpPr>
+            <a:spLocks noGrp="1"/>
+          </p:cNvSpPr>
+          <p:nvPr>
+            <p:ph idx="1"/>
+          </p:nvPr>
+        </p:nvSpPr>
+        <p:spPr/>
+        <p:txBody>
+          <a:bodyPr/>
+          <a:lstStyle/>
+          <a:p>
+            <a:r>
+              <a:rPr lang="en-US" dirty="0" smtClean="0"/>
+              <a:t>Made possible by UserExit.vbs script in %</a:t>
+            </a:r>
+            <a:r>
+              <a:rPr lang="en-US" dirty="0" err="1" smtClean="0"/>
+              <a:t>DeploymentRoot</a:t>
+            </a:r>
+            <a:r>
+              <a:rPr lang="en-US" dirty="0" smtClean="0"/>
+              <a:t>\Scripts folder</a:t>
+            </a:r>
+          </a:p>
+          <a:p>
+            <a:r>
+              <a:rPr lang="en-US" dirty="0" smtClean="0"/>
+              <a:t>Must have setting in Control.ini to support</a:t>
+            </a:r>
+          </a:p>
+          <a:p>
+            <a:pPr lvl="1"/>
+            <a:r>
+              <a:rPr lang="en-US" dirty="0" err="1"/>
+              <a:t>OSDComputername</a:t>
+            </a:r>
+            <a:r>
+              <a:rPr lang="en-US" dirty="0"/>
+              <a:t>=#</a:t>
+            </a:r>
+            <a:r>
+              <a:rPr lang="en-US" dirty="0" err="1"/>
+              <a:t>GetOfflineComputername</a:t>
+            </a:r>
+            <a:r>
+              <a:rPr lang="en-US" dirty="0" smtClean="0"/>
+              <a:t>()#</a:t>
+            </a:r>
+          </a:p>
+          <a:p>
+            <a:r>
+              <a:rPr lang="en-US" dirty="0" smtClean="0"/>
+              <a:t>Pulls old computer name during imaging process</a:t>
+            </a:r>
+          </a:p>
+          <a:p>
+            <a:r>
+              <a:rPr lang="en-US" dirty="0" smtClean="0"/>
+              <a:t>If there was no name, throws a non-fatal error</a:t>
+            </a:r>
+            <a:endParaRPr lang="en-US" dirty="0"/>
+          </a:p>
+        </p:txBody>
+      </p:sp>
+    </p:spTree>
+    <p:extLst>
+      <p:ext uri="{BB962C8B-B14F-4D97-AF65-F5344CB8AC3E}">
+        <p14:creationId xmlns:p14="http://schemas.microsoft.com/office/powerpoint/2010/main" val="733096904"/>
+      </p:ext>
+    </p:extLst>
+  </p:cSld>
+  <p:clrMapOvr>
+    <a:masterClrMapping/>
+  </p:clrMapOvr>
+</p:sld>
+</file>
+
+<file path=ppt/slides/slide4.xml><?xml version="1.0" encoding="utf-8"?>
+<p:sld xmlns:a="http://schemas.openxmlformats.org/drawingml/2006/main" xmlns:r="http://schemas.openxmlformats.org/officeDocument/2006/relationships" xmlns:p="http://schemas.openxmlformats.org/presentationml/2006/main">
+  <p:cSld>
+    <p:spTree>
+      <p:nvGrpSpPr>
+        <p:cNvPr id="1" name=""/>
+        <p:cNvGrpSpPr/>
+        <p:nvPr/>
+      </p:nvGrpSpPr>
+      <p:grpSpPr>
+        <a:xfrm>
+          <a:off x="0" y="0"/>
+          <a:ext cx="0" cy="0"/>
+          <a:chOff x="0" y="0"/>
+          <a:chExt cx="0" cy="0"/>
+        </a:xfrm>
+      </p:grpSpPr>
+      <p:sp>
+        <p:nvSpPr>
+          <p:cNvPr id="2" name="Title 1"/>
+          <p:cNvSpPr>
+            <a:spLocks noGrp="1"/>
+          </p:cNvSpPr>
+          <p:nvPr>
+            <p:ph type="title"/>
+          </p:nvPr>
+        </p:nvSpPr>
+        <p:spPr/>
+        <p:txBody>
+          <a:bodyPr/>
+          <a:lstStyle/>
+          <a:p>
+            <a:r>
+              <a:rPr lang="en-US" dirty="0" smtClean="0"/>
+              <a:t>Logging</a:t>
+            </a:r>
+            <a:endParaRPr lang="en-US" dirty="0"/>
+          </a:p>
+        </p:txBody>
+      </p:sp>
+      <p:sp>
+        <p:nvSpPr>
+          <p:cNvPr id="3" name="Content Placeholder 2"/>
+          <p:cNvSpPr>
+            <a:spLocks noGrp="1"/>
+          </p:cNvSpPr>
+          <p:nvPr>
+            <p:ph idx="1"/>
+          </p:nvPr>
+        </p:nvSpPr>
+        <p:spPr/>
+        <p:txBody>
+          <a:bodyPr/>
+          <a:lstStyle/>
+          <a:p>
+            <a:r>
+              <a:rPr lang="en-US" dirty="0" smtClean="0"/>
+              <a:t>When things go wrong check the logs</a:t>
+            </a:r>
+          </a:p>
+          <a:p>
+            <a:r>
+              <a:rPr lang="en-US" dirty="0" smtClean="0"/>
+              <a:t>Logs controlled by Control.ini</a:t>
+            </a:r>
+          </a:p>
+          <a:p>
+            <a:pPr lvl="1"/>
+            <a:r>
+              <a:rPr lang="en-US" sz="2000" dirty="0"/>
+              <a:t>; Copy Logs if </a:t>
+            </a:r>
+            <a:r>
+              <a:rPr lang="en-US" sz="2000" dirty="0" smtClean="0"/>
+              <a:t>an </a:t>
+            </a:r>
+            <a:r>
+              <a:rPr lang="en-US" sz="2000" dirty="0"/>
+              <a:t>error occurs or when deployment is successfully completed</a:t>
+            </a:r>
+          </a:p>
+          <a:p>
+            <a:pPr lvl="1"/>
+            <a:r>
+              <a:rPr lang="en-US" sz="2000" dirty="0" err="1"/>
+              <a:t>SLShare</a:t>
+            </a:r>
+            <a:r>
+              <a:rPr lang="en-US" sz="2000" dirty="0"/>
+              <a:t>=\\MDT01\</a:t>
+            </a:r>
+            <a:r>
+              <a:rPr lang="en-US" sz="2000" dirty="0" err="1"/>
+              <a:t>HECCDeploy</a:t>
+            </a:r>
+            <a:r>
+              <a:rPr lang="en-US" sz="2000" dirty="0"/>
+              <a:t>$\Logs</a:t>
+            </a:r>
+          </a:p>
+          <a:p>
+            <a:pPr lvl="1"/>
+            <a:r>
+              <a:rPr lang="en-US" sz="2000" dirty="0"/>
+              <a:t>; Enable </a:t>
+            </a:r>
+            <a:r>
+              <a:rPr lang="en-US" sz="2000" dirty="0" smtClean="0"/>
+              <a:t>Dynamic </a:t>
+            </a:r>
+            <a:r>
+              <a:rPr lang="en-US" sz="2000" dirty="0"/>
+              <a:t>Logging</a:t>
+            </a:r>
+          </a:p>
+          <a:p>
+            <a:pPr lvl="1"/>
+            <a:r>
+              <a:rPr lang="en-US" sz="2000" dirty="0" err="1"/>
+              <a:t>SLSHAREDynamicLogging</a:t>
+            </a:r>
+            <a:r>
+              <a:rPr lang="en-US" sz="2000" dirty="0"/>
+              <a:t>=\\MDT01\</a:t>
+            </a:r>
+            <a:r>
+              <a:rPr lang="en-US" sz="2000" dirty="0" err="1"/>
+              <a:t>HECCDeploy</a:t>
+            </a:r>
+            <a:r>
+              <a:rPr lang="en-US" sz="2000" dirty="0"/>
+              <a:t>$\</a:t>
+            </a:r>
+            <a:r>
+              <a:rPr lang="en-US" sz="2000" dirty="0" err="1"/>
+              <a:t>DynLog</a:t>
+            </a:r>
+            <a:r>
+              <a:rPr lang="en-US" sz="2000" dirty="0"/>
+              <a:t>\%</a:t>
+            </a:r>
+            <a:r>
+              <a:rPr lang="en-US" sz="2000" dirty="0" err="1"/>
+              <a:t>OSDComputername</a:t>
+            </a:r>
+            <a:r>
+              <a:rPr lang="en-US" sz="2000" dirty="0" smtClean="0"/>
+              <a:t>%</a:t>
+            </a:r>
+          </a:p>
+          <a:p>
+            <a:r>
+              <a:rPr lang="en-US" sz="2400" dirty="0" smtClean="0"/>
+              <a:t>Create both the Logs and </a:t>
+            </a:r>
+            <a:r>
+              <a:rPr lang="en-US" sz="2400" dirty="0" err="1" smtClean="0"/>
+              <a:t>DynLog</a:t>
+            </a:r>
+            <a:r>
+              <a:rPr lang="en-US" sz="2400" dirty="0" smtClean="0"/>
+              <a:t> folders in %</a:t>
+            </a:r>
+            <a:r>
+              <a:rPr lang="en-US" sz="2400" dirty="0" err="1" smtClean="0"/>
+              <a:t>DeploymentRoot</a:t>
+            </a:r>
+            <a:r>
+              <a:rPr lang="en-US" sz="2400" dirty="0" smtClean="0"/>
+              <a:t>%</a:t>
+            </a:r>
+            <a:endParaRPr lang="en-US" sz="2400" dirty="0"/>
+          </a:p>
+          <a:p>
+            <a:pPr lvl="1"/>
+            <a:endParaRPr lang="en-US" dirty="0"/>
+          </a:p>
+        </p:txBody>
+      </p:sp>
+    </p:spTree>
+    <p:extLst>
+      <p:ext uri="{BB962C8B-B14F-4D97-AF65-F5344CB8AC3E}">
+        <p14:creationId xmlns:p14="http://schemas.microsoft.com/office/powerpoint/2010/main" val="1419102"/>
+      </p:ext>
+    </p:extLst>
+  </p:cSld>
+  <p:clrMapOvr>
+    <a:masterClrMapping/>
+  </p:clrMapOvr>
+</p:sld>
+</file>
+
+<file path=ppt/slides/slide5.xml><?xml version="1.0" encoding="utf-8"?>
+<p:sld xmlns:a="http://schemas.openxmlformats.org/drawingml/2006/main" xmlns:r="http://schemas.openxmlformats.org/officeDocument/2006/relationships" xmlns:p="http://schemas.openxmlformats.org/presentationml/2006/main">
+  <p:cSld>
+    <p:spTree>
+      <p:nvGrpSpPr>
+        <p:cNvPr id="1" name=""/>
+        <p:cNvGrpSpPr/>
+        <p:nvPr/>
+      </p:nvGrpSpPr>
+      <p:grpSpPr>
+        <a:xfrm>
+          <a:off x="0" y="0"/>
+          <a:ext cx="0" cy="0"/>
+          <a:chOff x="0" y="0"/>
+          <a:chExt cx="0" cy="0"/>
+        </a:xfrm>
+      </p:grpSpPr>
+      <p:sp>
+        <p:nvSpPr>
+          <p:cNvPr id="2" name="Title 1"/>
+          <p:cNvSpPr>
+            <a:spLocks noGrp="1"/>
+          </p:cNvSpPr>
+          <p:nvPr>
+            <p:ph type="title"/>
+          </p:nvPr>
+        </p:nvSpPr>
+        <p:spPr/>
+        <p:txBody>
+          <a:bodyPr/>
+          <a:lstStyle/>
+          <a:p>
+            <a:r>
+              <a:rPr lang="en-US" dirty="0"/>
+              <a:t>Website status </a:t>
+            </a:r>
+            <a:r>
+              <a:rPr lang="en-US" dirty="0" smtClean="0"/>
+              <a:t>page</a:t>
+            </a:r>
+            <a:endParaRPr lang="en-US" dirty="0"/>
+          </a:p>
+        </p:txBody>
+      </p:sp>
+      <p:sp>
+        <p:nvSpPr>
+          <p:cNvPr id="3" name="Content Placeholder 2"/>
+          <p:cNvSpPr>
+            <a:spLocks noGrp="1"/>
+          </p:cNvSpPr>
+          <p:nvPr>
+            <p:ph idx="1"/>
+          </p:nvPr>
+        </p:nvSpPr>
+        <p:spPr/>
+        <p:txBody>
+          <a:bodyPr/>
+          <a:lstStyle/>
+          <a:p>
+            <a:r>
+              <a:rPr lang="en-US" dirty="0" smtClean="0"/>
+              <a:t>PowerShell Script to query MDT Monitor and show status</a:t>
+            </a:r>
+          </a:p>
+          <a:p>
+            <a:r>
+              <a:rPr lang="en-US" dirty="0" smtClean="0"/>
+              <a:t>Output file goes to IIS server running on MDT box</a:t>
+            </a:r>
+          </a:p>
+          <a:p>
+            <a:r>
+              <a:rPr lang="en-US" dirty="0" smtClean="0"/>
+              <a:t>Simple page but helpful when running around school imaging PC’s</a:t>
+            </a:r>
+          </a:p>
+          <a:p>
+            <a:endParaRPr lang="en-US" dirty="0"/>
+          </a:p>
+        </p:txBody>
+      </p:sp>
+      <p:pic>
+        <p:nvPicPr>
+          <p:cNvPr id="4" name="Picture 3"/>
+          <p:cNvPicPr>
+            <a:picLocks noChangeAspect="1"/>
+          </p:cNvPicPr>
+          <p:nvPr/>
+        </p:nvPicPr>
+        <p:blipFill>
+          <a:blip r:embed="rId2"/>
+          <a:stretch>
+            <a:fillRect/>
+          </a:stretch>
+        </p:blipFill>
+        <p:spPr>
+          <a:xfrm>
+            <a:off x="3118353" y="3286640"/>
+            <a:ext cx="5448300" cy="2971800"/>
+          </a:xfrm>
+          <a:prstGeom prst="rect">
+            <a:avLst/>
+          </a:prstGeom>
+        </p:spPr>
+      </p:pic>
+    </p:spTree>
+    <p:extLst>
+      <p:ext uri="{BB962C8B-B14F-4D97-AF65-F5344CB8AC3E}">
+        <p14:creationId xmlns:p14="http://schemas.microsoft.com/office/powerpoint/2010/main" val="2906852959"/>
+      </p:ext>
+    </p:extLst>
+  </p:cSld>
+  <p:clrMapOvr>
+    <a:masterClrMapping/>
+  </p:clrMapOvr>
+</p:sld>
+</file>
+
+<file path=ppt/slides/slide6.xml><?xml version="1.0" encoding="utf-8"?>
+<p:sld xmlns:a="http://schemas.openxmlformats.org/drawingml/2006/main" xmlns:r="http://schemas.openxmlformats.org/officeDocument/2006/relationships" xmlns:p="http://schemas.openxmlformats.org/presentationml/2006/main">
+  <p:cSld>
+    <p:spTree>
+      <p:nvGrpSpPr>
+        <p:cNvPr id="1" name=""/>
+        <p:cNvGrpSpPr/>
+        <p:nvPr/>
+      </p:nvGrpSpPr>
+      <p:grpSpPr>
+        <a:xfrm>
+          <a:off x="0" y="0"/>
+          <a:ext cx="0" cy="0"/>
+          <a:chOff x="0" y="0"/>
+          <a:chExt cx="0" cy="0"/>
+        </a:xfrm>
+      </p:grpSpPr>
+      <p:sp>
+        <p:nvSpPr>
+          <p:cNvPr id="2" name="Title 1"/>
+          <p:cNvSpPr>
+            <a:spLocks noGrp="1"/>
+          </p:cNvSpPr>
+          <p:nvPr>
+            <p:ph type="title"/>
+          </p:nvPr>
+        </p:nvSpPr>
         <p:spPr>
           <a:xfrm>
             <a:off x="838200" y="365125"/>
@@ -3510,7 +3938,7 @@
 </p:sld>
 </file>
 
-<file path=ppt/slides/slide4.xml><?xml version="1.0" encoding="utf-8"?>
+<file path=ppt/slides/slide7.xml><?xml version="1.0" encoding="utf-8"?>
 <p:sld xmlns:a="http://schemas.openxmlformats.org/drawingml/2006/main" xmlns:r="http://schemas.openxmlformats.org/officeDocument/2006/relationships" xmlns:p="http://schemas.openxmlformats.org/presentationml/2006/main">
   <p:cSld>
     <p:spTree>
@@ -3578,7 +4006,7 @@
 </p:sld>
 </file>
 
-<file path=ppt/slides/slide5.xml><?xml version="1.0" encoding="utf-8"?>
+<file path=ppt/slides/slide8.xml><?xml version="1.0" encoding="utf-8"?>
 <p:sld xmlns:a="http://schemas.openxmlformats.org/drawingml/2006/main" xmlns:r="http://schemas.openxmlformats.org/officeDocument/2006/relationships" xmlns:p="http://schemas.openxmlformats.org/presentationml/2006/main">
   <p:cSld>
     <p:spTree>

--- a/Part_02/Section03.pptx
+++ b/Part_02/Section03.pptx
@@ -12,7 +12,8 @@
     <p:sldId id="261" r:id="rId6"/>
     <p:sldId id="258" r:id="rId7"/>
     <p:sldId id="259" r:id="rId8"/>
-    <p:sldId id="260" r:id="rId9"/>
+    <p:sldId id="264" r:id="rId9"/>
+    <p:sldId id="265" r:id="rId10"/>
   </p:sldIdLst>
   <p:sldSz cx="12192000" cy="6858000"/>
   <p:notesSz cx="6858000" cy="9144000"/>
@@ -4033,6 +4034,160 @@
             <p:ph type="title"/>
           </p:nvPr>
         </p:nvSpPr>
+        <p:spPr/>
+        <p:txBody>
+          <a:bodyPr/>
+          <a:lstStyle/>
+          <a:p>
+            <a:r>
+              <a:rPr lang="en-US" dirty="0" smtClean="0"/>
+              <a:t>Class files and slide deck</a:t>
+            </a:r>
+            <a:endParaRPr lang="en-US" dirty="0"/>
+          </a:p>
+        </p:txBody>
+      </p:sp>
+      <p:sp>
+        <p:nvSpPr>
+          <p:cNvPr id="3" name="Content Placeholder 2"/>
+          <p:cNvSpPr>
+            <a:spLocks noGrp="1"/>
+          </p:cNvSpPr>
+          <p:nvPr>
+            <p:ph idx="1"/>
+          </p:nvPr>
+        </p:nvSpPr>
+        <p:spPr/>
+        <p:txBody>
+          <a:bodyPr/>
+          <a:lstStyle/>
+          <a:p>
+            <a:r>
+              <a:rPr lang="en-US" dirty="0" smtClean="0"/>
+              <a:t>All the files used for class and slide deck can be found on my GitHub account.</a:t>
+            </a:r>
+          </a:p>
+          <a:p>
+            <a:r>
+              <a:rPr lang="en-US" dirty="0">
+                <a:hlinkClick r:id="rId2"/>
+              </a:rPr>
+              <a:t>https://</a:t>
+            </a:r>
+            <a:r>
+              <a:rPr lang="en-US" dirty="0" smtClean="0">
+                <a:hlinkClick r:id="rId2"/>
+              </a:rPr>
+              <a:t>github.com/jryanwall/HECC-2018</a:t>
+            </a:r>
+            <a:endParaRPr lang="en-US" dirty="0" smtClean="0"/>
+          </a:p>
+          <a:p>
+            <a:r>
+              <a:rPr lang="en-US" dirty="0" smtClean="0"/>
+              <a:t>If you don’t find something or have questions shoot me an email or hit me up on Twitter</a:t>
+            </a:r>
+          </a:p>
+          <a:p>
+            <a:pPr lvl="1"/>
+            <a:r>
+              <a:rPr lang="en-US" dirty="0" smtClean="0">
+                <a:hlinkClick r:id="rId3"/>
+              </a:rPr>
+              <a:t>rwall@hccsc.k12.in.us</a:t>
+            </a:r>
+            <a:endParaRPr lang="en-US" dirty="0" smtClean="0"/>
+          </a:p>
+          <a:p>
+            <a:pPr lvl="1"/>
+            <a:r>
+              <a:rPr lang="en-US" dirty="0" smtClean="0">
+                <a:hlinkClick r:id="rId4"/>
+              </a:rPr>
+              <a:t>@</a:t>
+            </a:r>
+            <a:r>
+              <a:rPr lang="en-US" dirty="0" err="1" smtClean="0">
+                <a:hlinkClick r:id="rId4"/>
+              </a:rPr>
+              <a:t>JRyanWall</a:t>
+            </a:r>
+            <a:endParaRPr lang="en-US" dirty="0" smtClean="0"/>
+          </a:p>
+          <a:p>
+            <a:pPr lvl="1"/>
+            <a:endParaRPr lang="en-US" dirty="0"/>
+          </a:p>
+          <a:p>
+            <a:r>
+              <a:rPr lang="en-US" dirty="0" smtClean="0"/>
+              <a:t>I also have a list on Twitter of related to OSD</a:t>
+            </a:r>
+          </a:p>
+          <a:p>
+            <a:pPr lvl="1"/>
+            <a:r>
+              <a:rPr lang="en-US" dirty="0">
+                <a:hlinkClick r:id="rId5"/>
+              </a:rPr>
+              <a:t>https://</a:t>
+            </a:r>
+            <a:r>
+              <a:rPr lang="en-US" dirty="0" smtClean="0">
+                <a:hlinkClick r:id="rId5"/>
+              </a:rPr>
+              <a:t>twitter.com/jryanwall/lists/deployment</a:t>
+            </a:r>
+            <a:endParaRPr lang="en-US" dirty="0" smtClean="0"/>
+          </a:p>
+          <a:p>
+            <a:pPr marL="457200" lvl="1" indent="0">
+              <a:buNone/>
+            </a:pPr>
+            <a:endParaRPr lang="en-US" dirty="0"/>
+          </a:p>
+        </p:txBody>
+      </p:sp>
+    </p:spTree>
+    <p:extLst>
+      <p:ext uri="{BB962C8B-B14F-4D97-AF65-F5344CB8AC3E}">
+        <p14:creationId xmlns:p14="http://schemas.microsoft.com/office/powerpoint/2010/main" val="1127019503"/>
+      </p:ext>
+    </p:extLst>
+  </p:cSld>
+  <p:clrMapOvr>
+    <a:masterClrMapping/>
+  </p:clrMapOvr>
+</p:sld>
+</file>
+
+<file path=ppt/slides/slide9.xml><?xml version="1.0" encoding="utf-8"?>
+<p:sld xmlns:a="http://schemas.openxmlformats.org/drawingml/2006/main" xmlns:r="http://schemas.openxmlformats.org/officeDocument/2006/relationships" xmlns:p="http://schemas.openxmlformats.org/presentationml/2006/main">
+  <p:cSld>
+    <p:spTree>
+      <p:nvGrpSpPr>
+        <p:cNvPr id="1" name=""/>
+        <p:cNvGrpSpPr/>
+        <p:nvPr/>
+      </p:nvGrpSpPr>
+      <p:grpSpPr>
+        <a:xfrm>
+          <a:off x="0" y="0"/>
+          <a:ext cx="0" cy="0"/>
+          <a:chOff x="0" y="0"/>
+          <a:chExt cx="0" cy="0"/>
+        </a:xfrm>
+      </p:grpSpPr>
+      <p:sp>
+        <p:nvSpPr>
+          <p:cNvPr id="2" name="Title 1"/>
+          <p:cNvSpPr>
+            <a:spLocks noGrp="1"/>
+          </p:cNvSpPr>
+          <p:nvPr>
+            <p:ph type="title"/>
+          </p:nvPr>
+        </p:nvSpPr>
         <p:spPr>
           <a:xfrm>
             <a:off x="838200" y="365125"/>
@@ -4046,14 +4201,14 @@
             <a:pPr algn="ctr"/>
             <a:r>
               <a:rPr lang="en-US" sz="13800" dirty="0" smtClean="0"/>
-              <a:t>Break</a:t>
+              <a:t>Thanks</a:t>
             </a:r>
             <a:br>
               <a:rPr lang="en-US" sz="13800" dirty="0" smtClean="0"/>
             </a:br>
             <a:r>
               <a:rPr lang="en-US" sz="3200" dirty="0" smtClean="0"/>
-              <a:t>10 Minutes</a:t>
+              <a:t>Please fill out class evaluation</a:t>
             </a:r>
             <a:endParaRPr lang="en-US" dirty="0"/>
           </a:p>
@@ -4062,7 +4217,7 @@
     </p:spTree>
     <p:extLst>
       <p:ext uri="{BB962C8B-B14F-4D97-AF65-F5344CB8AC3E}">
-        <p14:creationId xmlns:p14="http://schemas.microsoft.com/office/powerpoint/2010/main" val="2825949201"/>
+        <p14:creationId xmlns:p14="http://schemas.microsoft.com/office/powerpoint/2010/main" val="1358650892"/>
       </p:ext>
     </p:extLst>
   </p:cSld>

--- a/Part_02/Section03.pptx
+++ b/Part_02/Section03.pptx
@@ -8,12 +8,17 @@
     <p:sldId id="256" r:id="rId2"/>
     <p:sldId id="257" r:id="rId3"/>
     <p:sldId id="262" r:id="rId4"/>
-    <p:sldId id="263" r:id="rId5"/>
-    <p:sldId id="261" r:id="rId6"/>
-    <p:sldId id="258" r:id="rId7"/>
-    <p:sldId id="259" r:id="rId8"/>
-    <p:sldId id="264" r:id="rId9"/>
-    <p:sldId id="265" r:id="rId10"/>
+    <p:sldId id="266" r:id="rId5"/>
+    <p:sldId id="267" r:id="rId6"/>
+    <p:sldId id="268" r:id="rId7"/>
+    <p:sldId id="269" r:id="rId8"/>
+    <p:sldId id="270" r:id="rId9"/>
+    <p:sldId id="263" r:id="rId10"/>
+    <p:sldId id="261" r:id="rId11"/>
+    <p:sldId id="258" r:id="rId12"/>
+    <p:sldId id="259" r:id="rId13"/>
+    <p:sldId id="264" r:id="rId14"/>
+    <p:sldId id="265" r:id="rId15"/>
   </p:sldIdLst>
   <p:sldSz cx="12192000" cy="6858000"/>
   <p:notesSz cx="6858000" cy="9144000"/>
@@ -251,7 +256,7 @@
           <a:p>
             <a:fld id="{816A8EE7-6A8D-452B-B8C3-E64C291F1CAD}" type="datetimeFigureOut">
               <a:rPr lang="en-US" smtClean="0"/>
-              <a:t>11/3/2018</a:t>
+              <a:t>11/6/2018</a:t>
             </a:fld>
             <a:endParaRPr lang="en-US"/>
           </a:p>
@@ -421,7 +426,7 @@
           <a:p>
             <a:fld id="{816A8EE7-6A8D-452B-B8C3-E64C291F1CAD}" type="datetimeFigureOut">
               <a:rPr lang="en-US" smtClean="0"/>
-              <a:t>11/3/2018</a:t>
+              <a:t>11/6/2018</a:t>
             </a:fld>
             <a:endParaRPr lang="en-US"/>
           </a:p>
@@ -601,7 +606,7 @@
           <a:p>
             <a:fld id="{816A8EE7-6A8D-452B-B8C3-E64C291F1CAD}" type="datetimeFigureOut">
               <a:rPr lang="en-US" smtClean="0"/>
-              <a:t>11/3/2018</a:t>
+              <a:t>11/6/2018</a:t>
             </a:fld>
             <a:endParaRPr lang="en-US"/>
           </a:p>
@@ -771,7 +776,7 @@
           <a:p>
             <a:fld id="{816A8EE7-6A8D-452B-B8C3-E64C291F1CAD}" type="datetimeFigureOut">
               <a:rPr lang="en-US" smtClean="0"/>
-              <a:t>11/3/2018</a:t>
+              <a:t>11/6/2018</a:t>
             </a:fld>
             <a:endParaRPr lang="en-US"/>
           </a:p>
@@ -1017,7 +1022,7 @@
           <a:p>
             <a:fld id="{816A8EE7-6A8D-452B-B8C3-E64C291F1CAD}" type="datetimeFigureOut">
               <a:rPr lang="en-US" smtClean="0"/>
-              <a:t>11/3/2018</a:t>
+              <a:t>11/6/2018</a:t>
             </a:fld>
             <a:endParaRPr lang="en-US"/>
           </a:p>
@@ -1249,7 +1254,7 @@
           <a:p>
             <a:fld id="{816A8EE7-6A8D-452B-B8C3-E64C291F1CAD}" type="datetimeFigureOut">
               <a:rPr lang="en-US" smtClean="0"/>
-              <a:t>11/3/2018</a:t>
+              <a:t>11/6/2018</a:t>
             </a:fld>
             <a:endParaRPr lang="en-US"/>
           </a:p>
@@ -1616,7 +1621,7 @@
           <a:p>
             <a:fld id="{816A8EE7-6A8D-452B-B8C3-E64C291F1CAD}" type="datetimeFigureOut">
               <a:rPr lang="en-US" smtClean="0"/>
-              <a:t>11/3/2018</a:t>
+              <a:t>11/6/2018</a:t>
             </a:fld>
             <a:endParaRPr lang="en-US"/>
           </a:p>
@@ -1734,7 +1739,7 @@
           <a:p>
             <a:fld id="{816A8EE7-6A8D-452B-B8C3-E64C291F1CAD}" type="datetimeFigureOut">
               <a:rPr lang="en-US" smtClean="0"/>
-              <a:t>11/3/2018</a:t>
+              <a:t>11/6/2018</a:t>
             </a:fld>
             <a:endParaRPr lang="en-US"/>
           </a:p>
@@ -1829,7 +1834,7 @@
           <a:p>
             <a:fld id="{816A8EE7-6A8D-452B-B8C3-E64C291F1CAD}" type="datetimeFigureOut">
               <a:rPr lang="en-US" smtClean="0"/>
-              <a:t>11/3/2018</a:t>
+              <a:t>11/6/2018</a:t>
             </a:fld>
             <a:endParaRPr lang="en-US"/>
           </a:p>
@@ -2106,7 +2111,7 @@
           <a:p>
             <a:fld id="{816A8EE7-6A8D-452B-B8C3-E64C291F1CAD}" type="datetimeFigureOut">
               <a:rPr lang="en-US" smtClean="0"/>
-              <a:t>11/3/2018</a:t>
+              <a:t>11/6/2018</a:t>
             </a:fld>
             <a:endParaRPr lang="en-US"/>
           </a:p>
@@ -2359,7 +2364,7 @@
           <a:p>
             <a:fld id="{816A8EE7-6A8D-452B-B8C3-E64C291F1CAD}" type="datetimeFigureOut">
               <a:rPr lang="en-US" smtClean="0"/>
-              <a:t>11/3/2018</a:t>
+              <a:t>11/6/2018</a:t>
             </a:fld>
             <a:endParaRPr lang="en-US"/>
           </a:p>
@@ -2572,7 +2577,7 @@
           <a:p>
             <a:fld id="{816A8EE7-6A8D-452B-B8C3-E64C291F1CAD}" type="datetimeFigureOut">
               <a:rPr lang="en-US" smtClean="0"/>
-              <a:t>11/3/2018</a:t>
+              <a:t>11/6/2018</a:t>
             </a:fld>
             <a:endParaRPr lang="en-US"/>
           </a:p>
@@ -3051,6 +3056,508 @@
   <p:clrMapOvr>
     <a:masterClrMapping/>
   </p:clrMapOvr>
+  <p:timing>
+    <p:tnLst>
+      <p:par>
+        <p:cTn id="1" dur="indefinite" restart="never" nodeType="tmRoot"/>
+      </p:par>
+    </p:tnLst>
+  </p:timing>
+</p:sld>
+</file>
+
+<file path=ppt/slides/slide10.xml><?xml version="1.0" encoding="utf-8"?>
+<p:sld xmlns:a="http://schemas.openxmlformats.org/drawingml/2006/main" xmlns:r="http://schemas.openxmlformats.org/officeDocument/2006/relationships" xmlns:p="http://schemas.openxmlformats.org/presentationml/2006/main">
+  <p:cSld>
+    <p:spTree>
+      <p:nvGrpSpPr>
+        <p:cNvPr id="1" name=""/>
+        <p:cNvGrpSpPr/>
+        <p:nvPr/>
+      </p:nvGrpSpPr>
+      <p:grpSpPr>
+        <a:xfrm>
+          <a:off x="0" y="0"/>
+          <a:ext cx="0" cy="0"/>
+          <a:chOff x="0" y="0"/>
+          <a:chExt cx="0" cy="0"/>
+        </a:xfrm>
+      </p:grpSpPr>
+      <p:sp>
+        <p:nvSpPr>
+          <p:cNvPr id="2" name="Title 1"/>
+          <p:cNvSpPr>
+            <a:spLocks noGrp="1"/>
+          </p:cNvSpPr>
+          <p:nvPr>
+            <p:ph type="title"/>
+          </p:nvPr>
+        </p:nvSpPr>
+        <p:spPr/>
+        <p:txBody>
+          <a:bodyPr/>
+          <a:lstStyle/>
+          <a:p>
+            <a:r>
+              <a:rPr lang="en-US" dirty="0"/>
+              <a:t>Website status </a:t>
+            </a:r>
+            <a:r>
+              <a:rPr lang="en-US" dirty="0" smtClean="0"/>
+              <a:t>page</a:t>
+            </a:r>
+            <a:endParaRPr lang="en-US" dirty="0"/>
+          </a:p>
+        </p:txBody>
+      </p:sp>
+      <p:sp>
+        <p:nvSpPr>
+          <p:cNvPr id="3" name="Content Placeholder 2"/>
+          <p:cNvSpPr>
+            <a:spLocks noGrp="1"/>
+          </p:cNvSpPr>
+          <p:nvPr>
+            <p:ph idx="1"/>
+          </p:nvPr>
+        </p:nvSpPr>
+        <p:spPr/>
+        <p:txBody>
+          <a:bodyPr/>
+          <a:lstStyle/>
+          <a:p>
+            <a:r>
+              <a:rPr lang="en-US" dirty="0" smtClean="0"/>
+              <a:t>PowerShell Script to query MDT Monitor and show status</a:t>
+            </a:r>
+          </a:p>
+          <a:p>
+            <a:r>
+              <a:rPr lang="en-US" dirty="0" smtClean="0"/>
+              <a:t>Output file goes to IIS server running on MDT box</a:t>
+            </a:r>
+          </a:p>
+          <a:p>
+            <a:r>
+              <a:rPr lang="en-US" dirty="0" smtClean="0"/>
+              <a:t>Simple page but helpful when running around school imaging PC’s</a:t>
+            </a:r>
+          </a:p>
+          <a:p>
+            <a:endParaRPr lang="en-US" dirty="0"/>
+          </a:p>
+        </p:txBody>
+      </p:sp>
+      <p:pic>
+        <p:nvPicPr>
+          <p:cNvPr id="4" name="Picture 3"/>
+          <p:cNvPicPr>
+            <a:picLocks noChangeAspect="1"/>
+          </p:cNvPicPr>
+          <p:nvPr/>
+        </p:nvPicPr>
+        <p:blipFill>
+          <a:blip r:embed="rId2"/>
+          <a:stretch>
+            <a:fillRect/>
+          </a:stretch>
+        </p:blipFill>
+        <p:spPr>
+          <a:xfrm>
+            <a:off x="3118353" y="3286640"/>
+            <a:ext cx="5448300" cy="2971800"/>
+          </a:xfrm>
+          <a:prstGeom prst="rect">
+            <a:avLst/>
+          </a:prstGeom>
+        </p:spPr>
+      </p:pic>
+    </p:spTree>
+    <p:extLst>
+      <p:ext uri="{BB962C8B-B14F-4D97-AF65-F5344CB8AC3E}">
+        <p14:creationId xmlns:p14="http://schemas.microsoft.com/office/powerpoint/2010/main" val="2906852959"/>
+      </p:ext>
+    </p:extLst>
+  </p:cSld>
+  <p:clrMapOvr>
+    <a:masterClrMapping/>
+  </p:clrMapOvr>
+  <p:timing>
+    <p:tnLst>
+      <p:par>
+        <p:cTn id="1" dur="indefinite" restart="never" nodeType="tmRoot"/>
+      </p:par>
+    </p:tnLst>
+  </p:timing>
+</p:sld>
+</file>
+
+<file path=ppt/slides/slide11.xml><?xml version="1.0" encoding="utf-8"?>
+<p:sld xmlns:a="http://schemas.openxmlformats.org/drawingml/2006/main" xmlns:r="http://schemas.openxmlformats.org/officeDocument/2006/relationships" xmlns:p="http://schemas.openxmlformats.org/presentationml/2006/main">
+  <p:cSld>
+    <p:spTree>
+      <p:nvGrpSpPr>
+        <p:cNvPr id="1" name=""/>
+        <p:cNvGrpSpPr/>
+        <p:nvPr/>
+      </p:nvGrpSpPr>
+      <p:grpSpPr>
+        <a:xfrm>
+          <a:off x="0" y="0"/>
+          <a:ext cx="0" cy="0"/>
+          <a:chOff x="0" y="0"/>
+          <a:chExt cx="0" cy="0"/>
+        </a:xfrm>
+      </p:grpSpPr>
+      <p:sp>
+        <p:nvSpPr>
+          <p:cNvPr id="2" name="Title 1"/>
+          <p:cNvSpPr>
+            <a:spLocks noGrp="1"/>
+          </p:cNvSpPr>
+          <p:nvPr>
+            <p:ph type="title"/>
+          </p:nvPr>
+        </p:nvSpPr>
+        <p:spPr>
+          <a:xfrm>
+            <a:off x="838200" y="365125"/>
+            <a:ext cx="10515600" cy="5461934"/>
+          </a:xfrm>
+        </p:spPr>
+        <p:txBody>
+          <a:bodyPr>
+            <a:normAutofit/>
+          </a:bodyPr>
+          <a:lstStyle/>
+          <a:p>
+            <a:pPr algn="ctr"/>
+            <a:r>
+              <a:rPr lang="en-US" sz="16600" dirty="0" smtClean="0"/>
+              <a:t>Demo</a:t>
+            </a:r>
+            <a:endParaRPr lang="en-US" sz="16600" dirty="0"/>
+          </a:p>
+        </p:txBody>
+      </p:sp>
+    </p:spTree>
+    <p:extLst>
+      <p:ext uri="{BB962C8B-B14F-4D97-AF65-F5344CB8AC3E}">
+        <p14:creationId xmlns:p14="http://schemas.microsoft.com/office/powerpoint/2010/main" val="496466115"/>
+      </p:ext>
+    </p:extLst>
+  </p:cSld>
+  <p:clrMapOvr>
+    <a:masterClrMapping/>
+  </p:clrMapOvr>
+  <p:timing>
+    <p:tnLst>
+      <p:par>
+        <p:cTn id="1" dur="indefinite" restart="never" nodeType="tmRoot"/>
+      </p:par>
+    </p:tnLst>
+  </p:timing>
+</p:sld>
+</file>
+
+<file path=ppt/slides/slide12.xml><?xml version="1.0" encoding="utf-8"?>
+<p:sld xmlns:a="http://schemas.openxmlformats.org/drawingml/2006/main" xmlns:r="http://schemas.openxmlformats.org/officeDocument/2006/relationships" xmlns:p="http://schemas.openxmlformats.org/presentationml/2006/main">
+  <p:cSld>
+    <p:spTree>
+      <p:nvGrpSpPr>
+        <p:cNvPr id="1" name=""/>
+        <p:cNvGrpSpPr/>
+        <p:nvPr/>
+      </p:nvGrpSpPr>
+      <p:grpSpPr>
+        <a:xfrm>
+          <a:off x="0" y="0"/>
+          <a:ext cx="0" cy="0"/>
+          <a:chOff x="0" y="0"/>
+          <a:chExt cx="0" cy="0"/>
+        </a:xfrm>
+      </p:grpSpPr>
+      <p:sp>
+        <p:nvSpPr>
+          <p:cNvPr id="2" name="Title 1"/>
+          <p:cNvSpPr>
+            <a:spLocks noGrp="1"/>
+          </p:cNvSpPr>
+          <p:nvPr>
+            <p:ph type="title"/>
+          </p:nvPr>
+        </p:nvSpPr>
+        <p:spPr>
+          <a:xfrm>
+            <a:off x="838200" y="365125"/>
+            <a:ext cx="10515600" cy="5641228"/>
+          </a:xfrm>
+        </p:spPr>
+        <p:txBody>
+          <a:bodyPr>
+            <a:normAutofit/>
+          </a:bodyPr>
+          <a:lstStyle/>
+          <a:p>
+            <a:pPr algn="ctr"/>
+            <a:r>
+              <a:rPr lang="en-US" sz="13800" dirty="0" smtClean="0"/>
+              <a:t>Questions</a:t>
+            </a:r>
+            <a:endParaRPr lang="en-US" sz="13800" dirty="0"/>
+          </a:p>
+        </p:txBody>
+      </p:sp>
+    </p:spTree>
+    <p:extLst>
+      <p:ext uri="{BB962C8B-B14F-4D97-AF65-F5344CB8AC3E}">
+        <p14:creationId xmlns:p14="http://schemas.microsoft.com/office/powerpoint/2010/main" val="2703250437"/>
+      </p:ext>
+    </p:extLst>
+  </p:cSld>
+  <p:clrMapOvr>
+    <a:masterClrMapping/>
+  </p:clrMapOvr>
+  <p:timing>
+    <p:tnLst>
+      <p:par>
+        <p:cTn id="1" dur="indefinite" restart="never" nodeType="tmRoot"/>
+      </p:par>
+    </p:tnLst>
+  </p:timing>
+</p:sld>
+</file>
+
+<file path=ppt/slides/slide13.xml><?xml version="1.0" encoding="utf-8"?>
+<p:sld xmlns:a="http://schemas.openxmlformats.org/drawingml/2006/main" xmlns:r="http://schemas.openxmlformats.org/officeDocument/2006/relationships" xmlns:p="http://schemas.openxmlformats.org/presentationml/2006/main">
+  <p:cSld>
+    <p:spTree>
+      <p:nvGrpSpPr>
+        <p:cNvPr id="1" name=""/>
+        <p:cNvGrpSpPr/>
+        <p:nvPr/>
+      </p:nvGrpSpPr>
+      <p:grpSpPr>
+        <a:xfrm>
+          <a:off x="0" y="0"/>
+          <a:ext cx="0" cy="0"/>
+          <a:chOff x="0" y="0"/>
+          <a:chExt cx="0" cy="0"/>
+        </a:xfrm>
+      </p:grpSpPr>
+      <p:sp>
+        <p:nvSpPr>
+          <p:cNvPr id="2" name="Title 1"/>
+          <p:cNvSpPr>
+            <a:spLocks noGrp="1"/>
+          </p:cNvSpPr>
+          <p:nvPr>
+            <p:ph type="title"/>
+          </p:nvPr>
+        </p:nvSpPr>
+        <p:spPr/>
+        <p:txBody>
+          <a:bodyPr/>
+          <a:lstStyle/>
+          <a:p>
+            <a:r>
+              <a:rPr lang="en-US" dirty="0" smtClean="0"/>
+              <a:t>Class files and slide deck</a:t>
+            </a:r>
+            <a:endParaRPr lang="en-US" dirty="0"/>
+          </a:p>
+        </p:txBody>
+      </p:sp>
+      <p:sp>
+        <p:nvSpPr>
+          <p:cNvPr id="3" name="Content Placeholder 2"/>
+          <p:cNvSpPr>
+            <a:spLocks noGrp="1"/>
+          </p:cNvSpPr>
+          <p:nvPr>
+            <p:ph idx="1"/>
+          </p:nvPr>
+        </p:nvSpPr>
+        <p:spPr/>
+        <p:txBody>
+          <a:bodyPr/>
+          <a:lstStyle/>
+          <a:p>
+            <a:r>
+              <a:rPr lang="en-US" dirty="0" smtClean="0"/>
+              <a:t>All the files used for class and slide deck can be found on my GitHub account.</a:t>
+            </a:r>
+          </a:p>
+          <a:p>
+            <a:r>
+              <a:rPr lang="en-US" dirty="0">
+                <a:hlinkClick r:id="rId2"/>
+              </a:rPr>
+              <a:t>https://</a:t>
+            </a:r>
+            <a:r>
+              <a:rPr lang="en-US" dirty="0" smtClean="0">
+                <a:hlinkClick r:id="rId2"/>
+              </a:rPr>
+              <a:t>github.com/jryanwall/HECC-2018</a:t>
+            </a:r>
+            <a:endParaRPr lang="en-US" dirty="0" smtClean="0"/>
+          </a:p>
+          <a:p>
+            <a:r>
+              <a:rPr lang="en-US" dirty="0" smtClean="0"/>
+              <a:t>If you don’t find something or have questions shoot me an email or hit me up on Twitter</a:t>
+            </a:r>
+          </a:p>
+          <a:p>
+            <a:pPr lvl="1"/>
+            <a:r>
+              <a:rPr lang="en-US" dirty="0" smtClean="0">
+                <a:hlinkClick r:id="rId3"/>
+              </a:rPr>
+              <a:t>rwall@hccsc.k12.in.us</a:t>
+            </a:r>
+            <a:endParaRPr lang="en-US" dirty="0" smtClean="0"/>
+          </a:p>
+          <a:p>
+            <a:pPr lvl="1"/>
+            <a:r>
+              <a:rPr lang="en-US" dirty="0" smtClean="0">
+                <a:hlinkClick r:id="rId4"/>
+              </a:rPr>
+              <a:t>@</a:t>
+            </a:r>
+            <a:r>
+              <a:rPr lang="en-US" dirty="0" err="1" smtClean="0">
+                <a:hlinkClick r:id="rId4"/>
+              </a:rPr>
+              <a:t>JRyanWall</a:t>
+            </a:r>
+            <a:endParaRPr lang="en-US" dirty="0" smtClean="0"/>
+          </a:p>
+          <a:p>
+            <a:pPr lvl="1"/>
+            <a:endParaRPr lang="en-US" dirty="0"/>
+          </a:p>
+          <a:p>
+            <a:r>
+              <a:rPr lang="en-US" dirty="0" smtClean="0"/>
+              <a:t>I also have a list on Twitter of related to OSD</a:t>
+            </a:r>
+          </a:p>
+          <a:p>
+            <a:pPr lvl="1"/>
+            <a:r>
+              <a:rPr lang="en-US" dirty="0">
+                <a:hlinkClick r:id="rId5"/>
+              </a:rPr>
+              <a:t>https://</a:t>
+            </a:r>
+            <a:r>
+              <a:rPr lang="en-US" dirty="0" smtClean="0">
+                <a:hlinkClick r:id="rId5"/>
+              </a:rPr>
+              <a:t>twitter.com/jryanwall/lists/deployment</a:t>
+            </a:r>
+            <a:endParaRPr lang="en-US" dirty="0" smtClean="0"/>
+          </a:p>
+          <a:p>
+            <a:pPr marL="457200" lvl="1" indent="0">
+              <a:buNone/>
+            </a:pPr>
+            <a:endParaRPr lang="en-US" dirty="0"/>
+          </a:p>
+        </p:txBody>
+      </p:sp>
+    </p:spTree>
+    <p:extLst>
+      <p:ext uri="{BB962C8B-B14F-4D97-AF65-F5344CB8AC3E}">
+        <p14:creationId xmlns:p14="http://schemas.microsoft.com/office/powerpoint/2010/main" val="1127019503"/>
+      </p:ext>
+    </p:extLst>
+  </p:cSld>
+  <p:clrMapOvr>
+    <a:masterClrMapping/>
+  </p:clrMapOvr>
+  <p:timing>
+    <p:tnLst>
+      <p:par>
+        <p:cTn id="1" dur="indefinite" restart="never" nodeType="tmRoot"/>
+      </p:par>
+    </p:tnLst>
+  </p:timing>
+</p:sld>
+</file>
+
+<file path=ppt/slides/slide14.xml><?xml version="1.0" encoding="utf-8"?>
+<p:sld xmlns:a="http://schemas.openxmlformats.org/drawingml/2006/main" xmlns:r="http://schemas.openxmlformats.org/officeDocument/2006/relationships" xmlns:p="http://schemas.openxmlformats.org/presentationml/2006/main">
+  <p:cSld>
+    <p:spTree>
+      <p:nvGrpSpPr>
+        <p:cNvPr id="1" name=""/>
+        <p:cNvGrpSpPr/>
+        <p:nvPr/>
+      </p:nvGrpSpPr>
+      <p:grpSpPr>
+        <a:xfrm>
+          <a:off x="0" y="0"/>
+          <a:ext cx="0" cy="0"/>
+          <a:chOff x="0" y="0"/>
+          <a:chExt cx="0" cy="0"/>
+        </a:xfrm>
+      </p:grpSpPr>
+      <p:sp>
+        <p:nvSpPr>
+          <p:cNvPr id="2" name="Title 1"/>
+          <p:cNvSpPr>
+            <a:spLocks noGrp="1"/>
+          </p:cNvSpPr>
+          <p:nvPr>
+            <p:ph type="title"/>
+          </p:nvPr>
+        </p:nvSpPr>
+        <p:spPr>
+          <a:xfrm>
+            <a:off x="838200" y="365125"/>
+            <a:ext cx="10515600" cy="5730875"/>
+          </a:xfrm>
+        </p:spPr>
+        <p:txBody>
+          <a:bodyPr/>
+          <a:lstStyle/>
+          <a:p>
+            <a:pPr algn="ctr"/>
+            <a:r>
+              <a:rPr lang="en-US" sz="13800" dirty="0" smtClean="0"/>
+              <a:t>Thanks</a:t>
+            </a:r>
+            <a:br>
+              <a:rPr lang="en-US" sz="13800" dirty="0" smtClean="0"/>
+            </a:br>
+            <a:r>
+              <a:rPr lang="en-US" sz="3200" dirty="0" smtClean="0"/>
+              <a:t>Please fill out class evaluation</a:t>
+            </a:r>
+            <a:endParaRPr lang="en-US" dirty="0"/>
+          </a:p>
+        </p:txBody>
+      </p:sp>
+    </p:spTree>
+    <p:extLst>
+      <p:ext uri="{BB962C8B-B14F-4D97-AF65-F5344CB8AC3E}">
+        <p14:creationId xmlns:p14="http://schemas.microsoft.com/office/powerpoint/2010/main" val="1358650892"/>
+      </p:ext>
+    </p:extLst>
+  </p:cSld>
+  <p:clrMapOvr>
+    <a:masterClrMapping/>
+  </p:clrMapOvr>
+  <p:timing>
+    <p:tnLst>
+      <p:par>
+        <p:cTn id="1" dur="indefinite" restart="never" nodeType="tmRoot"/>
+      </p:par>
+    </p:tnLst>
+  </p:timing>
 </p:sld>
 </file>
 
@@ -3558,6 +4065,13 @@
   <p:clrMapOvr>
     <a:masterClrMapping/>
   </p:clrMapOvr>
+  <p:timing>
+    <p:tnLst>
+      <p:par>
+        <p:cTn id="1" dur="indefinite" restart="never" nodeType="tmRoot"/>
+      </p:par>
+    </p:tnLst>
+  </p:timing>
 </p:sld>
 </file>
 
@@ -3595,7 +4109,14 @@
           <a:p>
             <a:r>
               <a:rPr lang="en-US" dirty="0" smtClean="0"/>
-              <a:t>Logging</a:t>
+              <a:t>Final Adjustments</a:t>
+            </a:r>
+            <a:br>
+              <a:rPr lang="en-US" dirty="0" smtClean="0"/>
+            </a:br>
+            <a:r>
+              <a:rPr lang="en-US" sz="2800" dirty="0" smtClean="0"/>
+              <a:t>Local Admin Changes</a:t>
             </a:r>
             <a:endParaRPr lang="en-US" dirty="0"/>
           </a:p>
@@ -3616,126 +4137,6 @@
           <a:bodyPr/>
           <a:lstStyle/>
           <a:p>
-            <a:r>
-              <a:rPr lang="en-US" dirty="0" smtClean="0"/>
-              <a:t>When things go wrong check the logs</a:t>
-            </a:r>
-          </a:p>
-          <a:p>
-            <a:r>
-              <a:rPr lang="en-US" dirty="0" smtClean="0"/>
-              <a:t>Logs controlled by Control.ini</a:t>
-            </a:r>
-          </a:p>
-          <a:p>
-            <a:pPr lvl="1"/>
-            <a:r>
-              <a:rPr lang="en-US" sz="2000" dirty="0"/>
-              <a:t>; Copy Logs if </a:t>
-            </a:r>
-            <a:r>
-              <a:rPr lang="en-US" sz="2000" dirty="0" smtClean="0"/>
-              <a:t>an </a:t>
-            </a:r>
-            <a:r>
-              <a:rPr lang="en-US" sz="2000" dirty="0"/>
-              <a:t>error occurs or when deployment is successfully completed</a:t>
-            </a:r>
-          </a:p>
-          <a:p>
-            <a:pPr lvl="1"/>
-            <a:r>
-              <a:rPr lang="en-US" sz="2000" dirty="0" err="1"/>
-              <a:t>SLShare</a:t>
-            </a:r>
-            <a:r>
-              <a:rPr lang="en-US" sz="2000" dirty="0"/>
-              <a:t>=\\MDT01\</a:t>
-            </a:r>
-            <a:r>
-              <a:rPr lang="en-US" sz="2000" dirty="0" err="1"/>
-              <a:t>HECCDeploy</a:t>
-            </a:r>
-            <a:r>
-              <a:rPr lang="en-US" sz="2000" dirty="0"/>
-              <a:t>$\Logs</a:t>
-            </a:r>
-          </a:p>
-          <a:p>
-            <a:pPr lvl="1"/>
-            <a:r>
-              <a:rPr lang="en-US" sz="2000" dirty="0"/>
-              <a:t>; Enable </a:t>
-            </a:r>
-            <a:r>
-              <a:rPr lang="en-US" sz="2000" dirty="0" smtClean="0"/>
-              <a:t>Dynamic </a:t>
-            </a:r>
-            <a:r>
-              <a:rPr lang="en-US" sz="2000" dirty="0"/>
-              <a:t>Logging</a:t>
-            </a:r>
-          </a:p>
-          <a:p>
-            <a:pPr lvl="1"/>
-            <a:r>
-              <a:rPr lang="en-US" sz="2000" dirty="0" err="1"/>
-              <a:t>SLSHAREDynamicLogging</a:t>
-            </a:r>
-            <a:r>
-              <a:rPr lang="en-US" sz="2000" dirty="0"/>
-              <a:t>=\\MDT01\</a:t>
-            </a:r>
-            <a:r>
-              <a:rPr lang="en-US" sz="2000" dirty="0" err="1"/>
-              <a:t>HECCDeploy</a:t>
-            </a:r>
-            <a:r>
-              <a:rPr lang="en-US" sz="2000" dirty="0"/>
-              <a:t>$\</a:t>
-            </a:r>
-            <a:r>
-              <a:rPr lang="en-US" sz="2000" dirty="0" err="1"/>
-              <a:t>DynLog</a:t>
-            </a:r>
-            <a:r>
-              <a:rPr lang="en-US" sz="2000" dirty="0"/>
-              <a:t>\%</a:t>
-            </a:r>
-            <a:r>
-              <a:rPr lang="en-US" sz="2000" dirty="0" err="1"/>
-              <a:t>OSDComputername</a:t>
-            </a:r>
-            <a:r>
-              <a:rPr lang="en-US" sz="2000" dirty="0" smtClean="0"/>
-              <a:t>%</a:t>
-            </a:r>
-          </a:p>
-          <a:p>
-            <a:r>
-              <a:rPr lang="en-US" sz="2400" dirty="0" smtClean="0"/>
-              <a:t>Create both the Logs and </a:t>
-            </a:r>
-            <a:r>
-              <a:rPr lang="en-US" sz="2400" dirty="0" err="1" smtClean="0"/>
-              <a:t>DynLog</a:t>
-            </a:r>
-            <a:r>
-              <a:rPr lang="en-US" sz="2400" dirty="0" smtClean="0"/>
-              <a:t> folders in %</a:t>
-            </a:r>
-            <a:r>
-              <a:rPr lang="en-US" sz="2400" dirty="0" err="1" smtClean="0"/>
-              <a:t>DeploymentRoot</a:t>
-            </a:r>
-            <a:r>
-              <a:rPr lang="en-US" sz="2400" dirty="0" smtClean="0"/>
-              <a:t>%</a:t>
-            </a:r>
-            <a:endParaRPr lang="en-US" sz="2400" dirty="0"/>
-          </a:p>
-          <a:p>
-            <a:pPr lvl="1"/>
             <a:endParaRPr lang="en-US" dirty="0"/>
           </a:p>
         </p:txBody>
@@ -3743,7 +4144,7 @@
     </p:spTree>
     <p:extLst>
       <p:ext uri="{BB962C8B-B14F-4D97-AF65-F5344CB8AC3E}">
-        <p14:creationId xmlns:p14="http://schemas.microsoft.com/office/powerpoint/2010/main" val="1419102"/>
+        <p14:creationId xmlns:p14="http://schemas.microsoft.com/office/powerpoint/2010/main" val="2941481297"/>
       </p:ext>
     </p:extLst>
   </p:cSld>
@@ -3786,12 +4187,15 @@
           <a:lstStyle/>
           <a:p>
             <a:r>
-              <a:rPr lang="en-US" dirty="0"/>
-              <a:t>Website status </a:t>
-            </a:r>
-            <a:r>
               <a:rPr lang="en-US" dirty="0" smtClean="0"/>
-              <a:t>page</a:t>
+              <a:t>Final Adjustments</a:t>
+            </a:r>
+            <a:br>
+              <a:rPr lang="en-US" dirty="0" smtClean="0"/>
+            </a:br>
+            <a:r>
+              <a:rPr lang="en-US" sz="2800" dirty="0" smtClean="0"/>
+              <a:t>Local accounts</a:t>
             </a:r>
             <a:endParaRPr lang="en-US" dirty="0"/>
           </a:p>
@@ -3812,56 +4216,14 @@
           <a:bodyPr/>
           <a:lstStyle/>
           <a:p>
-            <a:r>
-              <a:rPr lang="en-US" dirty="0" smtClean="0"/>
-              <a:t>PowerShell Script to query MDT Monitor and show status</a:t>
-            </a:r>
-          </a:p>
-          <a:p>
-            <a:r>
-              <a:rPr lang="en-US" dirty="0" smtClean="0"/>
-              <a:t>Output file goes to IIS server running on MDT box</a:t>
-            </a:r>
-          </a:p>
-          <a:p>
-            <a:r>
-              <a:rPr lang="en-US" dirty="0" smtClean="0"/>
-              <a:t>Simple page but helpful when running around school imaging PC’s</a:t>
-            </a:r>
-          </a:p>
-          <a:p>
             <a:endParaRPr lang="en-US" dirty="0"/>
           </a:p>
         </p:txBody>
       </p:sp>
-      <p:pic>
-        <p:nvPicPr>
-          <p:cNvPr id="4" name="Picture 3"/>
-          <p:cNvPicPr>
-            <a:picLocks noChangeAspect="1"/>
-          </p:cNvPicPr>
-          <p:nvPr/>
-        </p:nvPicPr>
-        <p:blipFill>
-          <a:blip r:embed="rId2"/>
-          <a:stretch>
-            <a:fillRect/>
-          </a:stretch>
-        </p:blipFill>
-        <p:spPr>
-          <a:xfrm>
-            <a:off x="3118353" y="3286640"/>
-            <a:ext cx="5448300" cy="2971800"/>
-          </a:xfrm>
-          <a:prstGeom prst="rect">
-            <a:avLst/>
-          </a:prstGeom>
-        </p:spPr>
-      </p:pic>
     </p:spTree>
     <p:extLst>
       <p:ext uri="{BB962C8B-B14F-4D97-AF65-F5344CB8AC3E}">
-        <p14:creationId xmlns:p14="http://schemas.microsoft.com/office/powerpoint/2010/main" val="2906852959"/>
+        <p14:creationId xmlns:p14="http://schemas.microsoft.com/office/powerpoint/2010/main" val="2861326699"/>
       </p:ext>
     </p:extLst>
   </p:cSld>
@@ -3898,44 +4260,55 @@
             <p:ph type="title"/>
           </p:nvPr>
         </p:nvSpPr>
-        <p:spPr>
-          <a:xfrm>
-            <a:off x="838200" y="365125"/>
-            <a:ext cx="10515600" cy="5461934"/>
-          </a:xfrm>
-        </p:spPr>
-        <p:txBody>
-          <a:bodyPr>
-            <a:normAutofit/>
-          </a:bodyPr>
-          <a:lstStyle/>
-          <a:p>
-            <a:pPr algn="ctr"/>
-            <a:r>
-              <a:rPr lang="en-US" sz="16600" dirty="0" smtClean="0"/>
-              <a:t>Demo</a:t>
-            </a:r>
-            <a:endParaRPr lang="en-US" sz="16600" dirty="0"/>
+        <p:spPr/>
+        <p:txBody>
+          <a:bodyPr/>
+          <a:lstStyle/>
+          <a:p>
+            <a:r>
+              <a:rPr lang="en-US" dirty="0" smtClean="0"/>
+              <a:t>Final Adjustments</a:t>
+            </a:r>
+            <a:br>
+              <a:rPr lang="en-US" dirty="0" smtClean="0"/>
+            </a:br>
+            <a:r>
+              <a:rPr lang="en-US" sz="2800" dirty="0" smtClean="0"/>
+              <a:t>Activate Office 2016</a:t>
+            </a:r>
+            <a:endParaRPr lang="en-US" dirty="0"/>
+          </a:p>
+        </p:txBody>
+      </p:sp>
+      <p:sp>
+        <p:nvSpPr>
+          <p:cNvPr id="3" name="Content Placeholder 2"/>
+          <p:cNvSpPr>
+            <a:spLocks noGrp="1"/>
+          </p:cNvSpPr>
+          <p:nvPr>
+            <p:ph idx="1"/>
+          </p:nvPr>
+        </p:nvSpPr>
+        <p:spPr/>
+        <p:txBody>
+          <a:bodyPr/>
+          <a:lstStyle/>
+          <a:p>
+            <a:endParaRPr lang="en-US" dirty="0"/>
           </a:p>
         </p:txBody>
       </p:sp>
     </p:spTree>
     <p:extLst>
       <p:ext uri="{BB962C8B-B14F-4D97-AF65-F5344CB8AC3E}">
-        <p14:creationId xmlns:p14="http://schemas.microsoft.com/office/powerpoint/2010/main" val="496466115"/>
+        <p14:creationId xmlns:p14="http://schemas.microsoft.com/office/powerpoint/2010/main" val="1359849241"/>
       </p:ext>
     </p:extLst>
   </p:cSld>
   <p:clrMapOvr>
     <a:masterClrMapping/>
   </p:clrMapOvr>
-  <p:timing>
-    <p:tnLst>
-      <p:par>
-        <p:cTn id="1" dur="indefinite" restart="never" nodeType="tmRoot"/>
-      </p:par>
-    </p:tnLst>
-  </p:timing>
 </p:sld>
 </file>
 
@@ -3966,44 +4339,55 @@
             <p:ph type="title"/>
           </p:nvPr>
         </p:nvSpPr>
-        <p:spPr>
-          <a:xfrm>
-            <a:off x="838200" y="365125"/>
-            <a:ext cx="10515600" cy="5641228"/>
-          </a:xfrm>
-        </p:spPr>
-        <p:txBody>
-          <a:bodyPr>
-            <a:normAutofit/>
-          </a:bodyPr>
-          <a:lstStyle/>
-          <a:p>
-            <a:pPr algn="ctr"/>
-            <a:r>
-              <a:rPr lang="en-US" sz="13800" dirty="0" smtClean="0"/>
-              <a:t>Questions</a:t>
-            </a:r>
-            <a:endParaRPr lang="en-US" sz="13800" dirty="0"/>
+        <p:spPr/>
+        <p:txBody>
+          <a:bodyPr/>
+          <a:lstStyle/>
+          <a:p>
+            <a:r>
+              <a:rPr lang="en-US" dirty="0" smtClean="0"/>
+              <a:t>Final Adjustments</a:t>
+            </a:r>
+            <a:br>
+              <a:rPr lang="en-US" dirty="0" smtClean="0"/>
+            </a:br>
+            <a:r>
+              <a:rPr lang="en-US" sz="2800" dirty="0" smtClean="0"/>
+              <a:t>OEM Information</a:t>
+            </a:r>
+            <a:endParaRPr lang="en-US" dirty="0"/>
+          </a:p>
+        </p:txBody>
+      </p:sp>
+      <p:sp>
+        <p:nvSpPr>
+          <p:cNvPr id="3" name="Content Placeholder 2"/>
+          <p:cNvSpPr>
+            <a:spLocks noGrp="1"/>
+          </p:cNvSpPr>
+          <p:nvPr>
+            <p:ph idx="1"/>
+          </p:nvPr>
+        </p:nvSpPr>
+        <p:spPr/>
+        <p:txBody>
+          <a:bodyPr/>
+          <a:lstStyle/>
+          <a:p>
+            <a:endParaRPr lang="en-US" dirty="0"/>
           </a:p>
         </p:txBody>
       </p:sp>
     </p:spTree>
     <p:extLst>
       <p:ext uri="{BB962C8B-B14F-4D97-AF65-F5344CB8AC3E}">
-        <p14:creationId xmlns:p14="http://schemas.microsoft.com/office/powerpoint/2010/main" val="2703250437"/>
+        <p14:creationId xmlns:p14="http://schemas.microsoft.com/office/powerpoint/2010/main" val="2911019034"/>
       </p:ext>
     </p:extLst>
   </p:cSld>
   <p:clrMapOvr>
     <a:masterClrMapping/>
   </p:clrMapOvr>
-  <p:timing>
-    <p:tnLst>
-      <p:par>
-        <p:cTn id="1" dur="indefinite" restart="never" nodeType="tmRoot"/>
-      </p:par>
-    </p:tnLst>
-  </p:timing>
 </p:sld>
 </file>
 
@@ -4041,9 +4425,15 @@
           <a:p>
             <a:r>
               <a:rPr lang="en-US" dirty="0" smtClean="0"/>
-              <a:t>Class files and slide deck</a:t>
-            </a:r>
-            <a:endParaRPr lang="en-US" dirty="0"/>
+              <a:t>Final Adjustments</a:t>
+            </a:r>
+            <a:br>
+              <a:rPr lang="en-US" dirty="0" smtClean="0"/>
+            </a:br>
+            <a:r>
+              <a:rPr lang="en-US" sz="2800" dirty="0"/>
+              <a:t>Generate Windows Experience </a:t>
+            </a:r>
           </a:p>
         </p:txBody>
       </p:sp>
@@ -4062,88 +4452,6 @@
           <a:bodyPr/>
           <a:lstStyle/>
           <a:p>
-            <a:r>
-              <a:rPr lang="en-US" dirty="0" smtClean="0"/>
-              <a:t>All the files used for class and slide deck can be found on my GitHub account.</a:t>
-            </a:r>
-          </a:p>
-          <a:p>
-            <a:r>
-              <a:rPr lang="en-US" dirty="0">
-                <a:hlinkClick r:id="rId2"/>
-              </a:rPr>
-              <a:t>https://</a:t>
-            </a:r>
-            <a:r>
-              <a:rPr lang="en-US" dirty="0" smtClean="0">
-                <a:hlinkClick r:id="rId2"/>
-              </a:rPr>
-              <a:t>github.com/jryanwall/HECC-2018</a:t>
-            </a:r>
-            <a:endParaRPr lang="en-US" dirty="0" smtClean="0"/>
-          </a:p>
-          <a:p>
-            <a:r>
-              <a:rPr lang="en-US" dirty="0" smtClean="0"/>
-              <a:t>If you don’t find something or have questions shoot me an email or hit me up on Twitter</a:t>
-            </a:r>
-          </a:p>
-          <a:p>
-            <a:pPr lvl="1"/>
-            <a:r>
-              <a:rPr lang="en-US" dirty="0" smtClean="0">
-                <a:hlinkClick r:id="rId3"/>
-              </a:rPr>
-              <a:t>rwall@hccsc.k12.in.us</a:t>
-            </a:r>
-            <a:endParaRPr lang="en-US" dirty="0" smtClean="0"/>
-          </a:p>
-          <a:p>
-            <a:pPr lvl="1"/>
-            <a:r>
-              <a:rPr lang="en-US" dirty="0" smtClean="0">
-                <a:hlinkClick r:id="rId4"/>
-              </a:rPr>
-              <a:t>@</a:t>
-            </a:r>
-            <a:r>
-              <a:rPr lang="en-US" dirty="0" err="1" smtClean="0">
-                <a:hlinkClick r:id="rId4"/>
-              </a:rPr>
-              <a:t>JRyanWall</a:t>
-            </a:r>
-            <a:endParaRPr lang="en-US" dirty="0" smtClean="0"/>
-          </a:p>
-          <a:p>
-            <a:pPr lvl="1"/>
-            <a:endParaRPr lang="en-US" dirty="0"/>
-          </a:p>
-          <a:p>
-            <a:r>
-              <a:rPr lang="en-US" dirty="0" smtClean="0"/>
-              <a:t>I also have a list on Twitter of related to OSD</a:t>
-            </a:r>
-          </a:p>
-          <a:p>
-            <a:pPr lvl="1"/>
-            <a:r>
-              <a:rPr lang="en-US" dirty="0">
-                <a:hlinkClick r:id="rId5"/>
-              </a:rPr>
-              <a:t>https://</a:t>
-            </a:r>
-            <a:r>
-              <a:rPr lang="en-US" dirty="0" smtClean="0">
-                <a:hlinkClick r:id="rId5"/>
-              </a:rPr>
-              <a:t>twitter.com/jryanwall/lists/deployment</a:t>
-            </a:r>
-            <a:endParaRPr lang="en-US" dirty="0" smtClean="0"/>
-          </a:p>
-          <a:p>
-            <a:pPr marL="457200" lvl="1" indent="0">
-              <a:buNone/>
-            </a:pPr>
             <a:endParaRPr lang="en-US" dirty="0"/>
           </a:p>
         </p:txBody>
@@ -4151,7 +4459,7 @@
     </p:spTree>
     <p:extLst>
       <p:ext uri="{BB962C8B-B14F-4D97-AF65-F5344CB8AC3E}">
-        <p14:creationId xmlns:p14="http://schemas.microsoft.com/office/powerpoint/2010/main" val="1127019503"/>
+        <p14:creationId xmlns:p14="http://schemas.microsoft.com/office/powerpoint/2010/main" val="3803611588"/>
       </p:ext>
     </p:extLst>
   </p:cSld>
@@ -4188,28 +4496,154 @@
             <p:ph type="title"/>
           </p:nvPr>
         </p:nvSpPr>
-        <p:spPr>
-          <a:xfrm>
-            <a:off x="838200" y="365125"/>
-            <a:ext cx="10515600" cy="5730875"/>
-          </a:xfrm>
-        </p:spPr>
-        <p:txBody>
-          <a:bodyPr/>
-          <a:lstStyle/>
-          <a:p>
-            <a:pPr algn="ctr"/>
-            <a:r>
-              <a:rPr lang="en-US" sz="13800" dirty="0" smtClean="0"/>
-              <a:t>Thanks</a:t>
-            </a:r>
-            <a:br>
-              <a:rPr lang="en-US" sz="13800" dirty="0" smtClean="0"/>
-            </a:br>
-            <a:r>
-              <a:rPr lang="en-US" sz="3200" dirty="0" smtClean="0"/>
-              <a:t>Please fill out class evaluation</a:t>
-            </a:r>
+        <p:spPr/>
+        <p:txBody>
+          <a:bodyPr/>
+          <a:lstStyle/>
+          <a:p>
+            <a:r>
+              <a:rPr lang="en-US" dirty="0" smtClean="0"/>
+              <a:t>Logging</a:t>
+            </a:r>
+            <a:endParaRPr lang="en-US" dirty="0"/>
+          </a:p>
+        </p:txBody>
+      </p:sp>
+      <p:sp>
+        <p:nvSpPr>
+          <p:cNvPr id="3" name="Content Placeholder 2"/>
+          <p:cNvSpPr>
+            <a:spLocks noGrp="1"/>
+          </p:cNvSpPr>
+          <p:nvPr>
+            <p:ph idx="1"/>
+          </p:nvPr>
+        </p:nvSpPr>
+        <p:spPr/>
+        <p:txBody>
+          <a:bodyPr/>
+          <a:lstStyle/>
+          <a:p>
+            <a:r>
+              <a:rPr lang="en-US" dirty="0" smtClean="0"/>
+              <a:t>When things go wrong check the logs</a:t>
+            </a:r>
+          </a:p>
+          <a:p>
+            <a:r>
+              <a:rPr lang="en-US" dirty="0" smtClean="0"/>
+              <a:t>Logs controlled by Control.ini</a:t>
+            </a:r>
+          </a:p>
+          <a:p>
+            <a:pPr lvl="1"/>
+            <a:r>
+              <a:rPr lang="en-US" sz="2000" dirty="0"/>
+              <a:t>; Copy Logs if </a:t>
+            </a:r>
+            <a:r>
+              <a:rPr lang="en-US" sz="2000" dirty="0" smtClean="0"/>
+              <a:t>an </a:t>
+            </a:r>
+            <a:r>
+              <a:rPr lang="en-US" sz="2000" dirty="0"/>
+              <a:t>error occurs or when deployment is successfully completed</a:t>
+            </a:r>
+          </a:p>
+          <a:p>
+            <a:pPr lvl="1"/>
+            <a:r>
+              <a:rPr lang="en-US" sz="2000" dirty="0" err="1"/>
+              <a:t>SLShare</a:t>
+            </a:r>
+            <a:r>
+              <a:rPr lang="en-US" sz="2000" dirty="0"/>
+              <a:t>=\\MDT01\</a:t>
+            </a:r>
+            <a:r>
+              <a:rPr lang="en-US" sz="2000" dirty="0" err="1"/>
+              <a:t>HECCDeploy</a:t>
+            </a:r>
+            <a:r>
+              <a:rPr lang="en-US" sz="2000" dirty="0"/>
+              <a:t>$\Logs</a:t>
+            </a:r>
+          </a:p>
+          <a:p>
+            <a:pPr lvl="1"/>
+            <a:r>
+              <a:rPr lang="en-US" sz="2000" dirty="0"/>
+              <a:t>; Enable </a:t>
+            </a:r>
+            <a:r>
+              <a:rPr lang="en-US" sz="2000" dirty="0" smtClean="0"/>
+              <a:t>Dynamic </a:t>
+            </a:r>
+            <a:r>
+              <a:rPr lang="en-US" sz="2000" dirty="0"/>
+              <a:t>Logging</a:t>
+            </a:r>
+          </a:p>
+          <a:p>
+            <a:pPr lvl="1"/>
+            <a:r>
+              <a:rPr lang="en-US" sz="2000" dirty="0" err="1"/>
+              <a:t>SLSHAREDynamicLogging</a:t>
+            </a:r>
+            <a:r>
+              <a:rPr lang="en-US" sz="2000" dirty="0"/>
+              <a:t>=\\MDT01\</a:t>
+            </a:r>
+            <a:r>
+              <a:rPr lang="en-US" sz="2000" dirty="0" err="1"/>
+              <a:t>HECCDeploy</a:t>
+            </a:r>
+            <a:r>
+              <a:rPr lang="en-US" sz="2000" dirty="0"/>
+              <a:t>$\</a:t>
+            </a:r>
+            <a:r>
+              <a:rPr lang="en-US" sz="2000" dirty="0" err="1"/>
+              <a:t>DynLog</a:t>
+            </a:r>
+            <a:r>
+              <a:rPr lang="en-US" sz="2000" dirty="0"/>
+              <a:t>\%</a:t>
+            </a:r>
+            <a:r>
+              <a:rPr lang="en-US" sz="2000" dirty="0" err="1"/>
+              <a:t>OSDComputername</a:t>
+            </a:r>
+            <a:r>
+              <a:rPr lang="en-US" sz="2000" dirty="0" smtClean="0"/>
+              <a:t>%</a:t>
+            </a:r>
+          </a:p>
+          <a:p>
+            <a:r>
+              <a:rPr lang="en-US" sz="2400" dirty="0" smtClean="0"/>
+              <a:t>Create both the Logs and </a:t>
+            </a:r>
+            <a:r>
+              <a:rPr lang="en-US" sz="2400" dirty="0" err="1" smtClean="0"/>
+              <a:t>DynLog</a:t>
+            </a:r>
+            <a:r>
+              <a:rPr lang="en-US" sz="2400" dirty="0" smtClean="0"/>
+              <a:t> folders in %</a:t>
+            </a:r>
+            <a:r>
+              <a:rPr lang="en-US" sz="2400" dirty="0" err="1" smtClean="0"/>
+              <a:t>DeploymentRoot</a:t>
+            </a:r>
+            <a:r>
+              <a:rPr lang="en-US" sz="2400" dirty="0" smtClean="0"/>
+              <a:t>%</a:t>
+            </a:r>
+            <a:endParaRPr lang="en-US" sz="2400" dirty="0"/>
+          </a:p>
+          <a:p>
+            <a:pPr lvl="1"/>
             <a:endParaRPr lang="en-US" dirty="0"/>
           </a:p>
         </p:txBody>
@@ -4217,7 +4651,7 @@
     </p:spTree>
     <p:extLst>
       <p:ext uri="{BB962C8B-B14F-4D97-AF65-F5344CB8AC3E}">
-        <p14:creationId xmlns:p14="http://schemas.microsoft.com/office/powerpoint/2010/main" val="1358650892"/>
+        <p14:creationId xmlns:p14="http://schemas.microsoft.com/office/powerpoint/2010/main" val="1419102"/>
       </p:ext>
     </p:extLst>
   </p:cSld>

--- a/Part_02/Section03.pptx
+++ b/Part_02/Section03.pptx
@@ -167,10 +167,9 @@
           </a:lstStyle>
           <a:p>
             <a:r>
-              <a:rPr lang="en-US" smtClean="0"/>
+              <a:rPr lang="en-US"/>
               <a:t>Click to edit Master title style</a:t>
             </a:r>
-            <a:endParaRPr lang="en-US"/>
           </a:p>
         </p:txBody>
       </p:sp>
@@ -232,10 +231,9 @@
           </a:lstStyle>
           <a:p>
             <a:r>
-              <a:rPr lang="en-US" smtClean="0"/>
+              <a:rPr lang="en-US"/>
               <a:t>Click to edit Master subtitle style</a:t>
             </a:r>
-            <a:endParaRPr lang="en-US"/>
           </a:p>
         </p:txBody>
       </p:sp>
@@ -256,7 +254,7 @@
           <a:p>
             <a:fld id="{816A8EE7-6A8D-452B-B8C3-E64C291F1CAD}" type="datetimeFigureOut">
               <a:rPr lang="en-US" smtClean="0"/>
-              <a:t>11/6/2018</a:t>
+              <a:t>11/7/2018</a:t>
             </a:fld>
             <a:endParaRPr lang="en-US"/>
           </a:p>
@@ -350,10 +348,9 @@
           <a:lstStyle/>
           <a:p>
             <a:r>
-              <a:rPr lang="en-US" smtClean="0"/>
+              <a:rPr lang="en-US"/>
               <a:t>Click to edit Master title style</a:t>
             </a:r>
-            <a:endParaRPr lang="en-US"/>
           </a:p>
         </p:txBody>
       </p:sp>
@@ -374,38 +371,37 @@
           <a:p>
             <a:pPr lvl="0"/>
             <a:r>
-              <a:rPr lang="en-US" smtClean="0"/>
+              <a:rPr lang="en-US"/>
               <a:t>Edit Master text styles</a:t>
             </a:r>
           </a:p>
           <a:p>
             <a:pPr lvl="1"/>
             <a:r>
-              <a:rPr lang="en-US" smtClean="0"/>
+              <a:rPr lang="en-US"/>
               <a:t>Second level</a:t>
             </a:r>
           </a:p>
           <a:p>
             <a:pPr lvl="2"/>
             <a:r>
-              <a:rPr lang="en-US" smtClean="0"/>
+              <a:rPr lang="en-US"/>
               <a:t>Third level</a:t>
             </a:r>
           </a:p>
           <a:p>
             <a:pPr lvl="3"/>
             <a:r>
-              <a:rPr lang="en-US" smtClean="0"/>
+              <a:rPr lang="en-US"/>
               <a:t>Fourth level</a:t>
             </a:r>
           </a:p>
           <a:p>
             <a:pPr lvl="4"/>
             <a:r>
-              <a:rPr lang="en-US" smtClean="0"/>
+              <a:rPr lang="en-US"/>
               <a:t>Fifth level</a:t>
             </a:r>
-            <a:endParaRPr lang="en-US"/>
           </a:p>
         </p:txBody>
       </p:sp>
@@ -426,7 +422,7 @@
           <a:p>
             <a:fld id="{816A8EE7-6A8D-452B-B8C3-E64C291F1CAD}" type="datetimeFigureOut">
               <a:rPr lang="en-US" smtClean="0"/>
-              <a:t>11/6/2018</a:t>
+              <a:t>11/7/2018</a:t>
             </a:fld>
             <a:endParaRPr lang="en-US"/>
           </a:p>
@@ -525,10 +521,9 @@
           <a:lstStyle/>
           <a:p>
             <a:r>
-              <a:rPr lang="en-US" smtClean="0"/>
+              <a:rPr lang="en-US"/>
               <a:t>Click to edit Master title style</a:t>
             </a:r>
-            <a:endParaRPr lang="en-US"/>
           </a:p>
         </p:txBody>
       </p:sp>
@@ -554,38 +549,37 @@
           <a:p>
             <a:pPr lvl="0"/>
             <a:r>
-              <a:rPr lang="en-US" smtClean="0"/>
+              <a:rPr lang="en-US"/>
               <a:t>Edit Master text styles</a:t>
             </a:r>
           </a:p>
           <a:p>
             <a:pPr lvl="1"/>
             <a:r>
-              <a:rPr lang="en-US" smtClean="0"/>
+              <a:rPr lang="en-US"/>
               <a:t>Second level</a:t>
             </a:r>
           </a:p>
           <a:p>
             <a:pPr lvl="2"/>
             <a:r>
-              <a:rPr lang="en-US" smtClean="0"/>
+              <a:rPr lang="en-US"/>
               <a:t>Third level</a:t>
             </a:r>
           </a:p>
           <a:p>
             <a:pPr lvl="3"/>
             <a:r>
-              <a:rPr lang="en-US" smtClean="0"/>
+              <a:rPr lang="en-US"/>
               <a:t>Fourth level</a:t>
             </a:r>
           </a:p>
           <a:p>
             <a:pPr lvl="4"/>
             <a:r>
-              <a:rPr lang="en-US" smtClean="0"/>
+              <a:rPr lang="en-US"/>
               <a:t>Fifth level</a:t>
             </a:r>
-            <a:endParaRPr lang="en-US"/>
           </a:p>
         </p:txBody>
       </p:sp>
@@ -606,7 +600,7 @@
           <a:p>
             <a:fld id="{816A8EE7-6A8D-452B-B8C3-E64C291F1CAD}" type="datetimeFigureOut">
               <a:rPr lang="en-US" smtClean="0"/>
-              <a:t>11/6/2018</a:t>
+              <a:t>11/7/2018</a:t>
             </a:fld>
             <a:endParaRPr lang="en-US"/>
           </a:p>
@@ -700,10 +694,9 @@
           <a:lstStyle/>
           <a:p>
             <a:r>
-              <a:rPr lang="en-US" smtClean="0"/>
+              <a:rPr lang="en-US"/>
               <a:t>Click to edit Master title style</a:t>
             </a:r>
-            <a:endParaRPr lang="en-US"/>
           </a:p>
         </p:txBody>
       </p:sp>
@@ -724,38 +717,37 @@
           <a:p>
             <a:pPr lvl="0"/>
             <a:r>
-              <a:rPr lang="en-US" smtClean="0"/>
+              <a:rPr lang="en-US"/>
               <a:t>Edit Master text styles</a:t>
             </a:r>
           </a:p>
           <a:p>
             <a:pPr lvl="1"/>
             <a:r>
-              <a:rPr lang="en-US" smtClean="0"/>
+              <a:rPr lang="en-US"/>
               <a:t>Second level</a:t>
             </a:r>
           </a:p>
           <a:p>
             <a:pPr lvl="2"/>
             <a:r>
-              <a:rPr lang="en-US" smtClean="0"/>
+              <a:rPr lang="en-US"/>
               <a:t>Third level</a:t>
             </a:r>
           </a:p>
           <a:p>
             <a:pPr lvl="3"/>
             <a:r>
-              <a:rPr lang="en-US" smtClean="0"/>
+              <a:rPr lang="en-US"/>
               <a:t>Fourth level</a:t>
             </a:r>
           </a:p>
           <a:p>
             <a:pPr lvl="4"/>
             <a:r>
-              <a:rPr lang="en-US" smtClean="0"/>
+              <a:rPr lang="en-US"/>
               <a:t>Fifth level</a:t>
             </a:r>
-            <a:endParaRPr lang="en-US"/>
           </a:p>
         </p:txBody>
       </p:sp>
@@ -776,7 +768,7 @@
           <a:p>
             <a:fld id="{816A8EE7-6A8D-452B-B8C3-E64C291F1CAD}" type="datetimeFigureOut">
               <a:rPr lang="en-US" smtClean="0"/>
-              <a:t>11/6/2018</a:t>
+              <a:t>11/7/2018</a:t>
             </a:fld>
             <a:endParaRPr lang="en-US"/>
           </a:p>
@@ -879,10 +871,9 @@
           </a:lstStyle>
           <a:p>
             <a:r>
-              <a:rPr lang="en-US" smtClean="0"/>
+              <a:rPr lang="en-US"/>
               <a:t>Click to edit Master title style</a:t>
             </a:r>
-            <a:endParaRPr lang="en-US"/>
           </a:p>
         </p:txBody>
       </p:sp>
@@ -999,7 +990,7 @@
           <a:p>
             <a:pPr lvl="0"/>
             <a:r>
-              <a:rPr lang="en-US" smtClean="0"/>
+              <a:rPr lang="en-US"/>
               <a:t>Edit Master text styles</a:t>
             </a:r>
           </a:p>
@@ -1022,7 +1013,7 @@
           <a:p>
             <a:fld id="{816A8EE7-6A8D-452B-B8C3-E64C291F1CAD}" type="datetimeFigureOut">
               <a:rPr lang="en-US" smtClean="0"/>
-              <a:t>11/6/2018</a:t>
+              <a:t>11/7/2018</a:t>
             </a:fld>
             <a:endParaRPr lang="en-US"/>
           </a:p>
@@ -1116,10 +1107,9 @@
           <a:lstStyle/>
           <a:p>
             <a:r>
-              <a:rPr lang="en-US" smtClean="0"/>
+              <a:rPr lang="en-US"/>
               <a:t>Click to edit Master title style</a:t>
             </a:r>
-            <a:endParaRPr lang="en-US"/>
           </a:p>
         </p:txBody>
       </p:sp>
@@ -1145,38 +1135,37 @@
           <a:p>
             <a:pPr lvl="0"/>
             <a:r>
-              <a:rPr lang="en-US" smtClean="0"/>
+              <a:rPr lang="en-US"/>
               <a:t>Edit Master text styles</a:t>
             </a:r>
           </a:p>
           <a:p>
             <a:pPr lvl="1"/>
             <a:r>
-              <a:rPr lang="en-US" smtClean="0"/>
+              <a:rPr lang="en-US"/>
               <a:t>Second level</a:t>
             </a:r>
           </a:p>
           <a:p>
             <a:pPr lvl="2"/>
             <a:r>
-              <a:rPr lang="en-US" smtClean="0"/>
+              <a:rPr lang="en-US"/>
               <a:t>Third level</a:t>
             </a:r>
           </a:p>
           <a:p>
             <a:pPr lvl="3"/>
             <a:r>
-              <a:rPr lang="en-US" smtClean="0"/>
+              <a:rPr lang="en-US"/>
               <a:t>Fourth level</a:t>
             </a:r>
           </a:p>
           <a:p>
             <a:pPr lvl="4"/>
             <a:r>
-              <a:rPr lang="en-US" smtClean="0"/>
+              <a:rPr lang="en-US"/>
               <a:t>Fifth level</a:t>
             </a:r>
-            <a:endParaRPr lang="en-US"/>
           </a:p>
         </p:txBody>
       </p:sp>
@@ -1202,38 +1191,37 @@
           <a:p>
             <a:pPr lvl="0"/>
             <a:r>
-              <a:rPr lang="en-US" smtClean="0"/>
+              <a:rPr lang="en-US"/>
               <a:t>Edit Master text styles</a:t>
             </a:r>
           </a:p>
           <a:p>
             <a:pPr lvl="1"/>
             <a:r>
-              <a:rPr lang="en-US" smtClean="0"/>
+              <a:rPr lang="en-US"/>
               <a:t>Second level</a:t>
             </a:r>
           </a:p>
           <a:p>
             <a:pPr lvl="2"/>
             <a:r>
-              <a:rPr lang="en-US" smtClean="0"/>
+              <a:rPr lang="en-US"/>
               <a:t>Third level</a:t>
             </a:r>
           </a:p>
           <a:p>
             <a:pPr lvl="3"/>
             <a:r>
-              <a:rPr lang="en-US" smtClean="0"/>
+              <a:rPr lang="en-US"/>
               <a:t>Fourth level</a:t>
             </a:r>
           </a:p>
           <a:p>
             <a:pPr lvl="4"/>
             <a:r>
-              <a:rPr lang="en-US" smtClean="0"/>
+              <a:rPr lang="en-US"/>
               <a:t>Fifth level</a:t>
             </a:r>
-            <a:endParaRPr lang="en-US"/>
           </a:p>
         </p:txBody>
       </p:sp>
@@ -1254,7 +1242,7 @@
           <a:p>
             <a:fld id="{816A8EE7-6A8D-452B-B8C3-E64C291F1CAD}" type="datetimeFigureOut">
               <a:rPr lang="en-US" smtClean="0"/>
-              <a:t>11/6/2018</a:t>
+              <a:t>11/7/2018</a:t>
             </a:fld>
             <a:endParaRPr lang="en-US"/>
           </a:p>
@@ -1353,10 +1341,9 @@
           <a:lstStyle/>
           <a:p>
             <a:r>
-              <a:rPr lang="en-US" smtClean="0"/>
+              <a:rPr lang="en-US"/>
               <a:t>Click to edit Master title style</a:t>
             </a:r>
-            <a:endParaRPr lang="en-US"/>
           </a:p>
         </p:txBody>
       </p:sp>
@@ -1419,7 +1406,7 @@
           <a:p>
             <a:pPr lvl="0"/>
             <a:r>
-              <a:rPr lang="en-US" smtClean="0"/>
+              <a:rPr lang="en-US"/>
               <a:t>Edit Master text styles</a:t>
             </a:r>
           </a:p>
@@ -1447,38 +1434,37 @@
           <a:p>
             <a:pPr lvl="0"/>
             <a:r>
-              <a:rPr lang="en-US" smtClean="0"/>
+              <a:rPr lang="en-US"/>
               <a:t>Edit Master text styles</a:t>
             </a:r>
           </a:p>
           <a:p>
             <a:pPr lvl="1"/>
             <a:r>
-              <a:rPr lang="en-US" smtClean="0"/>
+              <a:rPr lang="en-US"/>
               <a:t>Second level</a:t>
             </a:r>
           </a:p>
           <a:p>
             <a:pPr lvl="2"/>
             <a:r>
-              <a:rPr lang="en-US" smtClean="0"/>
+              <a:rPr lang="en-US"/>
               <a:t>Third level</a:t>
             </a:r>
           </a:p>
           <a:p>
             <a:pPr lvl="3"/>
             <a:r>
-              <a:rPr lang="en-US" smtClean="0"/>
+              <a:rPr lang="en-US"/>
               <a:t>Fourth level</a:t>
             </a:r>
           </a:p>
           <a:p>
             <a:pPr lvl="4"/>
             <a:r>
-              <a:rPr lang="en-US" smtClean="0"/>
+              <a:rPr lang="en-US"/>
               <a:t>Fifth level</a:t>
             </a:r>
-            <a:endParaRPr lang="en-US"/>
           </a:p>
         </p:txBody>
       </p:sp>
@@ -1541,7 +1527,7 @@
           <a:p>
             <a:pPr lvl="0"/>
             <a:r>
-              <a:rPr lang="en-US" smtClean="0"/>
+              <a:rPr lang="en-US"/>
               <a:t>Edit Master text styles</a:t>
             </a:r>
           </a:p>
@@ -1569,38 +1555,37 @@
           <a:p>
             <a:pPr lvl="0"/>
             <a:r>
-              <a:rPr lang="en-US" smtClean="0"/>
+              <a:rPr lang="en-US"/>
               <a:t>Edit Master text styles</a:t>
             </a:r>
           </a:p>
           <a:p>
             <a:pPr lvl="1"/>
             <a:r>
-              <a:rPr lang="en-US" smtClean="0"/>
+              <a:rPr lang="en-US"/>
               <a:t>Second level</a:t>
             </a:r>
           </a:p>
           <a:p>
             <a:pPr lvl="2"/>
             <a:r>
-              <a:rPr lang="en-US" smtClean="0"/>
+              <a:rPr lang="en-US"/>
               <a:t>Third level</a:t>
             </a:r>
           </a:p>
           <a:p>
             <a:pPr lvl="3"/>
             <a:r>
-              <a:rPr lang="en-US" smtClean="0"/>
+              <a:rPr lang="en-US"/>
               <a:t>Fourth level</a:t>
             </a:r>
           </a:p>
           <a:p>
             <a:pPr lvl="4"/>
             <a:r>
-              <a:rPr lang="en-US" smtClean="0"/>
+              <a:rPr lang="en-US"/>
               <a:t>Fifth level</a:t>
             </a:r>
-            <a:endParaRPr lang="en-US"/>
           </a:p>
         </p:txBody>
       </p:sp>
@@ -1621,7 +1606,7 @@
           <a:p>
             <a:fld id="{816A8EE7-6A8D-452B-B8C3-E64C291F1CAD}" type="datetimeFigureOut">
               <a:rPr lang="en-US" smtClean="0"/>
-              <a:t>11/6/2018</a:t>
+              <a:t>11/7/2018</a:t>
             </a:fld>
             <a:endParaRPr lang="en-US"/>
           </a:p>
@@ -1715,10 +1700,9 @@
           <a:lstStyle/>
           <a:p>
             <a:r>
-              <a:rPr lang="en-US" smtClean="0"/>
+              <a:rPr lang="en-US"/>
               <a:t>Click to edit Master title style</a:t>
             </a:r>
-            <a:endParaRPr lang="en-US"/>
           </a:p>
         </p:txBody>
       </p:sp>
@@ -1739,7 +1723,7 @@
           <a:p>
             <a:fld id="{816A8EE7-6A8D-452B-B8C3-E64C291F1CAD}" type="datetimeFigureOut">
               <a:rPr lang="en-US" smtClean="0"/>
-              <a:t>11/6/2018</a:t>
+              <a:t>11/7/2018</a:t>
             </a:fld>
             <a:endParaRPr lang="en-US"/>
           </a:p>
@@ -1834,7 +1818,7 @@
           <a:p>
             <a:fld id="{816A8EE7-6A8D-452B-B8C3-E64C291F1CAD}" type="datetimeFigureOut">
               <a:rPr lang="en-US" smtClean="0"/>
-              <a:t>11/6/2018</a:t>
+              <a:t>11/7/2018</a:t>
             </a:fld>
             <a:endParaRPr lang="en-US"/>
           </a:p>
@@ -1937,10 +1921,9 @@
           </a:lstStyle>
           <a:p>
             <a:r>
-              <a:rPr lang="en-US" smtClean="0"/>
+              <a:rPr lang="en-US"/>
               <a:t>Click to edit Master title style</a:t>
             </a:r>
-            <a:endParaRPr lang="en-US"/>
           </a:p>
         </p:txBody>
       </p:sp>
@@ -1994,38 +1977,37 @@
           <a:p>
             <a:pPr lvl="0"/>
             <a:r>
-              <a:rPr lang="en-US" smtClean="0"/>
+              <a:rPr lang="en-US"/>
               <a:t>Edit Master text styles</a:t>
             </a:r>
           </a:p>
           <a:p>
             <a:pPr lvl="1"/>
             <a:r>
-              <a:rPr lang="en-US" smtClean="0"/>
+              <a:rPr lang="en-US"/>
               <a:t>Second level</a:t>
             </a:r>
           </a:p>
           <a:p>
             <a:pPr lvl="2"/>
             <a:r>
-              <a:rPr lang="en-US" smtClean="0"/>
+              <a:rPr lang="en-US"/>
               <a:t>Third level</a:t>
             </a:r>
           </a:p>
           <a:p>
             <a:pPr lvl="3"/>
             <a:r>
-              <a:rPr lang="en-US" smtClean="0"/>
+              <a:rPr lang="en-US"/>
               <a:t>Fourth level</a:t>
             </a:r>
           </a:p>
           <a:p>
             <a:pPr lvl="4"/>
             <a:r>
-              <a:rPr lang="en-US" smtClean="0"/>
+              <a:rPr lang="en-US"/>
               <a:t>Fifth level</a:t>
             </a:r>
-            <a:endParaRPr lang="en-US"/>
           </a:p>
         </p:txBody>
       </p:sp>
@@ -2088,7 +2070,7 @@
           <a:p>
             <a:pPr lvl="0"/>
             <a:r>
-              <a:rPr lang="en-US" smtClean="0"/>
+              <a:rPr lang="en-US"/>
               <a:t>Edit Master text styles</a:t>
             </a:r>
           </a:p>
@@ -2111,7 +2093,7 @@
           <a:p>
             <a:fld id="{816A8EE7-6A8D-452B-B8C3-E64C291F1CAD}" type="datetimeFigureOut">
               <a:rPr lang="en-US" smtClean="0"/>
-              <a:t>11/6/2018</a:t>
+              <a:t>11/7/2018</a:t>
             </a:fld>
             <a:endParaRPr lang="en-US"/>
           </a:p>
@@ -2214,10 +2196,9 @@
           </a:lstStyle>
           <a:p>
             <a:r>
-              <a:rPr lang="en-US" smtClean="0"/>
+              <a:rPr lang="en-US"/>
               <a:t>Click to edit Master title style</a:t>
             </a:r>
-            <a:endParaRPr lang="en-US"/>
           </a:p>
         </p:txBody>
       </p:sp>
@@ -2341,7 +2322,7 @@
           <a:p>
             <a:pPr lvl="0"/>
             <a:r>
-              <a:rPr lang="en-US" smtClean="0"/>
+              <a:rPr lang="en-US"/>
               <a:t>Edit Master text styles</a:t>
             </a:r>
           </a:p>
@@ -2364,7 +2345,7 @@
           <a:p>
             <a:fld id="{816A8EE7-6A8D-452B-B8C3-E64C291F1CAD}" type="datetimeFigureOut">
               <a:rPr lang="en-US" smtClean="0"/>
-              <a:t>11/6/2018</a:t>
+              <a:t>11/7/2018</a:t>
             </a:fld>
             <a:endParaRPr lang="en-US"/>
           </a:p>
@@ -2473,10 +2454,9 @@
           <a:lstStyle/>
           <a:p>
             <a:r>
-              <a:rPr lang="en-US" smtClean="0"/>
+              <a:rPr lang="en-US"/>
               <a:t>Click to edit Master title style</a:t>
             </a:r>
-            <a:endParaRPr lang="en-US"/>
           </a:p>
         </p:txBody>
       </p:sp>
@@ -2507,38 +2487,37 @@
           <a:p>
             <a:pPr lvl="0"/>
             <a:r>
-              <a:rPr lang="en-US" smtClean="0"/>
+              <a:rPr lang="en-US"/>
               <a:t>Edit Master text styles</a:t>
             </a:r>
           </a:p>
           <a:p>
             <a:pPr lvl="1"/>
             <a:r>
-              <a:rPr lang="en-US" smtClean="0"/>
+              <a:rPr lang="en-US"/>
               <a:t>Second level</a:t>
             </a:r>
           </a:p>
           <a:p>
             <a:pPr lvl="2"/>
             <a:r>
-              <a:rPr lang="en-US" smtClean="0"/>
+              <a:rPr lang="en-US"/>
               <a:t>Third level</a:t>
             </a:r>
           </a:p>
           <a:p>
             <a:pPr lvl="3"/>
             <a:r>
-              <a:rPr lang="en-US" smtClean="0"/>
+              <a:rPr lang="en-US"/>
               <a:t>Fourth level</a:t>
             </a:r>
           </a:p>
           <a:p>
             <a:pPr lvl="4"/>
             <a:r>
-              <a:rPr lang="en-US" smtClean="0"/>
+              <a:rPr lang="en-US"/>
               <a:t>Fifth level</a:t>
             </a:r>
-            <a:endParaRPr lang="en-US"/>
           </a:p>
         </p:txBody>
       </p:sp>
@@ -2577,7 +2556,7 @@
           <a:p>
             <a:fld id="{816A8EE7-6A8D-452B-B8C3-E64C291F1CAD}" type="datetimeFigureOut">
               <a:rPr lang="en-US" smtClean="0"/>
-              <a:t>11/6/2018</a:t>
+              <a:t>11/7/2018</a:t>
             </a:fld>
             <a:endParaRPr lang="en-US"/>
           </a:p>
@@ -2998,10 +2977,9 @@
           <a:lstStyle/>
           <a:p>
             <a:r>
-              <a:rPr lang="en-US" dirty="0" smtClean="0"/>
+              <a:rPr lang="en-US" dirty="0"/>
               <a:t>HECC 2018</a:t>
             </a:r>
-            <a:endParaRPr lang="en-US" dirty="0"/>
           </a:p>
         </p:txBody>
       </p:sp>
@@ -3021,28 +2999,15 @@
           <a:lstStyle/>
           <a:p>
             <a:r>
-              <a:rPr lang="en-US" dirty="0" smtClean="0"/>
-              <a:t>2054 </a:t>
-            </a:r>
-            <a:r>
-              <a:rPr lang="en-US" dirty="0"/>
-              <a:t>- Deploying Windows 10 With MDT (Part </a:t>
-            </a:r>
-            <a:r>
-              <a:rPr lang="en-US" dirty="0" smtClean="0"/>
-              <a:t>2)</a:t>
+              <a:rPr lang="en-US" dirty="0"/>
+              <a:t>2054 - Deploying Windows 10 With MDT (Part 2)</a:t>
             </a:r>
           </a:p>
           <a:p>
             <a:r>
               <a:rPr lang="en-US" sz="2000" dirty="0"/>
-              <a:t>Section </a:t>
-            </a:r>
-            <a:r>
-              <a:rPr lang="en-US" sz="2000" dirty="0" smtClean="0"/>
-              <a:t>3</a:t>
-            </a:r>
-            <a:endParaRPr lang="en-US" sz="2000" dirty="0"/>
+              <a:t>Section 3</a:t>
+            </a:r>
           </a:p>
         </p:txBody>
       </p:sp>
@@ -3056,13 +3021,6 @@
   <p:clrMapOvr>
     <a:masterClrMapping/>
   </p:clrMapOvr>
-  <p:timing>
-    <p:tnLst>
-      <p:par>
-        <p:cTn id="1" dur="indefinite" restart="never" nodeType="tmRoot"/>
-      </p:par>
-    </p:tnLst>
-  </p:timing>
 </p:sld>
 </file>
 
@@ -3100,13 +3058,8 @@
           <a:p>
             <a:r>
               <a:rPr lang="en-US" dirty="0"/>
-              <a:t>Website status </a:t>
-            </a:r>
-            <a:r>
-              <a:rPr lang="en-US" dirty="0" smtClean="0"/>
-              <a:t>page</a:t>
-            </a:r>
-            <a:endParaRPr lang="en-US" dirty="0"/>
+              <a:t>Website status page</a:t>
+            </a:r>
           </a:p>
         </p:txBody>
       </p:sp>
@@ -3126,19 +3079,19 @@
           <a:lstStyle/>
           <a:p>
             <a:r>
-              <a:rPr lang="en-US" dirty="0" smtClean="0"/>
+              <a:rPr lang="en-US" dirty="0"/>
               <a:t>PowerShell Script to query MDT Monitor and show status</a:t>
             </a:r>
           </a:p>
           <a:p>
             <a:r>
-              <a:rPr lang="en-US" dirty="0" smtClean="0"/>
+              <a:rPr lang="en-US" dirty="0"/>
               <a:t>Output file goes to IIS server running on MDT box</a:t>
             </a:r>
           </a:p>
           <a:p>
             <a:r>
-              <a:rPr lang="en-US" dirty="0" smtClean="0"/>
+              <a:rPr lang="en-US" dirty="0"/>
               <a:t>Simple page but helpful when running around school imaging PC’s</a:t>
             </a:r>
           </a:p>
@@ -3181,13 +3134,6 @@
   <p:clrMapOvr>
     <a:masterClrMapping/>
   </p:clrMapOvr>
-  <p:timing>
-    <p:tnLst>
-      <p:par>
-        <p:cTn id="1" dur="indefinite" restart="never" nodeType="tmRoot"/>
-      </p:par>
-    </p:tnLst>
-  </p:timing>
 </p:sld>
 </file>
 
@@ -3232,10 +3178,9 @@
           <a:p>
             <a:pPr algn="ctr"/>
             <a:r>
-              <a:rPr lang="en-US" sz="16600" dirty="0" smtClean="0"/>
+              <a:rPr lang="en-US" sz="16600" dirty="0"/>
               <a:t>Demo</a:t>
             </a:r>
-            <a:endParaRPr lang="en-US" sz="16600" dirty="0"/>
           </a:p>
         </p:txBody>
       </p:sp>
@@ -3249,13 +3194,6 @@
   <p:clrMapOvr>
     <a:masterClrMapping/>
   </p:clrMapOvr>
-  <p:timing>
-    <p:tnLst>
-      <p:par>
-        <p:cTn id="1" dur="indefinite" restart="never" nodeType="tmRoot"/>
-      </p:par>
-    </p:tnLst>
-  </p:timing>
 </p:sld>
 </file>
 
@@ -3300,10 +3238,9 @@
           <a:p>
             <a:pPr algn="ctr"/>
             <a:r>
-              <a:rPr lang="en-US" sz="13800" dirty="0" smtClean="0"/>
+              <a:rPr lang="en-US" sz="13800" dirty="0"/>
               <a:t>Questions</a:t>
             </a:r>
-            <a:endParaRPr lang="en-US" sz="13800" dirty="0"/>
           </a:p>
         </p:txBody>
       </p:sp>
@@ -3317,13 +3254,6 @@
   <p:clrMapOvr>
     <a:masterClrMapping/>
   </p:clrMapOvr>
-  <p:timing>
-    <p:tnLst>
-      <p:par>
-        <p:cTn id="1" dur="indefinite" restart="never" nodeType="tmRoot"/>
-      </p:par>
-    </p:tnLst>
-  </p:timing>
 </p:sld>
 </file>
 
@@ -3360,10 +3290,9 @@
           <a:lstStyle/>
           <a:p>
             <a:r>
-              <a:rPr lang="en-US" dirty="0" smtClean="0"/>
+              <a:rPr lang="en-US" dirty="0"/>
               <a:t>Class files and slide deck</a:t>
             </a:r>
-            <a:endParaRPr lang="en-US" dirty="0"/>
           </a:p>
         </p:txBody>
       </p:sp>
@@ -3383,7 +3312,7 @@
           <a:lstStyle/>
           <a:p>
             <a:r>
-              <a:rPr lang="en-US" dirty="0" smtClean="0"/>
+              <a:rPr lang="en-US" dirty="0"/>
               <a:t>All the files used for class and slide deck can be found on my GitHub account.</a:t>
             </a:r>
           </a:p>
@@ -3392,47 +3321,41 @@
               <a:rPr lang="en-US" dirty="0">
                 <a:hlinkClick r:id="rId2"/>
               </a:rPr>
-              <a:t>https://</a:t>
-            </a:r>
-            <a:r>
-              <a:rPr lang="en-US" dirty="0" smtClean="0">
-                <a:hlinkClick r:id="rId2"/>
-              </a:rPr>
-              <a:t>github.com/jryanwall/HECC-2018</a:t>
-            </a:r>
-            <a:endParaRPr lang="en-US" dirty="0" smtClean="0"/>
-          </a:p>
-          <a:p>
-            <a:r>
-              <a:rPr lang="en-US" dirty="0" smtClean="0"/>
+              <a:t>https://github.com/jryanwall/HECC-2018</a:t>
+            </a:r>
+            <a:endParaRPr lang="en-US" dirty="0"/>
+          </a:p>
+          <a:p>
+            <a:r>
+              <a:rPr lang="en-US" dirty="0"/>
               <a:t>If you don’t find something or have questions shoot me an email or hit me up on Twitter</a:t>
             </a:r>
           </a:p>
           <a:p>
             <a:pPr lvl="1"/>
             <a:r>
-              <a:rPr lang="en-US" dirty="0" smtClean="0">
+              <a:rPr lang="en-US" dirty="0">
                 <a:hlinkClick r:id="rId3"/>
               </a:rPr>
               <a:t>rwall@hccsc.k12.in.us</a:t>
             </a:r>
-            <a:endParaRPr lang="en-US" dirty="0" smtClean="0"/>
+            <a:endParaRPr lang="en-US" dirty="0"/>
           </a:p>
           <a:p>
             <a:pPr lvl="1"/>
             <a:r>
-              <a:rPr lang="en-US" dirty="0" smtClean="0">
+              <a:rPr lang="en-US" dirty="0">
                 <a:hlinkClick r:id="rId4"/>
               </a:rPr>
               <a:t>@</a:t>
             </a:r>
             <a:r>
-              <a:rPr lang="en-US" dirty="0" err="1" smtClean="0">
+              <a:rPr lang="en-US" dirty="0" err="1">
                 <a:hlinkClick r:id="rId4"/>
               </a:rPr>
               <a:t>JRyanWall</a:t>
             </a:r>
-            <a:endParaRPr lang="en-US" dirty="0" smtClean="0"/>
+            <a:endParaRPr lang="en-US" dirty="0"/>
           </a:p>
           <a:p>
             <a:pPr lvl="1"/>
@@ -3440,8 +3363,8 @@
           </a:p>
           <a:p>
             <a:r>
-              <a:rPr lang="en-US" dirty="0" smtClean="0"/>
-              <a:t>I also have a list on Twitter of related to OSD</a:t>
+              <a:rPr lang="en-US" dirty="0"/>
+              <a:t>I also have a list on Twitter related to OSD</a:t>
             </a:r>
           </a:p>
           <a:p>
@@ -3450,15 +3373,9 @@
               <a:rPr lang="en-US" dirty="0">
                 <a:hlinkClick r:id="rId5"/>
               </a:rPr>
-              <a:t>https://</a:t>
-            </a:r>
-            <a:r>
-              <a:rPr lang="en-US" dirty="0" smtClean="0">
-                <a:hlinkClick r:id="rId5"/>
-              </a:rPr>
-              <a:t>twitter.com/jryanwall/lists/deployment</a:t>
-            </a:r>
-            <a:endParaRPr lang="en-US" dirty="0" smtClean="0"/>
+              <a:t>https://twitter.com/jryanwall/lists/deployment</a:t>
+            </a:r>
+            <a:endParaRPr lang="en-US" dirty="0"/>
           </a:p>
           <a:p>
             <a:pPr marL="457200" lvl="1" indent="0">
@@ -3478,13 +3395,6 @@
   <p:clrMapOvr>
     <a:masterClrMapping/>
   </p:clrMapOvr>
-  <p:timing>
-    <p:tnLst>
-      <p:par>
-        <p:cTn id="1" dur="indefinite" restart="never" nodeType="tmRoot"/>
-      </p:par>
-    </p:tnLst>
-  </p:timing>
 </p:sld>
 </file>
 
@@ -3527,14 +3437,14 @@
           <a:p>
             <a:pPr algn="ctr"/>
             <a:r>
-              <a:rPr lang="en-US" sz="13800" dirty="0" smtClean="0"/>
+              <a:rPr lang="en-US" sz="13800" dirty="0"/>
               <a:t>Thanks</a:t>
             </a:r>
             <a:br>
-              <a:rPr lang="en-US" sz="13800" dirty="0" smtClean="0"/>
+              <a:rPr lang="en-US" sz="13800" dirty="0"/>
             </a:br>
             <a:r>
-              <a:rPr lang="en-US" sz="3200" dirty="0" smtClean="0"/>
+              <a:rPr lang="en-US" sz="3200" dirty="0"/>
               <a:t>Please fill out class evaluation</a:t>
             </a:r>
             <a:endParaRPr lang="en-US" dirty="0"/>
@@ -3551,13 +3461,6 @@
   <p:clrMapOvr>
     <a:masterClrMapping/>
   </p:clrMapOvr>
-  <p:timing>
-    <p:tnLst>
-      <p:par>
-        <p:cTn id="1" dur="indefinite" restart="never" nodeType="tmRoot"/>
-      </p:par>
-    </p:tnLst>
-  </p:timing>
 </p:sld>
 </file>
 
@@ -3599,10 +3502,9 @@
           <a:lstStyle/>
           <a:p>
             <a:r>
-              <a:rPr lang="en-US" dirty="0" smtClean="0"/>
+              <a:rPr lang="en-US" dirty="0"/>
               <a:t>Agenda</a:t>
             </a:r>
-            <a:endParaRPr lang="en-US" dirty="0"/>
           </a:p>
         </p:txBody>
       </p:sp>
@@ -3629,7 +3531,7 @@
           <a:lstStyle/>
           <a:p>
             <a:r>
-              <a:rPr lang="en-US" dirty="0" smtClean="0"/>
+              <a:rPr lang="en-US" dirty="0"/>
               <a:t>Bringing it all home</a:t>
             </a:r>
           </a:p>
@@ -3639,7 +3541,6 @@
               <a:rPr lang="en-US" dirty="0"/>
               <a:t>Old Computer Name </a:t>
             </a:r>
-            <a:endParaRPr lang="en-US" dirty="0" smtClean="0"/>
           </a:p>
           <a:p>
             <a:pPr lvl="1"/>
@@ -3647,7 +3548,6 @@
               <a:rPr lang="en-US" dirty="0"/>
               <a:t>Final Task Sequence Adjustment </a:t>
             </a:r>
-            <a:endParaRPr lang="en-US" dirty="0" smtClean="0"/>
           </a:p>
           <a:p>
             <a:pPr lvl="2"/>
@@ -3655,7 +3555,6 @@
               <a:rPr lang="en-US" dirty="0"/>
               <a:t>Local Admin changes </a:t>
             </a:r>
-            <a:endParaRPr lang="en-US" dirty="0" smtClean="0"/>
           </a:p>
           <a:p>
             <a:pPr lvl="2"/>
@@ -3663,7 +3562,6 @@
               <a:rPr lang="en-US" dirty="0"/>
               <a:t>Local accounts </a:t>
             </a:r>
-            <a:endParaRPr lang="en-US" dirty="0" smtClean="0"/>
           </a:p>
           <a:p>
             <a:pPr lvl="2"/>
@@ -3671,37 +3569,20 @@
               <a:rPr lang="en-US" dirty="0"/>
               <a:t>Activate Office </a:t>
             </a:r>
-            <a:endParaRPr lang="en-US" dirty="0" smtClean="0"/>
           </a:p>
           <a:p>
             <a:pPr lvl="2"/>
             <a:r>
               <a:rPr lang="en-US" dirty="0"/>
-              <a:t>OEM </a:t>
-            </a:r>
-            <a:r>
-              <a:rPr lang="en-US" dirty="0" smtClean="0"/>
-              <a:t>Customization</a:t>
+              <a:t>OEM Customization</a:t>
             </a:r>
           </a:p>
           <a:p>
             <a:pPr lvl="2"/>
             <a:r>
               <a:rPr lang="en-US" dirty="0"/>
-              <a:t>Install </a:t>
-            </a:r>
-            <a:r>
-              <a:rPr lang="en-US" dirty="0" smtClean="0"/>
-              <a:t>Apps</a:t>
-            </a:r>
-          </a:p>
-          <a:p>
-            <a:pPr lvl="2"/>
-            <a:r>
-              <a:rPr lang="en-US" dirty="0"/>
               <a:t>Generate Windows Experience </a:t>
             </a:r>
-            <a:endParaRPr lang="en-US" dirty="0" smtClean="0"/>
           </a:p>
         </p:txBody>
       </p:sp>
@@ -3892,36 +3773,35 @@
           </a:lstStyle>
           <a:p>
             <a:r>
-              <a:rPr lang="en-US" dirty="0" smtClean="0"/>
+              <a:rPr lang="en-US" dirty="0"/>
               <a:t>Bringing it all home…</a:t>
             </a:r>
           </a:p>
           <a:p>
             <a:pPr lvl="1"/>
             <a:r>
-              <a:rPr lang="en-US" dirty="0" smtClean="0"/>
+              <a:rPr lang="en-US" dirty="0"/>
               <a:t>Logging</a:t>
             </a:r>
           </a:p>
           <a:p>
             <a:pPr lvl="1"/>
             <a:r>
-              <a:rPr lang="en-US" dirty="0" smtClean="0"/>
+              <a:rPr lang="en-US" dirty="0"/>
               <a:t>Website status page</a:t>
             </a:r>
-            <a:endParaRPr lang="en-US" dirty="0"/>
           </a:p>
           <a:p>
             <a:pPr lvl="1"/>
             <a:r>
-              <a:rPr lang="en-US" dirty="0" smtClean="0"/>
+              <a:rPr lang="en-US" dirty="0"/>
               <a:t>Demo</a:t>
             </a:r>
           </a:p>
           <a:p>
             <a:pPr lvl="1"/>
             <a:r>
-              <a:rPr lang="en-US" dirty="0" smtClean="0"/>
+              <a:rPr lang="en-US" dirty="0"/>
               <a:t>Questions</a:t>
             </a:r>
           </a:p>
@@ -3937,13 +3817,6 @@
   <p:clrMapOvr>
     <a:masterClrMapping/>
   </p:clrMapOvr>
-  <p:timing>
-    <p:tnLst>
-      <p:par>
-        <p:cTn id="1" dur="indefinite" restart="never" nodeType="tmRoot"/>
-      </p:par>
-    </p:tnLst>
-  </p:timing>
 </p:sld>
 </file>
 
@@ -3980,10 +3853,9 @@
           <a:lstStyle/>
           <a:p>
             <a:r>
-              <a:rPr lang="en-US" dirty="0" smtClean="0"/>
+              <a:rPr lang="en-US" dirty="0"/>
               <a:t>Old PC Name</a:t>
             </a:r>
-            <a:endParaRPr lang="en-US" dirty="0"/>
           </a:p>
         </p:txBody>
       </p:sp>
@@ -4003,21 +3875,21 @@
           <a:lstStyle/>
           <a:p>
             <a:r>
-              <a:rPr lang="en-US" dirty="0" smtClean="0"/>
+              <a:rPr lang="en-US" dirty="0"/>
               <a:t>Made possible by UserExit.vbs script in %</a:t>
             </a:r>
             <a:r>
-              <a:rPr lang="en-US" dirty="0" err="1" smtClean="0"/>
+              <a:rPr lang="en-US" dirty="0" err="1"/>
               <a:t>DeploymentRoot</a:t>
             </a:r>
             <a:r>
-              <a:rPr lang="en-US" dirty="0" smtClean="0"/>
+              <a:rPr lang="en-US" dirty="0"/>
               <a:t>\Scripts folder</a:t>
             </a:r>
           </a:p>
           <a:p>
             <a:r>
-              <a:rPr lang="en-US" dirty="0" smtClean="0"/>
+              <a:rPr lang="en-US" dirty="0"/>
               <a:t>Must have setting in Control.ini to support</a:t>
             </a:r>
           </a:p>
@@ -4036,22 +3908,21 @@
               <a:t>GetOfflineComputername</a:t>
             </a:r>
             <a:r>
-              <a:rPr lang="en-US" dirty="0" smtClean="0"/>
+              <a:rPr lang="en-US" dirty="0"/>
               <a:t>()#</a:t>
             </a:r>
           </a:p>
           <a:p>
             <a:r>
-              <a:rPr lang="en-US" dirty="0" smtClean="0"/>
+              <a:rPr lang="en-US" dirty="0"/>
               <a:t>Pulls old computer name during imaging process</a:t>
             </a:r>
           </a:p>
           <a:p>
             <a:r>
-              <a:rPr lang="en-US" dirty="0" smtClean="0"/>
+              <a:rPr lang="en-US" dirty="0"/>
               <a:t>If there was no name, throws a non-fatal error</a:t>
             </a:r>
-            <a:endParaRPr lang="en-US" dirty="0"/>
           </a:p>
         </p:txBody>
       </p:sp>
@@ -4065,13 +3936,6 @@
   <p:clrMapOvr>
     <a:masterClrMapping/>
   </p:clrMapOvr>
-  <p:timing>
-    <p:tnLst>
-      <p:par>
-        <p:cTn id="1" dur="indefinite" restart="never" nodeType="tmRoot"/>
-      </p:par>
-    </p:tnLst>
-  </p:timing>
 </p:sld>
 </file>
 
@@ -4108,14 +3972,14 @@
           <a:lstStyle/>
           <a:p>
             <a:r>
-              <a:rPr lang="en-US" dirty="0" smtClean="0"/>
+              <a:rPr lang="en-US" dirty="0"/>
               <a:t>Final Adjustments</a:t>
             </a:r>
             <a:br>
-              <a:rPr lang="en-US" dirty="0" smtClean="0"/>
+              <a:rPr lang="en-US" dirty="0"/>
             </a:br>
             <a:r>
-              <a:rPr lang="en-US" sz="2800" dirty="0" smtClean="0"/>
+              <a:rPr lang="en-US" sz="2800" dirty="0"/>
               <a:t>Local Admin Changes</a:t>
             </a:r>
             <a:endParaRPr lang="en-US" dirty="0"/>
@@ -4187,14 +4051,14 @@
           <a:lstStyle/>
           <a:p>
             <a:r>
-              <a:rPr lang="en-US" dirty="0" smtClean="0"/>
+              <a:rPr lang="en-US" dirty="0"/>
               <a:t>Final Adjustments</a:t>
             </a:r>
             <a:br>
-              <a:rPr lang="en-US" dirty="0" smtClean="0"/>
+              <a:rPr lang="en-US" dirty="0"/>
             </a:br>
             <a:r>
-              <a:rPr lang="en-US" sz="2800" dirty="0" smtClean="0"/>
+              <a:rPr lang="en-US" sz="2800" dirty="0"/>
               <a:t>Local accounts</a:t>
             </a:r>
             <a:endParaRPr lang="en-US" dirty="0"/>
@@ -4266,14 +4130,14 @@
           <a:lstStyle/>
           <a:p>
             <a:r>
-              <a:rPr lang="en-US" dirty="0" smtClean="0"/>
+              <a:rPr lang="en-US" dirty="0"/>
               <a:t>Final Adjustments</a:t>
             </a:r>
             <a:br>
-              <a:rPr lang="en-US" dirty="0" smtClean="0"/>
+              <a:rPr lang="en-US" dirty="0"/>
             </a:br>
             <a:r>
-              <a:rPr lang="en-US" sz="2800" dirty="0" smtClean="0"/>
+              <a:rPr lang="en-US" sz="2800" dirty="0"/>
               <a:t>Activate Office 2016</a:t>
             </a:r>
             <a:endParaRPr lang="en-US" dirty="0"/>
@@ -4345,14 +4209,14 @@
           <a:lstStyle/>
           <a:p>
             <a:r>
-              <a:rPr lang="en-US" dirty="0" smtClean="0"/>
+              <a:rPr lang="en-US" dirty="0"/>
               <a:t>Final Adjustments</a:t>
             </a:r>
             <a:br>
-              <a:rPr lang="en-US" dirty="0" smtClean="0"/>
+              <a:rPr lang="en-US" dirty="0"/>
             </a:br>
             <a:r>
-              <a:rPr lang="en-US" sz="2800" dirty="0" smtClean="0"/>
+              <a:rPr lang="en-US" sz="2800" dirty="0"/>
               <a:t>OEM Information</a:t>
             </a:r>
             <a:endParaRPr lang="en-US" dirty="0"/>
@@ -4424,11 +4288,11 @@
           <a:lstStyle/>
           <a:p>
             <a:r>
-              <a:rPr lang="en-US" dirty="0" smtClean="0"/>
+              <a:rPr lang="en-US" dirty="0"/>
               <a:t>Final Adjustments</a:t>
             </a:r>
             <a:br>
-              <a:rPr lang="en-US" dirty="0" smtClean="0"/>
+              <a:rPr lang="en-US" dirty="0"/>
             </a:br>
             <a:r>
               <a:rPr lang="en-US" sz="2800" dirty="0"/>
@@ -4452,7 +4316,46 @@
           <a:bodyPr/>
           <a:lstStyle/>
           <a:p>
-            <a:endParaRPr lang="en-US" dirty="0"/>
+            <a:r>
+              <a:rPr lang="en-US" dirty="0"/>
+              <a:t>Based of off following blog post</a:t>
+            </a:r>
+          </a:p>
+          <a:p>
+            <a:pPr lvl="1"/>
+            <a:r>
+              <a:rPr lang="en-US" sz="1800" dirty="0">
+                <a:hlinkClick r:id="rId2"/>
+              </a:rPr>
+              <a:t>https://deploymentresearch.com/Research/Post/624/Why-adding-WinSAT-formal-to-your-task-sequence-can-be-a-shiny-thing-to-do</a:t>
+            </a:r>
+            <a:endParaRPr lang="en-US" sz="1800" dirty="0"/>
+          </a:p>
+          <a:p>
+            <a:r>
+              <a:rPr lang="en-US" dirty="0"/>
+              <a:t>Help Windows know if SSD is installed on machine</a:t>
+            </a:r>
+          </a:p>
+          <a:p>
+            <a:r>
+              <a:rPr lang="en-US" dirty="0"/>
+              <a:t>I just created a batch file with command in it</a:t>
+            </a:r>
+          </a:p>
+          <a:p>
+            <a:pPr lvl="1"/>
+            <a:r>
+              <a:rPr lang="en-US" dirty="0"/>
+              <a:t>winsat formal</a:t>
+            </a:r>
+          </a:p>
+          <a:p>
+            <a:pPr lvl="1"/>
+            <a:r>
+              <a:rPr lang="en-US" dirty="0"/>
+              <a:t>Put batch file as an Application in MDT</a:t>
+            </a:r>
           </a:p>
         </p:txBody>
       </p:sp>
@@ -4502,10 +4405,9 @@
           <a:lstStyle/>
           <a:p>
             <a:r>
-              <a:rPr lang="en-US" dirty="0" smtClean="0"/>
+              <a:rPr lang="en-US" dirty="0"/>
               <a:t>Logging</a:t>
             </a:r>
-            <a:endParaRPr lang="en-US" dirty="0"/>
           </a:p>
         </p:txBody>
       </p:sp>
@@ -4525,13 +4427,13 @@
           <a:lstStyle/>
           <a:p>
             <a:r>
-              <a:rPr lang="en-US" dirty="0" smtClean="0"/>
+              <a:rPr lang="en-US" dirty="0"/>
               <a:t>When things go wrong check the logs</a:t>
             </a:r>
           </a:p>
           <a:p>
             <a:r>
-              <a:rPr lang="en-US" dirty="0" smtClean="0"/>
+              <a:rPr lang="en-US" dirty="0"/>
               <a:t>Logs controlled by Control.ini</a:t>
             </a:r>
           </a:p>
@@ -4539,15 +4441,7 @@
             <a:pPr lvl="1"/>
             <a:r>
               <a:rPr lang="en-US" sz="2000" dirty="0"/>
-              <a:t>; Copy Logs if </a:t>
-            </a:r>
-            <a:r>
-              <a:rPr lang="en-US" sz="2000" dirty="0" smtClean="0"/>
-              <a:t>an </a:t>
-            </a:r>
-            <a:r>
-              <a:rPr lang="en-US" sz="2000" dirty="0"/>
-              <a:t>error occurs or when deployment is successfully completed</a:t>
+              <a:t>; Copy Logs if an error occurs or when deployment is successfully completed</a:t>
             </a:r>
           </a:p>
           <a:p>
@@ -4573,15 +4467,7 @@
             <a:pPr lvl="1"/>
             <a:r>
               <a:rPr lang="en-US" sz="2000" dirty="0"/>
-              <a:t>; Enable </a:t>
-            </a:r>
-            <a:r>
-              <a:rPr lang="en-US" sz="2000" dirty="0" smtClean="0"/>
-              <a:t>Dynamic </a:t>
-            </a:r>
-            <a:r>
-              <a:rPr lang="en-US" sz="2000" dirty="0"/>
-              <a:t>Logging</a:t>
+              <a:t>; Enable Dynamic Logging</a:t>
             </a:r>
           </a:p>
           <a:p>
@@ -4615,32 +4501,31 @@
               <a:t>OSDComputername</a:t>
             </a:r>
             <a:r>
-              <a:rPr lang="en-US" sz="2000" dirty="0" smtClean="0"/>
+              <a:rPr lang="en-US" sz="2000" dirty="0"/>
               <a:t>%</a:t>
             </a:r>
           </a:p>
           <a:p>
             <a:r>
-              <a:rPr lang="en-US" sz="2400" dirty="0" smtClean="0"/>
+              <a:rPr lang="en-US" sz="2400" dirty="0"/>
               <a:t>Create both the Logs and </a:t>
             </a:r>
             <a:r>
-              <a:rPr lang="en-US" sz="2400" dirty="0" err="1" smtClean="0"/>
+              <a:rPr lang="en-US" sz="2400" dirty="0" err="1"/>
               <a:t>DynLog</a:t>
             </a:r>
             <a:r>
-              <a:rPr lang="en-US" sz="2400" dirty="0" smtClean="0"/>
+              <a:rPr lang="en-US" sz="2400" dirty="0"/>
               <a:t> folders in %</a:t>
             </a:r>
             <a:r>
-              <a:rPr lang="en-US" sz="2400" dirty="0" err="1" smtClean="0"/>
+              <a:rPr lang="en-US" sz="2400" dirty="0" err="1"/>
               <a:t>DeploymentRoot</a:t>
             </a:r>
             <a:r>
-              <a:rPr lang="en-US" sz="2400" dirty="0" smtClean="0"/>
+              <a:rPr lang="en-US" sz="2400" dirty="0"/>
               <a:t>%</a:t>
             </a:r>
-            <a:endParaRPr lang="en-US" sz="2400" dirty="0"/>
           </a:p>
           <a:p>
             <a:pPr lvl="1"/>
@@ -4658,13 +4543,6 @@
   <p:clrMapOvr>
     <a:masterClrMapping/>
   </p:clrMapOvr>
-  <p:timing>
-    <p:tnLst>
-      <p:par>
-        <p:cTn id="1" dur="indefinite" restart="never" nodeType="tmRoot"/>
-      </p:par>
-    </p:tnLst>
-  </p:timing>
 </p:sld>
 </file>
 

--- a/Part_02/Section03.pptx
+++ b/Part_02/Section03.pptx
@@ -2,23 +2,24 @@
 <file path=ppt/presentation.xml><?xml version="1.0" encoding="utf-8"?>
 <p:presentation xmlns:a="http://schemas.openxmlformats.org/drawingml/2006/main" xmlns:r="http://schemas.openxmlformats.org/officeDocument/2006/relationships" xmlns:p="http://schemas.openxmlformats.org/presentationml/2006/main" saveSubsetFonts="1">
   <p:sldMasterIdLst>
-    <p:sldMasterId id="2147483648" r:id="rId1"/>
+    <p:sldMasterId id="2147483660" r:id="rId1"/>
   </p:sldMasterIdLst>
   <p:sldIdLst>
     <p:sldId id="256" r:id="rId2"/>
     <p:sldId id="257" r:id="rId3"/>
     <p:sldId id="262" r:id="rId4"/>
     <p:sldId id="266" r:id="rId5"/>
-    <p:sldId id="267" r:id="rId6"/>
-    <p:sldId id="268" r:id="rId7"/>
-    <p:sldId id="269" r:id="rId8"/>
-    <p:sldId id="270" r:id="rId9"/>
-    <p:sldId id="263" r:id="rId10"/>
-    <p:sldId id="261" r:id="rId11"/>
-    <p:sldId id="258" r:id="rId12"/>
-    <p:sldId id="259" r:id="rId13"/>
-    <p:sldId id="264" r:id="rId14"/>
-    <p:sldId id="265" r:id="rId15"/>
+    <p:sldId id="271" r:id="rId6"/>
+    <p:sldId id="267" r:id="rId7"/>
+    <p:sldId id="268" r:id="rId8"/>
+    <p:sldId id="269" r:id="rId9"/>
+    <p:sldId id="270" r:id="rId10"/>
+    <p:sldId id="263" r:id="rId11"/>
+    <p:sldId id="261" r:id="rId12"/>
+    <p:sldId id="258" r:id="rId13"/>
+    <p:sldId id="259" r:id="rId14"/>
+    <p:sldId id="264" r:id="rId15"/>
+    <p:sldId id="265" r:id="rId16"/>
   </p:sldIdLst>
   <p:sldSz cx="12192000" cy="6858000"/>
   <p:notesSz cx="6858000" cy="9144000"/>
@@ -26,7 +27,7 @@
     <a:defPPr>
       <a:defRPr lang="en-US"/>
     </a:defPPr>
-    <a:lvl1pPr marL="0" algn="l" defTabSz="914400" rtl="0" eaLnBrk="1" latinLnBrk="0" hangingPunct="1">
+    <a:lvl1pPr marL="0" algn="l" defTabSz="457200" rtl="0" eaLnBrk="1" latinLnBrk="0" hangingPunct="1">
       <a:defRPr sz="1800" kern="1200">
         <a:solidFill>
           <a:schemeClr val="tx1"/>
@@ -36,7 +37,7 @@
         <a:cs typeface="+mn-cs"/>
       </a:defRPr>
     </a:lvl1pPr>
-    <a:lvl2pPr marL="457200" algn="l" defTabSz="914400" rtl="0" eaLnBrk="1" latinLnBrk="0" hangingPunct="1">
+    <a:lvl2pPr marL="457200" algn="l" defTabSz="457200" rtl="0" eaLnBrk="1" latinLnBrk="0" hangingPunct="1">
       <a:defRPr sz="1800" kern="1200">
         <a:solidFill>
           <a:schemeClr val="tx1"/>
@@ -46,7 +47,7 @@
         <a:cs typeface="+mn-cs"/>
       </a:defRPr>
     </a:lvl2pPr>
-    <a:lvl3pPr marL="914400" algn="l" defTabSz="914400" rtl="0" eaLnBrk="1" latinLnBrk="0" hangingPunct="1">
+    <a:lvl3pPr marL="914400" algn="l" defTabSz="457200" rtl="0" eaLnBrk="1" latinLnBrk="0" hangingPunct="1">
       <a:defRPr sz="1800" kern="1200">
         <a:solidFill>
           <a:schemeClr val="tx1"/>
@@ -56,7 +57,7 @@
         <a:cs typeface="+mn-cs"/>
       </a:defRPr>
     </a:lvl3pPr>
-    <a:lvl4pPr marL="1371600" algn="l" defTabSz="914400" rtl="0" eaLnBrk="1" latinLnBrk="0" hangingPunct="1">
+    <a:lvl4pPr marL="1371600" algn="l" defTabSz="457200" rtl="0" eaLnBrk="1" latinLnBrk="0" hangingPunct="1">
       <a:defRPr sz="1800" kern="1200">
         <a:solidFill>
           <a:schemeClr val="tx1"/>
@@ -66,7 +67,7 @@
         <a:cs typeface="+mn-cs"/>
       </a:defRPr>
     </a:lvl4pPr>
-    <a:lvl5pPr marL="1828800" algn="l" defTabSz="914400" rtl="0" eaLnBrk="1" latinLnBrk="0" hangingPunct="1">
+    <a:lvl5pPr marL="1828800" algn="l" defTabSz="457200" rtl="0" eaLnBrk="1" latinLnBrk="0" hangingPunct="1">
       <a:defRPr sz="1800" kern="1200">
         <a:solidFill>
           <a:schemeClr val="tx1"/>
@@ -76,7 +77,7 @@
         <a:cs typeface="+mn-cs"/>
       </a:defRPr>
     </a:lvl5pPr>
-    <a:lvl6pPr marL="2286000" algn="l" defTabSz="914400" rtl="0" eaLnBrk="1" latinLnBrk="0" hangingPunct="1">
+    <a:lvl6pPr marL="2286000" algn="l" defTabSz="457200" rtl="0" eaLnBrk="1" latinLnBrk="0" hangingPunct="1">
       <a:defRPr sz="1800" kern="1200">
         <a:solidFill>
           <a:schemeClr val="tx1"/>
@@ -86,7 +87,7 @@
         <a:cs typeface="+mn-cs"/>
       </a:defRPr>
     </a:lvl6pPr>
-    <a:lvl7pPr marL="2743200" algn="l" defTabSz="914400" rtl="0" eaLnBrk="1" latinLnBrk="0" hangingPunct="1">
+    <a:lvl7pPr marL="2743200" algn="l" defTabSz="457200" rtl="0" eaLnBrk="1" latinLnBrk="0" hangingPunct="1">
       <a:defRPr sz="1800" kern="1200">
         <a:solidFill>
           <a:schemeClr val="tx1"/>
@@ -96,7 +97,7 @@
         <a:cs typeface="+mn-cs"/>
       </a:defRPr>
     </a:lvl7pPr>
-    <a:lvl8pPr marL="3200400" algn="l" defTabSz="914400" rtl="0" eaLnBrk="1" latinLnBrk="0" hangingPunct="1">
+    <a:lvl8pPr marL="3200400" algn="l" defTabSz="457200" rtl="0" eaLnBrk="1" latinLnBrk="0" hangingPunct="1">
       <a:defRPr sz="1800" kern="1200">
         <a:solidFill>
           <a:schemeClr val="tx1"/>
@@ -106,7 +107,7 @@
         <a:cs typeface="+mn-cs"/>
       </a:defRPr>
     </a:lvl8pPr>
-    <a:lvl9pPr marL="3657600" algn="l" defTabSz="914400" rtl="0" eaLnBrk="1" latinLnBrk="0" hangingPunct="1">
+    <a:lvl9pPr marL="3657600" algn="l" defTabSz="457200" rtl="0" eaLnBrk="1" latinLnBrk="0" hangingPunct="1">
       <a:defRPr sz="1800" kern="1200">
         <a:solidFill>
           <a:schemeClr val="tx1"/>
@@ -154,15 +155,17 @@
         </p:nvSpPr>
         <p:spPr>
           <a:xfrm>
-            <a:off x="1524000" y="1122363"/>
-            <a:ext cx="9144000" cy="2387600"/>
+            <a:off x="1370693" y="1769540"/>
+            <a:ext cx="9440034" cy="1828801"/>
           </a:xfrm>
         </p:spPr>
         <p:txBody>
-          <a:bodyPr anchor="b"/>
+          <a:bodyPr anchor="b">
+            <a:normAutofit/>
+          </a:bodyPr>
           <a:lstStyle>
             <a:lvl1pPr algn="ctr">
-              <a:defRPr sz="6000"/>
+              <a:defRPr sz="5400"/>
             </a:lvl1pPr>
           </a:lstStyle>
           <a:p>
@@ -170,6 +173,7 @@
               <a:rPr lang="en-US"/>
               <a:t>Click to edit Master title style</a:t>
             </a:r>
+            <a:endParaRPr lang="en-US" dirty="0"/>
           </a:p>
         </p:txBody>
       </p:sp>
@@ -185,48 +189,100 @@
         </p:nvSpPr>
         <p:spPr>
           <a:xfrm>
-            <a:off x="1524000" y="3602038"/>
-            <a:ext cx="9144000" cy="1655762"/>
+            <a:off x="1370693" y="3598339"/>
+            <a:ext cx="9440034" cy="1049867"/>
           </a:xfrm>
         </p:spPr>
         <p:txBody>
-          <a:bodyPr/>
+          <a:bodyPr anchor="t"/>
           <a:lstStyle>
             <a:lvl1pPr marL="0" indent="0" algn="ctr">
               <a:buNone/>
-              <a:defRPr sz="2400"/>
+              <a:defRPr>
+                <a:solidFill>
+                  <a:schemeClr val="tx1"/>
+                </a:solidFill>
+              </a:defRPr>
             </a:lvl1pPr>
             <a:lvl2pPr marL="457200" indent="0" algn="ctr">
               <a:buNone/>
-              <a:defRPr sz="2000"/>
+              <a:defRPr>
+                <a:solidFill>
+                  <a:schemeClr val="tx1">
+                    <a:tint val="75000"/>
+                  </a:schemeClr>
+                </a:solidFill>
+              </a:defRPr>
             </a:lvl2pPr>
             <a:lvl3pPr marL="914400" indent="0" algn="ctr">
               <a:buNone/>
-              <a:defRPr sz="1800"/>
+              <a:defRPr>
+                <a:solidFill>
+                  <a:schemeClr val="tx1">
+                    <a:tint val="75000"/>
+                  </a:schemeClr>
+                </a:solidFill>
+              </a:defRPr>
             </a:lvl3pPr>
             <a:lvl4pPr marL="1371600" indent="0" algn="ctr">
               <a:buNone/>
-              <a:defRPr sz="1600"/>
+              <a:defRPr>
+                <a:solidFill>
+                  <a:schemeClr val="tx1">
+                    <a:tint val="75000"/>
+                  </a:schemeClr>
+                </a:solidFill>
+              </a:defRPr>
             </a:lvl4pPr>
             <a:lvl5pPr marL="1828800" indent="0" algn="ctr">
               <a:buNone/>
-              <a:defRPr sz="1600"/>
+              <a:defRPr>
+                <a:solidFill>
+                  <a:schemeClr val="tx1">
+                    <a:tint val="75000"/>
+                  </a:schemeClr>
+                </a:solidFill>
+              </a:defRPr>
             </a:lvl5pPr>
             <a:lvl6pPr marL="2286000" indent="0" algn="ctr">
               <a:buNone/>
-              <a:defRPr sz="1600"/>
+              <a:defRPr>
+                <a:solidFill>
+                  <a:schemeClr val="tx1">
+                    <a:tint val="75000"/>
+                  </a:schemeClr>
+                </a:solidFill>
+              </a:defRPr>
             </a:lvl6pPr>
             <a:lvl7pPr marL="2743200" indent="0" algn="ctr">
               <a:buNone/>
-              <a:defRPr sz="1600"/>
+              <a:defRPr>
+                <a:solidFill>
+                  <a:schemeClr val="tx1">
+                    <a:tint val="75000"/>
+                  </a:schemeClr>
+                </a:solidFill>
+              </a:defRPr>
             </a:lvl7pPr>
             <a:lvl8pPr marL="3200400" indent="0" algn="ctr">
               <a:buNone/>
-              <a:defRPr sz="1600"/>
+              <a:defRPr>
+                <a:solidFill>
+                  <a:schemeClr val="tx1">
+                    <a:tint val="75000"/>
+                  </a:schemeClr>
+                </a:solidFill>
+              </a:defRPr>
             </a:lvl8pPr>
             <a:lvl9pPr marL="3657600" indent="0" algn="ctr">
               <a:buNone/>
-              <a:defRPr sz="1600"/>
+              <a:defRPr>
+                <a:solidFill>
+                  <a:schemeClr val="tx1">
+                    <a:tint val="75000"/>
+                  </a:schemeClr>
+                </a:solidFill>
+              </a:defRPr>
             </a:lvl9pPr>
           </a:lstStyle>
           <a:p>
@@ -234,6 +290,7 @@
               <a:rPr lang="en-US"/>
               <a:t>Click to edit Master subtitle style</a:t>
             </a:r>
+            <a:endParaRPr lang="en-US" dirty="0"/>
           </a:p>
         </p:txBody>
       </p:sp>
@@ -305,7 +362,7 @@
     </p:spTree>
     <p:extLst>
       <p:ext uri="{BB962C8B-B14F-4D97-AF65-F5344CB8AC3E}">
-        <p14:creationId xmlns:p14="http://schemas.microsoft.com/office/powerpoint/2010/main" val="3832136752"/>
+        <p14:creationId xmlns:p14="http://schemas.microsoft.com/office/powerpoint/2010/main" val="3557201824"/>
       </p:ext>
     </p:extLst>
   </p:cSld>
@@ -316,6 +373,2582 @@
 </file>
 
 <file path=ppt/slideLayouts/slideLayout10.xml><?xml version="1.0" encoding="utf-8"?>
+<p:sldLayout xmlns:a="http://schemas.openxmlformats.org/drawingml/2006/main" xmlns:r="http://schemas.openxmlformats.org/officeDocument/2006/relationships" xmlns:p="http://schemas.openxmlformats.org/presentationml/2006/main" preserve="1">
+  <p:cSld name="Panoramic Picture with Caption">
+    <p:spTree>
+      <p:nvGrpSpPr>
+        <p:cNvPr id="1" name=""/>
+        <p:cNvGrpSpPr/>
+        <p:nvPr/>
+      </p:nvGrpSpPr>
+      <p:grpSpPr>
+        <a:xfrm>
+          <a:off x="0" y="0"/>
+          <a:ext cx="0" cy="0"/>
+          <a:chOff x="0" y="0"/>
+          <a:chExt cx="0" cy="0"/>
+        </a:xfrm>
+      </p:grpSpPr>
+      <p:pic>
+        <p:nvPicPr>
+          <p:cNvPr id="16" name="Picture 15" descr="Slate-V2-HD-panoPhotoInset.png"/>
+          <p:cNvPicPr>
+            <a:picLocks noChangeAspect="1"/>
+          </p:cNvPicPr>
+          <p:nvPr/>
+        </p:nvPicPr>
+        <p:blipFill>
+          <a:blip r:embed="rId2">
+            <a:extLst>
+              <a:ext uri="{28A0092B-C50C-407E-A947-70E740481C1C}">
+                <a14:useLocalDpi xmlns:a14="http://schemas.microsoft.com/office/drawing/2010/main" val="0"/>
+              </a:ext>
+            </a:extLst>
+          </a:blip>
+          <a:stretch>
+            <a:fillRect/>
+          </a:stretch>
+        </p:blipFill>
+        <p:spPr>
+          <a:xfrm>
+            <a:off x="1013883" y="547807"/>
+            <a:ext cx="10141799" cy="3816806"/>
+          </a:xfrm>
+          <a:prstGeom prst="rect">
+            <a:avLst/>
+          </a:prstGeom>
+        </p:spPr>
+      </p:pic>
+      <p:sp>
+        <p:nvSpPr>
+          <p:cNvPr id="2" name="Title 1"/>
+          <p:cNvSpPr>
+            <a:spLocks noGrp="1"/>
+          </p:cNvSpPr>
+          <p:nvPr>
+            <p:ph type="title"/>
+          </p:nvPr>
+        </p:nvSpPr>
+        <p:spPr>
+          <a:xfrm>
+            <a:off x="913806" y="4565255"/>
+            <a:ext cx="10355326" cy="543472"/>
+          </a:xfrm>
+        </p:spPr>
+        <p:txBody>
+          <a:bodyPr anchor="b">
+            <a:normAutofit/>
+          </a:bodyPr>
+          <a:lstStyle>
+            <a:lvl1pPr algn="ctr">
+              <a:defRPr sz="2800"/>
+            </a:lvl1pPr>
+          </a:lstStyle>
+          <a:p>
+            <a:r>
+              <a:rPr lang="en-US"/>
+              <a:t>Click to edit Master title style</a:t>
+            </a:r>
+            <a:endParaRPr lang="en-US" dirty="0"/>
+          </a:p>
+        </p:txBody>
+      </p:sp>
+      <p:sp>
+        <p:nvSpPr>
+          <p:cNvPr id="3" name="Picture Placeholder 2"/>
+          <p:cNvSpPr>
+            <a:spLocks noGrp="1" noChangeAspect="1"/>
+          </p:cNvSpPr>
+          <p:nvPr>
+            <p:ph type="pic" idx="1"/>
+          </p:nvPr>
+        </p:nvSpPr>
+        <p:spPr>
+          <a:xfrm>
+            <a:off x="1169349" y="695009"/>
+            <a:ext cx="9845346" cy="3525671"/>
+          </a:xfrm>
+          <a:effectLst>
+            <a:outerShdw blurRad="38100" dist="25400" dir="4440000">
+              <a:srgbClr val="000000">
+                <a:alpha val="36000"/>
+              </a:srgbClr>
+            </a:outerShdw>
+          </a:effectLst>
+        </p:spPr>
+        <p:txBody>
+          <a:bodyPr anchor="t">
+            <a:normAutofit/>
+          </a:bodyPr>
+          <a:lstStyle>
+            <a:lvl1pPr marL="0" indent="0" algn="ctr">
+              <a:buNone/>
+              <a:defRPr sz="2000"/>
+            </a:lvl1pPr>
+            <a:lvl2pPr marL="457200" indent="0">
+              <a:buNone/>
+              <a:defRPr sz="2000"/>
+            </a:lvl2pPr>
+            <a:lvl3pPr marL="914400" indent="0">
+              <a:buNone/>
+              <a:defRPr sz="2000"/>
+            </a:lvl3pPr>
+            <a:lvl4pPr marL="1371600" indent="0">
+              <a:buNone/>
+              <a:defRPr sz="2000"/>
+            </a:lvl4pPr>
+            <a:lvl5pPr marL="1828800" indent="0">
+              <a:buNone/>
+              <a:defRPr sz="2000"/>
+            </a:lvl5pPr>
+            <a:lvl6pPr marL="2286000" indent="0">
+              <a:buNone/>
+              <a:defRPr sz="2000"/>
+            </a:lvl6pPr>
+            <a:lvl7pPr marL="2743200" indent="0">
+              <a:buNone/>
+              <a:defRPr sz="2000"/>
+            </a:lvl7pPr>
+            <a:lvl8pPr marL="3200400" indent="0">
+              <a:buNone/>
+              <a:defRPr sz="2000"/>
+            </a:lvl8pPr>
+            <a:lvl9pPr marL="3657600" indent="0">
+              <a:buNone/>
+              <a:defRPr sz="2000"/>
+            </a:lvl9pPr>
+          </a:lstStyle>
+          <a:p>
+            <a:r>
+              <a:rPr lang="en-US"/>
+              <a:t>Click icon to add picture</a:t>
+            </a:r>
+            <a:endParaRPr lang="en-US" dirty="0"/>
+          </a:p>
+        </p:txBody>
+      </p:sp>
+      <p:sp>
+        <p:nvSpPr>
+          <p:cNvPr id="4" name="Text Placeholder 3"/>
+          <p:cNvSpPr>
+            <a:spLocks noGrp="1"/>
+          </p:cNvSpPr>
+          <p:nvPr>
+            <p:ph type="body" sz="half" idx="2"/>
+          </p:nvPr>
+        </p:nvSpPr>
+        <p:spPr>
+          <a:xfrm>
+            <a:off x="913795" y="5108728"/>
+            <a:ext cx="10353762" cy="682472"/>
+          </a:xfrm>
+        </p:spPr>
+        <p:txBody>
+          <a:bodyPr anchor="t"/>
+          <a:lstStyle>
+            <a:lvl1pPr marL="0" indent="0" algn="ctr">
+              <a:buNone/>
+              <a:defRPr sz="1600"/>
+            </a:lvl1pPr>
+            <a:lvl2pPr marL="457200" indent="0">
+              <a:buNone/>
+              <a:defRPr sz="1400"/>
+            </a:lvl2pPr>
+            <a:lvl3pPr marL="914400" indent="0">
+              <a:buNone/>
+              <a:defRPr sz="1200"/>
+            </a:lvl3pPr>
+            <a:lvl4pPr marL="1371600" indent="0">
+              <a:buNone/>
+              <a:defRPr sz="1000"/>
+            </a:lvl4pPr>
+            <a:lvl5pPr marL="1828800" indent="0">
+              <a:buNone/>
+              <a:defRPr sz="1000"/>
+            </a:lvl5pPr>
+            <a:lvl6pPr marL="2286000" indent="0">
+              <a:buNone/>
+              <a:defRPr sz="1000"/>
+            </a:lvl6pPr>
+            <a:lvl7pPr marL="2743200" indent="0">
+              <a:buNone/>
+              <a:defRPr sz="1000"/>
+            </a:lvl7pPr>
+            <a:lvl8pPr marL="3200400" indent="0">
+              <a:buNone/>
+              <a:defRPr sz="1000"/>
+            </a:lvl8pPr>
+            <a:lvl9pPr marL="3657600" indent="0">
+              <a:buNone/>
+              <a:defRPr sz="1000"/>
+            </a:lvl9pPr>
+          </a:lstStyle>
+          <a:p>
+            <a:pPr lvl="0"/>
+            <a:r>
+              <a:rPr lang="en-US"/>
+              <a:t>Edit Master text styles</a:t>
+            </a:r>
+          </a:p>
+        </p:txBody>
+      </p:sp>
+      <p:sp>
+        <p:nvSpPr>
+          <p:cNvPr id="5" name="Date Placeholder 4"/>
+          <p:cNvSpPr>
+            <a:spLocks noGrp="1"/>
+          </p:cNvSpPr>
+          <p:nvPr>
+            <p:ph type="dt" sz="half" idx="10"/>
+          </p:nvPr>
+        </p:nvSpPr>
+        <p:spPr/>
+        <p:txBody>
+          <a:bodyPr/>
+          <a:lstStyle/>
+          <a:p>
+            <a:fld id="{816A8EE7-6A8D-452B-B8C3-E64C291F1CAD}" type="datetimeFigureOut">
+              <a:rPr lang="en-US" smtClean="0"/>
+              <a:t>11/7/2018</a:t>
+            </a:fld>
+            <a:endParaRPr lang="en-US"/>
+          </a:p>
+        </p:txBody>
+      </p:sp>
+      <p:sp>
+        <p:nvSpPr>
+          <p:cNvPr id="6" name="Footer Placeholder 5"/>
+          <p:cNvSpPr>
+            <a:spLocks noGrp="1"/>
+          </p:cNvSpPr>
+          <p:nvPr>
+            <p:ph type="ftr" sz="quarter" idx="11"/>
+          </p:nvPr>
+        </p:nvSpPr>
+        <p:spPr/>
+        <p:txBody>
+          <a:bodyPr/>
+          <a:lstStyle/>
+          <a:p>
+            <a:endParaRPr lang="en-US"/>
+          </a:p>
+        </p:txBody>
+      </p:sp>
+      <p:sp>
+        <p:nvSpPr>
+          <p:cNvPr id="7" name="Slide Number Placeholder 6"/>
+          <p:cNvSpPr>
+            <a:spLocks noGrp="1"/>
+          </p:cNvSpPr>
+          <p:nvPr>
+            <p:ph type="sldNum" sz="quarter" idx="12"/>
+          </p:nvPr>
+        </p:nvSpPr>
+        <p:spPr/>
+        <p:txBody>
+          <a:bodyPr/>
+          <a:lstStyle/>
+          <a:p>
+            <a:fld id="{4F14C484-D775-4DEF-9039-D79CB7AEC713}" type="slidenum">
+              <a:rPr lang="en-US" smtClean="0"/>
+              <a:t>‹#›</a:t>
+            </a:fld>
+            <a:endParaRPr lang="en-US"/>
+          </a:p>
+        </p:txBody>
+      </p:sp>
+    </p:spTree>
+    <p:extLst>
+      <p:ext uri="{BB962C8B-B14F-4D97-AF65-F5344CB8AC3E}">
+        <p14:creationId xmlns:p14="http://schemas.microsoft.com/office/powerpoint/2010/main" val="1696479753"/>
+      </p:ext>
+    </p:extLst>
+  </p:cSld>
+  <p:clrMapOvr>
+    <a:masterClrMapping/>
+  </p:clrMapOvr>
+</p:sldLayout>
+</file>
+
+<file path=ppt/slideLayouts/slideLayout11.xml><?xml version="1.0" encoding="utf-8"?>
+<p:sldLayout xmlns:a="http://schemas.openxmlformats.org/drawingml/2006/main" xmlns:r="http://schemas.openxmlformats.org/officeDocument/2006/relationships" xmlns:p="http://schemas.openxmlformats.org/presentationml/2006/main" preserve="1">
+  <p:cSld name="Title and Caption">
+    <p:spTree>
+      <p:nvGrpSpPr>
+        <p:cNvPr id="1" name=""/>
+        <p:cNvGrpSpPr/>
+        <p:nvPr/>
+      </p:nvGrpSpPr>
+      <p:grpSpPr>
+        <a:xfrm>
+          <a:off x="0" y="0"/>
+          <a:ext cx="0" cy="0"/>
+          <a:chOff x="0" y="0"/>
+          <a:chExt cx="0" cy="0"/>
+        </a:xfrm>
+      </p:grpSpPr>
+      <p:sp>
+        <p:nvSpPr>
+          <p:cNvPr id="2" name="Title 1"/>
+          <p:cNvSpPr>
+            <a:spLocks noGrp="1"/>
+          </p:cNvSpPr>
+          <p:nvPr>
+            <p:ph type="title"/>
+          </p:nvPr>
+        </p:nvSpPr>
+        <p:spPr>
+          <a:xfrm>
+            <a:off x="913795" y="608437"/>
+            <a:ext cx="10353762" cy="3534344"/>
+          </a:xfrm>
+        </p:spPr>
+        <p:txBody>
+          <a:bodyPr anchor="ctr"/>
+          <a:lstStyle>
+            <a:lvl1pPr>
+              <a:defRPr sz="3200"/>
+            </a:lvl1pPr>
+          </a:lstStyle>
+          <a:p>
+            <a:r>
+              <a:rPr lang="en-US"/>
+              <a:t>Click to edit Master title style</a:t>
+            </a:r>
+            <a:endParaRPr lang="en-US" dirty="0"/>
+          </a:p>
+        </p:txBody>
+      </p:sp>
+      <p:sp>
+        <p:nvSpPr>
+          <p:cNvPr id="4" name="Text Placeholder 3"/>
+          <p:cNvSpPr>
+            <a:spLocks noGrp="1"/>
+          </p:cNvSpPr>
+          <p:nvPr>
+            <p:ph type="body" sz="half" idx="2"/>
+          </p:nvPr>
+        </p:nvSpPr>
+        <p:spPr>
+          <a:xfrm>
+            <a:off x="913794" y="4295180"/>
+            <a:ext cx="10353763" cy="1501826"/>
+          </a:xfrm>
+        </p:spPr>
+        <p:txBody>
+          <a:bodyPr anchor="ctr"/>
+          <a:lstStyle>
+            <a:lvl1pPr marL="0" indent="0" algn="ctr">
+              <a:buNone/>
+              <a:defRPr sz="1600"/>
+            </a:lvl1pPr>
+            <a:lvl2pPr marL="457200" indent="0">
+              <a:buNone/>
+              <a:defRPr sz="1400"/>
+            </a:lvl2pPr>
+            <a:lvl3pPr marL="914400" indent="0">
+              <a:buNone/>
+              <a:defRPr sz="1200"/>
+            </a:lvl3pPr>
+            <a:lvl4pPr marL="1371600" indent="0">
+              <a:buNone/>
+              <a:defRPr sz="1000"/>
+            </a:lvl4pPr>
+            <a:lvl5pPr marL="1828800" indent="0">
+              <a:buNone/>
+              <a:defRPr sz="1000"/>
+            </a:lvl5pPr>
+            <a:lvl6pPr marL="2286000" indent="0">
+              <a:buNone/>
+              <a:defRPr sz="1000"/>
+            </a:lvl6pPr>
+            <a:lvl7pPr marL="2743200" indent="0">
+              <a:buNone/>
+              <a:defRPr sz="1000"/>
+            </a:lvl7pPr>
+            <a:lvl8pPr marL="3200400" indent="0">
+              <a:buNone/>
+              <a:defRPr sz="1000"/>
+            </a:lvl8pPr>
+            <a:lvl9pPr marL="3657600" indent="0">
+              <a:buNone/>
+              <a:defRPr sz="1000"/>
+            </a:lvl9pPr>
+          </a:lstStyle>
+          <a:p>
+            <a:pPr lvl="0"/>
+            <a:r>
+              <a:rPr lang="en-US"/>
+              <a:t>Edit Master text styles</a:t>
+            </a:r>
+          </a:p>
+        </p:txBody>
+      </p:sp>
+      <p:sp>
+        <p:nvSpPr>
+          <p:cNvPr id="5" name="Date Placeholder 4"/>
+          <p:cNvSpPr>
+            <a:spLocks noGrp="1"/>
+          </p:cNvSpPr>
+          <p:nvPr>
+            <p:ph type="dt" sz="half" idx="10"/>
+          </p:nvPr>
+        </p:nvSpPr>
+        <p:spPr/>
+        <p:txBody>
+          <a:bodyPr/>
+          <a:lstStyle/>
+          <a:p>
+            <a:fld id="{816A8EE7-6A8D-452B-B8C3-E64C291F1CAD}" type="datetimeFigureOut">
+              <a:rPr lang="en-US" smtClean="0"/>
+              <a:t>11/7/2018</a:t>
+            </a:fld>
+            <a:endParaRPr lang="en-US"/>
+          </a:p>
+        </p:txBody>
+      </p:sp>
+      <p:sp>
+        <p:nvSpPr>
+          <p:cNvPr id="6" name="Footer Placeholder 5"/>
+          <p:cNvSpPr>
+            <a:spLocks noGrp="1"/>
+          </p:cNvSpPr>
+          <p:nvPr>
+            <p:ph type="ftr" sz="quarter" idx="11"/>
+          </p:nvPr>
+        </p:nvSpPr>
+        <p:spPr/>
+        <p:txBody>
+          <a:bodyPr/>
+          <a:lstStyle/>
+          <a:p>
+            <a:endParaRPr lang="en-US"/>
+          </a:p>
+        </p:txBody>
+      </p:sp>
+      <p:sp>
+        <p:nvSpPr>
+          <p:cNvPr id="7" name="Slide Number Placeholder 6"/>
+          <p:cNvSpPr>
+            <a:spLocks noGrp="1"/>
+          </p:cNvSpPr>
+          <p:nvPr>
+            <p:ph type="sldNum" sz="quarter" idx="12"/>
+          </p:nvPr>
+        </p:nvSpPr>
+        <p:spPr/>
+        <p:txBody>
+          <a:bodyPr/>
+          <a:lstStyle/>
+          <a:p>
+            <a:fld id="{4F14C484-D775-4DEF-9039-D79CB7AEC713}" type="slidenum">
+              <a:rPr lang="en-US" smtClean="0"/>
+              <a:t>‹#›</a:t>
+            </a:fld>
+            <a:endParaRPr lang="en-US"/>
+          </a:p>
+        </p:txBody>
+      </p:sp>
+    </p:spTree>
+    <p:extLst>
+      <p:ext uri="{BB962C8B-B14F-4D97-AF65-F5344CB8AC3E}">
+        <p14:creationId xmlns:p14="http://schemas.microsoft.com/office/powerpoint/2010/main" val="3728274457"/>
+      </p:ext>
+    </p:extLst>
+  </p:cSld>
+  <p:clrMapOvr>
+    <a:masterClrMapping/>
+  </p:clrMapOvr>
+</p:sldLayout>
+</file>
+
+<file path=ppt/slideLayouts/slideLayout12.xml><?xml version="1.0" encoding="utf-8"?>
+<p:sldLayout xmlns:a="http://schemas.openxmlformats.org/drawingml/2006/main" xmlns:r="http://schemas.openxmlformats.org/officeDocument/2006/relationships" xmlns:p="http://schemas.openxmlformats.org/presentationml/2006/main" preserve="1">
+  <p:cSld name="Quote with Caption">
+    <p:spTree>
+      <p:nvGrpSpPr>
+        <p:cNvPr id="1" name=""/>
+        <p:cNvGrpSpPr/>
+        <p:nvPr/>
+      </p:nvGrpSpPr>
+      <p:grpSpPr>
+        <a:xfrm>
+          <a:off x="0" y="0"/>
+          <a:ext cx="0" cy="0"/>
+          <a:chOff x="0" y="0"/>
+          <a:chExt cx="0" cy="0"/>
+        </a:xfrm>
+      </p:grpSpPr>
+      <p:sp>
+        <p:nvSpPr>
+          <p:cNvPr id="2" name="Title 1"/>
+          <p:cNvSpPr>
+            <a:spLocks noGrp="1"/>
+          </p:cNvSpPr>
+          <p:nvPr>
+            <p:ph type="title"/>
+          </p:nvPr>
+        </p:nvSpPr>
+        <p:spPr>
+          <a:xfrm>
+            <a:off x="1446212" y="609600"/>
+            <a:ext cx="9302752" cy="2992904"/>
+          </a:xfrm>
+        </p:spPr>
+        <p:txBody>
+          <a:bodyPr anchor="ctr"/>
+          <a:lstStyle>
+            <a:lvl1pPr>
+              <a:defRPr sz="3200"/>
+            </a:lvl1pPr>
+          </a:lstStyle>
+          <a:p>
+            <a:r>
+              <a:rPr lang="en-US"/>
+              <a:t>Click to edit Master title style</a:t>
+            </a:r>
+            <a:endParaRPr lang="en-US" dirty="0"/>
+          </a:p>
+        </p:txBody>
+      </p:sp>
+      <p:sp>
+        <p:nvSpPr>
+          <p:cNvPr id="12" name="Text Placeholder 3"/>
+          <p:cNvSpPr>
+            <a:spLocks noGrp="1"/>
+          </p:cNvSpPr>
+          <p:nvPr>
+            <p:ph type="body" sz="half" idx="13"/>
+          </p:nvPr>
+        </p:nvSpPr>
+        <p:spPr>
+          <a:xfrm>
+            <a:off x="1720644" y="3610032"/>
+            <a:ext cx="8752299" cy="532749"/>
+          </a:xfrm>
+        </p:spPr>
+        <p:txBody>
+          <a:bodyPr anchor="t">
+            <a:normAutofit/>
+          </a:bodyPr>
+          <a:lstStyle>
+            <a:lvl1pPr marL="0" indent="0" algn="r">
+              <a:buNone/>
+              <a:defRPr sz="1400"/>
+            </a:lvl1pPr>
+            <a:lvl2pPr marL="457200" indent="0">
+              <a:buNone/>
+              <a:defRPr sz="1400"/>
+            </a:lvl2pPr>
+            <a:lvl3pPr marL="914400" indent="0">
+              <a:buNone/>
+              <a:defRPr sz="1200"/>
+            </a:lvl3pPr>
+            <a:lvl4pPr marL="1371600" indent="0">
+              <a:buNone/>
+              <a:defRPr sz="1000"/>
+            </a:lvl4pPr>
+            <a:lvl5pPr marL="1828800" indent="0">
+              <a:buNone/>
+              <a:defRPr sz="1000"/>
+            </a:lvl5pPr>
+            <a:lvl6pPr marL="2286000" indent="0">
+              <a:buNone/>
+              <a:defRPr sz="1000"/>
+            </a:lvl6pPr>
+            <a:lvl7pPr marL="2743200" indent="0">
+              <a:buNone/>
+              <a:defRPr sz="1000"/>
+            </a:lvl7pPr>
+            <a:lvl8pPr marL="3200400" indent="0">
+              <a:buNone/>
+              <a:defRPr sz="1000"/>
+            </a:lvl8pPr>
+            <a:lvl9pPr marL="3657600" indent="0">
+              <a:buNone/>
+              <a:defRPr sz="1000"/>
+            </a:lvl9pPr>
+          </a:lstStyle>
+          <a:p>
+            <a:pPr lvl="0"/>
+            <a:r>
+              <a:rPr lang="en-US"/>
+              <a:t>Edit Master text styles</a:t>
+            </a:r>
+          </a:p>
+        </p:txBody>
+      </p:sp>
+      <p:sp>
+        <p:nvSpPr>
+          <p:cNvPr id="4" name="Text Placeholder 3"/>
+          <p:cNvSpPr>
+            <a:spLocks noGrp="1"/>
+          </p:cNvSpPr>
+          <p:nvPr>
+            <p:ph type="body" sz="half" idx="2"/>
+          </p:nvPr>
+        </p:nvSpPr>
+        <p:spPr>
+          <a:xfrm>
+            <a:off x="913794" y="4304353"/>
+            <a:ext cx="10353763" cy="1489496"/>
+          </a:xfrm>
+        </p:spPr>
+        <p:txBody>
+          <a:bodyPr anchor="ctr">
+            <a:normAutofit/>
+          </a:bodyPr>
+          <a:lstStyle>
+            <a:lvl1pPr marL="0" indent="0" algn="ctr">
+              <a:buNone/>
+              <a:defRPr sz="1600"/>
+            </a:lvl1pPr>
+            <a:lvl2pPr marL="457200" indent="0">
+              <a:buNone/>
+              <a:defRPr sz="1400"/>
+            </a:lvl2pPr>
+            <a:lvl3pPr marL="914400" indent="0">
+              <a:buNone/>
+              <a:defRPr sz="1200"/>
+            </a:lvl3pPr>
+            <a:lvl4pPr marL="1371600" indent="0">
+              <a:buNone/>
+              <a:defRPr sz="1000"/>
+            </a:lvl4pPr>
+            <a:lvl5pPr marL="1828800" indent="0">
+              <a:buNone/>
+              <a:defRPr sz="1000"/>
+            </a:lvl5pPr>
+            <a:lvl6pPr marL="2286000" indent="0">
+              <a:buNone/>
+              <a:defRPr sz="1000"/>
+            </a:lvl6pPr>
+            <a:lvl7pPr marL="2743200" indent="0">
+              <a:buNone/>
+              <a:defRPr sz="1000"/>
+            </a:lvl7pPr>
+            <a:lvl8pPr marL="3200400" indent="0">
+              <a:buNone/>
+              <a:defRPr sz="1000"/>
+            </a:lvl8pPr>
+            <a:lvl9pPr marL="3657600" indent="0">
+              <a:buNone/>
+              <a:defRPr sz="1000"/>
+            </a:lvl9pPr>
+          </a:lstStyle>
+          <a:p>
+            <a:pPr lvl="0"/>
+            <a:r>
+              <a:rPr lang="en-US"/>
+              <a:t>Edit Master text styles</a:t>
+            </a:r>
+          </a:p>
+        </p:txBody>
+      </p:sp>
+      <p:sp>
+        <p:nvSpPr>
+          <p:cNvPr id="5" name="Date Placeholder 4"/>
+          <p:cNvSpPr>
+            <a:spLocks noGrp="1"/>
+          </p:cNvSpPr>
+          <p:nvPr>
+            <p:ph type="dt" sz="half" idx="10"/>
+          </p:nvPr>
+        </p:nvSpPr>
+        <p:spPr/>
+        <p:txBody>
+          <a:bodyPr/>
+          <a:lstStyle/>
+          <a:p>
+            <a:fld id="{816A8EE7-6A8D-452B-B8C3-E64C291F1CAD}" type="datetimeFigureOut">
+              <a:rPr lang="en-US" smtClean="0"/>
+              <a:t>11/7/2018</a:t>
+            </a:fld>
+            <a:endParaRPr lang="en-US"/>
+          </a:p>
+        </p:txBody>
+      </p:sp>
+      <p:sp>
+        <p:nvSpPr>
+          <p:cNvPr id="6" name="Footer Placeholder 5"/>
+          <p:cNvSpPr>
+            <a:spLocks noGrp="1"/>
+          </p:cNvSpPr>
+          <p:nvPr>
+            <p:ph type="ftr" sz="quarter" idx="11"/>
+          </p:nvPr>
+        </p:nvSpPr>
+        <p:spPr/>
+        <p:txBody>
+          <a:bodyPr/>
+          <a:lstStyle/>
+          <a:p>
+            <a:endParaRPr lang="en-US"/>
+          </a:p>
+        </p:txBody>
+      </p:sp>
+      <p:sp>
+        <p:nvSpPr>
+          <p:cNvPr id="7" name="Slide Number Placeholder 6"/>
+          <p:cNvSpPr>
+            <a:spLocks noGrp="1"/>
+          </p:cNvSpPr>
+          <p:nvPr>
+            <p:ph type="sldNum" sz="quarter" idx="12"/>
+          </p:nvPr>
+        </p:nvSpPr>
+        <p:spPr/>
+        <p:txBody>
+          <a:bodyPr/>
+          <a:lstStyle/>
+          <a:p>
+            <a:fld id="{4F14C484-D775-4DEF-9039-D79CB7AEC713}" type="slidenum">
+              <a:rPr lang="en-US" smtClean="0"/>
+              <a:t>‹#›</a:t>
+            </a:fld>
+            <a:endParaRPr lang="en-US"/>
+          </a:p>
+        </p:txBody>
+      </p:sp>
+      <p:sp>
+        <p:nvSpPr>
+          <p:cNvPr id="11" name="TextBox 10"/>
+          <p:cNvSpPr txBox="1"/>
+          <p:nvPr/>
+        </p:nvSpPr>
+        <p:spPr>
+          <a:xfrm>
+            <a:off x="990600" y="884796"/>
+            <a:ext cx="609600" cy="584776"/>
+          </a:xfrm>
+          <a:prstGeom prst="rect">
+            <a:avLst/>
+          </a:prstGeom>
+        </p:spPr>
+        <p:txBody>
+          <a:bodyPr vert="horz" lIns="91440" tIns="45720" rIns="91440" bIns="45720" rtlCol="0" anchor="ctr">
+            <a:noAutofit/>
+          </a:bodyPr>
+          <a:lstStyle>
+            <a:lvl1pPr>
+              <a:spcBef>
+                <a:spcPct val="0"/>
+              </a:spcBef>
+              <a:buNone/>
+              <a:defRPr sz="3200" b="0" cap="all">
+                <a:ln w="3175" cmpd="sng">
+                  <a:noFill/>
+                </a:ln>
+                <a:effectLst>
+                  <a:glow rad="38100">
+                    <a:schemeClr val="bg1">
+                      <a:lumMod val="65000"/>
+                      <a:lumOff val="35000"/>
+                      <a:alpha val="40000"/>
+                    </a:schemeClr>
+                  </a:glow>
+                  <a:outerShdw blurRad="28575" dist="38100" dir="14040000" algn="tl" rotWithShape="0">
+                    <a:srgbClr val="000000">
+                      <a:alpha val="25000"/>
+                    </a:srgbClr>
+                  </a:outerShdw>
+                </a:effectLst>
+              </a:defRPr>
+            </a:lvl1pPr>
+            <a:lvl2pPr>
+              <a:defRPr>
+                <a:solidFill>
+                  <a:schemeClr val="tx2"/>
+                </a:solidFill>
+              </a:defRPr>
+            </a:lvl2pPr>
+            <a:lvl3pPr>
+              <a:defRPr>
+                <a:solidFill>
+                  <a:schemeClr val="tx2"/>
+                </a:solidFill>
+              </a:defRPr>
+            </a:lvl3pPr>
+            <a:lvl4pPr>
+              <a:defRPr>
+                <a:solidFill>
+                  <a:schemeClr val="tx2"/>
+                </a:solidFill>
+              </a:defRPr>
+            </a:lvl4pPr>
+            <a:lvl5pPr>
+              <a:defRPr>
+                <a:solidFill>
+                  <a:schemeClr val="tx2"/>
+                </a:solidFill>
+              </a:defRPr>
+            </a:lvl5pPr>
+            <a:lvl6pPr>
+              <a:defRPr>
+                <a:solidFill>
+                  <a:schemeClr val="tx2"/>
+                </a:solidFill>
+              </a:defRPr>
+            </a:lvl6pPr>
+            <a:lvl7pPr>
+              <a:defRPr>
+                <a:solidFill>
+                  <a:schemeClr val="tx2"/>
+                </a:solidFill>
+              </a:defRPr>
+            </a:lvl7pPr>
+            <a:lvl8pPr>
+              <a:defRPr>
+                <a:solidFill>
+                  <a:schemeClr val="tx2"/>
+                </a:solidFill>
+              </a:defRPr>
+            </a:lvl8pPr>
+            <a:lvl9pPr>
+              <a:defRPr>
+                <a:solidFill>
+                  <a:schemeClr val="tx2"/>
+                </a:solidFill>
+              </a:defRPr>
+            </a:lvl9pPr>
+          </a:lstStyle>
+          <a:p>
+            <a:pPr lvl="0"/>
+            <a:r>
+              <a:rPr lang="en-US" sz="8000" dirty="0">
+                <a:solidFill>
+                  <a:schemeClr val="tx1"/>
+                </a:solidFill>
+                <a:effectLst/>
+              </a:rPr>
+              <a:t>“</a:t>
+            </a:r>
+          </a:p>
+        </p:txBody>
+      </p:sp>
+      <p:sp>
+        <p:nvSpPr>
+          <p:cNvPr id="13" name="TextBox 12"/>
+          <p:cNvSpPr txBox="1"/>
+          <p:nvPr/>
+        </p:nvSpPr>
+        <p:spPr>
+          <a:xfrm>
+            <a:off x="10504716" y="2928258"/>
+            <a:ext cx="609600" cy="584776"/>
+          </a:xfrm>
+          <a:prstGeom prst="rect">
+            <a:avLst/>
+          </a:prstGeom>
+        </p:spPr>
+        <p:txBody>
+          <a:bodyPr vert="horz" lIns="91440" tIns="45720" rIns="91440" bIns="45720" rtlCol="0" anchor="ctr">
+            <a:noAutofit/>
+          </a:bodyPr>
+          <a:lstStyle>
+            <a:lvl1pPr>
+              <a:spcBef>
+                <a:spcPct val="0"/>
+              </a:spcBef>
+              <a:buNone/>
+              <a:defRPr sz="3200" b="0" cap="all">
+                <a:ln w="3175" cmpd="sng">
+                  <a:noFill/>
+                </a:ln>
+                <a:effectLst>
+                  <a:glow rad="38100">
+                    <a:schemeClr val="bg1">
+                      <a:lumMod val="65000"/>
+                      <a:lumOff val="35000"/>
+                      <a:alpha val="40000"/>
+                    </a:schemeClr>
+                  </a:glow>
+                  <a:outerShdw blurRad="28575" dist="38100" dir="14040000" algn="tl" rotWithShape="0">
+                    <a:srgbClr val="000000">
+                      <a:alpha val="25000"/>
+                    </a:srgbClr>
+                  </a:outerShdw>
+                </a:effectLst>
+              </a:defRPr>
+            </a:lvl1pPr>
+            <a:lvl2pPr>
+              <a:defRPr>
+                <a:solidFill>
+                  <a:schemeClr val="tx2"/>
+                </a:solidFill>
+              </a:defRPr>
+            </a:lvl2pPr>
+            <a:lvl3pPr>
+              <a:defRPr>
+                <a:solidFill>
+                  <a:schemeClr val="tx2"/>
+                </a:solidFill>
+              </a:defRPr>
+            </a:lvl3pPr>
+            <a:lvl4pPr>
+              <a:defRPr>
+                <a:solidFill>
+                  <a:schemeClr val="tx2"/>
+                </a:solidFill>
+              </a:defRPr>
+            </a:lvl4pPr>
+            <a:lvl5pPr>
+              <a:defRPr>
+                <a:solidFill>
+                  <a:schemeClr val="tx2"/>
+                </a:solidFill>
+              </a:defRPr>
+            </a:lvl5pPr>
+            <a:lvl6pPr>
+              <a:defRPr>
+                <a:solidFill>
+                  <a:schemeClr val="tx2"/>
+                </a:solidFill>
+              </a:defRPr>
+            </a:lvl6pPr>
+            <a:lvl7pPr>
+              <a:defRPr>
+                <a:solidFill>
+                  <a:schemeClr val="tx2"/>
+                </a:solidFill>
+              </a:defRPr>
+            </a:lvl7pPr>
+            <a:lvl8pPr>
+              <a:defRPr>
+                <a:solidFill>
+                  <a:schemeClr val="tx2"/>
+                </a:solidFill>
+              </a:defRPr>
+            </a:lvl8pPr>
+            <a:lvl9pPr>
+              <a:defRPr>
+                <a:solidFill>
+                  <a:schemeClr val="tx2"/>
+                </a:solidFill>
+              </a:defRPr>
+            </a:lvl9pPr>
+          </a:lstStyle>
+          <a:p>
+            <a:pPr lvl="0" algn="r"/>
+            <a:r>
+              <a:rPr lang="en-US" sz="8000" dirty="0">
+                <a:solidFill>
+                  <a:schemeClr val="tx1"/>
+                </a:solidFill>
+                <a:effectLst/>
+              </a:rPr>
+              <a:t>”</a:t>
+            </a:r>
+          </a:p>
+        </p:txBody>
+      </p:sp>
+    </p:spTree>
+    <p:extLst>
+      <p:ext uri="{BB962C8B-B14F-4D97-AF65-F5344CB8AC3E}">
+        <p14:creationId xmlns:p14="http://schemas.microsoft.com/office/powerpoint/2010/main" val="538914066"/>
+      </p:ext>
+    </p:extLst>
+  </p:cSld>
+  <p:clrMapOvr>
+    <a:masterClrMapping/>
+  </p:clrMapOvr>
+</p:sldLayout>
+</file>
+
+<file path=ppt/slideLayouts/slideLayout13.xml><?xml version="1.0" encoding="utf-8"?>
+<p:sldLayout xmlns:a="http://schemas.openxmlformats.org/drawingml/2006/main" xmlns:r="http://schemas.openxmlformats.org/officeDocument/2006/relationships" xmlns:p="http://schemas.openxmlformats.org/presentationml/2006/main" preserve="1">
+  <p:cSld name="Name Card">
+    <p:spTree>
+      <p:nvGrpSpPr>
+        <p:cNvPr id="1" name=""/>
+        <p:cNvGrpSpPr/>
+        <p:nvPr/>
+      </p:nvGrpSpPr>
+      <p:grpSpPr>
+        <a:xfrm>
+          <a:off x="0" y="0"/>
+          <a:ext cx="0" cy="0"/>
+          <a:chOff x="0" y="0"/>
+          <a:chExt cx="0" cy="0"/>
+        </a:xfrm>
+      </p:grpSpPr>
+      <p:sp>
+        <p:nvSpPr>
+          <p:cNvPr id="2" name="Title 1"/>
+          <p:cNvSpPr>
+            <a:spLocks noGrp="1"/>
+          </p:cNvSpPr>
+          <p:nvPr>
+            <p:ph type="title"/>
+          </p:nvPr>
+        </p:nvSpPr>
+        <p:spPr>
+          <a:xfrm>
+            <a:off x="913794" y="2126942"/>
+            <a:ext cx="10353763" cy="2511835"/>
+          </a:xfrm>
+        </p:spPr>
+        <p:txBody>
+          <a:bodyPr anchor="b"/>
+          <a:lstStyle>
+            <a:lvl1pPr>
+              <a:defRPr sz="3200"/>
+            </a:lvl1pPr>
+          </a:lstStyle>
+          <a:p>
+            <a:r>
+              <a:rPr lang="en-US"/>
+              <a:t>Click to edit Master title style</a:t>
+            </a:r>
+            <a:endParaRPr lang="en-US" dirty="0"/>
+          </a:p>
+        </p:txBody>
+      </p:sp>
+      <p:sp>
+        <p:nvSpPr>
+          <p:cNvPr id="4" name="Text Placeholder 3"/>
+          <p:cNvSpPr>
+            <a:spLocks noGrp="1"/>
+          </p:cNvSpPr>
+          <p:nvPr>
+            <p:ph type="body" sz="half" idx="2"/>
+          </p:nvPr>
+        </p:nvSpPr>
+        <p:spPr>
+          <a:xfrm>
+            <a:off x="913784" y="4650556"/>
+            <a:ext cx="10352199" cy="1140644"/>
+          </a:xfrm>
+        </p:spPr>
+        <p:txBody>
+          <a:bodyPr anchor="t"/>
+          <a:lstStyle>
+            <a:lvl1pPr marL="0" indent="0" algn="ctr">
+              <a:buNone/>
+              <a:defRPr sz="1600"/>
+            </a:lvl1pPr>
+            <a:lvl2pPr marL="457200" indent="0">
+              <a:buNone/>
+              <a:defRPr sz="1400"/>
+            </a:lvl2pPr>
+            <a:lvl3pPr marL="914400" indent="0">
+              <a:buNone/>
+              <a:defRPr sz="1200"/>
+            </a:lvl3pPr>
+            <a:lvl4pPr marL="1371600" indent="0">
+              <a:buNone/>
+              <a:defRPr sz="1000"/>
+            </a:lvl4pPr>
+            <a:lvl5pPr marL="1828800" indent="0">
+              <a:buNone/>
+              <a:defRPr sz="1000"/>
+            </a:lvl5pPr>
+            <a:lvl6pPr marL="2286000" indent="0">
+              <a:buNone/>
+              <a:defRPr sz="1000"/>
+            </a:lvl6pPr>
+            <a:lvl7pPr marL="2743200" indent="0">
+              <a:buNone/>
+              <a:defRPr sz="1000"/>
+            </a:lvl7pPr>
+            <a:lvl8pPr marL="3200400" indent="0">
+              <a:buNone/>
+              <a:defRPr sz="1000"/>
+            </a:lvl8pPr>
+            <a:lvl9pPr marL="3657600" indent="0">
+              <a:buNone/>
+              <a:defRPr sz="1000"/>
+            </a:lvl9pPr>
+          </a:lstStyle>
+          <a:p>
+            <a:pPr lvl="0"/>
+            <a:r>
+              <a:rPr lang="en-US"/>
+              <a:t>Edit Master text styles</a:t>
+            </a:r>
+          </a:p>
+        </p:txBody>
+      </p:sp>
+      <p:sp>
+        <p:nvSpPr>
+          <p:cNvPr id="5" name="Date Placeholder 4"/>
+          <p:cNvSpPr>
+            <a:spLocks noGrp="1"/>
+          </p:cNvSpPr>
+          <p:nvPr>
+            <p:ph type="dt" sz="half" idx="10"/>
+          </p:nvPr>
+        </p:nvSpPr>
+        <p:spPr/>
+        <p:txBody>
+          <a:bodyPr/>
+          <a:lstStyle/>
+          <a:p>
+            <a:fld id="{816A8EE7-6A8D-452B-B8C3-E64C291F1CAD}" type="datetimeFigureOut">
+              <a:rPr lang="en-US" smtClean="0"/>
+              <a:t>11/7/2018</a:t>
+            </a:fld>
+            <a:endParaRPr lang="en-US"/>
+          </a:p>
+        </p:txBody>
+      </p:sp>
+      <p:sp>
+        <p:nvSpPr>
+          <p:cNvPr id="6" name="Footer Placeholder 5"/>
+          <p:cNvSpPr>
+            <a:spLocks noGrp="1"/>
+          </p:cNvSpPr>
+          <p:nvPr>
+            <p:ph type="ftr" sz="quarter" idx="11"/>
+          </p:nvPr>
+        </p:nvSpPr>
+        <p:spPr/>
+        <p:txBody>
+          <a:bodyPr/>
+          <a:lstStyle/>
+          <a:p>
+            <a:endParaRPr lang="en-US"/>
+          </a:p>
+        </p:txBody>
+      </p:sp>
+      <p:sp>
+        <p:nvSpPr>
+          <p:cNvPr id="7" name="Slide Number Placeholder 6"/>
+          <p:cNvSpPr>
+            <a:spLocks noGrp="1"/>
+          </p:cNvSpPr>
+          <p:nvPr>
+            <p:ph type="sldNum" sz="quarter" idx="12"/>
+          </p:nvPr>
+        </p:nvSpPr>
+        <p:spPr/>
+        <p:txBody>
+          <a:bodyPr/>
+          <a:lstStyle/>
+          <a:p>
+            <a:fld id="{4F14C484-D775-4DEF-9039-D79CB7AEC713}" type="slidenum">
+              <a:rPr lang="en-US" smtClean="0"/>
+              <a:t>‹#›</a:t>
+            </a:fld>
+            <a:endParaRPr lang="en-US"/>
+          </a:p>
+        </p:txBody>
+      </p:sp>
+    </p:spTree>
+    <p:extLst>
+      <p:ext uri="{BB962C8B-B14F-4D97-AF65-F5344CB8AC3E}">
+        <p14:creationId xmlns:p14="http://schemas.microsoft.com/office/powerpoint/2010/main" val="3034183152"/>
+      </p:ext>
+    </p:extLst>
+  </p:cSld>
+  <p:clrMapOvr>
+    <a:masterClrMapping/>
+  </p:clrMapOvr>
+</p:sldLayout>
+</file>
+
+<file path=ppt/slideLayouts/slideLayout14.xml><?xml version="1.0" encoding="utf-8"?>
+<p:sldLayout xmlns:a="http://schemas.openxmlformats.org/drawingml/2006/main" xmlns:r="http://schemas.openxmlformats.org/officeDocument/2006/relationships" xmlns:p="http://schemas.openxmlformats.org/presentationml/2006/main" preserve="1">
+  <p:cSld name="3 Column">
+    <p:spTree>
+      <p:nvGrpSpPr>
+        <p:cNvPr id="1" name=""/>
+        <p:cNvGrpSpPr/>
+        <p:nvPr/>
+      </p:nvGrpSpPr>
+      <p:grpSpPr>
+        <a:xfrm>
+          <a:off x="0" y="0"/>
+          <a:ext cx="0" cy="0"/>
+          <a:chOff x="0" y="0"/>
+          <a:chExt cx="0" cy="0"/>
+        </a:xfrm>
+      </p:grpSpPr>
+      <p:sp>
+        <p:nvSpPr>
+          <p:cNvPr id="15" name="Title 1"/>
+          <p:cNvSpPr>
+            <a:spLocks noGrp="1"/>
+          </p:cNvSpPr>
+          <p:nvPr>
+            <p:ph type="title"/>
+          </p:nvPr>
+        </p:nvSpPr>
+        <p:spPr>
+          <a:xfrm>
+            <a:off x="913795" y="609600"/>
+            <a:ext cx="10353762" cy="970450"/>
+          </a:xfrm>
+        </p:spPr>
+        <p:txBody>
+          <a:bodyPr/>
+          <a:lstStyle/>
+          <a:p>
+            <a:r>
+              <a:rPr lang="en-US"/>
+              <a:t>Click to edit Master title style</a:t>
+            </a:r>
+            <a:endParaRPr lang="en-US" dirty="0"/>
+          </a:p>
+        </p:txBody>
+      </p:sp>
+      <p:sp>
+        <p:nvSpPr>
+          <p:cNvPr id="7" name="Text Placeholder 2"/>
+          <p:cNvSpPr>
+            <a:spLocks noGrp="1"/>
+          </p:cNvSpPr>
+          <p:nvPr>
+            <p:ph type="body" idx="1"/>
+          </p:nvPr>
+        </p:nvSpPr>
+        <p:spPr>
+          <a:xfrm>
+            <a:off x="913795" y="1885950"/>
+            <a:ext cx="3300984" cy="576262"/>
+          </a:xfrm>
+        </p:spPr>
+        <p:txBody>
+          <a:bodyPr anchor="b">
+            <a:noAutofit/>
+          </a:bodyPr>
+          <a:lstStyle>
+            <a:lvl1pPr marL="0" indent="0" algn="ctr">
+              <a:buNone/>
+              <a:defRPr sz="2400" b="0">
+                <a:solidFill>
+                  <a:schemeClr val="tx1"/>
+                </a:solidFill>
+              </a:defRPr>
+            </a:lvl1pPr>
+            <a:lvl2pPr marL="457200" indent="0">
+              <a:buNone/>
+              <a:defRPr sz="2000" b="1"/>
+            </a:lvl2pPr>
+            <a:lvl3pPr marL="914400" indent="0">
+              <a:buNone/>
+              <a:defRPr sz="1800" b="1"/>
+            </a:lvl3pPr>
+            <a:lvl4pPr marL="1371600" indent="0">
+              <a:buNone/>
+              <a:defRPr sz="1600" b="1"/>
+            </a:lvl4pPr>
+            <a:lvl5pPr marL="1828800" indent="0">
+              <a:buNone/>
+              <a:defRPr sz="1600" b="1"/>
+            </a:lvl5pPr>
+            <a:lvl6pPr marL="2286000" indent="0">
+              <a:buNone/>
+              <a:defRPr sz="1600" b="1"/>
+            </a:lvl6pPr>
+            <a:lvl7pPr marL="2743200" indent="0">
+              <a:buNone/>
+              <a:defRPr sz="1600" b="1"/>
+            </a:lvl7pPr>
+            <a:lvl8pPr marL="3200400" indent="0">
+              <a:buNone/>
+              <a:defRPr sz="1600" b="1"/>
+            </a:lvl8pPr>
+            <a:lvl9pPr marL="3657600" indent="0">
+              <a:buNone/>
+              <a:defRPr sz="1600" b="1"/>
+            </a:lvl9pPr>
+          </a:lstStyle>
+          <a:p>
+            <a:pPr lvl="0"/>
+            <a:r>
+              <a:rPr lang="en-US"/>
+              <a:t>Edit Master text styles</a:t>
+            </a:r>
+          </a:p>
+        </p:txBody>
+      </p:sp>
+      <p:sp>
+        <p:nvSpPr>
+          <p:cNvPr id="8" name="Text Placeholder 3"/>
+          <p:cNvSpPr>
+            <a:spLocks noGrp="1"/>
+          </p:cNvSpPr>
+          <p:nvPr>
+            <p:ph type="body" sz="half" idx="15"/>
+          </p:nvPr>
+        </p:nvSpPr>
+        <p:spPr>
+          <a:xfrm>
+            <a:off x="913795" y="2571750"/>
+            <a:ext cx="3300984" cy="3219450"/>
+          </a:xfrm>
+        </p:spPr>
+        <p:txBody>
+          <a:bodyPr anchor="t">
+            <a:normAutofit/>
+          </a:bodyPr>
+          <a:lstStyle>
+            <a:lvl1pPr marL="0" indent="0" algn="ctr">
+              <a:buNone/>
+              <a:defRPr sz="1400"/>
+            </a:lvl1pPr>
+            <a:lvl2pPr marL="457200" indent="0">
+              <a:buNone/>
+              <a:defRPr sz="1200"/>
+            </a:lvl2pPr>
+            <a:lvl3pPr marL="914400" indent="0">
+              <a:buNone/>
+              <a:defRPr sz="1000"/>
+            </a:lvl3pPr>
+            <a:lvl4pPr marL="1371600" indent="0">
+              <a:buNone/>
+              <a:defRPr sz="900"/>
+            </a:lvl4pPr>
+            <a:lvl5pPr marL="1828800" indent="0">
+              <a:buNone/>
+              <a:defRPr sz="900"/>
+            </a:lvl5pPr>
+            <a:lvl6pPr marL="2286000" indent="0">
+              <a:buNone/>
+              <a:defRPr sz="900"/>
+            </a:lvl6pPr>
+            <a:lvl7pPr marL="2743200" indent="0">
+              <a:buNone/>
+              <a:defRPr sz="900"/>
+            </a:lvl7pPr>
+            <a:lvl8pPr marL="3200400" indent="0">
+              <a:buNone/>
+              <a:defRPr sz="900"/>
+            </a:lvl8pPr>
+            <a:lvl9pPr marL="3657600" indent="0">
+              <a:buNone/>
+              <a:defRPr sz="900"/>
+            </a:lvl9pPr>
+          </a:lstStyle>
+          <a:p>
+            <a:pPr lvl="0"/>
+            <a:r>
+              <a:rPr lang="en-US"/>
+              <a:t>Edit Master text styles</a:t>
+            </a:r>
+          </a:p>
+        </p:txBody>
+      </p:sp>
+      <p:sp>
+        <p:nvSpPr>
+          <p:cNvPr id="9" name="Text Placeholder 4"/>
+          <p:cNvSpPr>
+            <a:spLocks noGrp="1"/>
+          </p:cNvSpPr>
+          <p:nvPr>
+            <p:ph type="body" sz="quarter" idx="3"/>
+          </p:nvPr>
+        </p:nvSpPr>
+        <p:spPr>
+          <a:xfrm>
+            <a:off x="4446711" y="1885950"/>
+            <a:ext cx="3300984" cy="576262"/>
+          </a:xfrm>
+        </p:spPr>
+        <p:txBody>
+          <a:bodyPr anchor="b">
+            <a:noAutofit/>
+          </a:bodyPr>
+          <a:lstStyle>
+            <a:lvl1pPr marL="0" indent="0" algn="ctr">
+              <a:buNone/>
+              <a:defRPr sz="2400" b="0">
+                <a:solidFill>
+                  <a:schemeClr val="tx1"/>
+                </a:solidFill>
+              </a:defRPr>
+            </a:lvl1pPr>
+            <a:lvl2pPr marL="457200" indent="0">
+              <a:buNone/>
+              <a:defRPr sz="2000" b="1"/>
+            </a:lvl2pPr>
+            <a:lvl3pPr marL="914400" indent="0">
+              <a:buNone/>
+              <a:defRPr sz="1800" b="1"/>
+            </a:lvl3pPr>
+            <a:lvl4pPr marL="1371600" indent="0">
+              <a:buNone/>
+              <a:defRPr sz="1600" b="1"/>
+            </a:lvl4pPr>
+            <a:lvl5pPr marL="1828800" indent="0">
+              <a:buNone/>
+              <a:defRPr sz="1600" b="1"/>
+            </a:lvl5pPr>
+            <a:lvl6pPr marL="2286000" indent="0">
+              <a:buNone/>
+              <a:defRPr sz="1600" b="1"/>
+            </a:lvl6pPr>
+            <a:lvl7pPr marL="2743200" indent="0">
+              <a:buNone/>
+              <a:defRPr sz="1600" b="1"/>
+            </a:lvl7pPr>
+            <a:lvl8pPr marL="3200400" indent="0">
+              <a:buNone/>
+              <a:defRPr sz="1600" b="1"/>
+            </a:lvl8pPr>
+            <a:lvl9pPr marL="3657600" indent="0">
+              <a:buNone/>
+              <a:defRPr sz="1600" b="1"/>
+            </a:lvl9pPr>
+          </a:lstStyle>
+          <a:p>
+            <a:pPr lvl="0"/>
+            <a:r>
+              <a:rPr lang="en-US"/>
+              <a:t>Edit Master text styles</a:t>
+            </a:r>
+          </a:p>
+        </p:txBody>
+      </p:sp>
+      <p:sp>
+        <p:nvSpPr>
+          <p:cNvPr id="10" name="Text Placeholder 3"/>
+          <p:cNvSpPr>
+            <a:spLocks noGrp="1"/>
+          </p:cNvSpPr>
+          <p:nvPr>
+            <p:ph type="body" sz="half" idx="16"/>
+          </p:nvPr>
+        </p:nvSpPr>
+        <p:spPr>
+          <a:xfrm>
+            <a:off x="4441435" y="2571750"/>
+            <a:ext cx="3300984" cy="3219450"/>
+          </a:xfrm>
+        </p:spPr>
+        <p:txBody>
+          <a:bodyPr anchor="t">
+            <a:normAutofit/>
+          </a:bodyPr>
+          <a:lstStyle>
+            <a:lvl1pPr marL="0" indent="0" algn="ctr">
+              <a:buNone/>
+              <a:defRPr sz="1400"/>
+            </a:lvl1pPr>
+            <a:lvl2pPr marL="457200" indent="0">
+              <a:buNone/>
+              <a:defRPr sz="1200"/>
+            </a:lvl2pPr>
+            <a:lvl3pPr marL="914400" indent="0">
+              <a:buNone/>
+              <a:defRPr sz="1000"/>
+            </a:lvl3pPr>
+            <a:lvl4pPr marL="1371600" indent="0">
+              <a:buNone/>
+              <a:defRPr sz="900"/>
+            </a:lvl4pPr>
+            <a:lvl5pPr marL="1828800" indent="0">
+              <a:buNone/>
+              <a:defRPr sz="900"/>
+            </a:lvl5pPr>
+            <a:lvl6pPr marL="2286000" indent="0">
+              <a:buNone/>
+              <a:defRPr sz="900"/>
+            </a:lvl6pPr>
+            <a:lvl7pPr marL="2743200" indent="0">
+              <a:buNone/>
+              <a:defRPr sz="900"/>
+            </a:lvl7pPr>
+            <a:lvl8pPr marL="3200400" indent="0">
+              <a:buNone/>
+              <a:defRPr sz="900"/>
+            </a:lvl8pPr>
+            <a:lvl9pPr marL="3657600" indent="0">
+              <a:buNone/>
+              <a:defRPr sz="900"/>
+            </a:lvl9pPr>
+          </a:lstStyle>
+          <a:p>
+            <a:pPr lvl="0"/>
+            <a:r>
+              <a:rPr lang="en-US"/>
+              <a:t>Edit Master text styles</a:t>
+            </a:r>
+          </a:p>
+        </p:txBody>
+      </p:sp>
+      <p:sp>
+        <p:nvSpPr>
+          <p:cNvPr id="11" name="Text Placeholder 4"/>
+          <p:cNvSpPr>
+            <a:spLocks noGrp="1"/>
+          </p:cNvSpPr>
+          <p:nvPr>
+            <p:ph type="body" sz="quarter" idx="13"/>
+          </p:nvPr>
+        </p:nvSpPr>
+        <p:spPr>
+          <a:xfrm>
+            <a:off x="7966572" y="1885950"/>
+            <a:ext cx="3300984" cy="576262"/>
+          </a:xfrm>
+        </p:spPr>
+        <p:txBody>
+          <a:bodyPr anchor="b">
+            <a:noAutofit/>
+          </a:bodyPr>
+          <a:lstStyle>
+            <a:lvl1pPr marL="0" indent="0" algn="ctr">
+              <a:buNone/>
+              <a:defRPr sz="2400" b="0">
+                <a:solidFill>
+                  <a:schemeClr val="tx1"/>
+                </a:solidFill>
+              </a:defRPr>
+            </a:lvl1pPr>
+            <a:lvl2pPr marL="457200" indent="0">
+              <a:buNone/>
+              <a:defRPr sz="2000" b="1"/>
+            </a:lvl2pPr>
+            <a:lvl3pPr marL="914400" indent="0">
+              <a:buNone/>
+              <a:defRPr sz="1800" b="1"/>
+            </a:lvl3pPr>
+            <a:lvl4pPr marL="1371600" indent="0">
+              <a:buNone/>
+              <a:defRPr sz="1600" b="1"/>
+            </a:lvl4pPr>
+            <a:lvl5pPr marL="1828800" indent="0">
+              <a:buNone/>
+              <a:defRPr sz="1600" b="1"/>
+            </a:lvl5pPr>
+            <a:lvl6pPr marL="2286000" indent="0">
+              <a:buNone/>
+              <a:defRPr sz="1600" b="1"/>
+            </a:lvl6pPr>
+            <a:lvl7pPr marL="2743200" indent="0">
+              <a:buNone/>
+              <a:defRPr sz="1600" b="1"/>
+            </a:lvl7pPr>
+            <a:lvl8pPr marL="3200400" indent="0">
+              <a:buNone/>
+              <a:defRPr sz="1600" b="1"/>
+            </a:lvl8pPr>
+            <a:lvl9pPr marL="3657600" indent="0">
+              <a:buNone/>
+              <a:defRPr sz="1600" b="1"/>
+            </a:lvl9pPr>
+          </a:lstStyle>
+          <a:p>
+            <a:pPr lvl="0"/>
+            <a:r>
+              <a:rPr lang="en-US"/>
+              <a:t>Edit Master text styles</a:t>
+            </a:r>
+          </a:p>
+        </p:txBody>
+      </p:sp>
+      <p:sp>
+        <p:nvSpPr>
+          <p:cNvPr id="12" name="Text Placeholder 3"/>
+          <p:cNvSpPr>
+            <a:spLocks noGrp="1"/>
+          </p:cNvSpPr>
+          <p:nvPr>
+            <p:ph type="body" sz="half" idx="17"/>
+          </p:nvPr>
+        </p:nvSpPr>
+        <p:spPr>
+          <a:xfrm>
+            <a:off x="7966572" y="2571750"/>
+            <a:ext cx="3300984" cy="3219450"/>
+          </a:xfrm>
+        </p:spPr>
+        <p:txBody>
+          <a:bodyPr anchor="t">
+            <a:normAutofit/>
+          </a:bodyPr>
+          <a:lstStyle>
+            <a:lvl1pPr marL="0" indent="0" algn="ctr">
+              <a:buNone/>
+              <a:defRPr sz="1400"/>
+            </a:lvl1pPr>
+            <a:lvl2pPr marL="457200" indent="0">
+              <a:buNone/>
+              <a:defRPr sz="1200"/>
+            </a:lvl2pPr>
+            <a:lvl3pPr marL="914400" indent="0">
+              <a:buNone/>
+              <a:defRPr sz="1000"/>
+            </a:lvl3pPr>
+            <a:lvl4pPr marL="1371600" indent="0">
+              <a:buNone/>
+              <a:defRPr sz="900"/>
+            </a:lvl4pPr>
+            <a:lvl5pPr marL="1828800" indent="0">
+              <a:buNone/>
+              <a:defRPr sz="900"/>
+            </a:lvl5pPr>
+            <a:lvl6pPr marL="2286000" indent="0">
+              <a:buNone/>
+              <a:defRPr sz="900"/>
+            </a:lvl6pPr>
+            <a:lvl7pPr marL="2743200" indent="0">
+              <a:buNone/>
+              <a:defRPr sz="900"/>
+            </a:lvl7pPr>
+            <a:lvl8pPr marL="3200400" indent="0">
+              <a:buNone/>
+              <a:defRPr sz="900"/>
+            </a:lvl8pPr>
+            <a:lvl9pPr marL="3657600" indent="0">
+              <a:buNone/>
+              <a:defRPr sz="900"/>
+            </a:lvl9pPr>
+          </a:lstStyle>
+          <a:p>
+            <a:pPr lvl="0"/>
+            <a:r>
+              <a:rPr lang="en-US"/>
+              <a:t>Edit Master text styles</a:t>
+            </a:r>
+          </a:p>
+        </p:txBody>
+      </p:sp>
+      <p:sp>
+        <p:nvSpPr>
+          <p:cNvPr id="3" name="Date Placeholder 2"/>
+          <p:cNvSpPr>
+            <a:spLocks noGrp="1"/>
+          </p:cNvSpPr>
+          <p:nvPr>
+            <p:ph type="dt" sz="half" idx="10"/>
+          </p:nvPr>
+        </p:nvSpPr>
+        <p:spPr/>
+        <p:txBody>
+          <a:bodyPr/>
+          <a:lstStyle/>
+          <a:p>
+            <a:fld id="{816A8EE7-6A8D-452B-B8C3-E64C291F1CAD}" type="datetimeFigureOut">
+              <a:rPr lang="en-US" smtClean="0"/>
+              <a:t>11/7/2018</a:t>
+            </a:fld>
+            <a:endParaRPr lang="en-US"/>
+          </a:p>
+        </p:txBody>
+      </p:sp>
+      <p:sp>
+        <p:nvSpPr>
+          <p:cNvPr id="4" name="Footer Placeholder 3"/>
+          <p:cNvSpPr>
+            <a:spLocks noGrp="1"/>
+          </p:cNvSpPr>
+          <p:nvPr>
+            <p:ph type="ftr" sz="quarter" idx="11"/>
+          </p:nvPr>
+        </p:nvSpPr>
+        <p:spPr/>
+        <p:txBody>
+          <a:bodyPr/>
+          <a:lstStyle/>
+          <a:p>
+            <a:endParaRPr lang="en-US"/>
+          </a:p>
+        </p:txBody>
+      </p:sp>
+      <p:sp>
+        <p:nvSpPr>
+          <p:cNvPr id="5" name="Slide Number Placeholder 4"/>
+          <p:cNvSpPr>
+            <a:spLocks noGrp="1"/>
+          </p:cNvSpPr>
+          <p:nvPr>
+            <p:ph type="sldNum" sz="quarter" idx="12"/>
+          </p:nvPr>
+        </p:nvSpPr>
+        <p:spPr/>
+        <p:txBody>
+          <a:bodyPr/>
+          <a:lstStyle/>
+          <a:p>
+            <a:fld id="{4F14C484-D775-4DEF-9039-D79CB7AEC713}" type="slidenum">
+              <a:rPr lang="en-US" smtClean="0"/>
+              <a:t>‹#›</a:t>
+            </a:fld>
+            <a:endParaRPr lang="en-US"/>
+          </a:p>
+        </p:txBody>
+      </p:sp>
+    </p:spTree>
+    <p:extLst>
+      <p:ext uri="{BB962C8B-B14F-4D97-AF65-F5344CB8AC3E}">
+        <p14:creationId xmlns:p14="http://schemas.microsoft.com/office/powerpoint/2010/main" val="3336768889"/>
+      </p:ext>
+    </p:extLst>
+  </p:cSld>
+  <p:clrMapOvr>
+    <a:masterClrMapping/>
+  </p:clrMapOvr>
+</p:sldLayout>
+</file>
+
+<file path=ppt/slideLayouts/slideLayout15.xml><?xml version="1.0" encoding="utf-8"?>
+<p:sldLayout xmlns:a="http://schemas.openxmlformats.org/drawingml/2006/main" xmlns:r="http://schemas.openxmlformats.org/officeDocument/2006/relationships" xmlns:p="http://schemas.openxmlformats.org/presentationml/2006/main" preserve="1">
+  <p:cSld name="3 Picture Column">
+    <p:spTree>
+      <p:nvGrpSpPr>
+        <p:cNvPr id="1" name=""/>
+        <p:cNvGrpSpPr/>
+        <p:nvPr/>
+      </p:nvGrpSpPr>
+      <p:grpSpPr>
+        <a:xfrm>
+          <a:off x="0" y="0"/>
+          <a:ext cx="0" cy="0"/>
+          <a:chOff x="0" y="0"/>
+          <a:chExt cx="0" cy="0"/>
+        </a:xfrm>
+      </p:grpSpPr>
+      <p:pic>
+        <p:nvPicPr>
+          <p:cNvPr id="2" name="Picture 1" descr="Slate-V2-HD-3colPhotoInset.png"/>
+          <p:cNvPicPr>
+            <a:picLocks noChangeAspect="1"/>
+          </p:cNvPicPr>
+          <p:nvPr/>
+        </p:nvPicPr>
+        <p:blipFill>
+          <a:blip r:embed="rId2">
+            <a:extLst>
+              <a:ext uri="{28A0092B-C50C-407E-A947-70E740481C1C}">
+                <a14:useLocalDpi xmlns:a14="http://schemas.microsoft.com/office/drawing/2010/main" val="0"/>
+              </a:ext>
+            </a:extLst>
+          </a:blip>
+          <a:stretch>
+            <a:fillRect/>
+          </a:stretch>
+        </p:blipFill>
+        <p:spPr>
+          <a:xfrm>
+            <a:off x="897962" y="1818214"/>
+            <a:ext cx="3339972" cy="1847851"/>
+          </a:xfrm>
+          <a:prstGeom prst="rect">
+            <a:avLst/>
+          </a:prstGeom>
+        </p:spPr>
+      </p:pic>
+      <p:pic>
+        <p:nvPicPr>
+          <p:cNvPr id="36" name="Picture 35" descr="Slate-V2-HD-3colPhotoInset.png"/>
+          <p:cNvPicPr>
+            <a:picLocks noChangeAspect="1"/>
+          </p:cNvPicPr>
+          <p:nvPr/>
+        </p:nvPicPr>
+        <p:blipFill>
+          <a:blip r:embed="rId2">
+            <a:extLst>
+              <a:ext uri="{28A0092B-C50C-407E-A947-70E740481C1C}">
+                <a14:useLocalDpi xmlns:a14="http://schemas.microsoft.com/office/drawing/2010/main" val="0"/>
+              </a:ext>
+            </a:extLst>
+          </a:blip>
+          <a:stretch>
+            <a:fillRect/>
+          </a:stretch>
+        </p:blipFill>
+        <p:spPr>
+          <a:xfrm>
+            <a:off x="4403800" y="1818214"/>
+            <a:ext cx="3339972" cy="1847851"/>
+          </a:xfrm>
+          <a:prstGeom prst="rect">
+            <a:avLst/>
+          </a:prstGeom>
+        </p:spPr>
+      </p:pic>
+      <p:pic>
+        <p:nvPicPr>
+          <p:cNvPr id="37" name="Picture 36" descr="Slate-V2-HD-3colPhotoInset.png"/>
+          <p:cNvPicPr>
+            <a:picLocks noChangeAspect="1"/>
+          </p:cNvPicPr>
+          <p:nvPr/>
+        </p:nvPicPr>
+        <p:blipFill>
+          <a:blip r:embed="rId2">
+            <a:extLst>
+              <a:ext uri="{28A0092B-C50C-407E-A947-70E740481C1C}">
+                <a14:useLocalDpi xmlns:a14="http://schemas.microsoft.com/office/drawing/2010/main" val="0"/>
+              </a:ext>
+            </a:extLst>
+          </a:blip>
+          <a:stretch>
+            <a:fillRect/>
+          </a:stretch>
+        </p:blipFill>
+        <p:spPr>
+          <a:xfrm>
+            <a:off x="7936051" y="1818214"/>
+            <a:ext cx="3339972" cy="1847851"/>
+          </a:xfrm>
+          <a:prstGeom prst="rect">
+            <a:avLst/>
+          </a:prstGeom>
+        </p:spPr>
+      </p:pic>
+      <p:sp>
+        <p:nvSpPr>
+          <p:cNvPr id="30" name="Title 1"/>
+          <p:cNvSpPr>
+            <a:spLocks noGrp="1"/>
+          </p:cNvSpPr>
+          <p:nvPr>
+            <p:ph type="title"/>
+          </p:nvPr>
+        </p:nvSpPr>
+        <p:spPr>
+          <a:xfrm>
+            <a:off x="913794" y="609600"/>
+            <a:ext cx="10353763" cy="970450"/>
+          </a:xfrm>
+        </p:spPr>
+        <p:txBody>
+          <a:bodyPr/>
+          <a:lstStyle/>
+          <a:p>
+            <a:r>
+              <a:rPr lang="en-US"/>
+              <a:t>Click to edit Master title style</a:t>
+            </a:r>
+            <a:endParaRPr lang="en-US" dirty="0"/>
+          </a:p>
+        </p:txBody>
+      </p:sp>
+      <p:sp>
+        <p:nvSpPr>
+          <p:cNvPr id="19" name="Text Placeholder 2"/>
+          <p:cNvSpPr>
+            <a:spLocks noGrp="1"/>
+          </p:cNvSpPr>
+          <p:nvPr>
+            <p:ph type="body" idx="1"/>
+          </p:nvPr>
+        </p:nvSpPr>
+        <p:spPr>
+          <a:xfrm>
+            <a:off x="913795" y="3904106"/>
+            <a:ext cx="3300984" cy="576262"/>
+          </a:xfrm>
+        </p:spPr>
+        <p:txBody>
+          <a:bodyPr anchor="b">
+            <a:noAutofit/>
+          </a:bodyPr>
+          <a:lstStyle>
+            <a:lvl1pPr marL="0" indent="0" algn="ctr">
+              <a:buNone/>
+              <a:defRPr sz="2000" b="0">
+                <a:solidFill>
+                  <a:schemeClr val="tx1"/>
+                </a:solidFill>
+              </a:defRPr>
+            </a:lvl1pPr>
+            <a:lvl2pPr marL="457200" indent="0">
+              <a:buNone/>
+              <a:defRPr sz="2000" b="1"/>
+            </a:lvl2pPr>
+            <a:lvl3pPr marL="914400" indent="0">
+              <a:buNone/>
+              <a:defRPr sz="1800" b="1"/>
+            </a:lvl3pPr>
+            <a:lvl4pPr marL="1371600" indent="0">
+              <a:buNone/>
+              <a:defRPr sz="1600" b="1"/>
+            </a:lvl4pPr>
+            <a:lvl5pPr marL="1828800" indent="0">
+              <a:buNone/>
+              <a:defRPr sz="1600" b="1"/>
+            </a:lvl5pPr>
+            <a:lvl6pPr marL="2286000" indent="0">
+              <a:buNone/>
+              <a:defRPr sz="1600" b="1"/>
+            </a:lvl6pPr>
+            <a:lvl7pPr marL="2743200" indent="0">
+              <a:buNone/>
+              <a:defRPr sz="1600" b="1"/>
+            </a:lvl7pPr>
+            <a:lvl8pPr marL="3200400" indent="0">
+              <a:buNone/>
+              <a:defRPr sz="1600" b="1"/>
+            </a:lvl8pPr>
+            <a:lvl9pPr marL="3657600" indent="0">
+              <a:buNone/>
+              <a:defRPr sz="1600" b="1"/>
+            </a:lvl9pPr>
+          </a:lstStyle>
+          <a:p>
+            <a:pPr lvl="0"/>
+            <a:r>
+              <a:rPr lang="en-US"/>
+              <a:t>Edit Master text styles</a:t>
+            </a:r>
+          </a:p>
+        </p:txBody>
+      </p:sp>
+      <p:sp>
+        <p:nvSpPr>
+          <p:cNvPr id="20" name="Picture Placeholder 2"/>
+          <p:cNvSpPr>
+            <a:spLocks noGrp="1" noChangeAspect="1"/>
+          </p:cNvSpPr>
+          <p:nvPr>
+            <p:ph type="pic" idx="15"/>
+          </p:nvPr>
+        </p:nvSpPr>
+        <p:spPr>
+          <a:xfrm>
+            <a:off x="1018102" y="1938918"/>
+            <a:ext cx="3092368" cy="1602954"/>
+          </a:xfrm>
+          <a:prstGeom prst="roundRect">
+            <a:avLst>
+              <a:gd name="adj" fmla="val 1858"/>
+            </a:avLst>
+          </a:prstGeom>
+          <a:effectLst>
+            <a:outerShdw blurRad="38100" dist="25400" dir="4440000">
+              <a:srgbClr val="000000">
+                <a:alpha val="36000"/>
+              </a:srgbClr>
+            </a:outerShdw>
+          </a:effectLst>
+        </p:spPr>
+        <p:txBody>
+          <a:bodyPr anchor="t">
+            <a:normAutofit/>
+          </a:bodyPr>
+          <a:lstStyle>
+            <a:lvl1pPr marL="0" indent="0" algn="ctr">
+              <a:buNone/>
+              <a:defRPr sz="1600"/>
+            </a:lvl1pPr>
+            <a:lvl2pPr marL="457200" indent="0">
+              <a:buNone/>
+              <a:defRPr sz="1600"/>
+            </a:lvl2pPr>
+            <a:lvl3pPr marL="914400" indent="0">
+              <a:buNone/>
+              <a:defRPr sz="1600"/>
+            </a:lvl3pPr>
+            <a:lvl4pPr marL="1371600" indent="0">
+              <a:buNone/>
+              <a:defRPr sz="1600"/>
+            </a:lvl4pPr>
+            <a:lvl5pPr marL="1828800" indent="0">
+              <a:buNone/>
+              <a:defRPr sz="1600"/>
+            </a:lvl5pPr>
+            <a:lvl6pPr marL="2286000" indent="0">
+              <a:buNone/>
+              <a:defRPr sz="1600"/>
+            </a:lvl6pPr>
+            <a:lvl7pPr marL="2743200" indent="0">
+              <a:buNone/>
+              <a:defRPr sz="1600"/>
+            </a:lvl7pPr>
+            <a:lvl8pPr marL="3200400" indent="0">
+              <a:buNone/>
+              <a:defRPr sz="1600"/>
+            </a:lvl8pPr>
+            <a:lvl9pPr marL="3657600" indent="0">
+              <a:buNone/>
+              <a:defRPr sz="1600"/>
+            </a:lvl9pPr>
+          </a:lstStyle>
+          <a:p>
+            <a:r>
+              <a:rPr lang="en-US"/>
+              <a:t>Click icon to add picture</a:t>
+            </a:r>
+            <a:endParaRPr lang="en-US" dirty="0"/>
+          </a:p>
+        </p:txBody>
+      </p:sp>
+      <p:sp>
+        <p:nvSpPr>
+          <p:cNvPr id="21" name="Text Placeholder 3"/>
+          <p:cNvSpPr>
+            <a:spLocks noGrp="1"/>
+          </p:cNvSpPr>
+          <p:nvPr>
+            <p:ph type="body" sz="half" idx="18"/>
+          </p:nvPr>
+        </p:nvSpPr>
+        <p:spPr>
+          <a:xfrm>
+            <a:off x="913795" y="4480368"/>
+            <a:ext cx="3300984" cy="1310833"/>
+          </a:xfrm>
+        </p:spPr>
+        <p:txBody>
+          <a:bodyPr anchor="t">
+            <a:normAutofit/>
+          </a:bodyPr>
+          <a:lstStyle>
+            <a:lvl1pPr marL="0" indent="0" algn="ctr">
+              <a:buNone/>
+              <a:defRPr sz="1400"/>
+            </a:lvl1pPr>
+            <a:lvl2pPr marL="457200" indent="0">
+              <a:buNone/>
+              <a:defRPr sz="1200"/>
+            </a:lvl2pPr>
+            <a:lvl3pPr marL="914400" indent="0">
+              <a:buNone/>
+              <a:defRPr sz="1000"/>
+            </a:lvl3pPr>
+            <a:lvl4pPr marL="1371600" indent="0">
+              <a:buNone/>
+              <a:defRPr sz="900"/>
+            </a:lvl4pPr>
+            <a:lvl5pPr marL="1828800" indent="0">
+              <a:buNone/>
+              <a:defRPr sz="900"/>
+            </a:lvl5pPr>
+            <a:lvl6pPr marL="2286000" indent="0">
+              <a:buNone/>
+              <a:defRPr sz="900"/>
+            </a:lvl6pPr>
+            <a:lvl7pPr marL="2743200" indent="0">
+              <a:buNone/>
+              <a:defRPr sz="900"/>
+            </a:lvl7pPr>
+            <a:lvl8pPr marL="3200400" indent="0">
+              <a:buNone/>
+              <a:defRPr sz="900"/>
+            </a:lvl8pPr>
+            <a:lvl9pPr marL="3657600" indent="0">
+              <a:buNone/>
+              <a:defRPr sz="900"/>
+            </a:lvl9pPr>
+          </a:lstStyle>
+          <a:p>
+            <a:pPr lvl="0"/>
+            <a:r>
+              <a:rPr lang="en-US"/>
+              <a:t>Edit Master text styles</a:t>
+            </a:r>
+          </a:p>
+        </p:txBody>
+      </p:sp>
+      <p:sp>
+        <p:nvSpPr>
+          <p:cNvPr id="22" name="Text Placeholder 4"/>
+          <p:cNvSpPr>
+            <a:spLocks noGrp="1"/>
+          </p:cNvSpPr>
+          <p:nvPr>
+            <p:ph type="body" sz="quarter" idx="3"/>
+          </p:nvPr>
+        </p:nvSpPr>
+        <p:spPr>
+          <a:xfrm>
+            <a:off x="4442788" y="3904106"/>
+            <a:ext cx="3300984" cy="576262"/>
+          </a:xfrm>
+        </p:spPr>
+        <p:txBody>
+          <a:bodyPr anchor="b">
+            <a:noAutofit/>
+          </a:bodyPr>
+          <a:lstStyle>
+            <a:lvl1pPr marL="0" indent="0" algn="ctr">
+              <a:buNone/>
+              <a:defRPr sz="2000" b="0">
+                <a:solidFill>
+                  <a:schemeClr val="tx1"/>
+                </a:solidFill>
+              </a:defRPr>
+            </a:lvl1pPr>
+            <a:lvl2pPr marL="457200" indent="0">
+              <a:buNone/>
+              <a:defRPr sz="2000" b="1"/>
+            </a:lvl2pPr>
+            <a:lvl3pPr marL="914400" indent="0">
+              <a:buNone/>
+              <a:defRPr sz="1800" b="1"/>
+            </a:lvl3pPr>
+            <a:lvl4pPr marL="1371600" indent="0">
+              <a:buNone/>
+              <a:defRPr sz="1600" b="1"/>
+            </a:lvl4pPr>
+            <a:lvl5pPr marL="1828800" indent="0">
+              <a:buNone/>
+              <a:defRPr sz="1600" b="1"/>
+            </a:lvl5pPr>
+            <a:lvl6pPr marL="2286000" indent="0">
+              <a:buNone/>
+              <a:defRPr sz="1600" b="1"/>
+            </a:lvl6pPr>
+            <a:lvl7pPr marL="2743200" indent="0">
+              <a:buNone/>
+              <a:defRPr sz="1600" b="1"/>
+            </a:lvl7pPr>
+            <a:lvl8pPr marL="3200400" indent="0">
+              <a:buNone/>
+              <a:defRPr sz="1600" b="1"/>
+            </a:lvl8pPr>
+            <a:lvl9pPr marL="3657600" indent="0">
+              <a:buNone/>
+              <a:defRPr sz="1600" b="1"/>
+            </a:lvl9pPr>
+          </a:lstStyle>
+          <a:p>
+            <a:pPr lvl="0"/>
+            <a:r>
+              <a:rPr lang="en-US"/>
+              <a:t>Edit Master text styles</a:t>
+            </a:r>
+          </a:p>
+        </p:txBody>
+      </p:sp>
+      <p:sp>
+        <p:nvSpPr>
+          <p:cNvPr id="23" name="Picture Placeholder 2"/>
+          <p:cNvSpPr>
+            <a:spLocks noGrp="1" noChangeAspect="1"/>
+          </p:cNvSpPr>
+          <p:nvPr>
+            <p:ph type="pic" idx="21"/>
+          </p:nvPr>
+        </p:nvSpPr>
+        <p:spPr>
+          <a:xfrm>
+            <a:off x="4545743" y="1939094"/>
+            <a:ext cx="3092368" cy="1608164"/>
+          </a:xfrm>
+          <a:prstGeom prst="roundRect">
+            <a:avLst>
+              <a:gd name="adj" fmla="val 1858"/>
+            </a:avLst>
+          </a:prstGeom>
+          <a:effectLst>
+            <a:outerShdw blurRad="38100" dist="25400" dir="4440000">
+              <a:srgbClr val="000000">
+                <a:alpha val="36000"/>
+              </a:srgbClr>
+            </a:outerShdw>
+          </a:effectLst>
+        </p:spPr>
+        <p:txBody>
+          <a:bodyPr anchor="t">
+            <a:normAutofit/>
+          </a:bodyPr>
+          <a:lstStyle>
+            <a:lvl1pPr marL="0" indent="0" algn="ctr">
+              <a:buNone/>
+              <a:defRPr sz="1600"/>
+            </a:lvl1pPr>
+            <a:lvl2pPr marL="457200" indent="0">
+              <a:buNone/>
+              <a:defRPr sz="1600"/>
+            </a:lvl2pPr>
+            <a:lvl3pPr marL="914400" indent="0">
+              <a:buNone/>
+              <a:defRPr sz="1600"/>
+            </a:lvl3pPr>
+            <a:lvl4pPr marL="1371600" indent="0">
+              <a:buNone/>
+              <a:defRPr sz="1600"/>
+            </a:lvl4pPr>
+            <a:lvl5pPr marL="1828800" indent="0">
+              <a:buNone/>
+              <a:defRPr sz="1600"/>
+            </a:lvl5pPr>
+            <a:lvl6pPr marL="2286000" indent="0">
+              <a:buNone/>
+              <a:defRPr sz="1600"/>
+            </a:lvl6pPr>
+            <a:lvl7pPr marL="2743200" indent="0">
+              <a:buNone/>
+              <a:defRPr sz="1600"/>
+            </a:lvl7pPr>
+            <a:lvl8pPr marL="3200400" indent="0">
+              <a:buNone/>
+              <a:defRPr sz="1600"/>
+            </a:lvl8pPr>
+            <a:lvl9pPr marL="3657600" indent="0">
+              <a:buNone/>
+              <a:defRPr sz="1600"/>
+            </a:lvl9pPr>
+          </a:lstStyle>
+          <a:p>
+            <a:r>
+              <a:rPr lang="en-US"/>
+              <a:t>Click icon to add picture</a:t>
+            </a:r>
+            <a:endParaRPr lang="en-US" dirty="0"/>
+          </a:p>
+        </p:txBody>
+      </p:sp>
+      <p:sp>
+        <p:nvSpPr>
+          <p:cNvPr id="24" name="Text Placeholder 3"/>
+          <p:cNvSpPr>
+            <a:spLocks noGrp="1"/>
+          </p:cNvSpPr>
+          <p:nvPr>
+            <p:ph type="body" sz="half" idx="19"/>
+          </p:nvPr>
+        </p:nvSpPr>
+        <p:spPr>
+          <a:xfrm>
+            <a:off x="4441435" y="4480367"/>
+            <a:ext cx="3300984" cy="1310833"/>
+          </a:xfrm>
+        </p:spPr>
+        <p:txBody>
+          <a:bodyPr anchor="t">
+            <a:normAutofit/>
+          </a:bodyPr>
+          <a:lstStyle>
+            <a:lvl1pPr marL="0" indent="0" algn="ctr">
+              <a:buNone/>
+              <a:defRPr sz="1400"/>
+            </a:lvl1pPr>
+            <a:lvl2pPr marL="457200" indent="0">
+              <a:buNone/>
+              <a:defRPr sz="1200"/>
+            </a:lvl2pPr>
+            <a:lvl3pPr marL="914400" indent="0">
+              <a:buNone/>
+              <a:defRPr sz="1000"/>
+            </a:lvl3pPr>
+            <a:lvl4pPr marL="1371600" indent="0">
+              <a:buNone/>
+              <a:defRPr sz="900"/>
+            </a:lvl4pPr>
+            <a:lvl5pPr marL="1828800" indent="0">
+              <a:buNone/>
+              <a:defRPr sz="900"/>
+            </a:lvl5pPr>
+            <a:lvl6pPr marL="2286000" indent="0">
+              <a:buNone/>
+              <a:defRPr sz="900"/>
+            </a:lvl6pPr>
+            <a:lvl7pPr marL="2743200" indent="0">
+              <a:buNone/>
+              <a:defRPr sz="900"/>
+            </a:lvl7pPr>
+            <a:lvl8pPr marL="3200400" indent="0">
+              <a:buNone/>
+              <a:defRPr sz="900"/>
+            </a:lvl8pPr>
+            <a:lvl9pPr marL="3657600" indent="0">
+              <a:buNone/>
+              <a:defRPr sz="900"/>
+            </a:lvl9pPr>
+          </a:lstStyle>
+          <a:p>
+            <a:pPr lvl="0"/>
+            <a:r>
+              <a:rPr lang="en-US"/>
+              <a:t>Edit Master text styles</a:t>
+            </a:r>
+          </a:p>
+        </p:txBody>
+      </p:sp>
+      <p:sp>
+        <p:nvSpPr>
+          <p:cNvPr id="25" name="Text Placeholder 4"/>
+          <p:cNvSpPr>
+            <a:spLocks noGrp="1"/>
+          </p:cNvSpPr>
+          <p:nvPr>
+            <p:ph type="body" sz="quarter" idx="13"/>
+          </p:nvPr>
+        </p:nvSpPr>
+        <p:spPr>
+          <a:xfrm>
+            <a:off x="7966697" y="3904106"/>
+            <a:ext cx="3300984" cy="576262"/>
+          </a:xfrm>
+        </p:spPr>
+        <p:txBody>
+          <a:bodyPr anchor="b">
+            <a:noAutofit/>
+          </a:bodyPr>
+          <a:lstStyle>
+            <a:lvl1pPr marL="0" indent="0" algn="ctr">
+              <a:buNone/>
+              <a:defRPr sz="2000" b="0">
+                <a:solidFill>
+                  <a:schemeClr val="tx1"/>
+                </a:solidFill>
+              </a:defRPr>
+            </a:lvl1pPr>
+            <a:lvl2pPr marL="457200" indent="0">
+              <a:buNone/>
+              <a:defRPr sz="2000" b="1"/>
+            </a:lvl2pPr>
+            <a:lvl3pPr marL="914400" indent="0">
+              <a:buNone/>
+              <a:defRPr sz="1800" b="1"/>
+            </a:lvl3pPr>
+            <a:lvl4pPr marL="1371600" indent="0">
+              <a:buNone/>
+              <a:defRPr sz="1600" b="1"/>
+            </a:lvl4pPr>
+            <a:lvl5pPr marL="1828800" indent="0">
+              <a:buNone/>
+              <a:defRPr sz="1600" b="1"/>
+            </a:lvl5pPr>
+            <a:lvl6pPr marL="2286000" indent="0">
+              <a:buNone/>
+              <a:defRPr sz="1600" b="1"/>
+            </a:lvl6pPr>
+            <a:lvl7pPr marL="2743200" indent="0">
+              <a:buNone/>
+              <a:defRPr sz="1600" b="1"/>
+            </a:lvl7pPr>
+            <a:lvl8pPr marL="3200400" indent="0">
+              <a:buNone/>
+              <a:defRPr sz="1600" b="1"/>
+            </a:lvl8pPr>
+            <a:lvl9pPr marL="3657600" indent="0">
+              <a:buNone/>
+              <a:defRPr sz="1600" b="1"/>
+            </a:lvl9pPr>
+          </a:lstStyle>
+          <a:p>
+            <a:pPr lvl="0"/>
+            <a:r>
+              <a:rPr lang="en-US"/>
+              <a:t>Edit Master text styles</a:t>
+            </a:r>
+          </a:p>
+        </p:txBody>
+      </p:sp>
+      <p:sp>
+        <p:nvSpPr>
+          <p:cNvPr id="26" name="Picture Placeholder 2"/>
+          <p:cNvSpPr>
+            <a:spLocks noGrp="1" noChangeAspect="1"/>
+          </p:cNvSpPr>
+          <p:nvPr>
+            <p:ph type="pic" idx="22"/>
+          </p:nvPr>
+        </p:nvSpPr>
+        <p:spPr>
+          <a:xfrm>
+            <a:off x="8075698" y="1934432"/>
+            <a:ext cx="3092368" cy="1607294"/>
+          </a:xfrm>
+          <a:prstGeom prst="roundRect">
+            <a:avLst>
+              <a:gd name="adj" fmla="val 1858"/>
+            </a:avLst>
+          </a:prstGeom>
+          <a:effectLst>
+            <a:outerShdw blurRad="38100" dist="25400" dir="4440000">
+              <a:srgbClr val="000000">
+                <a:alpha val="36000"/>
+              </a:srgbClr>
+            </a:outerShdw>
+          </a:effectLst>
+        </p:spPr>
+        <p:txBody>
+          <a:bodyPr anchor="t">
+            <a:normAutofit/>
+          </a:bodyPr>
+          <a:lstStyle>
+            <a:lvl1pPr marL="0" indent="0" algn="ctr">
+              <a:buNone/>
+              <a:defRPr sz="1600"/>
+            </a:lvl1pPr>
+            <a:lvl2pPr marL="457200" indent="0">
+              <a:buNone/>
+              <a:defRPr sz="1600"/>
+            </a:lvl2pPr>
+            <a:lvl3pPr marL="914400" indent="0">
+              <a:buNone/>
+              <a:defRPr sz="1600"/>
+            </a:lvl3pPr>
+            <a:lvl4pPr marL="1371600" indent="0">
+              <a:buNone/>
+              <a:defRPr sz="1600"/>
+            </a:lvl4pPr>
+            <a:lvl5pPr marL="1828800" indent="0">
+              <a:buNone/>
+              <a:defRPr sz="1600"/>
+            </a:lvl5pPr>
+            <a:lvl6pPr marL="2286000" indent="0">
+              <a:buNone/>
+              <a:defRPr sz="1600"/>
+            </a:lvl6pPr>
+            <a:lvl7pPr marL="2743200" indent="0">
+              <a:buNone/>
+              <a:defRPr sz="1600"/>
+            </a:lvl7pPr>
+            <a:lvl8pPr marL="3200400" indent="0">
+              <a:buNone/>
+              <a:defRPr sz="1600"/>
+            </a:lvl8pPr>
+            <a:lvl9pPr marL="3657600" indent="0">
+              <a:buNone/>
+              <a:defRPr sz="1600"/>
+            </a:lvl9pPr>
+          </a:lstStyle>
+          <a:p>
+            <a:r>
+              <a:rPr lang="en-US"/>
+              <a:t>Click icon to add picture</a:t>
+            </a:r>
+            <a:endParaRPr lang="en-US" dirty="0"/>
+          </a:p>
+        </p:txBody>
+      </p:sp>
+      <p:sp>
+        <p:nvSpPr>
+          <p:cNvPr id="27" name="Text Placeholder 3"/>
+          <p:cNvSpPr>
+            <a:spLocks noGrp="1"/>
+          </p:cNvSpPr>
+          <p:nvPr>
+            <p:ph type="body" sz="half" idx="20"/>
+          </p:nvPr>
+        </p:nvSpPr>
+        <p:spPr>
+          <a:xfrm>
+            <a:off x="7966572" y="4480365"/>
+            <a:ext cx="3300984" cy="1310835"/>
+          </a:xfrm>
+        </p:spPr>
+        <p:txBody>
+          <a:bodyPr anchor="t">
+            <a:normAutofit/>
+          </a:bodyPr>
+          <a:lstStyle>
+            <a:lvl1pPr marL="0" indent="0" algn="ctr">
+              <a:buNone/>
+              <a:defRPr sz="1400"/>
+            </a:lvl1pPr>
+            <a:lvl2pPr marL="457200" indent="0">
+              <a:buNone/>
+              <a:defRPr sz="1200"/>
+            </a:lvl2pPr>
+            <a:lvl3pPr marL="914400" indent="0">
+              <a:buNone/>
+              <a:defRPr sz="1000"/>
+            </a:lvl3pPr>
+            <a:lvl4pPr marL="1371600" indent="0">
+              <a:buNone/>
+              <a:defRPr sz="900"/>
+            </a:lvl4pPr>
+            <a:lvl5pPr marL="1828800" indent="0">
+              <a:buNone/>
+              <a:defRPr sz="900"/>
+            </a:lvl5pPr>
+            <a:lvl6pPr marL="2286000" indent="0">
+              <a:buNone/>
+              <a:defRPr sz="900"/>
+            </a:lvl6pPr>
+            <a:lvl7pPr marL="2743200" indent="0">
+              <a:buNone/>
+              <a:defRPr sz="900"/>
+            </a:lvl7pPr>
+            <a:lvl8pPr marL="3200400" indent="0">
+              <a:buNone/>
+              <a:defRPr sz="900"/>
+            </a:lvl8pPr>
+            <a:lvl9pPr marL="3657600" indent="0">
+              <a:buNone/>
+              <a:defRPr sz="900"/>
+            </a:lvl9pPr>
+          </a:lstStyle>
+          <a:p>
+            <a:pPr lvl="0"/>
+            <a:r>
+              <a:rPr lang="en-US"/>
+              <a:t>Edit Master text styles</a:t>
+            </a:r>
+          </a:p>
+        </p:txBody>
+      </p:sp>
+      <p:sp>
+        <p:nvSpPr>
+          <p:cNvPr id="3" name="Date Placeholder 2"/>
+          <p:cNvSpPr>
+            <a:spLocks noGrp="1"/>
+          </p:cNvSpPr>
+          <p:nvPr>
+            <p:ph type="dt" sz="half" idx="10"/>
+          </p:nvPr>
+        </p:nvSpPr>
+        <p:spPr/>
+        <p:txBody>
+          <a:bodyPr/>
+          <a:lstStyle/>
+          <a:p>
+            <a:fld id="{816A8EE7-6A8D-452B-B8C3-E64C291F1CAD}" type="datetimeFigureOut">
+              <a:rPr lang="en-US" smtClean="0"/>
+              <a:t>11/7/2018</a:t>
+            </a:fld>
+            <a:endParaRPr lang="en-US"/>
+          </a:p>
+        </p:txBody>
+      </p:sp>
+      <p:sp>
+        <p:nvSpPr>
+          <p:cNvPr id="4" name="Footer Placeholder 3"/>
+          <p:cNvSpPr>
+            <a:spLocks noGrp="1"/>
+          </p:cNvSpPr>
+          <p:nvPr>
+            <p:ph type="ftr" sz="quarter" idx="11"/>
+          </p:nvPr>
+        </p:nvSpPr>
+        <p:spPr/>
+        <p:txBody>
+          <a:bodyPr/>
+          <a:lstStyle/>
+          <a:p>
+            <a:endParaRPr lang="en-US"/>
+          </a:p>
+        </p:txBody>
+      </p:sp>
+      <p:sp>
+        <p:nvSpPr>
+          <p:cNvPr id="5" name="Slide Number Placeholder 4"/>
+          <p:cNvSpPr>
+            <a:spLocks noGrp="1"/>
+          </p:cNvSpPr>
+          <p:nvPr>
+            <p:ph type="sldNum" sz="quarter" idx="12"/>
+          </p:nvPr>
+        </p:nvSpPr>
+        <p:spPr/>
+        <p:txBody>
+          <a:bodyPr/>
+          <a:lstStyle/>
+          <a:p>
+            <a:fld id="{4F14C484-D775-4DEF-9039-D79CB7AEC713}" type="slidenum">
+              <a:rPr lang="en-US" smtClean="0"/>
+              <a:t>‹#›</a:t>
+            </a:fld>
+            <a:endParaRPr lang="en-US"/>
+          </a:p>
+        </p:txBody>
+      </p:sp>
+    </p:spTree>
+    <p:extLst>
+      <p:ext uri="{BB962C8B-B14F-4D97-AF65-F5344CB8AC3E}">
+        <p14:creationId xmlns:p14="http://schemas.microsoft.com/office/powerpoint/2010/main" val="3763110188"/>
+      </p:ext>
+    </p:extLst>
+  </p:cSld>
+  <p:clrMapOvr>
+    <a:masterClrMapping/>
+  </p:clrMapOvr>
+</p:sldLayout>
+</file>
+
+<file path=ppt/slideLayouts/slideLayout16.xml><?xml version="1.0" encoding="utf-8"?>
 <p:sldLayout xmlns:a="http://schemas.openxmlformats.org/drawingml/2006/main" xmlns:r="http://schemas.openxmlformats.org/officeDocument/2006/relationships" xmlns:p="http://schemas.openxmlformats.org/presentationml/2006/main" type="vertTx" preserve="1">
   <p:cSld name="Title and Vertical Text">
     <p:spTree>
@@ -351,6 +2984,7 @@
               <a:rPr lang="en-US"/>
               <a:t>Click to edit Master title style</a:t>
             </a:r>
+            <a:endParaRPr lang="en-US" dirty="0"/>
           </a:p>
         </p:txBody>
       </p:sp>
@@ -366,7 +3000,7 @@
         </p:nvSpPr>
         <p:spPr/>
         <p:txBody>
-          <a:bodyPr vert="eaVert"/>
+          <a:bodyPr vert="eaVert" anchor="t"/>
           <a:lstStyle/>
           <a:p>
             <a:pPr lvl="0"/>
@@ -402,6 +3036,7 @@
               <a:rPr lang="en-US"/>
               <a:t>Fifth level</a:t>
             </a:r>
+            <a:endParaRPr lang="en-US" dirty="0"/>
           </a:p>
         </p:txBody>
       </p:sp>
@@ -473,7 +3108,7 @@
     </p:spTree>
     <p:extLst>
       <p:ext uri="{BB962C8B-B14F-4D97-AF65-F5344CB8AC3E}">
-        <p14:creationId xmlns:p14="http://schemas.microsoft.com/office/powerpoint/2010/main" val="1751117093"/>
+        <p14:creationId xmlns:p14="http://schemas.microsoft.com/office/powerpoint/2010/main" val="1807203610"/>
       </p:ext>
     </p:extLst>
   </p:cSld>
@@ -483,7 +3118,7 @@
 </p:sldLayout>
 </file>
 
-<file path=ppt/slideLayouts/slideLayout11.xml><?xml version="1.0" encoding="utf-8"?>
+<file path=ppt/slideLayouts/slideLayout17.xml><?xml version="1.0" encoding="utf-8"?>
 <p:sldLayout xmlns:a="http://schemas.openxmlformats.org/drawingml/2006/main" xmlns:r="http://schemas.openxmlformats.org/officeDocument/2006/relationships" xmlns:p="http://schemas.openxmlformats.org/presentationml/2006/main" type="vertTitleAndTx" preserve="1">
   <p:cSld name="Vertical Title and Text">
     <p:spTree>
@@ -512,18 +3147,23 @@
         </p:nvSpPr>
         <p:spPr>
           <a:xfrm>
-            <a:off x="8724900" y="365125"/>
-            <a:ext cx="2628900" cy="5811838"/>
+            <a:off x="8983068" y="609599"/>
+            <a:ext cx="2284487" cy="5181601"/>
           </a:xfrm>
         </p:spPr>
         <p:txBody>
           <a:bodyPr vert="eaVert"/>
-          <a:lstStyle/>
+          <a:lstStyle>
+            <a:lvl1pPr algn="l">
+              <a:defRPr/>
+            </a:lvl1pPr>
+          </a:lstStyle>
           <a:p>
             <a:r>
               <a:rPr lang="en-US"/>
               <a:t>Click to edit Master title style</a:t>
             </a:r>
+            <a:endParaRPr lang="en-US" dirty="0"/>
           </a:p>
         </p:txBody>
       </p:sp>
@@ -539,12 +3179,12 @@
         </p:nvSpPr>
         <p:spPr>
           <a:xfrm>
-            <a:off x="838200" y="365125"/>
-            <a:ext cx="7734300" cy="5811838"/>
+            <a:off x="913796" y="609599"/>
+            <a:ext cx="7916872" cy="5181601"/>
           </a:xfrm>
         </p:spPr>
         <p:txBody>
-          <a:bodyPr vert="eaVert"/>
+          <a:bodyPr vert="eaVert" anchor="t"/>
           <a:lstStyle/>
           <a:p>
             <a:pPr lvl="0"/>
@@ -580,6 +3220,7 @@
               <a:rPr lang="en-US"/>
               <a:t>Fifth level</a:t>
             </a:r>
+            <a:endParaRPr lang="en-US" dirty="0"/>
           </a:p>
         </p:txBody>
       </p:sp>
@@ -651,7 +3292,7 @@
     </p:spTree>
     <p:extLst>
       <p:ext uri="{BB962C8B-B14F-4D97-AF65-F5344CB8AC3E}">
-        <p14:creationId xmlns:p14="http://schemas.microsoft.com/office/powerpoint/2010/main" val="3288156793"/>
+        <p14:creationId xmlns:p14="http://schemas.microsoft.com/office/powerpoint/2010/main" val="1978228070"/>
       </p:ext>
     </p:extLst>
   </p:cSld>
@@ -697,6 +3338,7 @@
               <a:rPr lang="en-US"/>
               <a:t>Click to edit Master title style</a:t>
             </a:r>
+            <a:endParaRPr lang="en-US" dirty="0"/>
           </a:p>
         </p:txBody>
       </p:sp>
@@ -748,6 +3390,7 @@
               <a:rPr lang="en-US"/>
               <a:t>Fifth level</a:t>
             </a:r>
+            <a:endParaRPr lang="en-US" dirty="0"/>
           </a:p>
         </p:txBody>
       </p:sp>
@@ -819,7 +3462,7 @@
     </p:spTree>
     <p:extLst>
       <p:ext uri="{BB962C8B-B14F-4D97-AF65-F5344CB8AC3E}">
-        <p14:creationId xmlns:p14="http://schemas.microsoft.com/office/powerpoint/2010/main" val="992896837"/>
+        <p14:creationId xmlns:p14="http://schemas.microsoft.com/office/powerpoint/2010/main" val="310403226"/>
       </p:ext>
     </p:extLst>
   </p:cSld>
@@ -858,15 +3501,15 @@
         </p:nvSpPr>
         <p:spPr>
           <a:xfrm>
-            <a:off x="831850" y="1709738"/>
-            <a:ext cx="10515600" cy="2852737"/>
+            <a:off x="1295401" y="1761067"/>
+            <a:ext cx="9590550" cy="1828813"/>
           </a:xfrm>
         </p:spPr>
         <p:txBody>
           <a:bodyPr anchor="b"/>
           <a:lstStyle>
-            <a:lvl1pPr>
-              <a:defRPr sz="6000"/>
+            <a:lvl1pPr algn="ctr">
+              <a:defRPr sz="4000" b="0" cap="none"/>
             </a:lvl1pPr>
           </a:lstStyle>
           <a:p>
@@ -874,6 +3517,7 @@
               <a:rPr lang="en-US"/>
               <a:t>Click to edit Master title style</a:t>
             </a:r>
+            <a:endParaRPr lang="en-US" dirty="0"/>
           </a:p>
         </p:txBody>
       </p:sp>
@@ -889,26 +3533,24 @@
         </p:nvSpPr>
         <p:spPr>
           <a:xfrm>
-            <a:off x="831850" y="4589463"/>
-            <a:ext cx="10515600" cy="1500187"/>
+            <a:off x="1295401" y="3589879"/>
+            <a:ext cx="9590550" cy="1507054"/>
           </a:xfrm>
         </p:spPr>
         <p:txBody>
-          <a:bodyPr/>
+          <a:bodyPr anchor="t"/>
           <a:lstStyle>
-            <a:lvl1pPr marL="0" indent="0">
-              <a:buNone/>
-              <a:defRPr sz="2400">
+            <a:lvl1pPr marL="0" indent="0" algn="ctr">
+              <a:buNone/>
+              <a:defRPr sz="2000">
                 <a:solidFill>
-                  <a:schemeClr val="tx1">
-                    <a:tint val="75000"/>
-                  </a:schemeClr>
+                  <a:schemeClr val="tx1"/>
                 </a:solidFill>
               </a:defRPr>
             </a:lvl1pPr>
             <a:lvl2pPr marL="457200" indent="0">
               <a:buNone/>
-              <a:defRPr sz="2000">
+              <a:defRPr sz="1800">
                 <a:solidFill>
                   <a:schemeClr val="tx1">
                     <a:tint val="75000"/>
@@ -918,7 +3560,7 @@
             </a:lvl2pPr>
             <a:lvl3pPr marL="914400" indent="0">
               <a:buNone/>
-              <a:defRPr sz="1800">
+              <a:defRPr sz="1600">
                 <a:solidFill>
                   <a:schemeClr val="tx1">
                     <a:tint val="75000"/>
@@ -928,7 +3570,7 @@
             </a:lvl3pPr>
             <a:lvl4pPr marL="1371600" indent="0">
               <a:buNone/>
-              <a:defRPr sz="1600">
+              <a:defRPr sz="1400">
                 <a:solidFill>
                   <a:schemeClr val="tx1">
                     <a:tint val="75000"/>
@@ -938,7 +3580,7 @@
             </a:lvl4pPr>
             <a:lvl5pPr marL="1828800" indent="0">
               <a:buNone/>
-              <a:defRPr sz="1600">
+              <a:defRPr sz="1400">
                 <a:solidFill>
                   <a:schemeClr val="tx1">
                     <a:tint val="75000"/>
@@ -948,7 +3590,7 @@
             </a:lvl5pPr>
             <a:lvl6pPr marL="2286000" indent="0">
               <a:buNone/>
-              <a:defRPr sz="1600">
+              <a:defRPr sz="1400">
                 <a:solidFill>
                   <a:schemeClr val="tx1">
                     <a:tint val="75000"/>
@@ -958,7 +3600,7 @@
             </a:lvl6pPr>
             <a:lvl7pPr marL="2743200" indent="0">
               <a:buNone/>
-              <a:defRPr sz="1600">
+              <a:defRPr sz="1400">
                 <a:solidFill>
                   <a:schemeClr val="tx1">
                     <a:tint val="75000"/>
@@ -968,7 +3610,7 @@
             </a:lvl7pPr>
             <a:lvl8pPr marL="3200400" indent="0">
               <a:buNone/>
-              <a:defRPr sz="1600">
+              <a:defRPr sz="1400">
                 <a:solidFill>
                   <a:schemeClr val="tx1">
                     <a:tint val="75000"/>
@@ -978,7 +3620,7 @@
             </a:lvl8pPr>
             <a:lvl9pPr marL="3657600" indent="0">
               <a:buNone/>
-              <a:defRPr sz="1600">
+              <a:defRPr sz="1400">
                 <a:solidFill>
                   <a:schemeClr val="tx1">
                     <a:tint val="75000"/>
@@ -1064,7 +3706,7 @@
     </p:spTree>
     <p:extLst>
       <p:ext uri="{BB962C8B-B14F-4D97-AF65-F5344CB8AC3E}">
-        <p14:creationId xmlns:p14="http://schemas.microsoft.com/office/powerpoint/2010/main" val="3600947574"/>
+        <p14:creationId xmlns:p14="http://schemas.microsoft.com/office/powerpoint/2010/main" val="4131121263"/>
       </p:ext>
     </p:extLst>
   </p:cSld>
@@ -1110,6 +3752,7 @@
               <a:rPr lang="en-US"/>
               <a:t>Click to edit Master title style</a:t>
             </a:r>
+            <a:endParaRPr lang="en-US" dirty="0"/>
           </a:p>
         </p:txBody>
       </p:sp>
@@ -1125,12 +3768,14 @@
         </p:nvSpPr>
         <p:spPr>
           <a:xfrm>
-            <a:off x="838200" y="1825625"/>
-            <a:ext cx="5181600" cy="4351338"/>
+            <a:off x="913795" y="1732449"/>
+            <a:ext cx="5060497" cy="4058750"/>
           </a:xfrm>
         </p:spPr>
         <p:txBody>
-          <a:bodyPr/>
+          <a:bodyPr anchor="t">
+            <a:normAutofit/>
+          </a:bodyPr>
           <a:lstStyle/>
           <a:p>
             <a:pPr lvl="0"/>
@@ -1166,6 +3811,7 @@
               <a:rPr lang="en-US"/>
               <a:t>Fifth level</a:t>
             </a:r>
+            <a:endParaRPr lang="en-US" dirty="0"/>
           </a:p>
         </p:txBody>
       </p:sp>
@@ -1181,12 +3827,14 @@
         </p:nvSpPr>
         <p:spPr>
           <a:xfrm>
-            <a:off x="6172200" y="1825625"/>
-            <a:ext cx="5181600" cy="4351338"/>
+            <a:off x="6202892" y="1732449"/>
+            <a:ext cx="5064665" cy="4058751"/>
           </a:xfrm>
         </p:spPr>
         <p:txBody>
-          <a:bodyPr/>
+          <a:bodyPr anchor="t">
+            <a:normAutofit/>
+          </a:bodyPr>
           <a:lstStyle/>
           <a:p>
             <a:pPr lvl="0"/>
@@ -1222,6 +3870,7 @@
               <a:rPr lang="en-US"/>
               <a:t>Fifth level</a:t>
             </a:r>
+            <a:endParaRPr lang="en-US" dirty="0"/>
           </a:p>
         </p:txBody>
       </p:sp>
@@ -1293,7 +3942,7 @@
     </p:spTree>
     <p:extLst>
       <p:ext uri="{BB962C8B-B14F-4D97-AF65-F5344CB8AC3E}">
-        <p14:creationId xmlns:p14="http://schemas.microsoft.com/office/powerpoint/2010/main" val="1019184943"/>
+        <p14:creationId xmlns:p14="http://schemas.microsoft.com/office/powerpoint/2010/main" val="1594180535"/>
       </p:ext>
     </p:extLst>
   </p:cSld>
@@ -1320,55 +3969,117 @@
           <a:chExt cx="0" cy="0"/>
         </a:xfrm>
       </p:grpSpPr>
-      <p:sp>
-        <p:nvSpPr>
-          <p:cNvPr id="2" name="Title 1"/>
-          <p:cNvSpPr>
-            <a:spLocks noGrp="1"/>
-          </p:cNvSpPr>
-          <p:nvPr>
-            <p:ph type="title"/>
-          </p:nvPr>
-        </p:nvSpPr>
+      <p:pic>
+        <p:nvPicPr>
+          <p:cNvPr id="20" name="Picture 19" descr="Slate-V2-HD-compPhotoInset.png"/>
+          <p:cNvPicPr>
+            <a:picLocks noChangeAspect="1"/>
+          </p:cNvPicPr>
+          <p:nvPr/>
+        </p:nvPicPr>
+        <p:blipFill>
+          <a:blip r:embed="rId2">
+            <a:extLst>
+              <a:ext uri="{28A0092B-C50C-407E-A947-70E740481C1C}">
+                <a14:useLocalDpi xmlns:a14="http://schemas.microsoft.com/office/drawing/2010/main" val="0"/>
+              </a:ext>
+            </a:extLst>
+          </a:blip>
+          <a:stretch>
+            <a:fillRect/>
+          </a:stretch>
+        </p:blipFill>
         <p:spPr>
           <a:xfrm>
-            <a:off x="839788" y="365125"/>
-            <a:ext cx="10515600" cy="1325563"/>
+            <a:off x="913795" y="1734506"/>
+            <a:ext cx="5089072" cy="4148769"/>
+          </a:xfrm>
+          <a:prstGeom prst="rect">
+            <a:avLst/>
+          </a:prstGeom>
+        </p:spPr>
+      </p:pic>
+      <p:pic>
+        <p:nvPicPr>
+          <p:cNvPr id="21" name="Picture 20" descr="Slate-V2-HD-compPhotoInset.png"/>
+          <p:cNvPicPr>
+            <a:picLocks noChangeAspect="1"/>
+          </p:cNvPicPr>
+          <p:nvPr/>
+        </p:nvPicPr>
+        <p:blipFill>
+          <a:blip r:embed="rId2">
+            <a:extLst>
+              <a:ext uri="{28A0092B-C50C-407E-A947-70E740481C1C}">
+                <a14:useLocalDpi xmlns:a14="http://schemas.microsoft.com/office/drawing/2010/main" val="0"/>
+              </a:ext>
+            </a:extLst>
+          </a:blip>
+          <a:stretch>
+            <a:fillRect/>
+          </a:stretch>
+        </p:blipFill>
+        <p:spPr>
+          <a:xfrm>
+            <a:off x="6178485" y="1734506"/>
+            <a:ext cx="5089072" cy="4148769"/>
+          </a:xfrm>
+          <a:prstGeom prst="rect">
+            <a:avLst/>
+          </a:prstGeom>
+        </p:spPr>
+      </p:pic>
+      <p:sp>
+        <p:nvSpPr>
+          <p:cNvPr id="2" name="Title 1"/>
+          <p:cNvSpPr>
+            <a:spLocks noGrp="1"/>
+          </p:cNvSpPr>
+          <p:nvPr>
+            <p:ph type="title"/>
+          </p:nvPr>
+        </p:nvSpPr>
+        <p:spPr/>
+        <p:txBody>
+          <a:bodyPr/>
+          <a:lstStyle>
+            <a:lvl1pPr>
+              <a:defRPr/>
+            </a:lvl1pPr>
+          </a:lstStyle>
+          <a:p>
+            <a:r>
+              <a:rPr lang="en-US"/>
+              <a:t>Click to edit Master title style</a:t>
+            </a:r>
+            <a:endParaRPr lang="en-US" dirty="0"/>
+          </a:p>
+        </p:txBody>
+      </p:sp>
+      <p:sp>
+        <p:nvSpPr>
+          <p:cNvPr id="3" name="Text Placeholder 2"/>
+          <p:cNvSpPr>
+            <a:spLocks noGrp="1"/>
+          </p:cNvSpPr>
+          <p:nvPr>
+            <p:ph type="body" idx="1"/>
+          </p:nvPr>
+        </p:nvSpPr>
+        <p:spPr>
+          <a:xfrm>
+            <a:off x="1005872" y="1835254"/>
+            <a:ext cx="4876344" cy="544884"/>
           </a:xfrm>
         </p:spPr>
         <p:txBody>
-          <a:bodyPr/>
-          <a:lstStyle/>
-          <a:p>
-            <a:r>
-              <a:rPr lang="en-US"/>
-              <a:t>Click to edit Master title style</a:t>
-            </a:r>
-          </a:p>
-        </p:txBody>
-      </p:sp>
-      <p:sp>
-        <p:nvSpPr>
-          <p:cNvPr id="3" name="Text Placeholder 2"/>
-          <p:cNvSpPr>
-            <a:spLocks noGrp="1"/>
-          </p:cNvSpPr>
-          <p:nvPr>
-            <p:ph type="body" idx="1"/>
-          </p:nvPr>
-        </p:nvSpPr>
-        <p:spPr>
-          <a:xfrm>
-            <a:off x="839788" y="1681163"/>
-            <a:ext cx="5157787" cy="823912"/>
-          </a:xfrm>
-        </p:spPr>
-        <p:txBody>
-          <a:bodyPr anchor="b"/>
+          <a:bodyPr anchor="b">
+            <a:noAutofit/>
+          </a:bodyPr>
           <a:lstStyle>
-            <a:lvl1pPr marL="0" indent="0">
-              <a:buNone/>
-              <a:defRPr sz="2400" b="1"/>
+            <a:lvl1pPr marL="0" indent="0" algn="ctr">
+              <a:buNone/>
+              <a:defRPr sz="2400" b="0"/>
             </a:lvl1pPr>
             <a:lvl2pPr marL="457200" indent="0">
               <a:buNone/>
@@ -1424,13 +4135,31 @@
         </p:nvSpPr>
         <p:spPr>
           <a:xfrm>
-            <a:off x="839788" y="2505075"/>
-            <a:ext cx="5157787" cy="3684588"/>
+            <a:off x="1005872" y="2380137"/>
+            <a:ext cx="4876344" cy="3411063"/>
           </a:xfrm>
         </p:spPr>
         <p:txBody>
-          <a:bodyPr/>
-          <a:lstStyle/>
+          <a:bodyPr anchor="t">
+            <a:normAutofit/>
+          </a:bodyPr>
+          <a:lstStyle>
+            <a:lvl1pPr>
+              <a:defRPr sz="1800"/>
+            </a:lvl1pPr>
+            <a:lvl2pPr>
+              <a:defRPr sz="1600"/>
+            </a:lvl2pPr>
+            <a:lvl3pPr>
+              <a:defRPr sz="1400"/>
+            </a:lvl3pPr>
+            <a:lvl4pPr>
+              <a:defRPr sz="1200"/>
+            </a:lvl4pPr>
+            <a:lvl5pPr>
+              <a:defRPr sz="1200"/>
+            </a:lvl5pPr>
+          </a:lstStyle>
           <a:p>
             <a:pPr lvl="0"/>
             <a:r>
@@ -1465,6 +4194,7 @@
               <a:rPr lang="en-US"/>
               <a:t>Fifth level</a:t>
             </a:r>
+            <a:endParaRPr lang="en-US" dirty="0"/>
           </a:p>
         </p:txBody>
       </p:sp>
@@ -1480,16 +4210,18 @@
         </p:nvSpPr>
         <p:spPr>
           <a:xfrm>
-            <a:off x="6172200" y="1681163"/>
-            <a:ext cx="5183188" cy="823912"/>
+            <a:off x="6294967" y="1835254"/>
+            <a:ext cx="4895330" cy="544883"/>
           </a:xfrm>
         </p:spPr>
         <p:txBody>
-          <a:bodyPr anchor="b"/>
+          <a:bodyPr anchor="b">
+            <a:noAutofit/>
+          </a:bodyPr>
           <a:lstStyle>
-            <a:lvl1pPr marL="0" indent="0">
-              <a:buNone/>
-              <a:defRPr sz="2400" b="1"/>
+            <a:lvl1pPr marL="0" indent="0" algn="ctr">
+              <a:buNone/>
+              <a:defRPr sz="2400" b="0"/>
             </a:lvl1pPr>
             <a:lvl2pPr marL="457200" indent="0">
               <a:buNone/>
@@ -1545,13 +4277,31 @@
         </p:nvSpPr>
         <p:spPr>
           <a:xfrm>
-            <a:off x="6172200" y="2505075"/>
-            <a:ext cx="5183188" cy="3684588"/>
+            <a:off x="6294967" y="2380137"/>
+            <a:ext cx="4895330" cy="3411063"/>
           </a:xfrm>
         </p:spPr>
         <p:txBody>
-          <a:bodyPr/>
-          <a:lstStyle/>
+          <a:bodyPr anchor="t">
+            <a:normAutofit/>
+          </a:bodyPr>
+          <a:lstStyle>
+            <a:lvl1pPr>
+              <a:defRPr sz="1800"/>
+            </a:lvl1pPr>
+            <a:lvl2pPr>
+              <a:defRPr sz="1600"/>
+            </a:lvl2pPr>
+            <a:lvl3pPr>
+              <a:defRPr sz="1400"/>
+            </a:lvl3pPr>
+            <a:lvl4pPr>
+              <a:defRPr sz="1200"/>
+            </a:lvl4pPr>
+            <a:lvl5pPr>
+              <a:defRPr sz="1200"/>
+            </a:lvl5pPr>
+          </a:lstStyle>
           <a:p>
             <a:pPr lvl="0"/>
             <a:r>
@@ -1586,6 +4336,7 @@
               <a:rPr lang="en-US"/>
               <a:t>Fifth level</a:t>
             </a:r>
+            <a:endParaRPr lang="en-US" dirty="0"/>
           </a:p>
         </p:txBody>
       </p:sp>
@@ -1657,7 +4408,7 @@
     </p:spTree>
     <p:extLst>
       <p:ext uri="{BB962C8B-B14F-4D97-AF65-F5344CB8AC3E}">
-        <p14:creationId xmlns:p14="http://schemas.microsoft.com/office/powerpoint/2010/main" val="1143704981"/>
+        <p14:creationId xmlns:p14="http://schemas.microsoft.com/office/powerpoint/2010/main" val="808825397"/>
       </p:ext>
     </p:extLst>
   </p:cSld>
@@ -1703,6 +4454,7 @@
               <a:rPr lang="en-US"/>
               <a:t>Click to edit Master title style</a:t>
             </a:r>
+            <a:endParaRPr lang="en-US" dirty="0"/>
           </a:p>
         </p:txBody>
       </p:sp>
@@ -1774,7 +4526,7 @@
     </p:spTree>
     <p:extLst>
       <p:ext uri="{BB962C8B-B14F-4D97-AF65-F5344CB8AC3E}">
-        <p14:creationId xmlns:p14="http://schemas.microsoft.com/office/powerpoint/2010/main" val="1283547950"/>
+        <p14:creationId xmlns:p14="http://schemas.microsoft.com/office/powerpoint/2010/main" val="2830093777"/>
       </p:ext>
     </p:extLst>
   </p:cSld>
@@ -1869,7 +4621,7 @@
     </p:spTree>
     <p:extLst>
       <p:ext uri="{BB962C8B-B14F-4D97-AF65-F5344CB8AC3E}">
-        <p14:creationId xmlns:p14="http://schemas.microsoft.com/office/powerpoint/2010/main" val="167381443"/>
+        <p14:creationId xmlns:p14="http://schemas.microsoft.com/office/powerpoint/2010/main" val="558956223"/>
       </p:ext>
     </p:extLst>
   </p:cSld>
@@ -1908,15 +4660,17 @@
         </p:nvSpPr>
         <p:spPr>
           <a:xfrm>
-            <a:off x="839788" y="457200"/>
-            <a:ext cx="3932237" cy="1600200"/>
+            <a:off x="913795" y="609600"/>
+            <a:ext cx="3706889" cy="1821918"/>
           </a:xfrm>
         </p:spPr>
         <p:txBody>
-          <a:bodyPr anchor="b"/>
+          <a:bodyPr anchor="b">
+            <a:normAutofit/>
+          </a:bodyPr>
           <a:lstStyle>
-            <a:lvl1pPr>
-              <a:defRPr sz="3200"/>
+            <a:lvl1pPr algn="ctr">
+              <a:defRPr sz="2400" b="0"/>
             </a:lvl1pPr>
           </a:lstStyle>
           <a:p>
@@ -1924,6 +4678,7 @@
               <a:rPr lang="en-US"/>
               <a:t>Click to edit Master title style</a:t>
             </a:r>
+            <a:endParaRPr lang="en-US" dirty="0"/>
           </a:p>
         </p:txBody>
       </p:sp>
@@ -1939,41 +4694,15 @@
         </p:nvSpPr>
         <p:spPr>
           <a:xfrm>
-            <a:off x="5183188" y="987425"/>
-            <a:ext cx="6172200" cy="4873625"/>
+            <a:off x="4855633" y="609600"/>
+            <a:ext cx="6411924" cy="5181600"/>
           </a:xfrm>
         </p:spPr>
         <p:txBody>
-          <a:bodyPr/>
-          <a:lstStyle>
-            <a:lvl1pPr>
-              <a:defRPr sz="3200"/>
-            </a:lvl1pPr>
-            <a:lvl2pPr>
-              <a:defRPr sz="2800"/>
-            </a:lvl2pPr>
-            <a:lvl3pPr>
-              <a:defRPr sz="2400"/>
-            </a:lvl3pPr>
-            <a:lvl4pPr>
-              <a:defRPr sz="2000"/>
-            </a:lvl4pPr>
-            <a:lvl5pPr>
-              <a:defRPr sz="2000"/>
-            </a:lvl5pPr>
-            <a:lvl6pPr>
-              <a:defRPr sz="2000"/>
-            </a:lvl6pPr>
-            <a:lvl7pPr>
-              <a:defRPr sz="2000"/>
-            </a:lvl7pPr>
-            <a:lvl8pPr>
-              <a:defRPr sz="2000"/>
-            </a:lvl8pPr>
-            <a:lvl9pPr>
-              <a:defRPr sz="2000"/>
-            </a:lvl9pPr>
-          </a:lstStyle>
+          <a:bodyPr>
+            <a:normAutofit/>
+          </a:bodyPr>
+          <a:lstStyle/>
           <a:p>
             <a:pPr lvl="0"/>
             <a:r>
@@ -2008,6 +4737,7 @@
               <a:rPr lang="en-US"/>
               <a:t>Fifth level</a:t>
             </a:r>
+            <a:endParaRPr lang="en-US" dirty="0"/>
           </a:p>
         </p:txBody>
       </p:sp>
@@ -2023,48 +4753,50 @@
         </p:nvSpPr>
         <p:spPr>
           <a:xfrm>
-            <a:off x="839788" y="2057400"/>
-            <a:ext cx="3932237" cy="3811588"/>
+            <a:off x="913795" y="2431518"/>
+            <a:ext cx="3706889" cy="3359681"/>
           </a:xfrm>
         </p:spPr>
         <p:txBody>
-          <a:bodyPr/>
+          <a:bodyPr anchor="t">
+            <a:normAutofit/>
+          </a:bodyPr>
           <a:lstStyle>
-            <a:lvl1pPr marL="0" indent="0">
+            <a:lvl1pPr marL="0" indent="0" algn="ctr">
               <a:buNone/>
               <a:defRPr sz="1600"/>
             </a:lvl1pPr>
             <a:lvl2pPr marL="457200" indent="0">
               <a:buNone/>
-              <a:defRPr sz="1400"/>
+              <a:defRPr sz="1200"/>
             </a:lvl2pPr>
             <a:lvl3pPr marL="914400" indent="0">
               <a:buNone/>
-              <a:defRPr sz="1200"/>
+              <a:defRPr sz="1000"/>
             </a:lvl3pPr>
             <a:lvl4pPr marL="1371600" indent="0">
               <a:buNone/>
-              <a:defRPr sz="1000"/>
+              <a:defRPr sz="900"/>
             </a:lvl4pPr>
             <a:lvl5pPr marL="1828800" indent="0">
               <a:buNone/>
-              <a:defRPr sz="1000"/>
+              <a:defRPr sz="900"/>
             </a:lvl5pPr>
             <a:lvl6pPr marL="2286000" indent="0">
               <a:buNone/>
-              <a:defRPr sz="1000"/>
+              <a:defRPr sz="900"/>
             </a:lvl6pPr>
             <a:lvl7pPr marL="2743200" indent="0">
               <a:buNone/>
-              <a:defRPr sz="1000"/>
+              <a:defRPr sz="900"/>
             </a:lvl7pPr>
             <a:lvl8pPr marL="3200400" indent="0">
               <a:buNone/>
-              <a:defRPr sz="1000"/>
+              <a:defRPr sz="900"/>
             </a:lvl8pPr>
             <a:lvl9pPr marL="3657600" indent="0">
               <a:buNone/>
-              <a:defRPr sz="1000"/>
+              <a:defRPr sz="900"/>
             </a:lvl9pPr>
           </a:lstStyle>
           <a:p>
@@ -2144,7 +4876,7 @@
     </p:spTree>
     <p:extLst>
       <p:ext uri="{BB962C8B-B14F-4D97-AF65-F5344CB8AC3E}">
-        <p14:creationId xmlns:p14="http://schemas.microsoft.com/office/powerpoint/2010/main" val="3971767316"/>
+        <p14:creationId xmlns:p14="http://schemas.microsoft.com/office/powerpoint/2010/main" val="3370330111"/>
       </p:ext>
     </p:extLst>
   </p:cSld>
@@ -2171,27 +4903,59 @@
           <a:chExt cx="0" cy="0"/>
         </a:xfrm>
       </p:grpSpPr>
-      <p:sp>
-        <p:nvSpPr>
-          <p:cNvPr id="2" name="Title 1"/>
-          <p:cNvSpPr>
-            <a:spLocks noGrp="1"/>
-          </p:cNvSpPr>
-          <p:nvPr>
-            <p:ph type="title"/>
-          </p:nvPr>
-        </p:nvSpPr>
+      <p:pic>
+        <p:nvPicPr>
+          <p:cNvPr id="22" name="Picture 21" descr="Slate-V2-HD-vertPhotoInset.png"/>
+          <p:cNvPicPr>
+            <a:picLocks noChangeAspect="1"/>
+          </p:cNvPicPr>
+          <p:nvPr/>
+        </p:nvPicPr>
+        <p:blipFill>
+          <a:blip r:embed="rId2">
+            <a:extLst>
+              <a:ext uri="{28A0092B-C50C-407E-A947-70E740481C1C}">
+                <a14:useLocalDpi xmlns:a14="http://schemas.microsoft.com/office/drawing/2010/main" val="0"/>
+              </a:ext>
+            </a:extLst>
+          </a:blip>
+          <a:stretch>
+            <a:fillRect/>
+          </a:stretch>
+        </p:blipFill>
         <p:spPr>
           <a:xfrm>
-            <a:off x="839788" y="457200"/>
-            <a:ext cx="3932237" cy="1600200"/>
+            <a:off x="7293665" y="609600"/>
+            <a:ext cx="3584166" cy="5204832"/>
+          </a:xfrm>
+          <a:prstGeom prst="rect">
+            <a:avLst/>
+          </a:prstGeom>
+        </p:spPr>
+      </p:pic>
+      <p:sp>
+        <p:nvSpPr>
+          <p:cNvPr id="2" name="Title 1"/>
+          <p:cNvSpPr>
+            <a:spLocks noGrp="1"/>
+          </p:cNvSpPr>
+          <p:nvPr>
+            <p:ph type="title"/>
+          </p:nvPr>
+        </p:nvSpPr>
+        <p:spPr>
+          <a:xfrm>
+            <a:off x="913795" y="609923"/>
+            <a:ext cx="5934949" cy="1829338"/>
           </a:xfrm>
         </p:spPr>
         <p:txBody>
-          <a:bodyPr anchor="b"/>
+          <a:bodyPr anchor="b">
+            <a:noAutofit/>
+          </a:bodyPr>
           <a:lstStyle>
-            <a:lvl1pPr>
-              <a:defRPr sz="3200"/>
+            <a:lvl1pPr algn="ctr">
+              <a:defRPr sz="3200" b="0"/>
             </a:lvl1pPr>
           </a:lstStyle>
           <a:p>
@@ -2199,6 +4963,7 @@
               <a:rPr lang="en-US"/>
               <a:t>Click to edit Master title style</a:t>
             </a:r>
+            <a:endParaRPr lang="en-US" dirty="0"/>
           </a:p>
         </p:txBody>
       </p:sp>
@@ -2206,7 +4971,7 @@
         <p:nvSpPr>
           <p:cNvPr id="3" name="Picture Placeholder 2"/>
           <p:cNvSpPr>
-            <a:spLocks noGrp="1"/>
+            <a:spLocks noGrp="1" noChangeAspect="1"/>
           </p:cNvSpPr>
           <p:nvPr>
             <p:ph type="pic" idx="1"/>
@@ -2214,109 +4979,124 @@
         </p:nvSpPr>
         <p:spPr>
           <a:xfrm>
-            <a:off x="5183188" y="987425"/>
-            <a:ext cx="6172200" cy="4873625"/>
+            <a:off x="7442551" y="763702"/>
+            <a:ext cx="3275751" cy="4912822"/>
           </a:xfrm>
+          <a:effectLst>
+            <a:outerShdw blurRad="38100" dist="25400" dir="4440000">
+              <a:srgbClr val="000000">
+                <a:alpha val="36000"/>
+              </a:srgbClr>
+            </a:outerShdw>
+          </a:effectLst>
         </p:spPr>
         <p:txBody>
-          <a:bodyPr/>
+          <a:bodyPr anchor="t">
+            <a:normAutofit/>
+          </a:bodyPr>
           <a:lstStyle>
-            <a:lvl1pPr marL="0" indent="0">
-              <a:buNone/>
-              <a:defRPr sz="3200"/>
-            </a:lvl1pPr>
-            <a:lvl2pPr marL="457200" indent="0">
-              <a:buNone/>
-              <a:defRPr sz="2800"/>
-            </a:lvl2pPr>
-            <a:lvl3pPr marL="914400" indent="0">
-              <a:buNone/>
-              <a:defRPr sz="2400"/>
-            </a:lvl3pPr>
-            <a:lvl4pPr marL="1371600" indent="0">
-              <a:buNone/>
-              <a:defRPr sz="2000"/>
-            </a:lvl4pPr>
-            <a:lvl5pPr marL="1828800" indent="0">
-              <a:buNone/>
-              <a:defRPr sz="2000"/>
-            </a:lvl5pPr>
-            <a:lvl6pPr marL="2286000" indent="0">
-              <a:buNone/>
-              <a:defRPr sz="2000"/>
-            </a:lvl6pPr>
-            <a:lvl7pPr marL="2743200" indent="0">
-              <a:buNone/>
-              <a:defRPr sz="2000"/>
-            </a:lvl7pPr>
-            <a:lvl8pPr marL="3200400" indent="0">
-              <a:buNone/>
-              <a:defRPr sz="2000"/>
-            </a:lvl8pPr>
-            <a:lvl9pPr marL="3657600" indent="0">
-              <a:buNone/>
-              <a:defRPr sz="2000"/>
-            </a:lvl9pPr>
-          </a:lstStyle>
-          <a:p>
-            <a:endParaRPr lang="en-US"/>
-          </a:p>
-        </p:txBody>
-      </p:sp>
-      <p:sp>
-        <p:nvSpPr>
-          <p:cNvPr id="4" name="Text Placeholder 3"/>
-          <p:cNvSpPr>
-            <a:spLocks noGrp="1"/>
-          </p:cNvSpPr>
-          <p:nvPr>
-            <p:ph type="body" sz="half" idx="2"/>
-          </p:nvPr>
-        </p:nvSpPr>
-        <p:spPr>
-          <a:xfrm>
-            <a:off x="839788" y="2057400"/>
-            <a:ext cx="3932237" cy="3811588"/>
-          </a:xfrm>
-        </p:spPr>
-        <p:txBody>
-          <a:bodyPr/>
-          <a:lstStyle>
-            <a:lvl1pPr marL="0" indent="0">
+            <a:lvl1pPr marL="0" indent="0" algn="ctr">
               <a:buNone/>
               <a:defRPr sz="1600"/>
             </a:lvl1pPr>
             <a:lvl2pPr marL="457200" indent="0">
               <a:buNone/>
-              <a:defRPr sz="1400"/>
+              <a:defRPr sz="1600"/>
             </a:lvl2pPr>
             <a:lvl3pPr marL="914400" indent="0">
               <a:buNone/>
-              <a:defRPr sz="1200"/>
+              <a:defRPr sz="1600"/>
             </a:lvl3pPr>
             <a:lvl4pPr marL="1371600" indent="0">
               <a:buNone/>
-              <a:defRPr sz="1000"/>
+              <a:defRPr sz="1600"/>
             </a:lvl4pPr>
             <a:lvl5pPr marL="1828800" indent="0">
               <a:buNone/>
-              <a:defRPr sz="1000"/>
+              <a:defRPr sz="1600"/>
             </a:lvl5pPr>
             <a:lvl6pPr marL="2286000" indent="0">
               <a:buNone/>
-              <a:defRPr sz="1000"/>
+              <a:defRPr sz="1600"/>
             </a:lvl6pPr>
             <a:lvl7pPr marL="2743200" indent="0">
               <a:buNone/>
-              <a:defRPr sz="1000"/>
+              <a:defRPr sz="1600"/>
             </a:lvl7pPr>
             <a:lvl8pPr marL="3200400" indent="0">
               <a:buNone/>
-              <a:defRPr sz="1000"/>
+              <a:defRPr sz="1600"/>
             </a:lvl8pPr>
             <a:lvl9pPr marL="3657600" indent="0">
               <a:buNone/>
+              <a:defRPr sz="1600"/>
+            </a:lvl9pPr>
+          </a:lstStyle>
+          <a:p>
+            <a:r>
+              <a:rPr lang="en-US"/>
+              <a:t>Click icon to add picture</a:t>
+            </a:r>
+            <a:endParaRPr lang="en-US" dirty="0"/>
+          </a:p>
+        </p:txBody>
+      </p:sp>
+      <p:sp>
+        <p:nvSpPr>
+          <p:cNvPr id="4" name="Text Placeholder 3"/>
+          <p:cNvSpPr>
+            <a:spLocks noGrp="1"/>
+          </p:cNvSpPr>
+          <p:nvPr>
+            <p:ph type="body" sz="half" idx="2"/>
+          </p:nvPr>
+        </p:nvSpPr>
+        <p:spPr>
+          <a:xfrm>
+            <a:off x="913795" y="2439261"/>
+            <a:ext cx="5934949" cy="3376134"/>
+          </a:xfrm>
+        </p:spPr>
+        <p:txBody>
+          <a:bodyPr anchor="t">
+            <a:normAutofit/>
+          </a:bodyPr>
+          <a:lstStyle>
+            <a:lvl1pPr marL="0" indent="0" algn="ctr">
+              <a:buNone/>
+              <a:defRPr sz="1600"/>
+            </a:lvl1pPr>
+            <a:lvl2pPr marL="457200" indent="0">
+              <a:buNone/>
+              <a:defRPr sz="1200"/>
+            </a:lvl2pPr>
+            <a:lvl3pPr marL="914400" indent="0">
+              <a:buNone/>
               <a:defRPr sz="1000"/>
+            </a:lvl3pPr>
+            <a:lvl4pPr marL="1371600" indent="0">
+              <a:buNone/>
+              <a:defRPr sz="900"/>
+            </a:lvl4pPr>
+            <a:lvl5pPr marL="1828800" indent="0">
+              <a:buNone/>
+              <a:defRPr sz="900"/>
+            </a:lvl5pPr>
+            <a:lvl6pPr marL="2286000" indent="0">
+              <a:buNone/>
+              <a:defRPr sz="900"/>
+            </a:lvl6pPr>
+            <a:lvl7pPr marL="2743200" indent="0">
+              <a:buNone/>
+              <a:defRPr sz="900"/>
+            </a:lvl7pPr>
+            <a:lvl8pPr marL="3200400" indent="0">
+              <a:buNone/>
+              <a:defRPr sz="900"/>
+            </a:lvl8pPr>
+            <a:lvl9pPr marL="3657600" indent="0">
+              <a:buNone/>
+              <a:defRPr sz="900"/>
             </a:lvl9pPr>
           </a:lstStyle>
           <a:p>
@@ -2396,7 +5176,7 @@
     </p:spTree>
     <p:extLst>
       <p:ext uri="{BB962C8B-B14F-4D97-AF65-F5344CB8AC3E}">
-        <p14:creationId xmlns:p14="http://schemas.microsoft.com/office/powerpoint/2010/main" val="642292767"/>
+        <p14:creationId xmlns:p14="http://schemas.microsoft.com/office/powerpoint/2010/main" val="3731356821"/>
       </p:ext>
     </p:extLst>
   </p:cSld>
@@ -2410,8 +5190,8 @@
 <p:sldMaster xmlns:a="http://schemas.openxmlformats.org/drawingml/2006/main" xmlns:r="http://schemas.openxmlformats.org/officeDocument/2006/relationships" xmlns:p="http://schemas.openxmlformats.org/presentationml/2006/main">
   <p:cSld>
     <p:bg>
-      <p:bgRef idx="1001">
-        <a:schemeClr val="bg1"/>
+      <p:bgRef idx="1003">
+        <a:schemeClr val="bg2"/>
       </p:bgRef>
     </p:bg>
     <p:spTree>
@@ -2440,12 +5220,19 @@
         </p:nvSpPr>
         <p:spPr>
           <a:xfrm>
-            <a:off x="838200" y="365125"/>
-            <a:ext cx="10515600" cy="1325563"/>
+            <a:off x="913795" y="609600"/>
+            <a:ext cx="10353762" cy="970450"/>
           </a:xfrm>
           <a:prstGeom prst="rect">
             <a:avLst/>
           </a:prstGeom>
+          <a:effectLst>
+            <a:outerShdw blurRad="25400" dir="17880000">
+              <a:srgbClr val="000000">
+                <a:alpha val="46000"/>
+              </a:srgbClr>
+            </a:outerShdw>
+          </a:effectLst>
         </p:spPr>
         <p:txBody>
           <a:bodyPr vert="horz" lIns="91440" tIns="45720" rIns="91440" bIns="45720" rtlCol="0" anchor="ctr">
@@ -2457,6 +5244,7 @@
               <a:rPr lang="en-US"/>
               <a:t>Click to edit Master title style</a:t>
             </a:r>
+            <a:endParaRPr lang="en-US" dirty="0"/>
           </a:p>
         </p:txBody>
       </p:sp>
@@ -2472,15 +5260,22 @@
         </p:nvSpPr>
         <p:spPr>
           <a:xfrm>
-            <a:off x="838200" y="1825625"/>
-            <a:ext cx="10515600" cy="4351338"/>
+            <a:off x="913795" y="1732449"/>
+            <a:ext cx="10353762" cy="4058751"/>
           </a:xfrm>
           <a:prstGeom prst="rect">
             <a:avLst/>
           </a:prstGeom>
+          <a:effectLst>
+            <a:outerShdw blurRad="25400" dir="17880000">
+              <a:srgbClr val="000000">
+                <a:alpha val="46000"/>
+              </a:srgbClr>
+            </a:outerShdw>
+          </a:effectLst>
         </p:spPr>
         <p:txBody>
-          <a:bodyPr vert="horz" lIns="91440" tIns="45720" rIns="91440" bIns="45720" rtlCol="0">
+          <a:bodyPr vert="horz" lIns="91440" tIns="45720" rIns="91440" bIns="45720" rtlCol="0" anchor="t">
             <a:normAutofit/>
           </a:bodyPr>
           <a:lstStyle/>
@@ -2518,6 +5313,7 @@
               <a:rPr lang="en-US"/>
               <a:t>Fifth level</a:t>
             </a:r>
+            <a:endParaRPr lang="en-US" dirty="0"/>
           </a:p>
         </p:txBody>
       </p:sp>
@@ -2533,7 +5329,7 @@
         </p:nvSpPr>
         <p:spPr>
           <a:xfrm>
-            <a:off x="838200" y="6356350"/>
+            <a:off x="7678736" y="5883275"/>
             <a:ext cx="2743200" cy="365125"/>
           </a:xfrm>
           <a:prstGeom prst="rect">
@@ -2543,13 +5339,20 @@
         <p:txBody>
           <a:bodyPr vert="horz" lIns="91440" tIns="45720" rIns="91440" bIns="45720" rtlCol="0" anchor="ctr"/>
           <a:lstStyle>
-            <a:lvl1pPr algn="l">
-              <a:defRPr sz="1200">
+            <a:lvl1pPr algn="r">
+              <a:defRPr sz="1000">
                 <a:solidFill>
                   <a:schemeClr val="tx1">
-                    <a:tint val="75000"/>
+                    <a:lumMod val="95000"/>
                   </a:schemeClr>
                 </a:solidFill>
+                <a:effectLst>
+                  <a:outerShdw blurRad="50800" dist="38100" dir="2700000" algn="tl" rotWithShape="0">
+                    <a:schemeClr val="bg1">
+                      <a:alpha val="43000"/>
+                    </a:schemeClr>
+                  </a:outerShdw>
+                </a:effectLst>
               </a:defRPr>
             </a:lvl1pPr>
           </a:lstStyle>
@@ -2574,8 +5377,8 @@
         </p:nvSpPr>
         <p:spPr>
           <a:xfrm>
-            <a:off x="4038600" y="6356350"/>
-            <a:ext cx="4114800" cy="365125"/>
+            <a:off x="913795" y="5883275"/>
+            <a:ext cx="6672865" cy="365125"/>
           </a:xfrm>
           <a:prstGeom prst="rect">
             <a:avLst/>
@@ -2584,13 +5387,20 @@
         <p:txBody>
           <a:bodyPr vert="horz" lIns="91440" tIns="45720" rIns="91440" bIns="45720" rtlCol="0" anchor="ctr"/>
           <a:lstStyle>
-            <a:lvl1pPr algn="ctr">
-              <a:defRPr sz="1200">
+            <a:lvl1pPr algn="l">
+              <a:defRPr sz="1000">
                 <a:solidFill>
                   <a:schemeClr val="tx1">
-                    <a:tint val="75000"/>
+                    <a:lumMod val="95000"/>
                   </a:schemeClr>
                 </a:solidFill>
+                <a:effectLst>
+                  <a:outerShdw blurRad="50800" dist="38100" dir="2700000" algn="tl" rotWithShape="0">
+                    <a:schemeClr val="bg1">
+                      <a:alpha val="43000"/>
+                    </a:schemeClr>
+                  </a:outerShdw>
+                </a:effectLst>
               </a:defRPr>
             </a:lvl1pPr>
           </a:lstStyle>
@@ -2611,8 +5421,8 @@
         </p:nvSpPr>
         <p:spPr>
           <a:xfrm>
-            <a:off x="8610600" y="6356350"/>
-            <a:ext cx="2743200" cy="365125"/>
+            <a:off x="10514011" y="5883275"/>
+            <a:ext cx="753545" cy="365125"/>
           </a:xfrm>
           <a:prstGeom prst="rect">
             <a:avLst/>
@@ -2622,12 +5432,19 @@
           <a:bodyPr vert="horz" lIns="91440" tIns="45720" rIns="91440" bIns="45720" rtlCol="0" anchor="ctr"/>
           <a:lstStyle>
             <a:lvl1pPr algn="r">
-              <a:defRPr sz="1200">
+              <a:defRPr sz="1000">
                 <a:solidFill>
                   <a:schemeClr val="tx1">
-                    <a:tint val="75000"/>
+                    <a:lumMod val="95000"/>
                   </a:schemeClr>
                 </a:solidFill>
+                <a:effectLst>
+                  <a:outerShdw blurRad="50800" dist="38100" dir="2700000" algn="tl" rotWithShape="0">
+                    <a:schemeClr val="bg1">
+                      <a:alpha val="43000"/>
+                    </a:schemeClr>
+                  </a:outerShdw>
+                </a:effectLst>
               </a:defRPr>
             </a:lvl1pPr>
           </a:lstStyle>
@@ -2643,202 +5460,457 @@
     </p:spTree>
     <p:extLst>
       <p:ext uri="{BB962C8B-B14F-4D97-AF65-F5344CB8AC3E}">
-        <p14:creationId xmlns:p14="http://schemas.microsoft.com/office/powerpoint/2010/main" val="2100163078"/>
+        <p14:creationId xmlns:p14="http://schemas.microsoft.com/office/powerpoint/2010/main" val="1150536708"/>
       </p:ext>
     </p:extLst>
   </p:cSld>
-  <p:clrMap bg1="lt1" tx1="dk1" bg2="lt2" tx2="dk2" accent1="accent1" accent2="accent2" accent3="accent3" accent4="accent4" accent5="accent5" accent6="accent6" hlink="hlink" folHlink="folHlink"/>
+  <p:clrMap bg1="dk1" tx1="lt1" bg2="dk2" tx2="lt2" accent1="accent1" accent2="accent2" accent3="accent3" accent4="accent4" accent5="accent5" accent6="accent6" hlink="hlink" folHlink="folHlink"/>
   <p:sldLayoutIdLst>
-    <p:sldLayoutId id="2147483649" r:id="rId1"/>
-    <p:sldLayoutId id="2147483650" r:id="rId2"/>
-    <p:sldLayoutId id="2147483651" r:id="rId3"/>
-    <p:sldLayoutId id="2147483652" r:id="rId4"/>
-    <p:sldLayoutId id="2147483653" r:id="rId5"/>
-    <p:sldLayoutId id="2147483654" r:id="rId6"/>
-    <p:sldLayoutId id="2147483655" r:id="rId7"/>
-    <p:sldLayoutId id="2147483656" r:id="rId8"/>
-    <p:sldLayoutId id="2147483657" r:id="rId9"/>
-    <p:sldLayoutId id="2147483658" r:id="rId10"/>
-    <p:sldLayoutId id="2147483659" r:id="rId11"/>
+    <p:sldLayoutId id="2147483661" r:id="rId1"/>
+    <p:sldLayoutId id="2147483662" r:id="rId2"/>
+    <p:sldLayoutId id="2147483663" r:id="rId3"/>
+    <p:sldLayoutId id="2147483664" r:id="rId4"/>
+    <p:sldLayoutId id="2147483665" r:id="rId5"/>
+    <p:sldLayoutId id="2147483666" r:id="rId6"/>
+    <p:sldLayoutId id="2147483667" r:id="rId7"/>
+    <p:sldLayoutId id="2147483668" r:id="rId8"/>
+    <p:sldLayoutId id="2147483669" r:id="rId9"/>
+    <p:sldLayoutId id="2147483670" r:id="rId10"/>
+    <p:sldLayoutId id="2147483671" r:id="rId11"/>
+    <p:sldLayoutId id="2147483672" r:id="rId12"/>
+    <p:sldLayoutId id="2147483673" r:id="rId13"/>
+    <p:sldLayoutId id="2147483674" r:id="rId14"/>
+    <p:sldLayoutId id="2147483675" r:id="rId15"/>
+    <p:sldLayoutId id="2147483676" r:id="rId16"/>
+    <p:sldLayoutId id="2147483677" r:id="rId17"/>
   </p:sldLayoutIdLst>
   <p:txStyles>
     <p:titleStyle>
-      <a:lvl1pPr algn="l" defTabSz="914400" rtl="0" eaLnBrk="1" latinLnBrk="0" hangingPunct="1">
-        <a:lnSpc>
-          <a:spcPct val="90000"/>
-        </a:lnSpc>
+      <a:lvl1pPr algn="ctr" defTabSz="457200" rtl="0" eaLnBrk="1" latinLnBrk="0" hangingPunct="1">
         <a:spcBef>
           <a:spcPct val="0"/>
         </a:spcBef>
         <a:buNone/>
-        <a:defRPr sz="4400" kern="1200">
+        <a:defRPr sz="4000" kern="1200">
+          <a:ln>
+            <a:solidFill>
+              <a:schemeClr val="bg1">
+                <a:lumMod val="75000"/>
+                <a:lumOff val="25000"/>
+                <a:alpha val="10000"/>
+              </a:schemeClr>
+            </a:solidFill>
+          </a:ln>
           <a:solidFill>
-            <a:schemeClr val="tx1"/>
+            <a:schemeClr val="tx2"/>
           </a:solidFill>
+          <a:effectLst>
+            <a:outerShdw blurRad="9525" dist="25400" dir="14640000" algn="tl" rotWithShape="0">
+              <a:schemeClr val="bg1">
+                <a:alpha val="30000"/>
+              </a:schemeClr>
+            </a:outerShdw>
+          </a:effectLst>
           <a:latin typeface="+mj-lt"/>
           <a:ea typeface="+mj-ea"/>
-          <a:cs typeface="+mj-cs"/>
+          <a:cs typeface="Trebuchet MS"/>
         </a:defRPr>
       </a:lvl1pPr>
+      <a:lvl2pPr eaLnBrk="1" hangingPunct="1">
+        <a:defRPr>
+          <a:solidFill>
+            <a:schemeClr val="tx2"/>
+          </a:solidFill>
+        </a:defRPr>
+      </a:lvl2pPr>
+      <a:lvl3pPr eaLnBrk="1" hangingPunct="1">
+        <a:defRPr>
+          <a:solidFill>
+            <a:schemeClr val="tx2"/>
+          </a:solidFill>
+        </a:defRPr>
+      </a:lvl3pPr>
+      <a:lvl4pPr eaLnBrk="1" hangingPunct="1">
+        <a:defRPr>
+          <a:solidFill>
+            <a:schemeClr val="tx2"/>
+          </a:solidFill>
+        </a:defRPr>
+      </a:lvl4pPr>
+      <a:lvl5pPr eaLnBrk="1" hangingPunct="1">
+        <a:defRPr>
+          <a:solidFill>
+            <a:schemeClr val="tx2"/>
+          </a:solidFill>
+        </a:defRPr>
+      </a:lvl5pPr>
+      <a:lvl6pPr eaLnBrk="1" hangingPunct="1">
+        <a:defRPr>
+          <a:solidFill>
+            <a:schemeClr val="tx2"/>
+          </a:solidFill>
+        </a:defRPr>
+      </a:lvl6pPr>
+      <a:lvl7pPr eaLnBrk="1" hangingPunct="1">
+        <a:defRPr>
+          <a:solidFill>
+            <a:schemeClr val="tx2"/>
+          </a:solidFill>
+        </a:defRPr>
+      </a:lvl7pPr>
+      <a:lvl8pPr eaLnBrk="1" hangingPunct="1">
+        <a:defRPr>
+          <a:solidFill>
+            <a:schemeClr val="tx2"/>
+          </a:solidFill>
+        </a:defRPr>
+      </a:lvl8pPr>
+      <a:lvl9pPr eaLnBrk="1" hangingPunct="1">
+        <a:defRPr>
+          <a:solidFill>
+            <a:schemeClr val="tx2"/>
+          </a:solidFill>
+        </a:defRPr>
+      </a:lvl9pPr>
     </p:titleStyle>
     <p:bodyStyle>
-      <a:lvl1pPr marL="228600" indent="-228600" algn="l" defTabSz="914400" rtl="0" eaLnBrk="1" latinLnBrk="0" hangingPunct="1">
-        <a:lnSpc>
-          <a:spcPct val="90000"/>
-        </a:lnSpc>
+      <a:lvl1pPr marL="342900" indent="-306000" algn="l" defTabSz="457200" rtl="0" eaLnBrk="1" latinLnBrk="0" hangingPunct="1">
         <a:spcBef>
-          <a:spcPts val="1000"/>
+          <a:spcPct val="20000"/>
         </a:spcBef>
-        <a:buFont typeface="Arial" panose="020B0604020202020204" pitchFamily="34" charset="0"/>
-        <a:buChar char="•"/>
-        <a:defRPr sz="2800" kern="1200">
+        <a:spcAft>
+          <a:spcPts val="600"/>
+        </a:spcAft>
+        <a:buClr>
+          <a:schemeClr val="tx2"/>
+        </a:buClr>
+        <a:buSzPct val="70000"/>
+        <a:buFont typeface="Wingdings 2" charset="2"/>
+        <a:buChar char=""/>
+        <a:defRPr sz="2000" kern="1200">
+          <a:ln>
+            <a:solidFill>
+              <a:schemeClr val="bg1">
+                <a:lumMod val="75000"/>
+                <a:lumOff val="25000"/>
+                <a:alpha val="10000"/>
+              </a:schemeClr>
+            </a:solidFill>
+          </a:ln>
           <a:solidFill>
-            <a:schemeClr val="tx1"/>
+            <a:schemeClr val="tx2"/>
           </a:solidFill>
+          <a:effectLst>
+            <a:outerShdw blurRad="9525" dist="25400" dir="14640000" algn="tl" rotWithShape="0">
+              <a:schemeClr val="bg1">
+                <a:alpha val="30000"/>
+              </a:schemeClr>
+            </a:outerShdw>
+          </a:effectLst>
           <a:latin typeface="+mn-lt"/>
           <a:ea typeface="+mn-ea"/>
           <a:cs typeface="+mn-cs"/>
         </a:defRPr>
       </a:lvl1pPr>
-      <a:lvl2pPr marL="685800" indent="-228600" algn="l" defTabSz="914400" rtl="0" eaLnBrk="1" latinLnBrk="0" hangingPunct="1">
-        <a:lnSpc>
-          <a:spcPct val="90000"/>
-        </a:lnSpc>
+      <a:lvl2pPr marL="720000" indent="-270000" algn="l" defTabSz="457200" rtl="0" eaLnBrk="1" latinLnBrk="0" hangingPunct="1">
         <a:spcBef>
-          <a:spcPts val="500"/>
+          <a:spcPct val="20000"/>
         </a:spcBef>
-        <a:buFont typeface="Arial" panose="020B0604020202020204" pitchFamily="34" charset="0"/>
-        <a:buChar char="•"/>
-        <a:defRPr sz="2400" kern="1200">
+        <a:spcAft>
+          <a:spcPts val="600"/>
+        </a:spcAft>
+        <a:buClr>
+          <a:schemeClr val="tx2"/>
+        </a:buClr>
+        <a:buSzPct val="70000"/>
+        <a:buFont typeface="Wingdings 2" charset="2"/>
+        <a:buChar char=""/>
+        <a:defRPr sz="1800" kern="1200">
+          <a:ln>
+            <a:solidFill>
+              <a:schemeClr val="bg1">
+                <a:lumMod val="75000"/>
+                <a:lumOff val="25000"/>
+                <a:alpha val="10000"/>
+              </a:schemeClr>
+            </a:solidFill>
+          </a:ln>
           <a:solidFill>
-            <a:schemeClr val="tx1"/>
+            <a:schemeClr val="tx2"/>
           </a:solidFill>
+          <a:effectLst>
+            <a:outerShdw blurRad="9525" dist="25400" dir="14640000" algn="tl" rotWithShape="0">
+              <a:schemeClr val="bg1">
+                <a:alpha val="30000"/>
+              </a:schemeClr>
+            </a:outerShdw>
+          </a:effectLst>
           <a:latin typeface="+mn-lt"/>
           <a:ea typeface="+mn-ea"/>
           <a:cs typeface="+mn-cs"/>
         </a:defRPr>
       </a:lvl2pPr>
-      <a:lvl3pPr marL="1143000" indent="-228600" algn="l" defTabSz="914400" rtl="0" eaLnBrk="1" latinLnBrk="0" hangingPunct="1">
-        <a:lnSpc>
-          <a:spcPct val="90000"/>
-        </a:lnSpc>
+      <a:lvl3pPr marL="1026000" indent="-216000" algn="l" defTabSz="457200" rtl="0" eaLnBrk="1" latinLnBrk="0" hangingPunct="1">
         <a:spcBef>
-          <a:spcPts val="500"/>
+          <a:spcPct val="20000"/>
         </a:spcBef>
-        <a:buFont typeface="Arial" panose="020B0604020202020204" pitchFamily="34" charset="0"/>
-        <a:buChar char="•"/>
-        <a:defRPr sz="2000" kern="1200">
+        <a:spcAft>
+          <a:spcPts val="600"/>
+        </a:spcAft>
+        <a:buClr>
+          <a:schemeClr val="tx2"/>
+        </a:buClr>
+        <a:buSzPct val="70000"/>
+        <a:buFont typeface="Wingdings 2" charset="2"/>
+        <a:buChar char=""/>
+        <a:defRPr sz="1600" kern="1200">
+          <a:ln>
+            <a:solidFill>
+              <a:schemeClr val="bg1">
+                <a:lumMod val="75000"/>
+                <a:lumOff val="25000"/>
+                <a:alpha val="10000"/>
+              </a:schemeClr>
+            </a:solidFill>
+          </a:ln>
           <a:solidFill>
-            <a:schemeClr val="tx1"/>
+            <a:schemeClr val="tx2"/>
           </a:solidFill>
+          <a:effectLst>
+            <a:outerShdw blurRad="9525" dist="25400" dir="14640000" algn="tl" rotWithShape="0">
+              <a:schemeClr val="bg1">
+                <a:alpha val="30000"/>
+              </a:schemeClr>
+            </a:outerShdw>
+          </a:effectLst>
           <a:latin typeface="+mn-lt"/>
           <a:ea typeface="+mn-ea"/>
           <a:cs typeface="+mn-cs"/>
         </a:defRPr>
       </a:lvl3pPr>
-      <a:lvl4pPr marL="1600200" indent="-228600" algn="l" defTabSz="914400" rtl="0" eaLnBrk="1" latinLnBrk="0" hangingPunct="1">
-        <a:lnSpc>
-          <a:spcPct val="90000"/>
-        </a:lnSpc>
+      <a:lvl4pPr marL="1386000" indent="-216000" algn="l" defTabSz="457200" rtl="0" eaLnBrk="1" latinLnBrk="0" hangingPunct="1">
         <a:spcBef>
-          <a:spcPts val="500"/>
+          <a:spcPct val="20000"/>
         </a:spcBef>
-        <a:buFont typeface="Arial" panose="020B0604020202020204" pitchFamily="34" charset="0"/>
-        <a:buChar char="•"/>
-        <a:defRPr sz="1800" kern="1200">
+        <a:spcAft>
+          <a:spcPts val="600"/>
+        </a:spcAft>
+        <a:buClr>
+          <a:schemeClr val="tx2"/>
+        </a:buClr>
+        <a:buSzPct val="70000"/>
+        <a:buFont typeface="Wingdings 2" charset="2"/>
+        <a:buChar char=""/>
+        <a:defRPr sz="1400" kern="1200">
+          <a:ln>
+            <a:solidFill>
+              <a:schemeClr val="bg1">
+                <a:lumMod val="75000"/>
+                <a:lumOff val="25000"/>
+                <a:alpha val="10000"/>
+              </a:schemeClr>
+            </a:solidFill>
+          </a:ln>
           <a:solidFill>
-            <a:schemeClr val="tx1"/>
+            <a:schemeClr val="tx2"/>
           </a:solidFill>
+          <a:effectLst>
+            <a:outerShdw blurRad="9525" dist="25400" dir="14640000" algn="tl" rotWithShape="0">
+              <a:schemeClr val="bg1">
+                <a:alpha val="30000"/>
+              </a:schemeClr>
+            </a:outerShdw>
+          </a:effectLst>
           <a:latin typeface="+mn-lt"/>
           <a:ea typeface="+mn-ea"/>
           <a:cs typeface="+mn-cs"/>
         </a:defRPr>
       </a:lvl4pPr>
-      <a:lvl5pPr marL="2057400" indent="-228600" algn="l" defTabSz="914400" rtl="0" eaLnBrk="1" latinLnBrk="0" hangingPunct="1">
-        <a:lnSpc>
-          <a:spcPct val="90000"/>
-        </a:lnSpc>
+      <a:lvl5pPr marL="1674000" indent="-216000" algn="l" defTabSz="457200" rtl="0" eaLnBrk="1" latinLnBrk="0" hangingPunct="1">
         <a:spcBef>
-          <a:spcPts val="500"/>
+          <a:spcPct val="20000"/>
         </a:spcBef>
-        <a:buFont typeface="Arial" panose="020B0604020202020204" pitchFamily="34" charset="0"/>
-        <a:buChar char="•"/>
-        <a:defRPr sz="1800" kern="1200">
+        <a:spcAft>
+          <a:spcPts val="600"/>
+        </a:spcAft>
+        <a:buClr>
+          <a:schemeClr val="tx2"/>
+        </a:buClr>
+        <a:buSzPct val="70000"/>
+        <a:buFont typeface="Wingdings 2" charset="2"/>
+        <a:buChar char=""/>
+        <a:defRPr sz="1400" kern="1200">
+          <a:ln>
+            <a:solidFill>
+              <a:schemeClr val="bg1">
+                <a:lumMod val="75000"/>
+                <a:lumOff val="25000"/>
+                <a:alpha val="10000"/>
+              </a:schemeClr>
+            </a:solidFill>
+          </a:ln>
           <a:solidFill>
-            <a:schemeClr val="tx1"/>
+            <a:schemeClr val="tx2"/>
           </a:solidFill>
+          <a:effectLst>
+            <a:outerShdw blurRad="9525" dist="25400" dir="14640000" algn="tl" rotWithShape="0">
+              <a:schemeClr val="bg1">
+                <a:alpha val="30000"/>
+              </a:schemeClr>
+            </a:outerShdw>
+          </a:effectLst>
           <a:latin typeface="+mn-lt"/>
           <a:ea typeface="+mn-ea"/>
           <a:cs typeface="+mn-cs"/>
         </a:defRPr>
       </a:lvl5pPr>
-      <a:lvl6pPr marL="2514600" indent="-228600" algn="l" defTabSz="914400" rtl="0" eaLnBrk="1" latinLnBrk="0" hangingPunct="1">
-        <a:lnSpc>
-          <a:spcPct val="90000"/>
-        </a:lnSpc>
+      <a:lvl6pPr marL="2014600" indent="-228600" algn="l" defTabSz="457200" rtl="0" eaLnBrk="1" latinLnBrk="0" hangingPunct="1">
         <a:spcBef>
-          <a:spcPts val="500"/>
+          <a:spcPct val="20000"/>
         </a:spcBef>
-        <a:buFont typeface="Arial" panose="020B0604020202020204" pitchFamily="34" charset="0"/>
-        <a:buChar char="•"/>
-        <a:defRPr sz="1800" kern="1200">
+        <a:spcAft>
+          <a:spcPts val="600"/>
+        </a:spcAft>
+        <a:buClr>
+          <a:schemeClr val="tx2"/>
+        </a:buClr>
+        <a:buSzPct val="70000"/>
+        <a:buFont typeface="Wingdings 2" charset="2"/>
+        <a:buChar char=""/>
+        <a:defRPr sz="1400" kern="1200">
+          <a:ln>
+            <a:solidFill>
+              <a:schemeClr val="bg1">
+                <a:lumMod val="75000"/>
+                <a:lumOff val="25000"/>
+                <a:alpha val="10000"/>
+              </a:schemeClr>
+            </a:solidFill>
+          </a:ln>
           <a:solidFill>
-            <a:schemeClr val="tx1"/>
+            <a:schemeClr val="tx2"/>
           </a:solidFill>
+          <a:effectLst>
+            <a:outerShdw blurRad="9525" dist="25400" dir="14640000" algn="tl" rotWithShape="0">
+              <a:schemeClr val="bg1">
+                <a:alpha val="30000"/>
+              </a:schemeClr>
+            </a:outerShdw>
+          </a:effectLst>
           <a:latin typeface="+mn-lt"/>
           <a:ea typeface="+mn-ea"/>
           <a:cs typeface="+mn-cs"/>
         </a:defRPr>
       </a:lvl6pPr>
-      <a:lvl7pPr marL="2971800" indent="-228600" algn="l" defTabSz="914400" rtl="0" eaLnBrk="1" latinLnBrk="0" hangingPunct="1">
-        <a:lnSpc>
-          <a:spcPct val="90000"/>
-        </a:lnSpc>
+      <a:lvl7pPr marL="2401800" indent="-228600" algn="l" defTabSz="457200" rtl="0" eaLnBrk="1" latinLnBrk="0" hangingPunct="1">
         <a:spcBef>
-          <a:spcPts val="500"/>
+          <a:spcPct val="20000"/>
         </a:spcBef>
-        <a:buFont typeface="Arial" panose="020B0604020202020204" pitchFamily="34" charset="0"/>
-        <a:buChar char="•"/>
-        <a:defRPr sz="1800" kern="1200">
+        <a:spcAft>
+          <a:spcPts val="600"/>
+        </a:spcAft>
+        <a:buClr>
+          <a:schemeClr val="tx2"/>
+        </a:buClr>
+        <a:buSzPct val="70000"/>
+        <a:buFont typeface="Wingdings 2" charset="2"/>
+        <a:buChar char=""/>
+        <a:defRPr sz="1400" kern="1200">
+          <a:ln>
+            <a:solidFill>
+              <a:schemeClr val="bg1">
+                <a:lumMod val="75000"/>
+                <a:lumOff val="25000"/>
+                <a:alpha val="10000"/>
+              </a:schemeClr>
+            </a:solidFill>
+          </a:ln>
           <a:solidFill>
-            <a:schemeClr val="tx1"/>
+            <a:schemeClr val="tx2"/>
           </a:solidFill>
+          <a:effectLst>
+            <a:outerShdw blurRad="9525" dist="25400" dir="14640000" algn="tl" rotWithShape="0">
+              <a:schemeClr val="bg1">
+                <a:alpha val="30000"/>
+              </a:schemeClr>
+            </a:outerShdw>
+          </a:effectLst>
           <a:latin typeface="+mn-lt"/>
           <a:ea typeface="+mn-ea"/>
           <a:cs typeface="+mn-cs"/>
         </a:defRPr>
       </a:lvl7pPr>
-      <a:lvl8pPr marL="3429000" indent="-228600" algn="l" defTabSz="914400" rtl="0" eaLnBrk="1" latinLnBrk="0" hangingPunct="1">
-        <a:lnSpc>
-          <a:spcPct val="90000"/>
-        </a:lnSpc>
+      <a:lvl8pPr marL="2789000" indent="-228600" algn="l" defTabSz="457200" rtl="0" eaLnBrk="1" latinLnBrk="0" hangingPunct="1">
         <a:spcBef>
-          <a:spcPts val="500"/>
+          <a:spcPct val="20000"/>
         </a:spcBef>
-        <a:buFont typeface="Arial" panose="020B0604020202020204" pitchFamily="34" charset="0"/>
-        <a:buChar char="•"/>
-        <a:defRPr sz="1800" kern="1200">
+        <a:spcAft>
+          <a:spcPts val="600"/>
+        </a:spcAft>
+        <a:buClr>
+          <a:schemeClr val="tx2"/>
+        </a:buClr>
+        <a:buSzPct val="70000"/>
+        <a:buFont typeface="Wingdings 2" charset="2"/>
+        <a:buChar char=""/>
+        <a:defRPr sz="1400" kern="1200">
+          <a:ln>
+            <a:solidFill>
+              <a:schemeClr val="bg1">
+                <a:lumMod val="75000"/>
+                <a:lumOff val="25000"/>
+                <a:alpha val="10000"/>
+              </a:schemeClr>
+            </a:solidFill>
+          </a:ln>
           <a:solidFill>
-            <a:schemeClr val="tx1"/>
+            <a:schemeClr val="tx2"/>
           </a:solidFill>
+          <a:effectLst>
+            <a:outerShdw blurRad="9525" dist="25400" dir="14640000" algn="tl" rotWithShape="0">
+              <a:schemeClr val="bg1">
+                <a:alpha val="30000"/>
+              </a:schemeClr>
+            </a:outerShdw>
+          </a:effectLst>
           <a:latin typeface="+mn-lt"/>
           <a:ea typeface="+mn-ea"/>
           <a:cs typeface="+mn-cs"/>
         </a:defRPr>
       </a:lvl8pPr>
-      <a:lvl9pPr marL="3886200" indent="-228600" algn="l" defTabSz="914400" rtl="0" eaLnBrk="1" latinLnBrk="0" hangingPunct="1">
-        <a:lnSpc>
-          <a:spcPct val="90000"/>
-        </a:lnSpc>
+      <a:lvl9pPr marL="3106200" indent="-228600" algn="l" defTabSz="457200" rtl="0" eaLnBrk="1" latinLnBrk="0" hangingPunct="1">
         <a:spcBef>
-          <a:spcPts val="500"/>
+          <a:spcPct val="20000"/>
         </a:spcBef>
-        <a:buFont typeface="Arial" panose="020B0604020202020204" pitchFamily="34" charset="0"/>
-        <a:buChar char="•"/>
-        <a:defRPr sz="1800" kern="1200">
+        <a:spcAft>
+          <a:spcPts val="600"/>
+        </a:spcAft>
+        <a:buClr>
+          <a:schemeClr val="tx2"/>
+        </a:buClr>
+        <a:buSzPct val="70000"/>
+        <a:buFont typeface="Wingdings 2" charset="2"/>
+        <a:buChar char=""/>
+        <a:defRPr sz="1400" kern="1200">
+          <a:ln>
+            <a:solidFill>
+              <a:schemeClr val="bg1">
+                <a:lumMod val="75000"/>
+                <a:lumOff val="25000"/>
+                <a:alpha val="10000"/>
+              </a:schemeClr>
+            </a:solidFill>
+          </a:ln>
           <a:solidFill>
-            <a:schemeClr val="tx1"/>
+            <a:schemeClr val="tx2"/>
           </a:solidFill>
+          <a:effectLst>
+            <a:outerShdw blurRad="9525" dist="25400" dir="14640000" algn="tl" rotWithShape="0">
+              <a:schemeClr val="bg1">
+                <a:alpha val="30000"/>
+              </a:schemeClr>
+            </a:outerShdw>
+          </a:effectLst>
           <a:latin typeface="+mn-lt"/>
           <a:ea typeface="+mn-ea"/>
           <a:cs typeface="+mn-cs"/>
@@ -2849,7 +5921,7 @@
       <a:defPPr>
         <a:defRPr lang="en-US"/>
       </a:defPPr>
-      <a:lvl1pPr marL="0" algn="l" defTabSz="914400" rtl="0" eaLnBrk="1" latinLnBrk="0" hangingPunct="1">
+      <a:lvl1pPr marL="0" algn="l" defTabSz="457200" rtl="0" eaLnBrk="1" latinLnBrk="0" hangingPunct="1">
         <a:defRPr sz="1800" kern="1200">
           <a:solidFill>
             <a:schemeClr val="tx1"/>
@@ -2859,7 +5931,7 @@
           <a:cs typeface="+mn-cs"/>
         </a:defRPr>
       </a:lvl1pPr>
-      <a:lvl2pPr marL="457200" algn="l" defTabSz="914400" rtl="0" eaLnBrk="1" latinLnBrk="0" hangingPunct="1">
+      <a:lvl2pPr marL="457200" algn="l" defTabSz="457200" rtl="0" eaLnBrk="1" latinLnBrk="0" hangingPunct="1">
         <a:defRPr sz="1800" kern="1200">
           <a:solidFill>
             <a:schemeClr val="tx1"/>
@@ -2869,7 +5941,7 @@
           <a:cs typeface="+mn-cs"/>
         </a:defRPr>
       </a:lvl2pPr>
-      <a:lvl3pPr marL="914400" algn="l" defTabSz="914400" rtl="0" eaLnBrk="1" latinLnBrk="0" hangingPunct="1">
+      <a:lvl3pPr marL="914400" algn="l" defTabSz="457200" rtl="0" eaLnBrk="1" latinLnBrk="0" hangingPunct="1">
         <a:defRPr sz="1800" kern="1200">
           <a:solidFill>
             <a:schemeClr val="tx1"/>
@@ -2879,7 +5951,7 @@
           <a:cs typeface="+mn-cs"/>
         </a:defRPr>
       </a:lvl3pPr>
-      <a:lvl4pPr marL="1371600" algn="l" defTabSz="914400" rtl="0" eaLnBrk="1" latinLnBrk="0" hangingPunct="1">
+      <a:lvl4pPr marL="1371600" algn="l" defTabSz="457200" rtl="0" eaLnBrk="1" latinLnBrk="0" hangingPunct="1">
         <a:defRPr sz="1800" kern="1200">
           <a:solidFill>
             <a:schemeClr val="tx1"/>
@@ -2889,7 +5961,7 @@
           <a:cs typeface="+mn-cs"/>
         </a:defRPr>
       </a:lvl4pPr>
-      <a:lvl5pPr marL="1828800" algn="l" defTabSz="914400" rtl="0" eaLnBrk="1" latinLnBrk="0" hangingPunct="1">
+      <a:lvl5pPr marL="1828800" algn="l" defTabSz="457200" rtl="0" eaLnBrk="1" latinLnBrk="0" hangingPunct="1">
         <a:defRPr sz="1800" kern="1200">
           <a:solidFill>
             <a:schemeClr val="tx1"/>
@@ -2899,7 +5971,7 @@
           <a:cs typeface="+mn-cs"/>
         </a:defRPr>
       </a:lvl5pPr>
-      <a:lvl6pPr marL="2286000" algn="l" defTabSz="914400" rtl="0" eaLnBrk="1" latinLnBrk="0" hangingPunct="1">
+      <a:lvl6pPr marL="2286000" algn="l" defTabSz="457200" rtl="0" eaLnBrk="1" latinLnBrk="0" hangingPunct="1">
         <a:defRPr sz="1800" kern="1200">
           <a:solidFill>
             <a:schemeClr val="tx1"/>
@@ -2909,7 +5981,7 @@
           <a:cs typeface="+mn-cs"/>
         </a:defRPr>
       </a:lvl6pPr>
-      <a:lvl7pPr marL="2743200" algn="l" defTabSz="914400" rtl="0" eaLnBrk="1" latinLnBrk="0" hangingPunct="1">
+      <a:lvl7pPr marL="2743200" algn="l" defTabSz="457200" rtl="0" eaLnBrk="1" latinLnBrk="0" hangingPunct="1">
         <a:defRPr sz="1800" kern="1200">
           <a:solidFill>
             <a:schemeClr val="tx1"/>
@@ -2919,7 +5991,7 @@
           <a:cs typeface="+mn-cs"/>
         </a:defRPr>
       </a:lvl7pPr>
-      <a:lvl8pPr marL="3200400" algn="l" defTabSz="914400" rtl="0" eaLnBrk="1" latinLnBrk="0" hangingPunct="1">
+      <a:lvl8pPr marL="3200400" algn="l" defTabSz="457200" rtl="0" eaLnBrk="1" latinLnBrk="0" hangingPunct="1">
         <a:defRPr sz="1800" kern="1200">
           <a:solidFill>
             <a:schemeClr val="tx1"/>
@@ -2929,7 +6001,7 @@
           <a:cs typeface="+mn-cs"/>
         </a:defRPr>
       </a:lvl8pPr>
-      <a:lvl9pPr marL="3657600" algn="l" defTabSz="914400" rtl="0" eaLnBrk="1" latinLnBrk="0" hangingPunct="1">
+      <a:lvl9pPr marL="3657600" algn="l" defTabSz="457200" rtl="0" eaLnBrk="1" latinLnBrk="0" hangingPunct="1">
         <a:defRPr sz="1800" kern="1200">
           <a:solidFill>
             <a:schemeClr val="tx1"/>
@@ -2947,6 +6019,26 @@
 <file path=ppt/slides/slide1.xml><?xml version="1.0" encoding="utf-8"?>
 <p:sld xmlns:a="http://schemas.openxmlformats.org/drawingml/2006/main" xmlns:r="http://schemas.openxmlformats.org/officeDocument/2006/relationships" xmlns:p="http://schemas.openxmlformats.org/presentationml/2006/main">
   <p:cSld>
+    <p:bg>
+      <p:bgPr>
+        <a:blipFill rotWithShape="1">
+          <a:blip r:embed="rId2">
+            <a:duotone>
+              <a:schemeClr val="bg2">
+                <a:shade val="80000"/>
+                <a:lumMod val="80000"/>
+              </a:schemeClr>
+              <a:schemeClr val="bg2">
+                <a:tint val="98000"/>
+              </a:schemeClr>
+            </a:duotone>
+            <a:extLst/>
+          </a:blip>
+          <a:stretch/>
+        </a:blipFill>
+        <a:effectLst/>
+      </p:bgPr>
+    </p:bg>
     <p:spTree>
       <p:nvGrpSpPr>
         <p:cNvPr id="1" name=""/>
@@ -2961,6 +6053,66 @@
           <a:chExt cx="0" cy="0"/>
         </a:xfrm>
       </p:grpSpPr>
+      <p:sp useBgFill="1">
+        <p:nvSpPr>
+          <p:cNvPr id="8" name="Rectangle 7">
+            <a:extLst>
+              <a:ext uri="{FF2B5EF4-FFF2-40B4-BE49-F238E27FC236}">
+                <a16:creationId xmlns:a16="http://schemas.microsoft.com/office/drawing/2014/main" id="{2124007E-BA57-41B2-8C6B-5E99927F2247}"/>
+              </a:ext>
+              <a:ext uri="{C183D7F6-B498-43B3-948B-1728B52AA6E4}">
+                <adec:decorative xmlns:adec="http://schemas.microsoft.com/office/drawing/2017/decorative" val="1"/>
+              </a:ext>
+            </a:extLst>
+          </p:cNvPr>
+          <p:cNvSpPr>
+            <a:spLocks noGrp="1" noRot="1" noChangeAspect="1" noMove="1" noResize="1" noEditPoints="1" noAdjustHandles="1" noChangeArrowheads="1" noChangeShapeType="1" noTextEdit="1"/>
+          </p:cNvSpPr>
+          <p:nvPr>
+            <p:extLst>
+              <p:ext uri="{386F3935-93C4-4BCD-93E2-E3B085C9AB24}">
+                <p16:designElem xmlns:p16="http://schemas.microsoft.com/office/powerpoint/2015/main" val="1"/>
+              </p:ext>
+            </p:extLst>
+          </p:nvPr>
+        </p:nvSpPr>
+        <p:spPr>
+          <a:xfrm>
+            <a:off x="0" y="0"/>
+            <a:ext cx="12192000" cy="6858000"/>
+          </a:xfrm>
+          <a:prstGeom prst="rect">
+            <a:avLst/>
+          </a:prstGeom>
+          <a:ln>
+            <a:noFill/>
+          </a:ln>
+        </p:spPr>
+        <p:style>
+          <a:lnRef idx="2">
+            <a:schemeClr val="accent1">
+              <a:shade val="50000"/>
+            </a:schemeClr>
+          </a:lnRef>
+          <a:fillRef idx="1">
+            <a:schemeClr val="accent1"/>
+          </a:fillRef>
+          <a:effectRef idx="0">
+            <a:schemeClr val="accent1"/>
+          </a:effectRef>
+          <a:fontRef idx="minor">
+            <a:schemeClr val="lt1"/>
+          </a:fontRef>
+        </p:style>
+        <p:txBody>
+          <a:bodyPr rtlCol="0" anchor="ctr"/>
+          <a:lstStyle/>
+          <a:p>
+            <a:pPr algn="ctr"/>
+            <a:endParaRPr lang="en-US"/>
+          </a:p>
+        </p:txBody>
+      </p:sp>
       <p:sp>
         <p:nvSpPr>
           <p:cNvPr id="2" name="Title 1"/>
@@ -2971,13 +6123,26 @@
             <p:ph type="ctrTitle"/>
           </p:nvPr>
         </p:nvSpPr>
-        <p:spPr/>
-        <p:txBody>
-          <a:bodyPr/>
-          <a:lstStyle/>
-          <a:p>
-            <a:r>
-              <a:rPr lang="en-US" dirty="0"/>
+        <p:spPr>
+          <a:xfrm>
+            <a:off x="769207" y="1099456"/>
+            <a:ext cx="6243636" cy="4625558"/>
+          </a:xfrm>
+          <a:effectLst/>
+        </p:spPr>
+        <p:txBody>
+          <a:bodyPr anchor="ctr">
+            <a:normAutofit/>
+          </a:bodyPr>
+          <a:lstStyle/>
+          <a:p>
+            <a:pPr algn="l"/>
+            <a:r>
+              <a:rPr lang="en-US">
+                <a:solidFill>
+                  <a:schemeClr val="tx1"/>
+                </a:solidFill>
+              </a:rPr>
               <a:t>HECC 2018</a:t>
             </a:r>
           </a:p>
@@ -2985,6 +6150,79 @@
       </p:sp>
       <p:sp>
         <p:nvSpPr>
+          <p:cNvPr id="10" name="Rectangle 9">
+            <a:extLst>
+              <a:ext uri="{FF2B5EF4-FFF2-40B4-BE49-F238E27FC236}">
+                <a16:creationId xmlns:a16="http://schemas.microsoft.com/office/drawing/2014/main" id="{8DEB9D55-38C8-45B4-BB2D-4FDBBDB08C37}"/>
+              </a:ext>
+              <a:ext uri="{C183D7F6-B498-43B3-948B-1728B52AA6E4}">
+                <adec:decorative xmlns:adec="http://schemas.microsoft.com/office/drawing/2017/decorative" val="1"/>
+              </a:ext>
+            </a:extLst>
+          </p:cNvPr>
+          <p:cNvSpPr>
+            <a:spLocks noGrp="1" noRot="1" noChangeAspect="1" noMove="1" noResize="1" noEditPoints="1" noAdjustHandles="1" noChangeArrowheads="1" noChangeShapeType="1" noTextEdit="1"/>
+          </p:cNvSpPr>
+          <p:nvPr>
+            <p:extLst>
+              <p:ext uri="{386F3935-93C4-4BCD-93E2-E3B085C9AB24}">
+                <p16:designElem xmlns:p16="http://schemas.microsoft.com/office/powerpoint/2015/main" val="1"/>
+              </p:ext>
+            </p:extLst>
+          </p:nvPr>
+        </p:nvSpPr>
+        <p:spPr>
+          <a:xfrm>
+            <a:off x="7537704" y="0"/>
+            <a:ext cx="4654296" cy="6858000"/>
+          </a:xfrm>
+          <a:prstGeom prst="rect">
+            <a:avLst/>
+          </a:prstGeom>
+          <a:solidFill>
+            <a:schemeClr val="tx1">
+              <a:lumMod val="95000"/>
+              <a:alpha val="90000"/>
+            </a:schemeClr>
+          </a:solidFill>
+          <a:ln>
+            <a:noFill/>
+          </a:ln>
+          <a:effectLst>
+            <a:outerShdw blurRad="50800" dist="38100" dir="10800000" algn="l" rotWithShape="0">
+              <a:prstClr val="black">
+                <a:alpha val="40000"/>
+              </a:prstClr>
+            </a:outerShdw>
+          </a:effectLst>
+        </p:spPr>
+        <p:style>
+          <a:lnRef idx="2">
+            <a:schemeClr val="accent1">
+              <a:shade val="50000"/>
+            </a:schemeClr>
+          </a:lnRef>
+          <a:fillRef idx="1">
+            <a:schemeClr val="accent1"/>
+          </a:fillRef>
+          <a:effectRef idx="0">
+            <a:schemeClr val="accent1"/>
+          </a:effectRef>
+          <a:fontRef idx="minor">
+            <a:schemeClr val="lt1"/>
+          </a:fontRef>
+        </p:style>
+        <p:txBody>
+          <a:bodyPr rtlCol="0" anchor="ctr"/>
+          <a:lstStyle/>
+          <a:p>
+            <a:pPr algn="ctr"/>
+            <a:endParaRPr lang="en-US" dirty="0"/>
+          </a:p>
+        </p:txBody>
+      </p:sp>
+      <p:sp>
+        <p:nvSpPr>
           <p:cNvPr id="3" name="Subtitle 2"/>
           <p:cNvSpPr>
             <a:spLocks noGrp="1"/>
@@ -2993,19 +6231,37 @@
             <p:ph type="subTitle" idx="1"/>
           </p:nvPr>
         </p:nvSpPr>
-        <p:spPr/>
-        <p:txBody>
-          <a:bodyPr/>
-          <a:lstStyle/>
-          <a:p>
-            <a:r>
-              <a:rPr lang="en-US" dirty="0"/>
+        <p:spPr>
+          <a:xfrm>
+            <a:off x="7782049" y="1112685"/>
+            <a:ext cx="2935320" cy="4632630"/>
+          </a:xfrm>
+          <a:effectLst/>
+        </p:spPr>
+        <p:txBody>
+          <a:bodyPr anchor="ctr">
+            <a:normAutofit/>
+          </a:bodyPr>
+          <a:lstStyle/>
+          <a:p>
+            <a:pPr algn="l"/>
+            <a:r>
+              <a:rPr lang="en-US" sz="2400">
+                <a:solidFill>
+                  <a:schemeClr val="bg2"/>
+                </a:solidFill>
+              </a:rPr>
               <a:t>2054 - Deploying Windows 10 With MDT (Part 2)</a:t>
             </a:r>
           </a:p>
           <a:p>
-            <a:r>
-              <a:rPr lang="en-US" sz="2000" dirty="0"/>
+            <a:pPr algn="l"/>
+            <a:r>
+              <a:rPr lang="en-US" sz="2400">
+                <a:solidFill>
+                  <a:schemeClr val="bg2"/>
+                </a:solidFill>
+              </a:rPr>
               <a:t>Section 3</a:t>
             </a:r>
           </a:p>
@@ -3025,6 +6281,180 @@
 </file>
 
 <file path=ppt/slides/slide10.xml><?xml version="1.0" encoding="utf-8"?>
+<p:sld xmlns:a="http://schemas.openxmlformats.org/drawingml/2006/main" xmlns:r="http://schemas.openxmlformats.org/officeDocument/2006/relationships" xmlns:p="http://schemas.openxmlformats.org/presentationml/2006/main">
+  <p:cSld>
+    <p:spTree>
+      <p:nvGrpSpPr>
+        <p:cNvPr id="1" name=""/>
+        <p:cNvGrpSpPr/>
+        <p:nvPr/>
+      </p:nvGrpSpPr>
+      <p:grpSpPr>
+        <a:xfrm>
+          <a:off x="0" y="0"/>
+          <a:ext cx="0" cy="0"/>
+          <a:chOff x="0" y="0"/>
+          <a:chExt cx="0" cy="0"/>
+        </a:xfrm>
+      </p:grpSpPr>
+      <p:sp>
+        <p:nvSpPr>
+          <p:cNvPr id="2" name="Title 1"/>
+          <p:cNvSpPr>
+            <a:spLocks noGrp="1"/>
+          </p:cNvSpPr>
+          <p:nvPr>
+            <p:ph type="title"/>
+          </p:nvPr>
+        </p:nvSpPr>
+        <p:spPr/>
+        <p:txBody>
+          <a:bodyPr/>
+          <a:lstStyle/>
+          <a:p>
+            <a:r>
+              <a:rPr lang="en-US" dirty="0"/>
+              <a:t>Logging</a:t>
+            </a:r>
+          </a:p>
+        </p:txBody>
+      </p:sp>
+      <p:sp>
+        <p:nvSpPr>
+          <p:cNvPr id="3" name="Content Placeholder 2"/>
+          <p:cNvSpPr>
+            <a:spLocks noGrp="1"/>
+          </p:cNvSpPr>
+          <p:nvPr>
+            <p:ph idx="1"/>
+          </p:nvPr>
+        </p:nvSpPr>
+        <p:spPr/>
+        <p:txBody>
+          <a:bodyPr/>
+          <a:lstStyle/>
+          <a:p>
+            <a:r>
+              <a:rPr lang="en-US" dirty="0"/>
+              <a:t>When things go wrong check the logs</a:t>
+            </a:r>
+          </a:p>
+          <a:p>
+            <a:r>
+              <a:rPr lang="en-US" dirty="0"/>
+              <a:t>Logs controlled by Control.ini</a:t>
+            </a:r>
+          </a:p>
+          <a:p>
+            <a:pPr lvl="1"/>
+            <a:r>
+              <a:rPr lang="en-US" sz="2000" dirty="0"/>
+              <a:t>; Copy Logs if an error occurs or when deployment is successfully completed</a:t>
+            </a:r>
+          </a:p>
+          <a:p>
+            <a:pPr lvl="1"/>
+            <a:r>
+              <a:rPr lang="en-US" sz="2000" dirty="0" err="1"/>
+              <a:t>SLShare</a:t>
+            </a:r>
+            <a:r>
+              <a:rPr lang="en-US" sz="2000" dirty="0"/>
+              <a:t>=\\MDT01\</a:t>
+            </a:r>
+            <a:r>
+              <a:rPr lang="en-US" sz="2000" dirty="0" err="1"/>
+              <a:t>HECCDeploy</a:t>
+            </a:r>
+            <a:r>
+              <a:rPr lang="en-US" sz="2000" dirty="0"/>
+              <a:t>$\Logs</a:t>
+            </a:r>
+          </a:p>
+          <a:p>
+            <a:pPr lvl="1"/>
+            <a:r>
+              <a:rPr lang="en-US" sz="2000" dirty="0"/>
+              <a:t>; Enable Dynamic Logging</a:t>
+            </a:r>
+          </a:p>
+          <a:p>
+            <a:pPr lvl="1"/>
+            <a:r>
+              <a:rPr lang="en-US" sz="2000" dirty="0" err="1"/>
+              <a:t>SLSHAREDynamicLogging</a:t>
+            </a:r>
+            <a:r>
+              <a:rPr lang="en-US" sz="2000" dirty="0"/>
+              <a:t>=\\MDT01\</a:t>
+            </a:r>
+            <a:r>
+              <a:rPr lang="en-US" sz="2000" dirty="0" err="1"/>
+              <a:t>HECCDeploy</a:t>
+            </a:r>
+            <a:r>
+              <a:rPr lang="en-US" sz="2000" dirty="0"/>
+              <a:t>$\</a:t>
+            </a:r>
+            <a:r>
+              <a:rPr lang="en-US" sz="2000" dirty="0" err="1"/>
+              <a:t>DynLog</a:t>
+            </a:r>
+            <a:r>
+              <a:rPr lang="en-US" sz="2000" dirty="0"/>
+              <a:t>\%</a:t>
+            </a:r>
+            <a:r>
+              <a:rPr lang="en-US" sz="2000" dirty="0" err="1"/>
+              <a:t>OSDComputername</a:t>
+            </a:r>
+            <a:r>
+              <a:rPr lang="en-US" sz="2000" dirty="0"/>
+              <a:t>%</a:t>
+            </a:r>
+          </a:p>
+          <a:p>
+            <a:r>
+              <a:rPr lang="en-US" sz="2400" dirty="0"/>
+              <a:t>Create both the Logs and </a:t>
+            </a:r>
+            <a:r>
+              <a:rPr lang="en-US" sz="2400" dirty="0" err="1"/>
+              <a:t>DynLog</a:t>
+            </a:r>
+            <a:r>
+              <a:rPr lang="en-US" sz="2400" dirty="0"/>
+              <a:t> folders in %</a:t>
+            </a:r>
+            <a:r>
+              <a:rPr lang="en-US" sz="2400" dirty="0" err="1"/>
+              <a:t>DeploymentRoot</a:t>
+            </a:r>
+            <a:r>
+              <a:rPr lang="en-US" sz="2400" dirty="0"/>
+              <a:t>%</a:t>
+            </a:r>
+          </a:p>
+          <a:p>
+            <a:pPr lvl="1"/>
+            <a:endParaRPr lang="en-US" dirty="0"/>
+          </a:p>
+        </p:txBody>
+      </p:sp>
+    </p:spTree>
+    <p:extLst>
+      <p:ext uri="{BB962C8B-B14F-4D97-AF65-F5344CB8AC3E}">
+        <p14:creationId xmlns:p14="http://schemas.microsoft.com/office/powerpoint/2010/main" val="1419102"/>
+      </p:ext>
+    </p:extLst>
+  </p:cSld>
+  <p:clrMapOvr>
+    <a:masterClrMapping/>
+  </p:clrMapOvr>
+</p:sld>
+</file>
+
+<file path=ppt/slides/slide11.xml><?xml version="1.0" encoding="utf-8"?>
 <p:sld xmlns:a="http://schemas.openxmlformats.org/drawingml/2006/main" xmlns:r="http://schemas.openxmlformats.org/officeDocument/2006/relationships" xmlns:p="http://schemas.openxmlformats.org/presentationml/2006/main">
   <p:cSld>
     <p:spTree>
@@ -3137,66 +6567,6 @@
 </p:sld>
 </file>
 
-<file path=ppt/slides/slide11.xml><?xml version="1.0" encoding="utf-8"?>
-<p:sld xmlns:a="http://schemas.openxmlformats.org/drawingml/2006/main" xmlns:r="http://schemas.openxmlformats.org/officeDocument/2006/relationships" xmlns:p="http://schemas.openxmlformats.org/presentationml/2006/main">
-  <p:cSld>
-    <p:spTree>
-      <p:nvGrpSpPr>
-        <p:cNvPr id="1" name=""/>
-        <p:cNvGrpSpPr/>
-        <p:nvPr/>
-      </p:nvGrpSpPr>
-      <p:grpSpPr>
-        <a:xfrm>
-          <a:off x="0" y="0"/>
-          <a:ext cx="0" cy="0"/>
-          <a:chOff x="0" y="0"/>
-          <a:chExt cx="0" cy="0"/>
-        </a:xfrm>
-      </p:grpSpPr>
-      <p:sp>
-        <p:nvSpPr>
-          <p:cNvPr id="2" name="Title 1"/>
-          <p:cNvSpPr>
-            <a:spLocks noGrp="1"/>
-          </p:cNvSpPr>
-          <p:nvPr>
-            <p:ph type="title"/>
-          </p:nvPr>
-        </p:nvSpPr>
-        <p:spPr>
-          <a:xfrm>
-            <a:off x="838200" y="365125"/>
-            <a:ext cx="10515600" cy="5461934"/>
-          </a:xfrm>
-        </p:spPr>
-        <p:txBody>
-          <a:bodyPr>
-            <a:normAutofit/>
-          </a:bodyPr>
-          <a:lstStyle/>
-          <a:p>
-            <a:pPr algn="ctr"/>
-            <a:r>
-              <a:rPr lang="en-US" sz="16600" dirty="0"/>
-              <a:t>Demo</a:t>
-            </a:r>
-          </a:p>
-        </p:txBody>
-      </p:sp>
-    </p:spTree>
-    <p:extLst>
-      <p:ext uri="{BB962C8B-B14F-4D97-AF65-F5344CB8AC3E}">
-        <p14:creationId xmlns:p14="http://schemas.microsoft.com/office/powerpoint/2010/main" val="496466115"/>
-      </p:ext>
-    </p:extLst>
-  </p:cSld>
-  <p:clrMapOvr>
-    <a:masterClrMapping/>
-  </p:clrMapOvr>
-</p:sld>
-</file>
-
 <file path=ppt/slides/slide12.xml><?xml version="1.0" encoding="utf-8"?>
 <p:sld xmlns:a="http://schemas.openxmlformats.org/drawingml/2006/main" xmlns:r="http://schemas.openxmlformats.org/officeDocument/2006/relationships" xmlns:p="http://schemas.openxmlformats.org/presentationml/2006/main">
   <p:cSld>
@@ -3227,7 +6597,7 @@
         <p:spPr>
           <a:xfrm>
             <a:off x="838200" y="365125"/>
-            <a:ext cx="10515600" cy="5641228"/>
+            <a:ext cx="10515600" cy="5461934"/>
           </a:xfrm>
         </p:spPr>
         <p:txBody>
@@ -3238,8 +6608,8 @@
           <a:p>
             <a:pPr algn="ctr"/>
             <a:r>
-              <a:rPr lang="en-US" sz="13800" dirty="0"/>
-              <a:t>Questions</a:t>
+              <a:rPr lang="en-US" sz="16600" dirty="0"/>
+              <a:t>Demo</a:t>
             </a:r>
           </a:p>
         </p:txBody>
@@ -3247,7 +6617,7 @@
     </p:spTree>
     <p:extLst>
       <p:ext uri="{BB962C8B-B14F-4D97-AF65-F5344CB8AC3E}">
-        <p14:creationId xmlns:p14="http://schemas.microsoft.com/office/powerpoint/2010/main" val="2703250437"/>
+        <p14:creationId xmlns:p14="http://schemas.microsoft.com/office/powerpoint/2010/main" val="496466115"/>
       </p:ext>
     </p:extLst>
   </p:cSld>
@@ -3284,6 +6654,66 @@
             <p:ph type="title"/>
           </p:nvPr>
         </p:nvSpPr>
+        <p:spPr>
+          <a:xfrm>
+            <a:off x="838200" y="365125"/>
+            <a:ext cx="10515600" cy="5641228"/>
+          </a:xfrm>
+        </p:spPr>
+        <p:txBody>
+          <a:bodyPr>
+            <a:normAutofit/>
+          </a:bodyPr>
+          <a:lstStyle/>
+          <a:p>
+            <a:pPr algn="ctr"/>
+            <a:r>
+              <a:rPr lang="en-US" sz="13800" dirty="0"/>
+              <a:t>Questions</a:t>
+            </a:r>
+          </a:p>
+        </p:txBody>
+      </p:sp>
+    </p:spTree>
+    <p:extLst>
+      <p:ext uri="{BB962C8B-B14F-4D97-AF65-F5344CB8AC3E}">
+        <p14:creationId xmlns:p14="http://schemas.microsoft.com/office/powerpoint/2010/main" val="2703250437"/>
+      </p:ext>
+    </p:extLst>
+  </p:cSld>
+  <p:clrMapOvr>
+    <a:masterClrMapping/>
+  </p:clrMapOvr>
+</p:sld>
+</file>
+
+<file path=ppt/slides/slide14.xml><?xml version="1.0" encoding="utf-8"?>
+<p:sld xmlns:a="http://schemas.openxmlformats.org/drawingml/2006/main" xmlns:r="http://schemas.openxmlformats.org/officeDocument/2006/relationships" xmlns:p="http://schemas.openxmlformats.org/presentationml/2006/main">
+  <p:cSld>
+    <p:spTree>
+      <p:nvGrpSpPr>
+        <p:cNvPr id="1" name=""/>
+        <p:cNvGrpSpPr/>
+        <p:nvPr/>
+      </p:nvGrpSpPr>
+      <p:grpSpPr>
+        <a:xfrm>
+          <a:off x="0" y="0"/>
+          <a:ext cx="0" cy="0"/>
+          <a:chOff x="0" y="0"/>
+          <a:chExt cx="0" cy="0"/>
+        </a:xfrm>
+      </p:grpSpPr>
+      <p:sp>
+        <p:nvSpPr>
+          <p:cNvPr id="2" name="Title 1"/>
+          <p:cNvSpPr>
+            <a:spLocks noGrp="1"/>
+          </p:cNvSpPr>
+          <p:nvPr>
+            <p:ph type="title"/>
+          </p:nvPr>
+        </p:nvSpPr>
         <p:spPr/>
         <p:txBody>
           <a:bodyPr/>
@@ -3398,7 +6828,7 @@
 </p:sld>
 </file>
 
-<file path=ppt/slides/slide14.xml><?xml version="1.0" encoding="utf-8"?>
+<file path=ppt/slides/slide15.xml><?xml version="1.0" encoding="utf-8"?>
 <p:sld xmlns:a="http://schemas.openxmlformats.org/drawingml/2006/main" xmlns:r="http://schemas.openxmlformats.org/officeDocument/2006/relationships" xmlns:p="http://schemas.openxmlformats.org/presentationml/2006/main">
   <p:cSld>
     <p:spTree>
@@ -3968,7 +7398,9 @@
         </p:nvSpPr>
         <p:spPr/>
         <p:txBody>
-          <a:bodyPr/>
+          <a:bodyPr>
+            <a:normAutofit fontScale="90000"/>
+          </a:bodyPr>
           <a:lstStyle/>
           <a:p>
             <a:r>
@@ -4001,7 +7433,46 @@
           <a:bodyPr/>
           <a:lstStyle/>
           <a:p>
-            <a:endParaRPr lang="en-US" dirty="0"/>
+            <a:r>
+              <a:rPr lang="en-US" dirty="0"/>
+              <a:t>Create admin account on all PC’s using following commands</a:t>
+            </a:r>
+          </a:p>
+          <a:p>
+            <a:r>
+              <a:rPr lang="en-US" dirty="0"/>
+              <a:t>cmd.exe /c net user /add Admin Local!! &amp;&amp; cmd.exe /c net </a:t>
+            </a:r>
+            <a:r>
+              <a:rPr lang="en-US" dirty="0" err="1"/>
+              <a:t>localgroup</a:t>
+            </a:r>
+            <a:r>
+              <a:rPr lang="en-US" dirty="0"/>
+              <a:t> administrators Admin /add</a:t>
+            </a:r>
+          </a:p>
+          <a:p>
+            <a:r>
+              <a:rPr lang="en-US" dirty="0"/>
+              <a:t>cmd.exe /c wmic </a:t>
+            </a:r>
+            <a:r>
+              <a:rPr lang="en-US" dirty="0" err="1"/>
+              <a:t>useraccount</a:t>
+            </a:r>
+            <a:r>
+              <a:rPr lang="en-US" dirty="0"/>
+              <a:t> where "Name='Admin'" SET </a:t>
+            </a:r>
+            <a:r>
+              <a:rPr lang="en-US" dirty="0" err="1"/>
+              <a:t>PasswordChangeable</a:t>
+            </a:r>
+            <a:r>
+              <a:rPr lang="en-US" dirty="0"/>
+              <a:t>=False</a:t>
+            </a:r>
           </a:p>
         </p:txBody>
       </p:sp>
@@ -4045,9 +7516,16 @@
             <p:ph type="title"/>
           </p:nvPr>
         </p:nvSpPr>
-        <p:spPr/>
-        <p:txBody>
-          <a:bodyPr/>
+        <p:spPr>
+          <a:xfrm>
+            <a:off x="913795" y="609600"/>
+            <a:ext cx="10353762" cy="970450"/>
+          </a:xfrm>
+        </p:spPr>
+        <p:txBody>
+          <a:bodyPr>
+            <a:normAutofit fontScale="90000"/>
+          </a:bodyPr>
           <a:lstStyle/>
           <a:p>
             <a:r>
@@ -4059,35 +7537,46 @@
             </a:br>
             <a:r>
               <a:rPr lang="en-US" sz="2800" dirty="0"/>
-              <a:t>Local accounts</a:t>
+              <a:t>Local Admin Changes</a:t>
             </a:r>
             <a:endParaRPr lang="en-US" dirty="0"/>
           </a:p>
         </p:txBody>
       </p:sp>
-      <p:sp>
-        <p:nvSpPr>
-          <p:cNvPr id="3" name="Content Placeholder 2"/>
-          <p:cNvSpPr>
-            <a:spLocks noGrp="1"/>
-          </p:cNvSpPr>
-          <p:nvPr>
-            <p:ph idx="1"/>
-          </p:nvPr>
-        </p:nvSpPr>
-        <p:spPr/>
-        <p:txBody>
-          <a:bodyPr/>
-          <a:lstStyle/>
-          <a:p>
-            <a:endParaRPr lang="en-US" dirty="0"/>
-          </a:p>
-        </p:txBody>
-      </p:sp>
+      <p:pic>
+        <p:nvPicPr>
+          <p:cNvPr id="4" name="Picture 3">
+            <a:extLst>
+              <a:ext uri="{FF2B5EF4-FFF2-40B4-BE49-F238E27FC236}">
+                <a16:creationId xmlns:a16="http://schemas.microsoft.com/office/drawing/2014/main" id="{9A0723AA-54C8-4899-8A90-803CA6787318}"/>
+              </a:ext>
+            </a:extLst>
+          </p:cNvPr>
+          <p:cNvPicPr>
+            <a:picLocks noChangeAspect="1"/>
+          </p:cNvPicPr>
+          <p:nvPr/>
+        </p:nvPicPr>
+        <p:blipFill>
+          <a:blip r:embed="rId2"/>
+          <a:stretch>
+            <a:fillRect/>
+          </a:stretch>
+        </p:blipFill>
+        <p:spPr>
+          <a:xfrm>
+            <a:off x="3384374" y="1707435"/>
+            <a:ext cx="5412604" cy="4876165"/>
+          </a:xfrm>
+          <a:prstGeom prst="rect">
+            <a:avLst/>
+          </a:prstGeom>
+        </p:spPr>
+      </p:pic>
     </p:spTree>
     <p:extLst>
       <p:ext uri="{BB962C8B-B14F-4D97-AF65-F5344CB8AC3E}">
-        <p14:creationId xmlns:p14="http://schemas.microsoft.com/office/powerpoint/2010/main" val="2861326699"/>
+        <p14:creationId xmlns:p14="http://schemas.microsoft.com/office/powerpoint/2010/main" val="2228255969"/>
       </p:ext>
     </p:extLst>
   </p:cSld>
@@ -4126,7 +7615,9 @@
         </p:nvSpPr>
         <p:spPr/>
         <p:txBody>
-          <a:bodyPr/>
+          <a:bodyPr>
+            <a:normAutofit fontScale="90000"/>
+          </a:bodyPr>
           <a:lstStyle/>
           <a:p>
             <a:r>
@@ -4138,7 +7629,7 @@
             </a:br>
             <a:r>
               <a:rPr lang="en-US" sz="2800" dirty="0"/>
-              <a:t>Activate Office 2016</a:t>
+              <a:t>Local accounts</a:t>
             </a:r>
             <a:endParaRPr lang="en-US" dirty="0"/>
           </a:p>
@@ -4159,14 +7650,59 @@
           <a:bodyPr/>
           <a:lstStyle/>
           <a:p>
+            <a:r>
+              <a:rPr lang="en-US" dirty="0"/>
+              <a:t>Disable Administrator Account</a:t>
+            </a:r>
+          </a:p>
+          <a:p>
+            <a:pPr lvl="1"/>
+            <a:r>
+              <a:rPr lang="en-US" dirty="0"/>
+              <a:t>cmd.exe /c net user administrator /</a:t>
+            </a:r>
+            <a:r>
+              <a:rPr lang="en-US" dirty="0" err="1"/>
+              <a:t>active:no</a:t>
+            </a:r>
             <a:endParaRPr lang="en-US" dirty="0"/>
           </a:p>
         </p:txBody>
       </p:sp>
+      <p:pic>
+        <p:nvPicPr>
+          <p:cNvPr id="4" name="Picture 3">
+            <a:extLst>
+              <a:ext uri="{FF2B5EF4-FFF2-40B4-BE49-F238E27FC236}">
+                <a16:creationId xmlns:a16="http://schemas.microsoft.com/office/drawing/2014/main" id="{58F5012C-119E-4926-9192-8502641FEE33}"/>
+              </a:ext>
+            </a:extLst>
+          </p:cNvPr>
+          <p:cNvPicPr>
+            <a:picLocks noChangeAspect="1"/>
+          </p:cNvPicPr>
+          <p:nvPr/>
+        </p:nvPicPr>
+        <p:blipFill>
+          <a:blip r:embed="rId2"/>
+          <a:stretch>
+            <a:fillRect/>
+          </a:stretch>
+        </p:blipFill>
+        <p:spPr>
+          <a:xfrm>
+            <a:off x="2687916" y="2887272"/>
+            <a:ext cx="6924025" cy="3688892"/>
+          </a:xfrm>
+          <a:prstGeom prst="rect">
+            <a:avLst/>
+          </a:prstGeom>
+        </p:spPr>
+      </p:pic>
     </p:spTree>
     <p:extLst>
       <p:ext uri="{BB962C8B-B14F-4D97-AF65-F5344CB8AC3E}">
-        <p14:creationId xmlns:p14="http://schemas.microsoft.com/office/powerpoint/2010/main" val="1359849241"/>
+        <p14:creationId xmlns:p14="http://schemas.microsoft.com/office/powerpoint/2010/main" val="2861326699"/>
       </p:ext>
     </p:extLst>
   </p:cSld>
@@ -4205,7 +7741,9 @@
         </p:nvSpPr>
         <p:spPr/>
         <p:txBody>
-          <a:bodyPr/>
+          <a:bodyPr>
+            <a:normAutofit fontScale="90000"/>
+          </a:bodyPr>
           <a:lstStyle/>
           <a:p>
             <a:r>
@@ -4217,7 +7755,7 @@
             </a:br>
             <a:r>
               <a:rPr lang="en-US" sz="2800" dirty="0"/>
-              <a:t>OEM Information</a:t>
+              <a:t>Activate Office 2016</a:t>
             </a:r>
             <a:endParaRPr lang="en-US" dirty="0"/>
           </a:p>
@@ -4245,7 +7783,7 @@
     </p:spTree>
     <p:extLst>
       <p:ext uri="{BB962C8B-B14F-4D97-AF65-F5344CB8AC3E}">
-        <p14:creationId xmlns:p14="http://schemas.microsoft.com/office/powerpoint/2010/main" val="2911019034"/>
+        <p14:creationId xmlns:p14="http://schemas.microsoft.com/office/powerpoint/2010/main" val="1359849241"/>
       </p:ext>
     </p:extLst>
   </p:cSld>
@@ -4284,7 +7822,9 @@
         </p:nvSpPr>
         <p:spPr/>
         <p:txBody>
-          <a:bodyPr/>
+          <a:bodyPr>
+            <a:normAutofit fontScale="90000"/>
+          </a:bodyPr>
           <a:lstStyle/>
           <a:p>
             <a:r>
@@ -4296,8 +7836,9 @@
             </a:br>
             <a:r>
               <a:rPr lang="en-US" sz="2800" dirty="0"/>
-              <a:t>Generate Windows Experience </a:t>
-            </a:r>
+              <a:t>OEM Information</a:t>
+            </a:r>
+            <a:endParaRPr lang="en-US" dirty="0"/>
           </a:p>
         </p:txBody>
       </p:sp>
@@ -4316,53 +7857,14 @@
           <a:bodyPr/>
           <a:lstStyle/>
           <a:p>
-            <a:r>
-              <a:rPr lang="en-US" dirty="0"/>
-              <a:t>Based of off following blog post</a:t>
-            </a:r>
-          </a:p>
-          <a:p>
-            <a:pPr lvl="1"/>
-            <a:r>
-              <a:rPr lang="en-US" sz="1800" dirty="0">
-                <a:hlinkClick r:id="rId2"/>
-              </a:rPr>
-              <a:t>https://deploymentresearch.com/Research/Post/624/Why-adding-WinSAT-formal-to-your-task-sequence-can-be-a-shiny-thing-to-do</a:t>
-            </a:r>
-            <a:endParaRPr lang="en-US" sz="1800" dirty="0"/>
-          </a:p>
-          <a:p>
-            <a:r>
-              <a:rPr lang="en-US" dirty="0"/>
-              <a:t>Help Windows know if SSD is installed on machine</a:t>
-            </a:r>
-          </a:p>
-          <a:p>
-            <a:r>
-              <a:rPr lang="en-US" dirty="0"/>
-              <a:t>I just created a batch file with command in it</a:t>
-            </a:r>
-          </a:p>
-          <a:p>
-            <a:pPr lvl="1"/>
-            <a:r>
-              <a:rPr lang="en-US" dirty="0"/>
-              <a:t>winsat formal</a:t>
-            </a:r>
-          </a:p>
-          <a:p>
-            <a:pPr lvl="1"/>
-            <a:r>
-              <a:rPr lang="en-US" dirty="0"/>
-              <a:t>Put batch file as an Application in MDT</a:t>
-            </a:r>
+            <a:endParaRPr lang="en-US" dirty="0"/>
           </a:p>
         </p:txBody>
       </p:sp>
     </p:spTree>
     <p:extLst>
       <p:ext uri="{BB962C8B-B14F-4D97-AF65-F5344CB8AC3E}">
-        <p14:creationId xmlns:p14="http://schemas.microsoft.com/office/powerpoint/2010/main" val="3803611588"/>
+        <p14:creationId xmlns:p14="http://schemas.microsoft.com/office/powerpoint/2010/main" val="2911019034"/>
       </p:ext>
     </p:extLst>
   </p:cSld>
@@ -4401,142 +7903,87 @@
         </p:nvSpPr>
         <p:spPr/>
         <p:txBody>
+          <a:bodyPr>
+            <a:normAutofit fontScale="90000"/>
+          </a:bodyPr>
+          <a:lstStyle/>
+          <a:p>
+            <a:r>
+              <a:rPr lang="en-US" dirty="0"/>
+              <a:t>Final Adjustments</a:t>
+            </a:r>
+            <a:br>
+              <a:rPr lang="en-US" dirty="0"/>
+            </a:br>
+            <a:r>
+              <a:rPr lang="en-US" sz="2800" dirty="0"/>
+              <a:t>Generate Windows Experience </a:t>
+            </a:r>
+          </a:p>
+        </p:txBody>
+      </p:sp>
+      <p:sp>
+        <p:nvSpPr>
+          <p:cNvPr id="3" name="Content Placeholder 2"/>
+          <p:cNvSpPr>
+            <a:spLocks noGrp="1"/>
+          </p:cNvSpPr>
+          <p:nvPr>
+            <p:ph idx="1"/>
+          </p:nvPr>
+        </p:nvSpPr>
+        <p:spPr/>
+        <p:txBody>
           <a:bodyPr/>
           <a:lstStyle/>
           <a:p>
             <a:r>
               <a:rPr lang="en-US" dirty="0"/>
-              <a:t>Logging</a:t>
-            </a:r>
-          </a:p>
-        </p:txBody>
-      </p:sp>
-      <p:sp>
-        <p:nvSpPr>
-          <p:cNvPr id="3" name="Content Placeholder 2"/>
-          <p:cNvSpPr>
-            <a:spLocks noGrp="1"/>
-          </p:cNvSpPr>
-          <p:nvPr>
-            <p:ph idx="1"/>
-          </p:nvPr>
-        </p:nvSpPr>
-        <p:spPr/>
-        <p:txBody>
-          <a:bodyPr/>
-          <a:lstStyle/>
+              <a:t>Based of off following blog post</a:t>
+            </a:r>
+          </a:p>
+          <a:p>
+            <a:pPr lvl="1"/>
+            <a:r>
+              <a:rPr lang="en-US" sz="1800" dirty="0">
+                <a:hlinkClick r:id="rId2"/>
+              </a:rPr>
+              <a:t>https://deploymentresearch.com/Research/Post/624/Why-adding-WinSAT-formal-to-your-task-sequence-can-be-a-shiny-thing-to-do</a:t>
+            </a:r>
+            <a:endParaRPr lang="en-US" sz="1800" dirty="0"/>
+          </a:p>
           <a:p>
             <a:r>
               <a:rPr lang="en-US" dirty="0"/>
-              <a:t>When things go wrong check the logs</a:t>
+              <a:t>Help Windows know if SSD is installed on machine</a:t>
             </a:r>
           </a:p>
           <a:p>
             <a:r>
               <a:rPr lang="en-US" dirty="0"/>
-              <a:t>Logs controlled by Control.ini</a:t>
+              <a:t>I just created a batch file with command in it</a:t>
             </a:r>
           </a:p>
           <a:p>
             <a:pPr lvl="1"/>
             <a:r>
-              <a:rPr lang="en-US" sz="2000" dirty="0"/>
-              <a:t>; Copy Logs if an error occurs or when deployment is successfully completed</a:t>
+              <a:rPr lang="en-US" dirty="0"/>
+              <a:t>winsat formal</a:t>
             </a:r>
           </a:p>
           <a:p>
             <a:pPr lvl="1"/>
             <a:r>
-              <a:rPr lang="en-US" sz="2000" dirty="0" err="1"/>
-              <a:t>SLShare</a:t>
-            </a:r>
-            <a:r>
-              <a:rPr lang="en-US" sz="2000" dirty="0"/>
-              <a:t>=\\MDT01\</a:t>
-            </a:r>
-            <a:r>
-              <a:rPr lang="en-US" sz="2000" dirty="0" err="1"/>
-              <a:t>HECCDeploy</a:t>
-            </a:r>
-            <a:r>
-              <a:rPr lang="en-US" sz="2000" dirty="0"/>
-              <a:t>$\Logs</a:t>
-            </a:r>
-          </a:p>
-          <a:p>
-            <a:pPr lvl="1"/>
-            <a:r>
-              <a:rPr lang="en-US" sz="2000" dirty="0"/>
-              <a:t>; Enable Dynamic Logging</a:t>
-            </a:r>
-          </a:p>
-          <a:p>
-            <a:pPr lvl="1"/>
-            <a:r>
-              <a:rPr lang="en-US" sz="2000" dirty="0" err="1"/>
-              <a:t>SLSHAREDynamicLogging</a:t>
-            </a:r>
-            <a:r>
-              <a:rPr lang="en-US" sz="2000" dirty="0"/>
-              <a:t>=\\MDT01\</a:t>
-            </a:r>
-            <a:r>
-              <a:rPr lang="en-US" sz="2000" dirty="0" err="1"/>
-              <a:t>HECCDeploy</a:t>
-            </a:r>
-            <a:r>
-              <a:rPr lang="en-US" sz="2000" dirty="0"/>
-              <a:t>$\</a:t>
-            </a:r>
-            <a:r>
-              <a:rPr lang="en-US" sz="2000" dirty="0" err="1"/>
-              <a:t>DynLog</a:t>
-            </a:r>
-            <a:r>
-              <a:rPr lang="en-US" sz="2000" dirty="0"/>
-              <a:t>\%</a:t>
-            </a:r>
-            <a:r>
-              <a:rPr lang="en-US" sz="2000" dirty="0" err="1"/>
-              <a:t>OSDComputername</a:t>
-            </a:r>
-            <a:r>
-              <a:rPr lang="en-US" sz="2000" dirty="0"/>
-              <a:t>%</a:t>
-            </a:r>
-          </a:p>
-          <a:p>
-            <a:r>
-              <a:rPr lang="en-US" sz="2400" dirty="0"/>
-              <a:t>Create both the Logs and </a:t>
-            </a:r>
-            <a:r>
-              <a:rPr lang="en-US" sz="2400" dirty="0" err="1"/>
-              <a:t>DynLog</a:t>
-            </a:r>
-            <a:r>
-              <a:rPr lang="en-US" sz="2400" dirty="0"/>
-              <a:t> folders in %</a:t>
-            </a:r>
-            <a:r>
-              <a:rPr lang="en-US" sz="2400" dirty="0" err="1"/>
-              <a:t>DeploymentRoot</a:t>
-            </a:r>
-            <a:r>
-              <a:rPr lang="en-US" sz="2400" dirty="0"/>
-              <a:t>%</a:t>
-            </a:r>
-          </a:p>
-          <a:p>
-            <a:pPr lvl="1"/>
-            <a:endParaRPr lang="en-US" dirty="0"/>
+              <a:rPr lang="en-US" dirty="0"/>
+              <a:t>Put batch file as an Application in MDT</a:t>
+            </a:r>
           </a:p>
         </p:txBody>
       </p:sp>
     </p:spTree>
     <p:extLst>
       <p:ext uri="{BB962C8B-B14F-4D97-AF65-F5344CB8AC3E}">
-        <p14:creationId xmlns:p14="http://schemas.microsoft.com/office/powerpoint/2010/main" val="1419102"/>
+        <p14:creationId xmlns:p14="http://schemas.microsoft.com/office/powerpoint/2010/main" val="3803611588"/>
       </p:ext>
     </p:extLst>
   </p:cSld>
@@ -4547,9 +7994,9 @@
 </file>
 
 <file path=ppt/theme/theme1.xml><?xml version="1.0" encoding="utf-8"?>
-<a:theme xmlns:a="http://schemas.openxmlformats.org/drawingml/2006/main" name="Office Theme">
+<a:theme xmlns:a="http://schemas.openxmlformats.org/drawingml/2006/main" name="Slate">
   <a:themeElements>
-    <a:clrScheme name="Office">
+    <a:clrScheme name="Slate">
       <a:dk1>
         <a:sysClr val="windowText" lastClr="000000"/>
       </a:dk1>
@@ -4557,52 +8004,52 @@
         <a:sysClr val="window" lastClr="FFFFFF"/>
       </a:lt1>
       <a:dk2>
-        <a:srgbClr val="44546A"/>
+        <a:srgbClr val="212123"/>
       </a:dk2>
       <a:lt2>
-        <a:srgbClr val="E7E6E6"/>
+        <a:srgbClr val="DADADA"/>
       </a:lt2>
       <a:accent1>
-        <a:srgbClr val="5B9BD5"/>
+        <a:srgbClr val="BC451B"/>
       </a:accent1>
       <a:accent2>
-        <a:srgbClr val="ED7D31"/>
+        <a:srgbClr val="D3BA68"/>
       </a:accent2>
       <a:accent3>
-        <a:srgbClr val="A5A5A5"/>
+        <a:srgbClr val="BB8640"/>
       </a:accent3>
       <a:accent4>
-        <a:srgbClr val="FFC000"/>
+        <a:srgbClr val="AD9277"/>
       </a:accent4>
       <a:accent5>
-        <a:srgbClr val="4472C4"/>
+        <a:srgbClr val="A55A43"/>
       </a:accent5>
       <a:accent6>
-        <a:srgbClr val="70AD47"/>
+        <a:srgbClr val="AD9D7B"/>
       </a:accent6>
       <a:hlink>
-        <a:srgbClr val="0563C1"/>
+        <a:srgbClr val="E98052"/>
       </a:hlink>
       <a:folHlink>
-        <a:srgbClr val="954F72"/>
+        <a:srgbClr val="F4B69B"/>
       </a:folHlink>
     </a:clrScheme>
-    <a:fontScheme name="Office">
+    <a:fontScheme name="Slate">
       <a:majorFont>
-        <a:latin typeface="Calibri Light" panose="020F0302020204030204"/>
+        <a:latin typeface="Calisto MT" panose="02040603050505030304"/>
         <a:ea typeface=""/>
         <a:cs typeface=""/>
-        <a:font script="Jpan" typeface="游ゴシック Light"/>
-        <a:font script="Hang" typeface="맑은 고딕"/>
-        <a:font script="Hans" typeface="等线 Light"/>
-        <a:font script="Hant" typeface="新細明體"/>
-        <a:font script="Arab" typeface="Times New Roman"/>
-        <a:font script="Hebr" typeface="Times New Roman"/>
-        <a:font script="Thai" typeface="Angsana New"/>
+        <a:font script="Jpan" typeface="ＭＳ Ｐゴシック"/>
+        <a:font script="Hang" typeface="돋움"/>
+        <a:font script="Hans" typeface="方正舒体"/>
+        <a:font script="Hant" typeface="微軟正黑體"/>
+        <a:font script="Arab" typeface="Arial"/>
+        <a:font script="Hebr" typeface="Arial"/>
+        <a:font script="Thai" typeface="Cordia New"/>
         <a:font script="Ethi" typeface="Nyala"/>
         <a:font script="Beng" typeface="Vrinda"/>
         <a:font script="Gujr" typeface="Shruti"/>
-        <a:font script="Khmr" typeface="MoolBoran"/>
+        <a:font script="Khmr" typeface="DaunPenh"/>
         <a:font script="Knda" typeface="Tunga"/>
         <a:font script="Guru" typeface="Raavi"/>
         <a:font script="Cans" typeface="Euphemia"/>
@@ -4619,18 +8066,18 @@
         <a:font script="Laoo" typeface="DokChampa"/>
         <a:font script="Sinh" typeface="Iskoola Pota"/>
         <a:font script="Mong" typeface="Mongolian Baiti"/>
-        <a:font script="Viet" typeface="Times New Roman"/>
+        <a:font script="Viet" typeface="Arial"/>
         <a:font script="Uigh" typeface="Microsoft Uighur"/>
         <a:font script="Geor" typeface="Sylfaen"/>
       </a:majorFont>
       <a:minorFont>
-        <a:latin typeface="Calibri" panose="020F0502020204030204"/>
+        <a:latin typeface="Calisto MT" panose="02040603050505030304"/>
         <a:ea typeface=""/>
         <a:cs typeface=""/>
-        <a:font script="Jpan" typeface="游ゴシック"/>
-        <a:font script="Hang" typeface="맑은 고딕"/>
-        <a:font script="Hans" typeface="等线"/>
-        <a:font script="Hant" typeface="新細明體"/>
+        <a:font script="Jpan" typeface="ＭＳ Ｐゴシック"/>
+        <a:font script="Hang" typeface="돋움"/>
+        <a:font script="Hans" typeface="方正舒体"/>
+        <a:font script="Hant" typeface="微軟正黑體"/>
         <a:font script="Arab" typeface="Arial"/>
         <a:font script="Hebr" typeface="Arial"/>
         <a:font script="Thai" typeface="Cordia New"/>
@@ -4659,7 +8106,7 @@
         <a:font script="Geor" typeface="Sylfaen"/>
       </a:minorFont>
     </a:fontScheme>
-    <a:fmtScheme name="Office">
+    <a:fmtScheme name="Slate">
       <a:fillStyleLst>
         <a:solidFill>
           <a:schemeClr val="phClr"/>
@@ -4668,23 +8115,13 @@
           <a:gsLst>
             <a:gs pos="0">
               <a:schemeClr val="phClr">
+                <a:tint val="60000"/>
                 <a:lumMod val="110000"/>
-                <a:satMod val="105000"/>
-                <a:tint val="67000"/>
-              </a:schemeClr>
-            </a:gs>
-            <a:gs pos="50000">
-              <a:schemeClr val="phClr">
-                <a:lumMod val="105000"/>
-                <a:satMod val="103000"/>
-                <a:tint val="73000"/>
               </a:schemeClr>
             </a:gs>
             <a:gs pos="100000">
               <a:schemeClr val="phClr">
-                <a:lumMod val="105000"/>
-                <a:satMod val="109000"/>
-                <a:tint val="81000"/>
+                <a:tint val="88000"/>
               </a:schemeClr>
             </a:gs>
           </a:gsLst>
@@ -4694,23 +8131,14 @@
           <a:gsLst>
             <a:gs pos="0">
               <a:schemeClr val="phClr">
-                <a:satMod val="103000"/>
-                <a:lumMod val="102000"/>
-                <a:tint val="94000"/>
-              </a:schemeClr>
-            </a:gs>
-            <a:gs pos="50000">
-              <a:schemeClr val="phClr">
-                <a:satMod val="110000"/>
-                <a:lumMod val="100000"/>
-                <a:shade val="100000"/>
+                <a:tint val="96000"/>
+                <a:lumMod val="104000"/>
               </a:schemeClr>
             </a:gs>
             <a:gs pos="100000">
               <a:schemeClr val="phClr">
-                <a:lumMod val="99000"/>
-                <a:satMod val="120000"/>
-                <a:shade val="78000"/>
+                <a:shade val="90000"/>
+                <a:lumMod val="90000"/>
               </a:schemeClr>
             </a:gs>
           </a:gsLst>
@@ -4718,26 +8146,25 @@
         </a:gradFill>
       </a:fillStyleLst>
       <a:lnStyleLst>
-        <a:ln w="6350" cap="flat" cmpd="sng" algn="ctr">
+        <a:ln w="9525" cap="rnd" cmpd="sng" algn="ctr">
+          <a:solidFill>
+            <a:schemeClr val="phClr">
+              <a:shade val="90000"/>
+            </a:schemeClr>
+          </a:solidFill>
+          <a:prstDash val="solid"/>
+        </a:ln>
+        <a:ln w="15875" cap="rnd" cmpd="sng" algn="ctr">
           <a:solidFill>
             <a:schemeClr val="phClr"/>
           </a:solidFill>
           <a:prstDash val="solid"/>
-          <a:miter lim="800000"/>
         </a:ln>
-        <a:ln w="12700" cap="flat" cmpd="sng" algn="ctr">
+        <a:ln w="25400" cap="rnd" cmpd="sng" algn="ctr">
           <a:solidFill>
             <a:schemeClr val="phClr"/>
           </a:solidFill>
           <a:prstDash val="solid"/>
-          <a:miter lim="800000"/>
-        </a:ln>
-        <a:ln w="19050" cap="flat" cmpd="sng" algn="ctr">
-          <a:solidFill>
-            <a:schemeClr val="phClr"/>
-          </a:solidFill>
-          <a:prstDash val="solid"/>
-          <a:miter lim="800000"/>
         </a:ln>
       </a:lnStyleLst>
       <a:effectStyleLst>
@@ -4745,16 +8172,33 @@
           <a:effectLst/>
         </a:effectStyle>
         <a:effectStyle>
-          <a:effectLst/>
+          <a:effectLst>
+            <a:outerShdw blurRad="63500" dist="25400" dir="5400000" rotWithShape="0">
+              <a:srgbClr val="000000">
+                <a:alpha val="60000"/>
+              </a:srgbClr>
+            </a:outerShdw>
+          </a:effectLst>
         </a:effectStyle>
         <a:effectStyle>
           <a:effectLst>
-            <a:outerShdw blurRad="57150" dist="19050" dir="5400000" algn="ctr" rotWithShape="0">
+            <a:outerShdw blurRad="76200" dist="38100" dir="5400000" rotWithShape="0">
               <a:srgbClr val="000000">
-                <a:alpha val="63000"/>
+                <a:alpha val="75000"/>
               </a:srgbClr>
             </a:outerShdw>
           </a:effectLst>
+          <a:scene3d>
+            <a:camera prst="orthographicFront">
+              <a:rot lat="0" lon="0" rev="0"/>
+            </a:camera>
+            <a:lightRig rig="threePt" dir="t">
+              <a:rot lat="0" lon="0" rev="1200000"/>
+            </a:lightRig>
+          </a:scene3d>
+          <a:sp3d>
+            <a:bevelT w="63500" h="25400" prst="hardEdge"/>
+          </a:sp3d>
         </a:effectStyle>
       </a:effectStyleLst>
       <a:bgFillStyleLst>
@@ -4762,38 +8206,22 @@
           <a:schemeClr val="phClr"/>
         </a:solidFill>
         <a:solidFill>
-          <a:schemeClr val="phClr">
-            <a:tint val="95000"/>
-            <a:satMod val="170000"/>
-          </a:schemeClr>
+          <a:schemeClr val="phClr"/>
         </a:solidFill>
-        <a:gradFill rotWithShape="1">
-          <a:gsLst>
-            <a:gs pos="0">
+        <a:blipFill rotWithShape="1">
+          <a:blip xmlns:r="http://schemas.openxmlformats.org/officeDocument/2006/relationships" r:embed="rId1">
+            <a:duotone>
               <a:schemeClr val="phClr">
-                <a:tint val="93000"/>
-                <a:satMod val="150000"/>
-                <a:shade val="98000"/>
-                <a:lumMod val="102000"/>
+                <a:shade val="80000"/>
+                <a:lumMod val="80000"/>
               </a:schemeClr>
-            </a:gs>
-            <a:gs pos="50000">
               <a:schemeClr val="phClr">
                 <a:tint val="98000"/>
-                <a:satMod val="130000"/>
-                <a:shade val="90000"/>
-                <a:lumMod val="103000"/>
               </a:schemeClr>
-            </a:gs>
-            <a:gs pos="100000">
-              <a:schemeClr val="phClr">
-                <a:shade val="63000"/>
-                <a:satMod val="120000"/>
-              </a:schemeClr>
-            </a:gs>
-          </a:gsLst>
-          <a:lin ang="5400000" scaled="0"/>
-        </a:gradFill>
+            </a:duotone>
+          </a:blip>
+          <a:stretch/>
+        </a:blipFill>
       </a:bgFillStyleLst>
     </a:fmtScheme>
   </a:themeElements>
@@ -4801,7 +8229,7 @@
   <a:extraClrSchemeLst/>
   <a:extLst>
     <a:ext uri="{05A4C25C-085E-4340-85A3-A5531E510DB2}">
-      <thm15:themeFamily xmlns:thm15="http://schemas.microsoft.com/office/thememl/2012/main" name="Office Theme" id="{62F939B6-93AF-4DB8-9C6B-D6C7DFDC589F}" vid="{4A3C46E8-61CC-4603-A589-7422A47A8E4A}"/>
+      <thm15:themeFamily xmlns:thm15="http://schemas.microsoft.com/office/thememl/2012/main" name="Slate" id="{C3F70B94-7CE9-428E-ADC1-3269CC2C3385}" vid="{3F2DE9A5-64E6-437C-A389-CC4477E817E8}"/>
     </a:ext>
   </a:extLst>
 </a:theme>
